--- a/Documentation/Wireframes/TaskManagement.pptx
+++ b/Documentation/Wireframes/TaskManagement.pptx
@@ -8,7 +8,8 @@
     <p:sldId id="256" r:id="rId13"/>
     <p:sldId id="263" r:id="rId14"/>
     <p:sldId id="264" r:id="rId15"/>
-    <p:sldId id="265" r:id="rId16"/>
+    <p:sldId id="266" r:id="rId16"/>
+    <p:sldId id="265" r:id="rId17"/>
   </p:sldIdLst>
   <p:sldSz cx="12192000" cy="6858000"/>
   <p:notesSz cx="6858000" cy="9144000"/>
@@ -113,10 +114,6 @@
     </p:ext>
   </p:extLst>
 </p:presentation>
-</file>
-
-<file path=ppt/revisionInfo.xml><?xml version="1.0" encoding="utf-8"?>
-<p1510:revInfo xmlns:a="http://schemas.openxmlformats.org/drawingml/2006/main" xmlns:r="http://schemas.openxmlformats.org/officeDocument/2006/relationships" xmlns:p1510="http://schemas.microsoft.com/office/powerpoint/2015/10/main"/>
 </file>
 
 <file path=ppt/slideLayouts/slideLayout1.xml><?xml version="1.0" encoding="utf-8"?>
@@ -268,7 +265,7 @@
           <a:p>
             <a:fld id="{CB17A75B-3A1C-4EC5-9E26-E47EB129267A}" type="datetimeFigureOut">
               <a:rPr lang="de-AT" smtClean="0"/>
-              <a:t>28.01.2018</a:t>
+              <a:t>19.02.2019</a:t>
             </a:fld>
             <a:endParaRPr lang="de-AT"/>
           </a:p>
@@ -468,7 +465,7 @@
           <a:p>
             <a:fld id="{CB17A75B-3A1C-4EC5-9E26-E47EB129267A}" type="datetimeFigureOut">
               <a:rPr lang="de-AT" smtClean="0"/>
-              <a:t>28.01.2018</a:t>
+              <a:t>19.02.2019</a:t>
             </a:fld>
             <a:endParaRPr lang="de-AT"/>
           </a:p>
@@ -678,7 +675,7 @@
           <a:p>
             <a:fld id="{CB17A75B-3A1C-4EC5-9E26-E47EB129267A}" type="datetimeFigureOut">
               <a:rPr lang="de-AT" smtClean="0"/>
-              <a:t>28.01.2018</a:t>
+              <a:t>19.02.2019</a:t>
             </a:fld>
             <a:endParaRPr lang="de-AT"/>
           </a:p>
@@ -878,7 +875,7 @@
           <a:p>
             <a:fld id="{CB17A75B-3A1C-4EC5-9E26-E47EB129267A}" type="datetimeFigureOut">
               <a:rPr lang="de-AT" smtClean="0"/>
-              <a:t>28.01.2018</a:t>
+              <a:t>19.02.2019</a:t>
             </a:fld>
             <a:endParaRPr lang="de-AT"/>
           </a:p>
@@ -1154,7 +1151,7 @@
           <a:p>
             <a:fld id="{CB17A75B-3A1C-4EC5-9E26-E47EB129267A}" type="datetimeFigureOut">
               <a:rPr lang="de-AT" smtClean="0"/>
-              <a:t>28.01.2018</a:t>
+              <a:t>19.02.2019</a:t>
             </a:fld>
             <a:endParaRPr lang="de-AT"/>
           </a:p>
@@ -1422,7 +1419,7 @@
           <a:p>
             <a:fld id="{CB17A75B-3A1C-4EC5-9E26-E47EB129267A}" type="datetimeFigureOut">
               <a:rPr lang="de-AT" smtClean="0"/>
-              <a:t>28.01.2018</a:t>
+              <a:t>19.02.2019</a:t>
             </a:fld>
             <a:endParaRPr lang="de-AT"/>
           </a:p>
@@ -1837,7 +1834,7 @@
           <a:p>
             <a:fld id="{CB17A75B-3A1C-4EC5-9E26-E47EB129267A}" type="datetimeFigureOut">
               <a:rPr lang="de-AT" smtClean="0"/>
-              <a:t>28.01.2018</a:t>
+              <a:t>19.02.2019</a:t>
             </a:fld>
             <a:endParaRPr lang="de-AT"/>
           </a:p>
@@ -1979,7 +1976,7 @@
           <a:p>
             <a:fld id="{CB17A75B-3A1C-4EC5-9E26-E47EB129267A}" type="datetimeFigureOut">
               <a:rPr lang="de-AT" smtClean="0"/>
-              <a:t>28.01.2018</a:t>
+              <a:t>19.02.2019</a:t>
             </a:fld>
             <a:endParaRPr lang="de-AT"/>
           </a:p>
@@ -2092,7 +2089,7 @@
           <a:p>
             <a:fld id="{CB17A75B-3A1C-4EC5-9E26-E47EB129267A}" type="datetimeFigureOut">
               <a:rPr lang="de-AT" smtClean="0"/>
-              <a:t>28.01.2018</a:t>
+              <a:t>19.02.2019</a:t>
             </a:fld>
             <a:endParaRPr lang="de-AT"/>
           </a:p>
@@ -2405,7 +2402,7 @@
           <a:p>
             <a:fld id="{CB17A75B-3A1C-4EC5-9E26-E47EB129267A}" type="datetimeFigureOut">
               <a:rPr lang="de-AT" smtClean="0"/>
-              <a:t>28.01.2018</a:t>
+              <a:t>19.02.2019</a:t>
             </a:fld>
             <a:endParaRPr lang="de-AT"/>
           </a:p>
@@ -2694,7 +2691,7 @@
           <a:p>
             <a:fld id="{CB17A75B-3A1C-4EC5-9E26-E47EB129267A}" type="datetimeFigureOut">
               <a:rPr lang="de-AT" smtClean="0"/>
-              <a:t>28.01.2018</a:t>
+              <a:t>19.02.2019</a:t>
             </a:fld>
             <a:endParaRPr lang="de-AT"/>
           </a:p>
@@ -2937,7 +2934,7 @@
           <a:p>
             <a:fld id="{CB17A75B-3A1C-4EC5-9E26-E47EB129267A}" type="datetimeFigureOut">
               <a:rPr lang="de-AT" smtClean="0"/>
-              <a:t>28.01.2018</a:t>
+              <a:t>19.02.2019</a:t>
             </a:fld>
             <a:endParaRPr lang="de-AT"/>
           </a:p>
@@ -15595,7 +15592,7 @@
           </a:bodyPr>
           <a:lstStyle/>
           <a:p>
-            <a:endParaRPr lang="en-US" sz="1050">
+            <a:endParaRPr lang="en-US" sz="1050" dirty="0">
               <a:latin typeface="Arial" panose="020B0604020202020204" pitchFamily="34" charset="0"/>
               <a:cs typeface="Arial" panose="020B0604020202020204" pitchFamily="34" charset="0"/>
             </a:endParaRPr>
@@ -17150,6 +17147,4507 @@
           </a:p>
         </p:txBody>
       </p:sp>
+      <p:sp>
+        <p:nvSpPr>
+          <p:cNvPr id="28" name="h2">
+            <a:extLst>
+              <a:ext uri="{FF2B5EF4-FFF2-40B4-BE49-F238E27FC236}">
+                <a16:creationId xmlns:a16="http://schemas.microsoft.com/office/drawing/2014/main" id="{96EFA542-7B77-4D69-8F69-5934CF56B11F}"/>
+              </a:ext>
+            </a:extLst>
+          </p:cNvPr>
+          <p:cNvSpPr txBox="1"/>
+          <p:nvPr/>
+        </p:nvSpPr>
+        <p:spPr>
+          <a:xfrm>
+            <a:off x="365036" y="3780425"/>
+            <a:ext cx="2121093" cy="369332"/>
+          </a:xfrm>
+          <a:prstGeom prst="rect">
+            <a:avLst/>
+          </a:prstGeom>
+          <a:noFill/>
+          <a:ln w="9525">
+            <a:noFill/>
+          </a:ln>
+        </p:spPr>
+        <p:txBody>
+          <a:bodyPr wrap="none" rtlCol="0">
+            <a:spAutoFit/>
+          </a:bodyPr>
+          <a:lstStyle/>
+          <a:p>
+            <a:r>
+              <a:rPr lang="en-US" b="1" dirty="0">
+                <a:solidFill>
+                  <a:schemeClr val="tx1">
+                    <a:lumMod val="50000"/>
+                    <a:lumOff val="50000"/>
+                  </a:schemeClr>
+                </a:solidFill>
+                <a:latin typeface="Arial" panose="020B0604020202020204" pitchFamily="34" charset="0"/>
+                <a:cs typeface="Arial" panose="020B0604020202020204" pitchFamily="34" charset="0"/>
+              </a:rPr>
+              <a:t>Board </a:t>
+            </a:r>
+            <a:r>
+              <a:rPr lang="en-US" b="1" dirty="0" err="1">
+                <a:solidFill>
+                  <a:schemeClr val="tx1">
+                    <a:lumMod val="50000"/>
+                    <a:lumOff val="50000"/>
+                  </a:schemeClr>
+                </a:solidFill>
+                <a:latin typeface="Arial" panose="020B0604020202020204" pitchFamily="34" charset="0"/>
+                <a:cs typeface="Arial" panose="020B0604020202020204" pitchFamily="34" charset="0"/>
+              </a:rPr>
+              <a:t>Kategorien</a:t>
+            </a:r>
+            <a:endParaRPr lang="en-US" b="1" dirty="0">
+              <a:solidFill>
+                <a:schemeClr val="tx1">
+                  <a:lumMod val="50000"/>
+                  <a:lumOff val="50000"/>
+                </a:schemeClr>
+              </a:solidFill>
+              <a:latin typeface="Arial" panose="020B0604020202020204" pitchFamily="34" charset="0"/>
+              <a:cs typeface="Arial" panose="020B0604020202020204" pitchFamily="34" charset="0"/>
+            </a:endParaRPr>
+          </a:p>
+        </p:txBody>
+      </p:sp>
+      <p:sp>
+        <p:nvSpPr>
+          <p:cNvPr id="29" name="Caret Down Icon">
+            <a:extLst>
+              <a:ext uri="{FF2B5EF4-FFF2-40B4-BE49-F238E27FC236}">
+                <a16:creationId xmlns:a16="http://schemas.microsoft.com/office/drawing/2014/main" id="{3C2D8B4E-89B5-4A3A-B98A-F2193B3A1ABB}"/>
+              </a:ext>
+            </a:extLst>
+          </p:cNvPr>
+          <p:cNvSpPr>
+            <a:spLocks noChangeAspect="1"/>
+          </p:cNvSpPr>
+          <p:nvPr/>
+        </p:nvSpPr>
+        <p:spPr bwMode="auto">
+          <a:xfrm>
+            <a:off x="224305" y="3914291"/>
+            <a:ext cx="179388" cy="101600"/>
+          </a:xfrm>
+          <a:custGeom>
+            <a:avLst/>
+            <a:gdLst>
+              <a:gd name="T0" fmla="*/ 824 w 824"/>
+              <a:gd name="T1" fmla="*/ 52 h 464"/>
+              <a:gd name="T2" fmla="*/ 809 w 824"/>
+              <a:gd name="T3" fmla="*/ 88 h 464"/>
+              <a:gd name="T4" fmla="*/ 448 w 824"/>
+              <a:gd name="T5" fmla="*/ 449 h 464"/>
+              <a:gd name="T6" fmla="*/ 412 w 824"/>
+              <a:gd name="T7" fmla="*/ 464 h 464"/>
+              <a:gd name="T8" fmla="*/ 376 w 824"/>
+              <a:gd name="T9" fmla="*/ 449 h 464"/>
+              <a:gd name="T10" fmla="*/ 15 w 824"/>
+              <a:gd name="T11" fmla="*/ 88 h 464"/>
+              <a:gd name="T12" fmla="*/ 0 w 824"/>
+              <a:gd name="T13" fmla="*/ 52 h 464"/>
+              <a:gd name="T14" fmla="*/ 15 w 824"/>
+              <a:gd name="T15" fmla="*/ 15 h 464"/>
+              <a:gd name="T16" fmla="*/ 51 w 824"/>
+              <a:gd name="T17" fmla="*/ 0 h 464"/>
+              <a:gd name="T18" fmla="*/ 772 w 824"/>
+              <a:gd name="T19" fmla="*/ 0 h 464"/>
+              <a:gd name="T20" fmla="*/ 809 w 824"/>
+              <a:gd name="T21" fmla="*/ 15 h 464"/>
+              <a:gd name="T22" fmla="*/ 824 w 824"/>
+              <a:gd name="T23" fmla="*/ 52 h 464"/>
+            </a:gdLst>
+            <a:ahLst/>
+            <a:cxnLst>
+              <a:cxn ang="0">
+                <a:pos x="T0" y="T1"/>
+              </a:cxn>
+              <a:cxn ang="0">
+                <a:pos x="T2" y="T3"/>
+              </a:cxn>
+              <a:cxn ang="0">
+                <a:pos x="T4" y="T5"/>
+              </a:cxn>
+              <a:cxn ang="0">
+                <a:pos x="T6" y="T7"/>
+              </a:cxn>
+              <a:cxn ang="0">
+                <a:pos x="T8" y="T9"/>
+              </a:cxn>
+              <a:cxn ang="0">
+                <a:pos x="T10" y="T11"/>
+              </a:cxn>
+              <a:cxn ang="0">
+                <a:pos x="T12" y="T13"/>
+              </a:cxn>
+              <a:cxn ang="0">
+                <a:pos x="T14" y="T15"/>
+              </a:cxn>
+              <a:cxn ang="0">
+                <a:pos x="T16" y="T17"/>
+              </a:cxn>
+              <a:cxn ang="0">
+                <a:pos x="T18" y="T19"/>
+              </a:cxn>
+              <a:cxn ang="0">
+                <a:pos x="T20" y="T21"/>
+              </a:cxn>
+              <a:cxn ang="0">
+                <a:pos x="T22" y="T23"/>
+              </a:cxn>
+            </a:cxnLst>
+            <a:rect l="0" t="0" r="r" b="b"/>
+            <a:pathLst>
+              <a:path w="824" h="464">
+                <a:moveTo>
+                  <a:pt x="824" y="52"/>
+                </a:moveTo>
+                <a:cubicBezTo>
+                  <a:pt x="824" y="66"/>
+                  <a:pt x="819" y="78"/>
+                  <a:pt x="809" y="88"/>
+                </a:cubicBezTo>
+                <a:lnTo>
+                  <a:pt x="448" y="449"/>
+                </a:lnTo>
+                <a:cubicBezTo>
+                  <a:pt x="438" y="459"/>
+                  <a:pt x="426" y="464"/>
+                  <a:pt x="412" y="464"/>
+                </a:cubicBezTo>
+                <a:cubicBezTo>
+                  <a:pt x="398" y="464"/>
+                  <a:pt x="386" y="459"/>
+                  <a:pt x="376" y="449"/>
+                </a:cubicBezTo>
+                <a:lnTo>
+                  <a:pt x="15" y="88"/>
+                </a:lnTo>
+                <a:cubicBezTo>
+                  <a:pt x="5" y="78"/>
+                  <a:pt x="0" y="66"/>
+                  <a:pt x="0" y="52"/>
+                </a:cubicBezTo>
+                <a:cubicBezTo>
+                  <a:pt x="0" y="38"/>
+                  <a:pt x="5" y="26"/>
+                  <a:pt x="15" y="15"/>
+                </a:cubicBezTo>
+                <a:cubicBezTo>
+                  <a:pt x="25" y="5"/>
+                  <a:pt x="37" y="0"/>
+                  <a:pt x="51" y="0"/>
+                </a:cubicBezTo>
+                <a:lnTo>
+                  <a:pt x="772" y="0"/>
+                </a:lnTo>
+                <a:cubicBezTo>
+                  <a:pt x="786" y="0"/>
+                  <a:pt x="799" y="5"/>
+                  <a:pt x="809" y="15"/>
+                </a:cubicBezTo>
+                <a:cubicBezTo>
+                  <a:pt x="819" y="26"/>
+                  <a:pt x="824" y="38"/>
+                  <a:pt x="824" y="52"/>
+                </a:cubicBezTo>
+                <a:close/>
+              </a:path>
+            </a:pathLst>
+          </a:custGeom>
+          <a:solidFill>
+            <a:schemeClr val="tx1">
+              <a:lumMod val="50000"/>
+              <a:lumOff val="50000"/>
+            </a:schemeClr>
+          </a:solidFill>
+          <a:ln w="0">
+            <a:noFill/>
+            <a:prstDash val="solid"/>
+            <a:round/>
+            <a:headEnd/>
+            <a:tailEnd/>
+          </a:ln>
+        </p:spPr>
+        <p:txBody>
+          <a:bodyPr vert="horz" wrap="square" lIns="91440" tIns="45720" rIns="91440" bIns="45720" numCol="1" anchor="t" anchorCtr="0" compatLnSpc="1">
+            <a:prstTxWarp prst="textNoShape">
+              <a:avLst/>
+            </a:prstTxWarp>
+          </a:bodyPr>
+          <a:lstStyle/>
+          <a:p>
+            <a:endParaRPr lang="en-US" sz="1050">
+              <a:solidFill>
+                <a:schemeClr val="tx1">
+                  <a:lumMod val="65000"/>
+                  <a:lumOff val="35000"/>
+                </a:schemeClr>
+              </a:solidFill>
+              <a:latin typeface="Arial" panose="020B0604020202020204" pitchFamily="34" charset="0"/>
+              <a:cs typeface="Arial" panose="020B0604020202020204" pitchFamily="34" charset="0"/>
+            </a:endParaRPr>
+          </a:p>
+        </p:txBody>
+      </p:sp>
+      <p:graphicFrame>
+        <p:nvGraphicFramePr>
+          <p:cNvPr id="32" name="Table 31">
+            <a:extLst>
+              <a:ext uri="{FF2B5EF4-FFF2-40B4-BE49-F238E27FC236}">
+                <a16:creationId xmlns:a16="http://schemas.microsoft.com/office/drawing/2014/main" id="{00086215-092C-40E2-A967-9C3EEB41ED0F}"/>
+              </a:ext>
+            </a:extLst>
+          </p:cNvPr>
+          <p:cNvGraphicFramePr>
+            <a:graphicFrameLocks noGrp="1"/>
+          </p:cNvGraphicFramePr>
+          <p:nvPr>
+            <p:extLst>
+              <p:ext uri="{D42A27DB-BD31-4B8C-83A1-F6EECF244321}">
+                <p14:modId xmlns:p14="http://schemas.microsoft.com/office/powerpoint/2010/main" val="681105415"/>
+              </p:ext>
+            </p:extLst>
+          </p:nvPr>
+        </p:nvGraphicFramePr>
+        <p:xfrm>
+          <a:off x="233897" y="4665023"/>
+          <a:ext cx="7356017" cy="1483360"/>
+        </p:xfrm>
+        <a:graphic>
+          <a:graphicData uri="http://schemas.openxmlformats.org/drawingml/2006/table">
+            <a:tbl>
+              <a:tblPr>
+                <a:tableStyleId>{F5AB1C69-6EDB-4FF4-983F-18BD219EF322}</a:tableStyleId>
+              </a:tblPr>
+              <a:tblGrid>
+                <a:gridCol w="5173575">
+                  <a:extLst>
+                    <a:ext uri="{9D8B030D-6E8A-4147-A177-3AD203B41FA5}">
+                      <a16:colId xmlns:a16="http://schemas.microsoft.com/office/drawing/2014/main" val="3063783136"/>
+                    </a:ext>
+                  </a:extLst>
+                </a:gridCol>
+                <a:gridCol w="2182442">
+                  <a:extLst>
+                    <a:ext uri="{9D8B030D-6E8A-4147-A177-3AD203B41FA5}">
+                      <a16:colId xmlns:a16="http://schemas.microsoft.com/office/drawing/2014/main" val="3561059649"/>
+                    </a:ext>
+                  </a:extLst>
+                </a:gridCol>
+              </a:tblGrid>
+              <a:tr h="370840">
+                <a:tc>
+                  <a:txBody>
+                    <a:bodyPr/>
+                    <a:lstStyle/>
+                    <a:p>
+                      <a:r>
+                        <a:rPr lang="de-AT" sz="1400" b="0" kern="1200" dirty="0">
+                          <a:solidFill>
+                            <a:schemeClr val="tx1">
+                              <a:lumMod val="50000"/>
+                              <a:lumOff val="50000"/>
+                            </a:schemeClr>
+                          </a:solidFill>
+                          <a:latin typeface="Arial" panose="020B0604020202020204" pitchFamily="34" charset="0"/>
+                          <a:ea typeface="+mn-ea"/>
+                          <a:cs typeface="Arial" panose="020B0604020202020204" pitchFamily="34" charset="0"/>
+                        </a:rPr>
+                        <a:t>Name</a:t>
+                      </a:r>
+                    </a:p>
+                  </a:txBody>
+                  <a:tcPr>
+                    <a:lnB w="12700" cap="flat" cmpd="sng" algn="ctr">
+                      <a:solidFill>
+                        <a:schemeClr val="tx1"/>
+                      </a:solidFill>
+                      <a:prstDash val="solid"/>
+                      <a:round/>
+                      <a:headEnd type="none" w="med" len="med"/>
+                      <a:tailEnd type="none" w="med" len="med"/>
+                    </a:lnB>
+                    <a:solidFill>
+                      <a:schemeClr val="bg1"/>
+                    </a:solidFill>
+                  </a:tcPr>
+                </a:tc>
+                <a:tc>
+                  <a:txBody>
+                    <a:bodyPr/>
+                    <a:lstStyle/>
+                    <a:p>
+                      <a:r>
+                        <a:rPr lang="de-AT" sz="1400" b="0" kern="1200" dirty="0">
+                          <a:solidFill>
+                            <a:schemeClr val="tx1">
+                              <a:lumMod val="50000"/>
+                              <a:lumOff val="50000"/>
+                            </a:schemeClr>
+                          </a:solidFill>
+                          <a:latin typeface="Arial" panose="020B0604020202020204" pitchFamily="34" charset="0"/>
+                          <a:ea typeface="+mn-ea"/>
+                          <a:cs typeface="Arial" panose="020B0604020202020204" pitchFamily="34" charset="0"/>
+                        </a:rPr>
+                        <a:t>Aktionen</a:t>
+                      </a:r>
+                    </a:p>
+                  </a:txBody>
+                  <a:tcPr>
+                    <a:lnB w="12700" cap="flat" cmpd="sng" algn="ctr">
+                      <a:solidFill>
+                        <a:schemeClr val="tx1"/>
+                      </a:solidFill>
+                      <a:prstDash val="solid"/>
+                      <a:round/>
+                      <a:headEnd type="none" w="med" len="med"/>
+                      <a:tailEnd type="none" w="med" len="med"/>
+                    </a:lnB>
+                    <a:solidFill>
+                      <a:schemeClr val="bg1"/>
+                    </a:solidFill>
+                  </a:tcPr>
+                </a:tc>
+                <a:extLst>
+                  <a:ext uri="{0D108BD9-81ED-4DB2-BD59-A6C34878D82A}">
+                    <a16:rowId xmlns:a16="http://schemas.microsoft.com/office/drawing/2014/main" val="751181273"/>
+                  </a:ext>
+                </a:extLst>
+              </a:tr>
+              <a:tr h="370840">
+                <a:tc>
+                  <a:txBody>
+                    <a:bodyPr/>
+                    <a:lstStyle/>
+                    <a:p>
+                      <a:r>
+                        <a:rPr lang="de-AT" sz="1400" b="0" kern="1200" dirty="0">
+                          <a:solidFill>
+                            <a:schemeClr val="tx1">
+                              <a:lumMod val="50000"/>
+                              <a:lumOff val="50000"/>
+                            </a:schemeClr>
+                          </a:solidFill>
+                          <a:latin typeface="Arial" panose="020B0604020202020204" pitchFamily="34" charset="0"/>
+                          <a:ea typeface="+mn-ea"/>
+                          <a:cs typeface="Arial" panose="020B0604020202020204" pitchFamily="34" charset="0"/>
+                        </a:rPr>
+                        <a:t>Art Boards</a:t>
+                      </a:r>
+                    </a:p>
+                  </a:txBody>
+                  <a:tcPr>
+                    <a:lnT w="12700" cap="flat" cmpd="sng" algn="ctr">
+                      <a:solidFill>
+                        <a:schemeClr val="tx1"/>
+                      </a:solidFill>
+                      <a:prstDash val="solid"/>
+                      <a:round/>
+                      <a:headEnd type="none" w="med" len="med"/>
+                      <a:tailEnd type="none" w="med" len="med"/>
+                    </a:lnT>
+                    <a:lnB w="6350" cap="flat" cmpd="sng" algn="ctr">
+                      <a:solidFill>
+                        <a:schemeClr val="tx1"/>
+                      </a:solidFill>
+                      <a:prstDash val="solid"/>
+                      <a:round/>
+                      <a:headEnd type="none" w="med" len="med"/>
+                      <a:tailEnd type="none" w="med" len="med"/>
+                    </a:lnB>
+                    <a:solidFill>
+                      <a:schemeClr val="bg1"/>
+                    </a:solidFill>
+                  </a:tcPr>
+                </a:tc>
+                <a:tc>
+                  <a:txBody>
+                    <a:bodyPr/>
+                    <a:lstStyle/>
+                    <a:p>
+                      <a:endParaRPr lang="de-AT" sz="1400" b="0" kern="1200" dirty="0">
+                        <a:solidFill>
+                          <a:schemeClr val="tx1">
+                            <a:lumMod val="50000"/>
+                            <a:lumOff val="50000"/>
+                          </a:schemeClr>
+                        </a:solidFill>
+                        <a:latin typeface="Arial" panose="020B0604020202020204" pitchFamily="34" charset="0"/>
+                        <a:ea typeface="+mn-ea"/>
+                        <a:cs typeface="Arial" panose="020B0604020202020204" pitchFamily="34" charset="0"/>
+                      </a:endParaRPr>
+                    </a:p>
+                  </a:txBody>
+                  <a:tcPr>
+                    <a:lnT w="12700" cap="flat" cmpd="sng" algn="ctr">
+                      <a:solidFill>
+                        <a:schemeClr val="tx1"/>
+                      </a:solidFill>
+                      <a:prstDash val="solid"/>
+                      <a:round/>
+                      <a:headEnd type="none" w="med" len="med"/>
+                      <a:tailEnd type="none" w="med" len="med"/>
+                    </a:lnT>
+                    <a:lnB w="6350" cap="flat" cmpd="sng" algn="ctr">
+                      <a:solidFill>
+                        <a:schemeClr val="tx1"/>
+                      </a:solidFill>
+                      <a:prstDash val="solid"/>
+                      <a:round/>
+                      <a:headEnd type="none" w="med" len="med"/>
+                      <a:tailEnd type="none" w="med" len="med"/>
+                    </a:lnB>
+                    <a:solidFill>
+                      <a:schemeClr val="bg1"/>
+                    </a:solidFill>
+                  </a:tcPr>
+                </a:tc>
+                <a:extLst>
+                  <a:ext uri="{0D108BD9-81ED-4DB2-BD59-A6C34878D82A}">
+                    <a16:rowId xmlns:a16="http://schemas.microsoft.com/office/drawing/2014/main" val="1649053998"/>
+                  </a:ext>
+                </a:extLst>
+              </a:tr>
+              <a:tr h="370840">
+                <a:tc>
+                  <a:txBody>
+                    <a:bodyPr/>
+                    <a:lstStyle/>
+                    <a:p>
+                      <a:r>
+                        <a:rPr lang="de-AT" sz="1400" b="1" kern="1200" dirty="0">
+                          <a:solidFill>
+                            <a:schemeClr val="tx1">
+                              <a:lumMod val="50000"/>
+                              <a:lumOff val="50000"/>
+                            </a:schemeClr>
+                          </a:solidFill>
+                          <a:latin typeface="Arial" panose="020B0604020202020204" pitchFamily="34" charset="0"/>
+                          <a:ea typeface="+mn-ea"/>
+                          <a:cs typeface="Arial" panose="020B0604020202020204" pitchFamily="34" charset="0"/>
+                        </a:rPr>
+                        <a:t>Scripting Boards</a:t>
+                      </a:r>
+                    </a:p>
+                  </a:txBody>
+                  <a:tcPr>
+                    <a:lnT w="6350" cap="flat" cmpd="sng" algn="ctr">
+                      <a:solidFill>
+                        <a:schemeClr val="tx1"/>
+                      </a:solidFill>
+                      <a:prstDash val="solid"/>
+                      <a:round/>
+                      <a:headEnd type="none" w="med" len="med"/>
+                      <a:tailEnd type="none" w="med" len="med"/>
+                    </a:lnT>
+                    <a:lnB w="6350" cap="flat" cmpd="sng" algn="ctr">
+                      <a:solidFill>
+                        <a:schemeClr val="tx1"/>
+                      </a:solidFill>
+                      <a:prstDash val="solid"/>
+                      <a:round/>
+                      <a:headEnd type="none" w="med" len="med"/>
+                      <a:tailEnd type="none" w="med" len="med"/>
+                    </a:lnB>
+                    <a:solidFill>
+                      <a:schemeClr val="bg1"/>
+                    </a:solidFill>
+                  </a:tcPr>
+                </a:tc>
+                <a:tc>
+                  <a:txBody>
+                    <a:bodyPr/>
+                    <a:lstStyle/>
+                    <a:p>
+                      <a:endParaRPr lang="de-AT" sz="1400" b="0" kern="1200" dirty="0">
+                        <a:solidFill>
+                          <a:schemeClr val="tx1">
+                            <a:lumMod val="50000"/>
+                            <a:lumOff val="50000"/>
+                          </a:schemeClr>
+                        </a:solidFill>
+                        <a:latin typeface="Arial" panose="020B0604020202020204" pitchFamily="34" charset="0"/>
+                        <a:ea typeface="+mn-ea"/>
+                        <a:cs typeface="Arial" panose="020B0604020202020204" pitchFamily="34" charset="0"/>
+                      </a:endParaRPr>
+                    </a:p>
+                  </a:txBody>
+                  <a:tcPr>
+                    <a:lnT w="6350" cap="flat" cmpd="sng" algn="ctr">
+                      <a:solidFill>
+                        <a:schemeClr val="tx1"/>
+                      </a:solidFill>
+                      <a:prstDash val="solid"/>
+                      <a:round/>
+                      <a:headEnd type="none" w="med" len="med"/>
+                      <a:tailEnd type="none" w="med" len="med"/>
+                    </a:lnT>
+                    <a:lnB w="6350" cap="flat" cmpd="sng" algn="ctr">
+                      <a:solidFill>
+                        <a:schemeClr val="tx1"/>
+                      </a:solidFill>
+                      <a:prstDash val="solid"/>
+                      <a:round/>
+                      <a:headEnd type="none" w="med" len="med"/>
+                      <a:tailEnd type="none" w="med" len="med"/>
+                    </a:lnB>
+                    <a:solidFill>
+                      <a:schemeClr val="bg1"/>
+                    </a:solidFill>
+                  </a:tcPr>
+                </a:tc>
+                <a:extLst>
+                  <a:ext uri="{0D108BD9-81ED-4DB2-BD59-A6C34878D82A}">
+                    <a16:rowId xmlns:a16="http://schemas.microsoft.com/office/drawing/2014/main" val="3798818171"/>
+                  </a:ext>
+                </a:extLst>
+              </a:tr>
+              <a:tr h="370840">
+                <a:tc>
+                  <a:txBody>
+                    <a:bodyPr/>
+                    <a:lstStyle/>
+                    <a:p>
+                      <a:r>
+                        <a:rPr lang="de-AT" sz="1400" b="0" kern="1200" dirty="0">
+                          <a:solidFill>
+                            <a:schemeClr val="tx1">
+                              <a:lumMod val="50000"/>
+                              <a:lumOff val="50000"/>
+                            </a:schemeClr>
+                          </a:solidFill>
+                          <a:latin typeface="Arial" panose="020B0604020202020204" pitchFamily="34" charset="0"/>
+                          <a:ea typeface="+mn-ea"/>
+                          <a:cs typeface="Arial" panose="020B0604020202020204" pitchFamily="34" charset="0"/>
+                        </a:rPr>
+                        <a:t>Story Boards</a:t>
+                      </a:r>
+                    </a:p>
+                  </a:txBody>
+                  <a:tcPr>
+                    <a:lnT w="6350" cap="flat" cmpd="sng" algn="ctr">
+                      <a:solidFill>
+                        <a:schemeClr val="tx1"/>
+                      </a:solidFill>
+                      <a:prstDash val="solid"/>
+                      <a:round/>
+                      <a:headEnd type="none" w="med" len="med"/>
+                      <a:tailEnd type="none" w="med" len="med"/>
+                    </a:lnT>
+                    <a:solidFill>
+                      <a:schemeClr val="bg1"/>
+                    </a:solidFill>
+                  </a:tcPr>
+                </a:tc>
+                <a:tc>
+                  <a:txBody>
+                    <a:bodyPr/>
+                    <a:lstStyle/>
+                    <a:p>
+                      <a:endParaRPr lang="de-AT" sz="1400" b="0" kern="1200" dirty="0">
+                        <a:solidFill>
+                          <a:schemeClr val="tx1">
+                            <a:lumMod val="50000"/>
+                            <a:lumOff val="50000"/>
+                          </a:schemeClr>
+                        </a:solidFill>
+                        <a:latin typeface="Arial" panose="020B0604020202020204" pitchFamily="34" charset="0"/>
+                        <a:ea typeface="+mn-ea"/>
+                        <a:cs typeface="Arial" panose="020B0604020202020204" pitchFamily="34" charset="0"/>
+                      </a:endParaRPr>
+                    </a:p>
+                  </a:txBody>
+                  <a:tcPr>
+                    <a:lnT w="6350" cap="flat" cmpd="sng" algn="ctr">
+                      <a:solidFill>
+                        <a:schemeClr val="tx1"/>
+                      </a:solidFill>
+                      <a:prstDash val="solid"/>
+                      <a:round/>
+                      <a:headEnd type="none" w="med" len="med"/>
+                      <a:tailEnd type="none" w="med" len="med"/>
+                    </a:lnT>
+                    <a:solidFill>
+                      <a:schemeClr val="bg1"/>
+                    </a:solidFill>
+                  </a:tcPr>
+                </a:tc>
+                <a:extLst>
+                  <a:ext uri="{0D108BD9-81ED-4DB2-BD59-A6C34878D82A}">
+                    <a16:rowId xmlns:a16="http://schemas.microsoft.com/office/drawing/2014/main" val="1986062682"/>
+                  </a:ext>
+                </a:extLst>
+              </a:tr>
+            </a:tbl>
+          </a:graphicData>
+        </a:graphic>
+      </p:graphicFrame>
+      <p:sp>
+        <p:nvSpPr>
+          <p:cNvPr id="33" name="Edit Icon">
+            <a:extLst>
+              <a:ext uri="{FF2B5EF4-FFF2-40B4-BE49-F238E27FC236}">
+                <a16:creationId xmlns:a16="http://schemas.microsoft.com/office/drawing/2014/main" id="{32EACFB7-EEB3-4C69-82AA-D9F8FF00EFC9}"/>
+              </a:ext>
+            </a:extLst>
+          </p:cNvPr>
+          <p:cNvSpPr>
+            <a:spLocks noChangeAspect="1" noEditPoints="1"/>
+          </p:cNvSpPr>
+          <p:nvPr/>
+        </p:nvSpPr>
+        <p:spPr bwMode="auto">
+          <a:xfrm>
+            <a:off x="5490793" y="5088647"/>
+            <a:ext cx="309563" cy="244475"/>
+          </a:xfrm>
+          <a:custGeom>
+            <a:avLst/>
+            <a:gdLst>
+              <a:gd name="T0" fmla="*/ 715 w 1437"/>
+              <a:gd name="T1" fmla="*/ 850 h 1133"/>
+              <a:gd name="T2" fmla="*/ 809 w 1437"/>
+              <a:gd name="T3" fmla="*/ 757 h 1133"/>
+              <a:gd name="T4" fmla="*/ 686 w 1437"/>
+              <a:gd name="T5" fmla="*/ 634 h 1133"/>
+              <a:gd name="T6" fmla="*/ 593 w 1437"/>
+              <a:gd name="T7" fmla="*/ 728 h 1133"/>
+              <a:gd name="T8" fmla="*/ 593 w 1437"/>
+              <a:gd name="T9" fmla="*/ 773 h 1133"/>
+              <a:gd name="T10" fmla="*/ 670 w 1437"/>
+              <a:gd name="T11" fmla="*/ 773 h 1133"/>
+              <a:gd name="T12" fmla="*/ 670 w 1437"/>
+              <a:gd name="T13" fmla="*/ 850 h 1133"/>
+              <a:gd name="T14" fmla="*/ 715 w 1437"/>
+              <a:gd name="T15" fmla="*/ 850 h 1133"/>
+              <a:gd name="T16" fmla="*/ 1069 w 1437"/>
+              <a:gd name="T17" fmla="*/ 270 h 1133"/>
+              <a:gd name="T18" fmla="*/ 1043 w 1437"/>
+              <a:gd name="T19" fmla="*/ 271 h 1133"/>
+              <a:gd name="T20" fmla="*/ 761 w 1437"/>
+              <a:gd name="T21" fmla="*/ 553 h 1133"/>
+              <a:gd name="T22" fmla="*/ 760 w 1437"/>
+              <a:gd name="T23" fmla="*/ 580 h 1133"/>
+              <a:gd name="T24" fmla="*/ 787 w 1437"/>
+              <a:gd name="T25" fmla="*/ 579 h 1133"/>
+              <a:gd name="T26" fmla="*/ 1069 w 1437"/>
+              <a:gd name="T27" fmla="*/ 297 h 1133"/>
+              <a:gd name="T28" fmla="*/ 1069 w 1437"/>
+              <a:gd name="T29" fmla="*/ 270 h 1133"/>
+              <a:gd name="T30" fmla="*/ 1134 w 1437"/>
+              <a:gd name="T31" fmla="*/ 749 h 1133"/>
+              <a:gd name="T32" fmla="*/ 1134 w 1437"/>
+              <a:gd name="T33" fmla="*/ 902 h 1133"/>
+              <a:gd name="T34" fmla="*/ 1066 w 1437"/>
+              <a:gd name="T35" fmla="*/ 1065 h 1133"/>
+              <a:gd name="T36" fmla="*/ 902 w 1437"/>
+              <a:gd name="T37" fmla="*/ 1133 h 1133"/>
+              <a:gd name="T38" fmla="*/ 232 w 1437"/>
+              <a:gd name="T39" fmla="*/ 1133 h 1133"/>
+              <a:gd name="T40" fmla="*/ 68 w 1437"/>
+              <a:gd name="T41" fmla="*/ 1065 h 1133"/>
+              <a:gd name="T42" fmla="*/ 0 w 1437"/>
+              <a:gd name="T43" fmla="*/ 902 h 1133"/>
+              <a:gd name="T44" fmla="*/ 0 w 1437"/>
+              <a:gd name="T45" fmla="*/ 232 h 1133"/>
+              <a:gd name="T46" fmla="*/ 68 w 1437"/>
+              <a:gd name="T47" fmla="*/ 68 h 1133"/>
+              <a:gd name="T48" fmla="*/ 232 w 1437"/>
+              <a:gd name="T49" fmla="*/ 0 h 1133"/>
+              <a:gd name="T50" fmla="*/ 902 w 1437"/>
+              <a:gd name="T51" fmla="*/ 0 h 1133"/>
+              <a:gd name="T52" fmla="*/ 996 w 1437"/>
+              <a:gd name="T53" fmla="*/ 20 h 1133"/>
+              <a:gd name="T54" fmla="*/ 1011 w 1437"/>
+              <a:gd name="T55" fmla="*/ 39 h 1133"/>
+              <a:gd name="T56" fmla="*/ 1003 w 1437"/>
+              <a:gd name="T57" fmla="*/ 62 h 1133"/>
+              <a:gd name="T58" fmla="*/ 964 w 1437"/>
+              <a:gd name="T59" fmla="*/ 101 h 1133"/>
+              <a:gd name="T60" fmla="*/ 938 w 1437"/>
+              <a:gd name="T61" fmla="*/ 108 h 1133"/>
+              <a:gd name="T62" fmla="*/ 902 w 1437"/>
+              <a:gd name="T63" fmla="*/ 103 h 1133"/>
+              <a:gd name="T64" fmla="*/ 232 w 1437"/>
+              <a:gd name="T65" fmla="*/ 103 h 1133"/>
+              <a:gd name="T66" fmla="*/ 141 w 1437"/>
+              <a:gd name="T67" fmla="*/ 141 h 1133"/>
+              <a:gd name="T68" fmla="*/ 103 w 1437"/>
+              <a:gd name="T69" fmla="*/ 232 h 1133"/>
+              <a:gd name="T70" fmla="*/ 103 w 1437"/>
+              <a:gd name="T71" fmla="*/ 902 h 1133"/>
+              <a:gd name="T72" fmla="*/ 141 w 1437"/>
+              <a:gd name="T73" fmla="*/ 993 h 1133"/>
+              <a:gd name="T74" fmla="*/ 232 w 1437"/>
+              <a:gd name="T75" fmla="*/ 1030 h 1133"/>
+              <a:gd name="T76" fmla="*/ 902 w 1437"/>
+              <a:gd name="T77" fmla="*/ 1030 h 1133"/>
+              <a:gd name="T78" fmla="*/ 993 w 1437"/>
+              <a:gd name="T79" fmla="*/ 993 h 1133"/>
+              <a:gd name="T80" fmla="*/ 1031 w 1437"/>
+              <a:gd name="T81" fmla="*/ 902 h 1133"/>
+              <a:gd name="T82" fmla="*/ 1031 w 1437"/>
+              <a:gd name="T83" fmla="*/ 800 h 1133"/>
+              <a:gd name="T84" fmla="*/ 1038 w 1437"/>
+              <a:gd name="T85" fmla="*/ 782 h 1133"/>
+              <a:gd name="T86" fmla="*/ 1090 w 1437"/>
+              <a:gd name="T87" fmla="*/ 731 h 1133"/>
+              <a:gd name="T88" fmla="*/ 1118 w 1437"/>
+              <a:gd name="T89" fmla="*/ 725 h 1133"/>
+              <a:gd name="T90" fmla="*/ 1134 w 1437"/>
+              <a:gd name="T91" fmla="*/ 749 h 1133"/>
+              <a:gd name="T92" fmla="*/ 1057 w 1437"/>
+              <a:gd name="T93" fmla="*/ 155 h 1133"/>
+              <a:gd name="T94" fmla="*/ 1288 w 1437"/>
+              <a:gd name="T95" fmla="*/ 386 h 1133"/>
+              <a:gd name="T96" fmla="*/ 747 w 1437"/>
+              <a:gd name="T97" fmla="*/ 927 h 1133"/>
+              <a:gd name="T98" fmla="*/ 516 w 1437"/>
+              <a:gd name="T99" fmla="*/ 927 h 1133"/>
+              <a:gd name="T100" fmla="*/ 516 w 1437"/>
+              <a:gd name="T101" fmla="*/ 696 h 1133"/>
+              <a:gd name="T102" fmla="*/ 1057 w 1437"/>
+              <a:gd name="T103" fmla="*/ 155 h 1133"/>
+              <a:gd name="T104" fmla="*/ 1414 w 1437"/>
+              <a:gd name="T105" fmla="*/ 261 h 1133"/>
+              <a:gd name="T106" fmla="*/ 1340 w 1437"/>
+              <a:gd name="T107" fmla="*/ 335 h 1133"/>
+              <a:gd name="T108" fmla="*/ 1108 w 1437"/>
+              <a:gd name="T109" fmla="*/ 103 h 1133"/>
+              <a:gd name="T110" fmla="*/ 1182 w 1437"/>
+              <a:gd name="T111" fmla="*/ 29 h 1133"/>
+              <a:gd name="T112" fmla="*/ 1237 w 1437"/>
+              <a:gd name="T113" fmla="*/ 6 h 1133"/>
+              <a:gd name="T114" fmla="*/ 1292 w 1437"/>
+              <a:gd name="T115" fmla="*/ 29 h 1133"/>
+              <a:gd name="T116" fmla="*/ 1414 w 1437"/>
+              <a:gd name="T117" fmla="*/ 151 h 1133"/>
+              <a:gd name="T118" fmla="*/ 1437 w 1437"/>
+              <a:gd name="T119" fmla="*/ 206 h 1133"/>
+              <a:gd name="T120" fmla="*/ 1414 w 1437"/>
+              <a:gd name="T121" fmla="*/ 261 h 1133"/>
+            </a:gdLst>
+            <a:ahLst/>
+            <a:cxnLst>
+              <a:cxn ang="0">
+                <a:pos x="T0" y="T1"/>
+              </a:cxn>
+              <a:cxn ang="0">
+                <a:pos x="T2" y="T3"/>
+              </a:cxn>
+              <a:cxn ang="0">
+                <a:pos x="T4" y="T5"/>
+              </a:cxn>
+              <a:cxn ang="0">
+                <a:pos x="T6" y="T7"/>
+              </a:cxn>
+              <a:cxn ang="0">
+                <a:pos x="T8" y="T9"/>
+              </a:cxn>
+              <a:cxn ang="0">
+                <a:pos x="T10" y="T11"/>
+              </a:cxn>
+              <a:cxn ang="0">
+                <a:pos x="T12" y="T13"/>
+              </a:cxn>
+              <a:cxn ang="0">
+                <a:pos x="T14" y="T15"/>
+              </a:cxn>
+              <a:cxn ang="0">
+                <a:pos x="T16" y="T17"/>
+              </a:cxn>
+              <a:cxn ang="0">
+                <a:pos x="T18" y="T19"/>
+              </a:cxn>
+              <a:cxn ang="0">
+                <a:pos x="T20" y="T21"/>
+              </a:cxn>
+              <a:cxn ang="0">
+                <a:pos x="T22" y="T23"/>
+              </a:cxn>
+              <a:cxn ang="0">
+                <a:pos x="T24" y="T25"/>
+              </a:cxn>
+              <a:cxn ang="0">
+                <a:pos x="T26" y="T27"/>
+              </a:cxn>
+              <a:cxn ang="0">
+                <a:pos x="T28" y="T29"/>
+              </a:cxn>
+              <a:cxn ang="0">
+                <a:pos x="T30" y="T31"/>
+              </a:cxn>
+              <a:cxn ang="0">
+                <a:pos x="T32" y="T33"/>
+              </a:cxn>
+              <a:cxn ang="0">
+                <a:pos x="T34" y="T35"/>
+              </a:cxn>
+              <a:cxn ang="0">
+                <a:pos x="T36" y="T37"/>
+              </a:cxn>
+              <a:cxn ang="0">
+                <a:pos x="T38" y="T39"/>
+              </a:cxn>
+              <a:cxn ang="0">
+                <a:pos x="T40" y="T41"/>
+              </a:cxn>
+              <a:cxn ang="0">
+                <a:pos x="T42" y="T43"/>
+              </a:cxn>
+              <a:cxn ang="0">
+                <a:pos x="T44" y="T45"/>
+              </a:cxn>
+              <a:cxn ang="0">
+                <a:pos x="T46" y="T47"/>
+              </a:cxn>
+              <a:cxn ang="0">
+                <a:pos x="T48" y="T49"/>
+              </a:cxn>
+              <a:cxn ang="0">
+                <a:pos x="T50" y="T51"/>
+              </a:cxn>
+              <a:cxn ang="0">
+                <a:pos x="T52" y="T53"/>
+              </a:cxn>
+              <a:cxn ang="0">
+                <a:pos x="T54" y="T55"/>
+              </a:cxn>
+              <a:cxn ang="0">
+                <a:pos x="T56" y="T57"/>
+              </a:cxn>
+              <a:cxn ang="0">
+                <a:pos x="T58" y="T59"/>
+              </a:cxn>
+              <a:cxn ang="0">
+                <a:pos x="T60" y="T61"/>
+              </a:cxn>
+              <a:cxn ang="0">
+                <a:pos x="T62" y="T63"/>
+              </a:cxn>
+              <a:cxn ang="0">
+                <a:pos x="T64" y="T65"/>
+              </a:cxn>
+              <a:cxn ang="0">
+                <a:pos x="T66" y="T67"/>
+              </a:cxn>
+              <a:cxn ang="0">
+                <a:pos x="T68" y="T69"/>
+              </a:cxn>
+              <a:cxn ang="0">
+                <a:pos x="T70" y="T71"/>
+              </a:cxn>
+              <a:cxn ang="0">
+                <a:pos x="T72" y="T73"/>
+              </a:cxn>
+              <a:cxn ang="0">
+                <a:pos x="T74" y="T75"/>
+              </a:cxn>
+              <a:cxn ang="0">
+                <a:pos x="T76" y="T77"/>
+              </a:cxn>
+              <a:cxn ang="0">
+                <a:pos x="T78" y="T79"/>
+              </a:cxn>
+              <a:cxn ang="0">
+                <a:pos x="T80" y="T81"/>
+              </a:cxn>
+              <a:cxn ang="0">
+                <a:pos x="T82" y="T83"/>
+              </a:cxn>
+              <a:cxn ang="0">
+                <a:pos x="T84" y="T85"/>
+              </a:cxn>
+              <a:cxn ang="0">
+                <a:pos x="T86" y="T87"/>
+              </a:cxn>
+              <a:cxn ang="0">
+                <a:pos x="T88" y="T89"/>
+              </a:cxn>
+              <a:cxn ang="0">
+                <a:pos x="T90" y="T91"/>
+              </a:cxn>
+              <a:cxn ang="0">
+                <a:pos x="T92" y="T93"/>
+              </a:cxn>
+              <a:cxn ang="0">
+                <a:pos x="T94" y="T95"/>
+              </a:cxn>
+              <a:cxn ang="0">
+                <a:pos x="T96" y="T97"/>
+              </a:cxn>
+              <a:cxn ang="0">
+                <a:pos x="T98" y="T99"/>
+              </a:cxn>
+              <a:cxn ang="0">
+                <a:pos x="T100" y="T101"/>
+              </a:cxn>
+              <a:cxn ang="0">
+                <a:pos x="T102" y="T103"/>
+              </a:cxn>
+              <a:cxn ang="0">
+                <a:pos x="T104" y="T105"/>
+              </a:cxn>
+              <a:cxn ang="0">
+                <a:pos x="T106" y="T107"/>
+              </a:cxn>
+              <a:cxn ang="0">
+                <a:pos x="T108" y="T109"/>
+              </a:cxn>
+              <a:cxn ang="0">
+                <a:pos x="T110" y="T111"/>
+              </a:cxn>
+              <a:cxn ang="0">
+                <a:pos x="T112" y="T113"/>
+              </a:cxn>
+              <a:cxn ang="0">
+                <a:pos x="T114" y="T115"/>
+              </a:cxn>
+              <a:cxn ang="0">
+                <a:pos x="T116" y="T117"/>
+              </a:cxn>
+              <a:cxn ang="0">
+                <a:pos x="T118" y="T119"/>
+              </a:cxn>
+              <a:cxn ang="0">
+                <a:pos x="T120" y="T121"/>
+              </a:cxn>
+            </a:cxnLst>
+            <a:rect l="0" t="0" r="r" b="b"/>
+            <a:pathLst>
+              <a:path w="1437" h="1133">
+                <a:moveTo>
+                  <a:pt x="715" y="850"/>
+                </a:moveTo>
+                <a:lnTo>
+                  <a:pt x="809" y="757"/>
+                </a:lnTo>
+                <a:lnTo>
+                  <a:pt x="686" y="634"/>
+                </a:lnTo>
+                <a:lnTo>
+                  <a:pt x="593" y="728"/>
+                </a:lnTo>
+                <a:lnTo>
+                  <a:pt x="593" y="773"/>
+                </a:lnTo>
+                <a:lnTo>
+                  <a:pt x="670" y="773"/>
+                </a:lnTo>
+                <a:lnTo>
+                  <a:pt x="670" y="850"/>
+                </a:lnTo>
+                <a:lnTo>
+                  <a:pt x="715" y="850"/>
+                </a:lnTo>
+                <a:close/>
+                <a:moveTo>
+                  <a:pt x="1069" y="270"/>
+                </a:moveTo>
+                <a:cubicBezTo>
+                  <a:pt x="1061" y="262"/>
+                  <a:pt x="1052" y="262"/>
+                  <a:pt x="1043" y="271"/>
+                </a:cubicBezTo>
+                <a:lnTo>
+                  <a:pt x="761" y="553"/>
+                </a:lnTo>
+                <a:cubicBezTo>
+                  <a:pt x="752" y="562"/>
+                  <a:pt x="752" y="571"/>
+                  <a:pt x="760" y="580"/>
+                </a:cubicBezTo>
+                <a:cubicBezTo>
+                  <a:pt x="769" y="588"/>
+                  <a:pt x="778" y="588"/>
+                  <a:pt x="787" y="579"/>
+                </a:cubicBezTo>
+                <a:lnTo>
+                  <a:pt x="1069" y="297"/>
+                </a:lnTo>
+                <a:cubicBezTo>
+                  <a:pt x="1078" y="288"/>
+                  <a:pt x="1078" y="279"/>
+                  <a:pt x="1069" y="270"/>
+                </a:cubicBezTo>
+                <a:close/>
+                <a:moveTo>
+                  <a:pt x="1134" y="749"/>
+                </a:moveTo>
+                <a:lnTo>
+                  <a:pt x="1134" y="902"/>
+                </a:lnTo>
+                <a:cubicBezTo>
+                  <a:pt x="1134" y="965"/>
+                  <a:pt x="1111" y="1020"/>
+                  <a:pt x="1066" y="1065"/>
+                </a:cubicBezTo>
+                <a:cubicBezTo>
+                  <a:pt x="1020" y="1111"/>
+                  <a:pt x="966" y="1133"/>
+                  <a:pt x="902" y="1133"/>
+                </a:cubicBezTo>
+                <a:lnTo>
+                  <a:pt x="232" y="1133"/>
+                </a:lnTo>
+                <a:cubicBezTo>
+                  <a:pt x="168" y="1133"/>
+                  <a:pt x="114" y="1111"/>
+                  <a:pt x="68" y="1065"/>
+                </a:cubicBezTo>
+                <a:cubicBezTo>
+                  <a:pt x="23" y="1020"/>
+                  <a:pt x="0" y="965"/>
+                  <a:pt x="0" y="902"/>
+                </a:cubicBezTo>
+                <a:lnTo>
+                  <a:pt x="0" y="232"/>
+                </a:lnTo>
+                <a:cubicBezTo>
+                  <a:pt x="0" y="168"/>
+                  <a:pt x="23" y="113"/>
+                  <a:pt x="68" y="68"/>
+                </a:cubicBezTo>
+                <a:cubicBezTo>
+                  <a:pt x="114" y="23"/>
+                  <a:pt x="168" y="0"/>
+                  <a:pt x="232" y="0"/>
+                </a:cubicBezTo>
+                <a:lnTo>
+                  <a:pt x="902" y="0"/>
+                </a:lnTo>
+                <a:cubicBezTo>
+                  <a:pt x="936" y="0"/>
+                  <a:pt x="967" y="7"/>
+                  <a:pt x="996" y="20"/>
+                </a:cubicBezTo>
+                <a:cubicBezTo>
+                  <a:pt x="1004" y="24"/>
+                  <a:pt x="1009" y="30"/>
+                  <a:pt x="1011" y="39"/>
+                </a:cubicBezTo>
+                <a:cubicBezTo>
+                  <a:pt x="1012" y="48"/>
+                  <a:pt x="1010" y="55"/>
+                  <a:pt x="1003" y="62"/>
+                </a:cubicBezTo>
+                <a:lnTo>
+                  <a:pt x="964" y="101"/>
+                </a:lnTo>
+                <a:cubicBezTo>
+                  <a:pt x="956" y="109"/>
+                  <a:pt x="948" y="111"/>
+                  <a:pt x="938" y="108"/>
+                </a:cubicBezTo>
+                <a:cubicBezTo>
+                  <a:pt x="926" y="105"/>
+                  <a:pt x="914" y="103"/>
+                  <a:pt x="902" y="103"/>
+                </a:cubicBezTo>
+                <a:lnTo>
+                  <a:pt x="232" y="103"/>
+                </a:lnTo>
+                <a:cubicBezTo>
+                  <a:pt x="197" y="103"/>
+                  <a:pt x="166" y="116"/>
+                  <a:pt x="141" y="141"/>
+                </a:cubicBezTo>
+                <a:cubicBezTo>
+                  <a:pt x="116" y="166"/>
+                  <a:pt x="103" y="196"/>
+                  <a:pt x="103" y="232"/>
+                </a:cubicBezTo>
+                <a:lnTo>
+                  <a:pt x="103" y="902"/>
+                </a:lnTo>
+                <a:cubicBezTo>
+                  <a:pt x="103" y="937"/>
+                  <a:pt x="116" y="967"/>
+                  <a:pt x="141" y="993"/>
+                </a:cubicBezTo>
+                <a:cubicBezTo>
+                  <a:pt x="166" y="1018"/>
+                  <a:pt x="197" y="1030"/>
+                  <a:pt x="232" y="1030"/>
+                </a:cubicBezTo>
+                <a:lnTo>
+                  <a:pt x="902" y="1030"/>
+                </a:lnTo>
+                <a:cubicBezTo>
+                  <a:pt x="937" y="1030"/>
+                  <a:pt x="968" y="1018"/>
+                  <a:pt x="993" y="993"/>
+                </a:cubicBezTo>
+                <a:cubicBezTo>
+                  <a:pt x="1018" y="967"/>
+                  <a:pt x="1031" y="937"/>
+                  <a:pt x="1031" y="902"/>
+                </a:cubicBezTo>
+                <a:lnTo>
+                  <a:pt x="1031" y="800"/>
+                </a:lnTo>
+                <a:cubicBezTo>
+                  <a:pt x="1031" y="793"/>
+                  <a:pt x="1033" y="787"/>
+                  <a:pt x="1038" y="782"/>
+                </a:cubicBezTo>
+                <a:lnTo>
+                  <a:pt x="1090" y="731"/>
+                </a:lnTo>
+                <a:cubicBezTo>
+                  <a:pt x="1098" y="723"/>
+                  <a:pt x="1107" y="721"/>
+                  <a:pt x="1118" y="725"/>
+                </a:cubicBezTo>
+                <a:cubicBezTo>
+                  <a:pt x="1128" y="730"/>
+                  <a:pt x="1134" y="737"/>
+                  <a:pt x="1134" y="749"/>
+                </a:cubicBezTo>
+                <a:close/>
+                <a:moveTo>
+                  <a:pt x="1057" y="155"/>
+                </a:moveTo>
+                <a:lnTo>
+                  <a:pt x="1288" y="386"/>
+                </a:lnTo>
+                <a:lnTo>
+                  <a:pt x="747" y="927"/>
+                </a:lnTo>
+                <a:lnTo>
+                  <a:pt x="516" y="927"/>
+                </a:lnTo>
+                <a:lnTo>
+                  <a:pt x="516" y="696"/>
+                </a:lnTo>
+                <a:lnTo>
+                  <a:pt x="1057" y="155"/>
+                </a:lnTo>
+                <a:close/>
+                <a:moveTo>
+                  <a:pt x="1414" y="261"/>
+                </a:moveTo>
+                <a:lnTo>
+                  <a:pt x="1340" y="335"/>
+                </a:lnTo>
+                <a:lnTo>
+                  <a:pt x="1108" y="103"/>
+                </a:lnTo>
+                <a:lnTo>
+                  <a:pt x="1182" y="29"/>
+                </a:lnTo>
+                <a:cubicBezTo>
+                  <a:pt x="1197" y="14"/>
+                  <a:pt x="1215" y="6"/>
+                  <a:pt x="1237" y="6"/>
+                </a:cubicBezTo>
+                <a:cubicBezTo>
+                  <a:pt x="1258" y="6"/>
+                  <a:pt x="1277" y="14"/>
+                  <a:pt x="1292" y="29"/>
+                </a:cubicBezTo>
+                <a:lnTo>
+                  <a:pt x="1414" y="151"/>
+                </a:lnTo>
+                <a:cubicBezTo>
+                  <a:pt x="1429" y="166"/>
+                  <a:pt x="1437" y="185"/>
+                  <a:pt x="1437" y="206"/>
+                </a:cubicBezTo>
+                <a:cubicBezTo>
+                  <a:pt x="1437" y="227"/>
+                  <a:pt x="1429" y="246"/>
+                  <a:pt x="1414" y="261"/>
+                </a:cubicBezTo>
+                <a:close/>
+              </a:path>
+            </a:pathLst>
+          </a:custGeom>
+          <a:solidFill>
+            <a:schemeClr val="bg2">
+              <a:lumMod val="75000"/>
+            </a:schemeClr>
+          </a:solidFill>
+          <a:ln w="0">
+            <a:noFill/>
+            <a:prstDash val="solid"/>
+            <a:round/>
+            <a:headEnd/>
+            <a:tailEnd/>
+          </a:ln>
+        </p:spPr>
+        <p:txBody>
+          <a:bodyPr vert="horz" wrap="square" lIns="91440" tIns="45720" rIns="91440" bIns="45720" numCol="1" anchor="t" anchorCtr="0" compatLnSpc="1">
+            <a:prstTxWarp prst="textNoShape">
+              <a:avLst/>
+            </a:prstTxWarp>
+          </a:bodyPr>
+          <a:lstStyle/>
+          <a:p>
+            <a:endParaRPr lang="en-US" sz="1050">
+              <a:latin typeface="Arial" panose="020B0604020202020204" pitchFamily="34" charset="0"/>
+              <a:cs typeface="Arial" panose="020B0604020202020204" pitchFamily="34" charset="0"/>
+            </a:endParaRPr>
+          </a:p>
+        </p:txBody>
+      </p:sp>
+      <p:sp>
+        <p:nvSpPr>
+          <p:cNvPr id="34" name="Edit Icon">
+            <a:extLst>
+              <a:ext uri="{FF2B5EF4-FFF2-40B4-BE49-F238E27FC236}">
+                <a16:creationId xmlns:a16="http://schemas.microsoft.com/office/drawing/2014/main" id="{F3088E31-7A26-4431-B5A7-F2F827DEE447}"/>
+              </a:ext>
+            </a:extLst>
+          </p:cNvPr>
+          <p:cNvSpPr>
+            <a:spLocks noChangeAspect="1" noEditPoints="1"/>
+          </p:cNvSpPr>
+          <p:nvPr/>
+        </p:nvSpPr>
+        <p:spPr bwMode="auto">
+          <a:xfrm>
+            <a:off x="5490793" y="5461171"/>
+            <a:ext cx="309563" cy="244475"/>
+          </a:xfrm>
+          <a:custGeom>
+            <a:avLst/>
+            <a:gdLst>
+              <a:gd name="T0" fmla="*/ 715 w 1437"/>
+              <a:gd name="T1" fmla="*/ 850 h 1133"/>
+              <a:gd name="T2" fmla="*/ 809 w 1437"/>
+              <a:gd name="T3" fmla="*/ 757 h 1133"/>
+              <a:gd name="T4" fmla="*/ 686 w 1437"/>
+              <a:gd name="T5" fmla="*/ 634 h 1133"/>
+              <a:gd name="T6" fmla="*/ 593 w 1437"/>
+              <a:gd name="T7" fmla="*/ 728 h 1133"/>
+              <a:gd name="T8" fmla="*/ 593 w 1437"/>
+              <a:gd name="T9" fmla="*/ 773 h 1133"/>
+              <a:gd name="T10" fmla="*/ 670 w 1437"/>
+              <a:gd name="T11" fmla="*/ 773 h 1133"/>
+              <a:gd name="T12" fmla="*/ 670 w 1437"/>
+              <a:gd name="T13" fmla="*/ 850 h 1133"/>
+              <a:gd name="T14" fmla="*/ 715 w 1437"/>
+              <a:gd name="T15" fmla="*/ 850 h 1133"/>
+              <a:gd name="T16" fmla="*/ 1069 w 1437"/>
+              <a:gd name="T17" fmla="*/ 270 h 1133"/>
+              <a:gd name="T18" fmla="*/ 1043 w 1437"/>
+              <a:gd name="T19" fmla="*/ 271 h 1133"/>
+              <a:gd name="T20" fmla="*/ 761 w 1437"/>
+              <a:gd name="T21" fmla="*/ 553 h 1133"/>
+              <a:gd name="T22" fmla="*/ 760 w 1437"/>
+              <a:gd name="T23" fmla="*/ 580 h 1133"/>
+              <a:gd name="T24" fmla="*/ 787 w 1437"/>
+              <a:gd name="T25" fmla="*/ 579 h 1133"/>
+              <a:gd name="T26" fmla="*/ 1069 w 1437"/>
+              <a:gd name="T27" fmla="*/ 297 h 1133"/>
+              <a:gd name="T28" fmla="*/ 1069 w 1437"/>
+              <a:gd name="T29" fmla="*/ 270 h 1133"/>
+              <a:gd name="T30" fmla="*/ 1134 w 1437"/>
+              <a:gd name="T31" fmla="*/ 749 h 1133"/>
+              <a:gd name="T32" fmla="*/ 1134 w 1437"/>
+              <a:gd name="T33" fmla="*/ 902 h 1133"/>
+              <a:gd name="T34" fmla="*/ 1066 w 1437"/>
+              <a:gd name="T35" fmla="*/ 1065 h 1133"/>
+              <a:gd name="T36" fmla="*/ 902 w 1437"/>
+              <a:gd name="T37" fmla="*/ 1133 h 1133"/>
+              <a:gd name="T38" fmla="*/ 232 w 1437"/>
+              <a:gd name="T39" fmla="*/ 1133 h 1133"/>
+              <a:gd name="T40" fmla="*/ 68 w 1437"/>
+              <a:gd name="T41" fmla="*/ 1065 h 1133"/>
+              <a:gd name="T42" fmla="*/ 0 w 1437"/>
+              <a:gd name="T43" fmla="*/ 902 h 1133"/>
+              <a:gd name="T44" fmla="*/ 0 w 1437"/>
+              <a:gd name="T45" fmla="*/ 232 h 1133"/>
+              <a:gd name="T46" fmla="*/ 68 w 1437"/>
+              <a:gd name="T47" fmla="*/ 68 h 1133"/>
+              <a:gd name="T48" fmla="*/ 232 w 1437"/>
+              <a:gd name="T49" fmla="*/ 0 h 1133"/>
+              <a:gd name="T50" fmla="*/ 902 w 1437"/>
+              <a:gd name="T51" fmla="*/ 0 h 1133"/>
+              <a:gd name="T52" fmla="*/ 996 w 1437"/>
+              <a:gd name="T53" fmla="*/ 20 h 1133"/>
+              <a:gd name="T54" fmla="*/ 1011 w 1437"/>
+              <a:gd name="T55" fmla="*/ 39 h 1133"/>
+              <a:gd name="T56" fmla="*/ 1003 w 1437"/>
+              <a:gd name="T57" fmla="*/ 62 h 1133"/>
+              <a:gd name="T58" fmla="*/ 964 w 1437"/>
+              <a:gd name="T59" fmla="*/ 101 h 1133"/>
+              <a:gd name="T60" fmla="*/ 938 w 1437"/>
+              <a:gd name="T61" fmla="*/ 108 h 1133"/>
+              <a:gd name="T62" fmla="*/ 902 w 1437"/>
+              <a:gd name="T63" fmla="*/ 103 h 1133"/>
+              <a:gd name="T64" fmla="*/ 232 w 1437"/>
+              <a:gd name="T65" fmla="*/ 103 h 1133"/>
+              <a:gd name="T66" fmla="*/ 141 w 1437"/>
+              <a:gd name="T67" fmla="*/ 141 h 1133"/>
+              <a:gd name="T68" fmla="*/ 103 w 1437"/>
+              <a:gd name="T69" fmla="*/ 232 h 1133"/>
+              <a:gd name="T70" fmla="*/ 103 w 1437"/>
+              <a:gd name="T71" fmla="*/ 902 h 1133"/>
+              <a:gd name="T72" fmla="*/ 141 w 1437"/>
+              <a:gd name="T73" fmla="*/ 993 h 1133"/>
+              <a:gd name="T74" fmla="*/ 232 w 1437"/>
+              <a:gd name="T75" fmla="*/ 1030 h 1133"/>
+              <a:gd name="T76" fmla="*/ 902 w 1437"/>
+              <a:gd name="T77" fmla="*/ 1030 h 1133"/>
+              <a:gd name="T78" fmla="*/ 993 w 1437"/>
+              <a:gd name="T79" fmla="*/ 993 h 1133"/>
+              <a:gd name="T80" fmla="*/ 1031 w 1437"/>
+              <a:gd name="T81" fmla="*/ 902 h 1133"/>
+              <a:gd name="T82" fmla="*/ 1031 w 1437"/>
+              <a:gd name="T83" fmla="*/ 800 h 1133"/>
+              <a:gd name="T84" fmla="*/ 1038 w 1437"/>
+              <a:gd name="T85" fmla="*/ 782 h 1133"/>
+              <a:gd name="T86" fmla="*/ 1090 w 1437"/>
+              <a:gd name="T87" fmla="*/ 731 h 1133"/>
+              <a:gd name="T88" fmla="*/ 1118 w 1437"/>
+              <a:gd name="T89" fmla="*/ 725 h 1133"/>
+              <a:gd name="T90" fmla="*/ 1134 w 1437"/>
+              <a:gd name="T91" fmla="*/ 749 h 1133"/>
+              <a:gd name="T92" fmla="*/ 1057 w 1437"/>
+              <a:gd name="T93" fmla="*/ 155 h 1133"/>
+              <a:gd name="T94" fmla="*/ 1288 w 1437"/>
+              <a:gd name="T95" fmla="*/ 386 h 1133"/>
+              <a:gd name="T96" fmla="*/ 747 w 1437"/>
+              <a:gd name="T97" fmla="*/ 927 h 1133"/>
+              <a:gd name="T98" fmla="*/ 516 w 1437"/>
+              <a:gd name="T99" fmla="*/ 927 h 1133"/>
+              <a:gd name="T100" fmla="*/ 516 w 1437"/>
+              <a:gd name="T101" fmla="*/ 696 h 1133"/>
+              <a:gd name="T102" fmla="*/ 1057 w 1437"/>
+              <a:gd name="T103" fmla="*/ 155 h 1133"/>
+              <a:gd name="T104" fmla="*/ 1414 w 1437"/>
+              <a:gd name="T105" fmla="*/ 261 h 1133"/>
+              <a:gd name="T106" fmla="*/ 1340 w 1437"/>
+              <a:gd name="T107" fmla="*/ 335 h 1133"/>
+              <a:gd name="T108" fmla="*/ 1108 w 1437"/>
+              <a:gd name="T109" fmla="*/ 103 h 1133"/>
+              <a:gd name="T110" fmla="*/ 1182 w 1437"/>
+              <a:gd name="T111" fmla="*/ 29 h 1133"/>
+              <a:gd name="T112" fmla="*/ 1237 w 1437"/>
+              <a:gd name="T113" fmla="*/ 6 h 1133"/>
+              <a:gd name="T114" fmla="*/ 1292 w 1437"/>
+              <a:gd name="T115" fmla="*/ 29 h 1133"/>
+              <a:gd name="T116" fmla="*/ 1414 w 1437"/>
+              <a:gd name="T117" fmla="*/ 151 h 1133"/>
+              <a:gd name="T118" fmla="*/ 1437 w 1437"/>
+              <a:gd name="T119" fmla="*/ 206 h 1133"/>
+              <a:gd name="T120" fmla="*/ 1414 w 1437"/>
+              <a:gd name="T121" fmla="*/ 261 h 1133"/>
+            </a:gdLst>
+            <a:ahLst/>
+            <a:cxnLst>
+              <a:cxn ang="0">
+                <a:pos x="T0" y="T1"/>
+              </a:cxn>
+              <a:cxn ang="0">
+                <a:pos x="T2" y="T3"/>
+              </a:cxn>
+              <a:cxn ang="0">
+                <a:pos x="T4" y="T5"/>
+              </a:cxn>
+              <a:cxn ang="0">
+                <a:pos x="T6" y="T7"/>
+              </a:cxn>
+              <a:cxn ang="0">
+                <a:pos x="T8" y="T9"/>
+              </a:cxn>
+              <a:cxn ang="0">
+                <a:pos x="T10" y="T11"/>
+              </a:cxn>
+              <a:cxn ang="0">
+                <a:pos x="T12" y="T13"/>
+              </a:cxn>
+              <a:cxn ang="0">
+                <a:pos x="T14" y="T15"/>
+              </a:cxn>
+              <a:cxn ang="0">
+                <a:pos x="T16" y="T17"/>
+              </a:cxn>
+              <a:cxn ang="0">
+                <a:pos x="T18" y="T19"/>
+              </a:cxn>
+              <a:cxn ang="0">
+                <a:pos x="T20" y="T21"/>
+              </a:cxn>
+              <a:cxn ang="0">
+                <a:pos x="T22" y="T23"/>
+              </a:cxn>
+              <a:cxn ang="0">
+                <a:pos x="T24" y="T25"/>
+              </a:cxn>
+              <a:cxn ang="0">
+                <a:pos x="T26" y="T27"/>
+              </a:cxn>
+              <a:cxn ang="0">
+                <a:pos x="T28" y="T29"/>
+              </a:cxn>
+              <a:cxn ang="0">
+                <a:pos x="T30" y="T31"/>
+              </a:cxn>
+              <a:cxn ang="0">
+                <a:pos x="T32" y="T33"/>
+              </a:cxn>
+              <a:cxn ang="0">
+                <a:pos x="T34" y="T35"/>
+              </a:cxn>
+              <a:cxn ang="0">
+                <a:pos x="T36" y="T37"/>
+              </a:cxn>
+              <a:cxn ang="0">
+                <a:pos x="T38" y="T39"/>
+              </a:cxn>
+              <a:cxn ang="0">
+                <a:pos x="T40" y="T41"/>
+              </a:cxn>
+              <a:cxn ang="0">
+                <a:pos x="T42" y="T43"/>
+              </a:cxn>
+              <a:cxn ang="0">
+                <a:pos x="T44" y="T45"/>
+              </a:cxn>
+              <a:cxn ang="0">
+                <a:pos x="T46" y="T47"/>
+              </a:cxn>
+              <a:cxn ang="0">
+                <a:pos x="T48" y="T49"/>
+              </a:cxn>
+              <a:cxn ang="0">
+                <a:pos x="T50" y="T51"/>
+              </a:cxn>
+              <a:cxn ang="0">
+                <a:pos x="T52" y="T53"/>
+              </a:cxn>
+              <a:cxn ang="0">
+                <a:pos x="T54" y="T55"/>
+              </a:cxn>
+              <a:cxn ang="0">
+                <a:pos x="T56" y="T57"/>
+              </a:cxn>
+              <a:cxn ang="0">
+                <a:pos x="T58" y="T59"/>
+              </a:cxn>
+              <a:cxn ang="0">
+                <a:pos x="T60" y="T61"/>
+              </a:cxn>
+              <a:cxn ang="0">
+                <a:pos x="T62" y="T63"/>
+              </a:cxn>
+              <a:cxn ang="0">
+                <a:pos x="T64" y="T65"/>
+              </a:cxn>
+              <a:cxn ang="0">
+                <a:pos x="T66" y="T67"/>
+              </a:cxn>
+              <a:cxn ang="0">
+                <a:pos x="T68" y="T69"/>
+              </a:cxn>
+              <a:cxn ang="0">
+                <a:pos x="T70" y="T71"/>
+              </a:cxn>
+              <a:cxn ang="0">
+                <a:pos x="T72" y="T73"/>
+              </a:cxn>
+              <a:cxn ang="0">
+                <a:pos x="T74" y="T75"/>
+              </a:cxn>
+              <a:cxn ang="0">
+                <a:pos x="T76" y="T77"/>
+              </a:cxn>
+              <a:cxn ang="0">
+                <a:pos x="T78" y="T79"/>
+              </a:cxn>
+              <a:cxn ang="0">
+                <a:pos x="T80" y="T81"/>
+              </a:cxn>
+              <a:cxn ang="0">
+                <a:pos x="T82" y="T83"/>
+              </a:cxn>
+              <a:cxn ang="0">
+                <a:pos x="T84" y="T85"/>
+              </a:cxn>
+              <a:cxn ang="0">
+                <a:pos x="T86" y="T87"/>
+              </a:cxn>
+              <a:cxn ang="0">
+                <a:pos x="T88" y="T89"/>
+              </a:cxn>
+              <a:cxn ang="0">
+                <a:pos x="T90" y="T91"/>
+              </a:cxn>
+              <a:cxn ang="0">
+                <a:pos x="T92" y="T93"/>
+              </a:cxn>
+              <a:cxn ang="0">
+                <a:pos x="T94" y="T95"/>
+              </a:cxn>
+              <a:cxn ang="0">
+                <a:pos x="T96" y="T97"/>
+              </a:cxn>
+              <a:cxn ang="0">
+                <a:pos x="T98" y="T99"/>
+              </a:cxn>
+              <a:cxn ang="0">
+                <a:pos x="T100" y="T101"/>
+              </a:cxn>
+              <a:cxn ang="0">
+                <a:pos x="T102" y="T103"/>
+              </a:cxn>
+              <a:cxn ang="0">
+                <a:pos x="T104" y="T105"/>
+              </a:cxn>
+              <a:cxn ang="0">
+                <a:pos x="T106" y="T107"/>
+              </a:cxn>
+              <a:cxn ang="0">
+                <a:pos x="T108" y="T109"/>
+              </a:cxn>
+              <a:cxn ang="0">
+                <a:pos x="T110" y="T111"/>
+              </a:cxn>
+              <a:cxn ang="0">
+                <a:pos x="T112" y="T113"/>
+              </a:cxn>
+              <a:cxn ang="0">
+                <a:pos x="T114" y="T115"/>
+              </a:cxn>
+              <a:cxn ang="0">
+                <a:pos x="T116" y="T117"/>
+              </a:cxn>
+              <a:cxn ang="0">
+                <a:pos x="T118" y="T119"/>
+              </a:cxn>
+              <a:cxn ang="0">
+                <a:pos x="T120" y="T121"/>
+              </a:cxn>
+            </a:cxnLst>
+            <a:rect l="0" t="0" r="r" b="b"/>
+            <a:pathLst>
+              <a:path w="1437" h="1133">
+                <a:moveTo>
+                  <a:pt x="715" y="850"/>
+                </a:moveTo>
+                <a:lnTo>
+                  <a:pt x="809" y="757"/>
+                </a:lnTo>
+                <a:lnTo>
+                  <a:pt x="686" y="634"/>
+                </a:lnTo>
+                <a:lnTo>
+                  <a:pt x="593" y="728"/>
+                </a:lnTo>
+                <a:lnTo>
+                  <a:pt x="593" y="773"/>
+                </a:lnTo>
+                <a:lnTo>
+                  <a:pt x="670" y="773"/>
+                </a:lnTo>
+                <a:lnTo>
+                  <a:pt x="670" y="850"/>
+                </a:lnTo>
+                <a:lnTo>
+                  <a:pt x="715" y="850"/>
+                </a:lnTo>
+                <a:close/>
+                <a:moveTo>
+                  <a:pt x="1069" y="270"/>
+                </a:moveTo>
+                <a:cubicBezTo>
+                  <a:pt x="1061" y="262"/>
+                  <a:pt x="1052" y="262"/>
+                  <a:pt x="1043" y="271"/>
+                </a:cubicBezTo>
+                <a:lnTo>
+                  <a:pt x="761" y="553"/>
+                </a:lnTo>
+                <a:cubicBezTo>
+                  <a:pt x="752" y="562"/>
+                  <a:pt x="752" y="571"/>
+                  <a:pt x="760" y="580"/>
+                </a:cubicBezTo>
+                <a:cubicBezTo>
+                  <a:pt x="769" y="588"/>
+                  <a:pt x="778" y="588"/>
+                  <a:pt x="787" y="579"/>
+                </a:cubicBezTo>
+                <a:lnTo>
+                  <a:pt x="1069" y="297"/>
+                </a:lnTo>
+                <a:cubicBezTo>
+                  <a:pt x="1078" y="288"/>
+                  <a:pt x="1078" y="279"/>
+                  <a:pt x="1069" y="270"/>
+                </a:cubicBezTo>
+                <a:close/>
+                <a:moveTo>
+                  <a:pt x="1134" y="749"/>
+                </a:moveTo>
+                <a:lnTo>
+                  <a:pt x="1134" y="902"/>
+                </a:lnTo>
+                <a:cubicBezTo>
+                  <a:pt x="1134" y="965"/>
+                  <a:pt x="1111" y="1020"/>
+                  <a:pt x="1066" y="1065"/>
+                </a:cubicBezTo>
+                <a:cubicBezTo>
+                  <a:pt x="1020" y="1111"/>
+                  <a:pt x="966" y="1133"/>
+                  <a:pt x="902" y="1133"/>
+                </a:cubicBezTo>
+                <a:lnTo>
+                  <a:pt x="232" y="1133"/>
+                </a:lnTo>
+                <a:cubicBezTo>
+                  <a:pt x="168" y="1133"/>
+                  <a:pt x="114" y="1111"/>
+                  <a:pt x="68" y="1065"/>
+                </a:cubicBezTo>
+                <a:cubicBezTo>
+                  <a:pt x="23" y="1020"/>
+                  <a:pt x="0" y="965"/>
+                  <a:pt x="0" y="902"/>
+                </a:cubicBezTo>
+                <a:lnTo>
+                  <a:pt x="0" y="232"/>
+                </a:lnTo>
+                <a:cubicBezTo>
+                  <a:pt x="0" y="168"/>
+                  <a:pt x="23" y="113"/>
+                  <a:pt x="68" y="68"/>
+                </a:cubicBezTo>
+                <a:cubicBezTo>
+                  <a:pt x="114" y="23"/>
+                  <a:pt x="168" y="0"/>
+                  <a:pt x="232" y="0"/>
+                </a:cubicBezTo>
+                <a:lnTo>
+                  <a:pt x="902" y="0"/>
+                </a:lnTo>
+                <a:cubicBezTo>
+                  <a:pt x="936" y="0"/>
+                  <a:pt x="967" y="7"/>
+                  <a:pt x="996" y="20"/>
+                </a:cubicBezTo>
+                <a:cubicBezTo>
+                  <a:pt x="1004" y="24"/>
+                  <a:pt x="1009" y="30"/>
+                  <a:pt x="1011" y="39"/>
+                </a:cubicBezTo>
+                <a:cubicBezTo>
+                  <a:pt x="1012" y="48"/>
+                  <a:pt x="1010" y="55"/>
+                  <a:pt x="1003" y="62"/>
+                </a:cubicBezTo>
+                <a:lnTo>
+                  <a:pt x="964" y="101"/>
+                </a:lnTo>
+                <a:cubicBezTo>
+                  <a:pt x="956" y="109"/>
+                  <a:pt x="948" y="111"/>
+                  <a:pt x="938" y="108"/>
+                </a:cubicBezTo>
+                <a:cubicBezTo>
+                  <a:pt x="926" y="105"/>
+                  <a:pt x="914" y="103"/>
+                  <a:pt x="902" y="103"/>
+                </a:cubicBezTo>
+                <a:lnTo>
+                  <a:pt x="232" y="103"/>
+                </a:lnTo>
+                <a:cubicBezTo>
+                  <a:pt x="197" y="103"/>
+                  <a:pt x="166" y="116"/>
+                  <a:pt x="141" y="141"/>
+                </a:cubicBezTo>
+                <a:cubicBezTo>
+                  <a:pt x="116" y="166"/>
+                  <a:pt x="103" y="196"/>
+                  <a:pt x="103" y="232"/>
+                </a:cubicBezTo>
+                <a:lnTo>
+                  <a:pt x="103" y="902"/>
+                </a:lnTo>
+                <a:cubicBezTo>
+                  <a:pt x="103" y="937"/>
+                  <a:pt x="116" y="967"/>
+                  <a:pt x="141" y="993"/>
+                </a:cubicBezTo>
+                <a:cubicBezTo>
+                  <a:pt x="166" y="1018"/>
+                  <a:pt x="197" y="1030"/>
+                  <a:pt x="232" y="1030"/>
+                </a:cubicBezTo>
+                <a:lnTo>
+                  <a:pt x="902" y="1030"/>
+                </a:lnTo>
+                <a:cubicBezTo>
+                  <a:pt x="937" y="1030"/>
+                  <a:pt x="968" y="1018"/>
+                  <a:pt x="993" y="993"/>
+                </a:cubicBezTo>
+                <a:cubicBezTo>
+                  <a:pt x="1018" y="967"/>
+                  <a:pt x="1031" y="937"/>
+                  <a:pt x="1031" y="902"/>
+                </a:cubicBezTo>
+                <a:lnTo>
+                  <a:pt x="1031" y="800"/>
+                </a:lnTo>
+                <a:cubicBezTo>
+                  <a:pt x="1031" y="793"/>
+                  <a:pt x="1033" y="787"/>
+                  <a:pt x="1038" y="782"/>
+                </a:cubicBezTo>
+                <a:lnTo>
+                  <a:pt x="1090" y="731"/>
+                </a:lnTo>
+                <a:cubicBezTo>
+                  <a:pt x="1098" y="723"/>
+                  <a:pt x="1107" y="721"/>
+                  <a:pt x="1118" y="725"/>
+                </a:cubicBezTo>
+                <a:cubicBezTo>
+                  <a:pt x="1128" y="730"/>
+                  <a:pt x="1134" y="737"/>
+                  <a:pt x="1134" y="749"/>
+                </a:cubicBezTo>
+                <a:close/>
+                <a:moveTo>
+                  <a:pt x="1057" y="155"/>
+                </a:moveTo>
+                <a:lnTo>
+                  <a:pt x="1288" y="386"/>
+                </a:lnTo>
+                <a:lnTo>
+                  <a:pt x="747" y="927"/>
+                </a:lnTo>
+                <a:lnTo>
+                  <a:pt x="516" y="927"/>
+                </a:lnTo>
+                <a:lnTo>
+                  <a:pt x="516" y="696"/>
+                </a:lnTo>
+                <a:lnTo>
+                  <a:pt x="1057" y="155"/>
+                </a:lnTo>
+                <a:close/>
+                <a:moveTo>
+                  <a:pt x="1414" y="261"/>
+                </a:moveTo>
+                <a:lnTo>
+                  <a:pt x="1340" y="335"/>
+                </a:lnTo>
+                <a:lnTo>
+                  <a:pt x="1108" y="103"/>
+                </a:lnTo>
+                <a:lnTo>
+                  <a:pt x="1182" y="29"/>
+                </a:lnTo>
+                <a:cubicBezTo>
+                  <a:pt x="1197" y="14"/>
+                  <a:pt x="1215" y="6"/>
+                  <a:pt x="1237" y="6"/>
+                </a:cubicBezTo>
+                <a:cubicBezTo>
+                  <a:pt x="1258" y="6"/>
+                  <a:pt x="1277" y="14"/>
+                  <a:pt x="1292" y="29"/>
+                </a:cubicBezTo>
+                <a:lnTo>
+                  <a:pt x="1414" y="151"/>
+                </a:lnTo>
+                <a:cubicBezTo>
+                  <a:pt x="1429" y="166"/>
+                  <a:pt x="1437" y="185"/>
+                  <a:pt x="1437" y="206"/>
+                </a:cubicBezTo>
+                <a:cubicBezTo>
+                  <a:pt x="1437" y="227"/>
+                  <a:pt x="1429" y="246"/>
+                  <a:pt x="1414" y="261"/>
+                </a:cubicBezTo>
+                <a:close/>
+              </a:path>
+            </a:pathLst>
+          </a:custGeom>
+          <a:solidFill>
+            <a:schemeClr val="bg2">
+              <a:lumMod val="75000"/>
+            </a:schemeClr>
+          </a:solidFill>
+          <a:ln w="0">
+            <a:noFill/>
+            <a:prstDash val="solid"/>
+            <a:round/>
+            <a:headEnd/>
+            <a:tailEnd/>
+          </a:ln>
+        </p:spPr>
+        <p:txBody>
+          <a:bodyPr vert="horz" wrap="square" lIns="91440" tIns="45720" rIns="91440" bIns="45720" numCol="1" anchor="t" anchorCtr="0" compatLnSpc="1">
+            <a:prstTxWarp prst="textNoShape">
+              <a:avLst/>
+            </a:prstTxWarp>
+          </a:bodyPr>
+          <a:lstStyle/>
+          <a:p>
+            <a:endParaRPr lang="en-US" sz="1050">
+              <a:latin typeface="Arial" panose="020B0604020202020204" pitchFamily="34" charset="0"/>
+              <a:cs typeface="Arial" panose="020B0604020202020204" pitchFamily="34" charset="0"/>
+            </a:endParaRPr>
+          </a:p>
+        </p:txBody>
+      </p:sp>
+      <p:sp>
+        <p:nvSpPr>
+          <p:cNvPr id="35" name="Edit Icon">
+            <a:extLst>
+              <a:ext uri="{FF2B5EF4-FFF2-40B4-BE49-F238E27FC236}">
+                <a16:creationId xmlns:a16="http://schemas.microsoft.com/office/drawing/2014/main" id="{186783A9-1323-4F4C-94FD-261B553F6436}"/>
+              </a:ext>
+            </a:extLst>
+          </p:cNvPr>
+          <p:cNvSpPr>
+            <a:spLocks noChangeAspect="1" noEditPoints="1"/>
+          </p:cNvSpPr>
+          <p:nvPr/>
+        </p:nvSpPr>
+        <p:spPr bwMode="auto">
+          <a:xfrm>
+            <a:off x="5490793" y="5833695"/>
+            <a:ext cx="309563" cy="244475"/>
+          </a:xfrm>
+          <a:custGeom>
+            <a:avLst/>
+            <a:gdLst>
+              <a:gd name="T0" fmla="*/ 715 w 1437"/>
+              <a:gd name="T1" fmla="*/ 850 h 1133"/>
+              <a:gd name="T2" fmla="*/ 809 w 1437"/>
+              <a:gd name="T3" fmla="*/ 757 h 1133"/>
+              <a:gd name="T4" fmla="*/ 686 w 1437"/>
+              <a:gd name="T5" fmla="*/ 634 h 1133"/>
+              <a:gd name="T6" fmla="*/ 593 w 1437"/>
+              <a:gd name="T7" fmla="*/ 728 h 1133"/>
+              <a:gd name="T8" fmla="*/ 593 w 1437"/>
+              <a:gd name="T9" fmla="*/ 773 h 1133"/>
+              <a:gd name="T10" fmla="*/ 670 w 1437"/>
+              <a:gd name="T11" fmla="*/ 773 h 1133"/>
+              <a:gd name="T12" fmla="*/ 670 w 1437"/>
+              <a:gd name="T13" fmla="*/ 850 h 1133"/>
+              <a:gd name="T14" fmla="*/ 715 w 1437"/>
+              <a:gd name="T15" fmla="*/ 850 h 1133"/>
+              <a:gd name="T16" fmla="*/ 1069 w 1437"/>
+              <a:gd name="T17" fmla="*/ 270 h 1133"/>
+              <a:gd name="T18" fmla="*/ 1043 w 1437"/>
+              <a:gd name="T19" fmla="*/ 271 h 1133"/>
+              <a:gd name="T20" fmla="*/ 761 w 1437"/>
+              <a:gd name="T21" fmla="*/ 553 h 1133"/>
+              <a:gd name="T22" fmla="*/ 760 w 1437"/>
+              <a:gd name="T23" fmla="*/ 580 h 1133"/>
+              <a:gd name="T24" fmla="*/ 787 w 1437"/>
+              <a:gd name="T25" fmla="*/ 579 h 1133"/>
+              <a:gd name="T26" fmla="*/ 1069 w 1437"/>
+              <a:gd name="T27" fmla="*/ 297 h 1133"/>
+              <a:gd name="T28" fmla="*/ 1069 w 1437"/>
+              <a:gd name="T29" fmla="*/ 270 h 1133"/>
+              <a:gd name="T30" fmla="*/ 1134 w 1437"/>
+              <a:gd name="T31" fmla="*/ 749 h 1133"/>
+              <a:gd name="T32" fmla="*/ 1134 w 1437"/>
+              <a:gd name="T33" fmla="*/ 902 h 1133"/>
+              <a:gd name="T34" fmla="*/ 1066 w 1437"/>
+              <a:gd name="T35" fmla="*/ 1065 h 1133"/>
+              <a:gd name="T36" fmla="*/ 902 w 1437"/>
+              <a:gd name="T37" fmla="*/ 1133 h 1133"/>
+              <a:gd name="T38" fmla="*/ 232 w 1437"/>
+              <a:gd name="T39" fmla="*/ 1133 h 1133"/>
+              <a:gd name="T40" fmla="*/ 68 w 1437"/>
+              <a:gd name="T41" fmla="*/ 1065 h 1133"/>
+              <a:gd name="T42" fmla="*/ 0 w 1437"/>
+              <a:gd name="T43" fmla="*/ 902 h 1133"/>
+              <a:gd name="T44" fmla="*/ 0 w 1437"/>
+              <a:gd name="T45" fmla="*/ 232 h 1133"/>
+              <a:gd name="T46" fmla="*/ 68 w 1437"/>
+              <a:gd name="T47" fmla="*/ 68 h 1133"/>
+              <a:gd name="T48" fmla="*/ 232 w 1437"/>
+              <a:gd name="T49" fmla="*/ 0 h 1133"/>
+              <a:gd name="T50" fmla="*/ 902 w 1437"/>
+              <a:gd name="T51" fmla="*/ 0 h 1133"/>
+              <a:gd name="T52" fmla="*/ 996 w 1437"/>
+              <a:gd name="T53" fmla="*/ 20 h 1133"/>
+              <a:gd name="T54" fmla="*/ 1011 w 1437"/>
+              <a:gd name="T55" fmla="*/ 39 h 1133"/>
+              <a:gd name="T56" fmla="*/ 1003 w 1437"/>
+              <a:gd name="T57" fmla="*/ 62 h 1133"/>
+              <a:gd name="T58" fmla="*/ 964 w 1437"/>
+              <a:gd name="T59" fmla="*/ 101 h 1133"/>
+              <a:gd name="T60" fmla="*/ 938 w 1437"/>
+              <a:gd name="T61" fmla="*/ 108 h 1133"/>
+              <a:gd name="T62" fmla="*/ 902 w 1437"/>
+              <a:gd name="T63" fmla="*/ 103 h 1133"/>
+              <a:gd name="T64" fmla="*/ 232 w 1437"/>
+              <a:gd name="T65" fmla="*/ 103 h 1133"/>
+              <a:gd name="T66" fmla="*/ 141 w 1437"/>
+              <a:gd name="T67" fmla="*/ 141 h 1133"/>
+              <a:gd name="T68" fmla="*/ 103 w 1437"/>
+              <a:gd name="T69" fmla="*/ 232 h 1133"/>
+              <a:gd name="T70" fmla="*/ 103 w 1437"/>
+              <a:gd name="T71" fmla="*/ 902 h 1133"/>
+              <a:gd name="T72" fmla="*/ 141 w 1437"/>
+              <a:gd name="T73" fmla="*/ 993 h 1133"/>
+              <a:gd name="T74" fmla="*/ 232 w 1437"/>
+              <a:gd name="T75" fmla="*/ 1030 h 1133"/>
+              <a:gd name="T76" fmla="*/ 902 w 1437"/>
+              <a:gd name="T77" fmla="*/ 1030 h 1133"/>
+              <a:gd name="T78" fmla="*/ 993 w 1437"/>
+              <a:gd name="T79" fmla="*/ 993 h 1133"/>
+              <a:gd name="T80" fmla="*/ 1031 w 1437"/>
+              <a:gd name="T81" fmla="*/ 902 h 1133"/>
+              <a:gd name="T82" fmla="*/ 1031 w 1437"/>
+              <a:gd name="T83" fmla="*/ 800 h 1133"/>
+              <a:gd name="T84" fmla="*/ 1038 w 1437"/>
+              <a:gd name="T85" fmla="*/ 782 h 1133"/>
+              <a:gd name="T86" fmla="*/ 1090 w 1437"/>
+              <a:gd name="T87" fmla="*/ 731 h 1133"/>
+              <a:gd name="T88" fmla="*/ 1118 w 1437"/>
+              <a:gd name="T89" fmla="*/ 725 h 1133"/>
+              <a:gd name="T90" fmla="*/ 1134 w 1437"/>
+              <a:gd name="T91" fmla="*/ 749 h 1133"/>
+              <a:gd name="T92" fmla="*/ 1057 w 1437"/>
+              <a:gd name="T93" fmla="*/ 155 h 1133"/>
+              <a:gd name="T94" fmla="*/ 1288 w 1437"/>
+              <a:gd name="T95" fmla="*/ 386 h 1133"/>
+              <a:gd name="T96" fmla="*/ 747 w 1437"/>
+              <a:gd name="T97" fmla="*/ 927 h 1133"/>
+              <a:gd name="T98" fmla="*/ 516 w 1437"/>
+              <a:gd name="T99" fmla="*/ 927 h 1133"/>
+              <a:gd name="T100" fmla="*/ 516 w 1437"/>
+              <a:gd name="T101" fmla="*/ 696 h 1133"/>
+              <a:gd name="T102" fmla="*/ 1057 w 1437"/>
+              <a:gd name="T103" fmla="*/ 155 h 1133"/>
+              <a:gd name="T104" fmla="*/ 1414 w 1437"/>
+              <a:gd name="T105" fmla="*/ 261 h 1133"/>
+              <a:gd name="T106" fmla="*/ 1340 w 1437"/>
+              <a:gd name="T107" fmla="*/ 335 h 1133"/>
+              <a:gd name="T108" fmla="*/ 1108 w 1437"/>
+              <a:gd name="T109" fmla="*/ 103 h 1133"/>
+              <a:gd name="T110" fmla="*/ 1182 w 1437"/>
+              <a:gd name="T111" fmla="*/ 29 h 1133"/>
+              <a:gd name="T112" fmla="*/ 1237 w 1437"/>
+              <a:gd name="T113" fmla="*/ 6 h 1133"/>
+              <a:gd name="T114" fmla="*/ 1292 w 1437"/>
+              <a:gd name="T115" fmla="*/ 29 h 1133"/>
+              <a:gd name="T116" fmla="*/ 1414 w 1437"/>
+              <a:gd name="T117" fmla="*/ 151 h 1133"/>
+              <a:gd name="T118" fmla="*/ 1437 w 1437"/>
+              <a:gd name="T119" fmla="*/ 206 h 1133"/>
+              <a:gd name="T120" fmla="*/ 1414 w 1437"/>
+              <a:gd name="T121" fmla="*/ 261 h 1133"/>
+            </a:gdLst>
+            <a:ahLst/>
+            <a:cxnLst>
+              <a:cxn ang="0">
+                <a:pos x="T0" y="T1"/>
+              </a:cxn>
+              <a:cxn ang="0">
+                <a:pos x="T2" y="T3"/>
+              </a:cxn>
+              <a:cxn ang="0">
+                <a:pos x="T4" y="T5"/>
+              </a:cxn>
+              <a:cxn ang="0">
+                <a:pos x="T6" y="T7"/>
+              </a:cxn>
+              <a:cxn ang="0">
+                <a:pos x="T8" y="T9"/>
+              </a:cxn>
+              <a:cxn ang="0">
+                <a:pos x="T10" y="T11"/>
+              </a:cxn>
+              <a:cxn ang="0">
+                <a:pos x="T12" y="T13"/>
+              </a:cxn>
+              <a:cxn ang="0">
+                <a:pos x="T14" y="T15"/>
+              </a:cxn>
+              <a:cxn ang="0">
+                <a:pos x="T16" y="T17"/>
+              </a:cxn>
+              <a:cxn ang="0">
+                <a:pos x="T18" y="T19"/>
+              </a:cxn>
+              <a:cxn ang="0">
+                <a:pos x="T20" y="T21"/>
+              </a:cxn>
+              <a:cxn ang="0">
+                <a:pos x="T22" y="T23"/>
+              </a:cxn>
+              <a:cxn ang="0">
+                <a:pos x="T24" y="T25"/>
+              </a:cxn>
+              <a:cxn ang="0">
+                <a:pos x="T26" y="T27"/>
+              </a:cxn>
+              <a:cxn ang="0">
+                <a:pos x="T28" y="T29"/>
+              </a:cxn>
+              <a:cxn ang="0">
+                <a:pos x="T30" y="T31"/>
+              </a:cxn>
+              <a:cxn ang="0">
+                <a:pos x="T32" y="T33"/>
+              </a:cxn>
+              <a:cxn ang="0">
+                <a:pos x="T34" y="T35"/>
+              </a:cxn>
+              <a:cxn ang="0">
+                <a:pos x="T36" y="T37"/>
+              </a:cxn>
+              <a:cxn ang="0">
+                <a:pos x="T38" y="T39"/>
+              </a:cxn>
+              <a:cxn ang="0">
+                <a:pos x="T40" y="T41"/>
+              </a:cxn>
+              <a:cxn ang="0">
+                <a:pos x="T42" y="T43"/>
+              </a:cxn>
+              <a:cxn ang="0">
+                <a:pos x="T44" y="T45"/>
+              </a:cxn>
+              <a:cxn ang="0">
+                <a:pos x="T46" y="T47"/>
+              </a:cxn>
+              <a:cxn ang="0">
+                <a:pos x="T48" y="T49"/>
+              </a:cxn>
+              <a:cxn ang="0">
+                <a:pos x="T50" y="T51"/>
+              </a:cxn>
+              <a:cxn ang="0">
+                <a:pos x="T52" y="T53"/>
+              </a:cxn>
+              <a:cxn ang="0">
+                <a:pos x="T54" y="T55"/>
+              </a:cxn>
+              <a:cxn ang="0">
+                <a:pos x="T56" y="T57"/>
+              </a:cxn>
+              <a:cxn ang="0">
+                <a:pos x="T58" y="T59"/>
+              </a:cxn>
+              <a:cxn ang="0">
+                <a:pos x="T60" y="T61"/>
+              </a:cxn>
+              <a:cxn ang="0">
+                <a:pos x="T62" y="T63"/>
+              </a:cxn>
+              <a:cxn ang="0">
+                <a:pos x="T64" y="T65"/>
+              </a:cxn>
+              <a:cxn ang="0">
+                <a:pos x="T66" y="T67"/>
+              </a:cxn>
+              <a:cxn ang="0">
+                <a:pos x="T68" y="T69"/>
+              </a:cxn>
+              <a:cxn ang="0">
+                <a:pos x="T70" y="T71"/>
+              </a:cxn>
+              <a:cxn ang="0">
+                <a:pos x="T72" y="T73"/>
+              </a:cxn>
+              <a:cxn ang="0">
+                <a:pos x="T74" y="T75"/>
+              </a:cxn>
+              <a:cxn ang="0">
+                <a:pos x="T76" y="T77"/>
+              </a:cxn>
+              <a:cxn ang="0">
+                <a:pos x="T78" y="T79"/>
+              </a:cxn>
+              <a:cxn ang="0">
+                <a:pos x="T80" y="T81"/>
+              </a:cxn>
+              <a:cxn ang="0">
+                <a:pos x="T82" y="T83"/>
+              </a:cxn>
+              <a:cxn ang="0">
+                <a:pos x="T84" y="T85"/>
+              </a:cxn>
+              <a:cxn ang="0">
+                <a:pos x="T86" y="T87"/>
+              </a:cxn>
+              <a:cxn ang="0">
+                <a:pos x="T88" y="T89"/>
+              </a:cxn>
+              <a:cxn ang="0">
+                <a:pos x="T90" y="T91"/>
+              </a:cxn>
+              <a:cxn ang="0">
+                <a:pos x="T92" y="T93"/>
+              </a:cxn>
+              <a:cxn ang="0">
+                <a:pos x="T94" y="T95"/>
+              </a:cxn>
+              <a:cxn ang="0">
+                <a:pos x="T96" y="T97"/>
+              </a:cxn>
+              <a:cxn ang="0">
+                <a:pos x="T98" y="T99"/>
+              </a:cxn>
+              <a:cxn ang="0">
+                <a:pos x="T100" y="T101"/>
+              </a:cxn>
+              <a:cxn ang="0">
+                <a:pos x="T102" y="T103"/>
+              </a:cxn>
+              <a:cxn ang="0">
+                <a:pos x="T104" y="T105"/>
+              </a:cxn>
+              <a:cxn ang="0">
+                <a:pos x="T106" y="T107"/>
+              </a:cxn>
+              <a:cxn ang="0">
+                <a:pos x="T108" y="T109"/>
+              </a:cxn>
+              <a:cxn ang="0">
+                <a:pos x="T110" y="T111"/>
+              </a:cxn>
+              <a:cxn ang="0">
+                <a:pos x="T112" y="T113"/>
+              </a:cxn>
+              <a:cxn ang="0">
+                <a:pos x="T114" y="T115"/>
+              </a:cxn>
+              <a:cxn ang="0">
+                <a:pos x="T116" y="T117"/>
+              </a:cxn>
+              <a:cxn ang="0">
+                <a:pos x="T118" y="T119"/>
+              </a:cxn>
+              <a:cxn ang="0">
+                <a:pos x="T120" y="T121"/>
+              </a:cxn>
+            </a:cxnLst>
+            <a:rect l="0" t="0" r="r" b="b"/>
+            <a:pathLst>
+              <a:path w="1437" h="1133">
+                <a:moveTo>
+                  <a:pt x="715" y="850"/>
+                </a:moveTo>
+                <a:lnTo>
+                  <a:pt x="809" y="757"/>
+                </a:lnTo>
+                <a:lnTo>
+                  <a:pt x="686" y="634"/>
+                </a:lnTo>
+                <a:lnTo>
+                  <a:pt x="593" y="728"/>
+                </a:lnTo>
+                <a:lnTo>
+                  <a:pt x="593" y="773"/>
+                </a:lnTo>
+                <a:lnTo>
+                  <a:pt x="670" y="773"/>
+                </a:lnTo>
+                <a:lnTo>
+                  <a:pt x="670" y="850"/>
+                </a:lnTo>
+                <a:lnTo>
+                  <a:pt x="715" y="850"/>
+                </a:lnTo>
+                <a:close/>
+                <a:moveTo>
+                  <a:pt x="1069" y="270"/>
+                </a:moveTo>
+                <a:cubicBezTo>
+                  <a:pt x="1061" y="262"/>
+                  <a:pt x="1052" y="262"/>
+                  <a:pt x="1043" y="271"/>
+                </a:cubicBezTo>
+                <a:lnTo>
+                  <a:pt x="761" y="553"/>
+                </a:lnTo>
+                <a:cubicBezTo>
+                  <a:pt x="752" y="562"/>
+                  <a:pt x="752" y="571"/>
+                  <a:pt x="760" y="580"/>
+                </a:cubicBezTo>
+                <a:cubicBezTo>
+                  <a:pt x="769" y="588"/>
+                  <a:pt x="778" y="588"/>
+                  <a:pt x="787" y="579"/>
+                </a:cubicBezTo>
+                <a:lnTo>
+                  <a:pt x="1069" y="297"/>
+                </a:lnTo>
+                <a:cubicBezTo>
+                  <a:pt x="1078" y="288"/>
+                  <a:pt x="1078" y="279"/>
+                  <a:pt x="1069" y="270"/>
+                </a:cubicBezTo>
+                <a:close/>
+                <a:moveTo>
+                  <a:pt x="1134" y="749"/>
+                </a:moveTo>
+                <a:lnTo>
+                  <a:pt x="1134" y="902"/>
+                </a:lnTo>
+                <a:cubicBezTo>
+                  <a:pt x="1134" y="965"/>
+                  <a:pt x="1111" y="1020"/>
+                  <a:pt x="1066" y="1065"/>
+                </a:cubicBezTo>
+                <a:cubicBezTo>
+                  <a:pt x="1020" y="1111"/>
+                  <a:pt x="966" y="1133"/>
+                  <a:pt x="902" y="1133"/>
+                </a:cubicBezTo>
+                <a:lnTo>
+                  <a:pt x="232" y="1133"/>
+                </a:lnTo>
+                <a:cubicBezTo>
+                  <a:pt x="168" y="1133"/>
+                  <a:pt x="114" y="1111"/>
+                  <a:pt x="68" y="1065"/>
+                </a:cubicBezTo>
+                <a:cubicBezTo>
+                  <a:pt x="23" y="1020"/>
+                  <a:pt x="0" y="965"/>
+                  <a:pt x="0" y="902"/>
+                </a:cubicBezTo>
+                <a:lnTo>
+                  <a:pt x="0" y="232"/>
+                </a:lnTo>
+                <a:cubicBezTo>
+                  <a:pt x="0" y="168"/>
+                  <a:pt x="23" y="113"/>
+                  <a:pt x="68" y="68"/>
+                </a:cubicBezTo>
+                <a:cubicBezTo>
+                  <a:pt x="114" y="23"/>
+                  <a:pt x="168" y="0"/>
+                  <a:pt x="232" y="0"/>
+                </a:cubicBezTo>
+                <a:lnTo>
+                  <a:pt x="902" y="0"/>
+                </a:lnTo>
+                <a:cubicBezTo>
+                  <a:pt x="936" y="0"/>
+                  <a:pt x="967" y="7"/>
+                  <a:pt x="996" y="20"/>
+                </a:cubicBezTo>
+                <a:cubicBezTo>
+                  <a:pt x="1004" y="24"/>
+                  <a:pt x="1009" y="30"/>
+                  <a:pt x="1011" y="39"/>
+                </a:cubicBezTo>
+                <a:cubicBezTo>
+                  <a:pt x="1012" y="48"/>
+                  <a:pt x="1010" y="55"/>
+                  <a:pt x="1003" y="62"/>
+                </a:cubicBezTo>
+                <a:lnTo>
+                  <a:pt x="964" y="101"/>
+                </a:lnTo>
+                <a:cubicBezTo>
+                  <a:pt x="956" y="109"/>
+                  <a:pt x="948" y="111"/>
+                  <a:pt x="938" y="108"/>
+                </a:cubicBezTo>
+                <a:cubicBezTo>
+                  <a:pt x="926" y="105"/>
+                  <a:pt x="914" y="103"/>
+                  <a:pt x="902" y="103"/>
+                </a:cubicBezTo>
+                <a:lnTo>
+                  <a:pt x="232" y="103"/>
+                </a:lnTo>
+                <a:cubicBezTo>
+                  <a:pt x="197" y="103"/>
+                  <a:pt x="166" y="116"/>
+                  <a:pt x="141" y="141"/>
+                </a:cubicBezTo>
+                <a:cubicBezTo>
+                  <a:pt x="116" y="166"/>
+                  <a:pt x="103" y="196"/>
+                  <a:pt x="103" y="232"/>
+                </a:cubicBezTo>
+                <a:lnTo>
+                  <a:pt x="103" y="902"/>
+                </a:lnTo>
+                <a:cubicBezTo>
+                  <a:pt x="103" y="937"/>
+                  <a:pt x="116" y="967"/>
+                  <a:pt x="141" y="993"/>
+                </a:cubicBezTo>
+                <a:cubicBezTo>
+                  <a:pt x="166" y="1018"/>
+                  <a:pt x="197" y="1030"/>
+                  <a:pt x="232" y="1030"/>
+                </a:cubicBezTo>
+                <a:lnTo>
+                  <a:pt x="902" y="1030"/>
+                </a:lnTo>
+                <a:cubicBezTo>
+                  <a:pt x="937" y="1030"/>
+                  <a:pt x="968" y="1018"/>
+                  <a:pt x="993" y="993"/>
+                </a:cubicBezTo>
+                <a:cubicBezTo>
+                  <a:pt x="1018" y="967"/>
+                  <a:pt x="1031" y="937"/>
+                  <a:pt x="1031" y="902"/>
+                </a:cubicBezTo>
+                <a:lnTo>
+                  <a:pt x="1031" y="800"/>
+                </a:lnTo>
+                <a:cubicBezTo>
+                  <a:pt x="1031" y="793"/>
+                  <a:pt x="1033" y="787"/>
+                  <a:pt x="1038" y="782"/>
+                </a:cubicBezTo>
+                <a:lnTo>
+                  <a:pt x="1090" y="731"/>
+                </a:lnTo>
+                <a:cubicBezTo>
+                  <a:pt x="1098" y="723"/>
+                  <a:pt x="1107" y="721"/>
+                  <a:pt x="1118" y="725"/>
+                </a:cubicBezTo>
+                <a:cubicBezTo>
+                  <a:pt x="1128" y="730"/>
+                  <a:pt x="1134" y="737"/>
+                  <a:pt x="1134" y="749"/>
+                </a:cubicBezTo>
+                <a:close/>
+                <a:moveTo>
+                  <a:pt x="1057" y="155"/>
+                </a:moveTo>
+                <a:lnTo>
+                  <a:pt x="1288" y="386"/>
+                </a:lnTo>
+                <a:lnTo>
+                  <a:pt x="747" y="927"/>
+                </a:lnTo>
+                <a:lnTo>
+                  <a:pt x="516" y="927"/>
+                </a:lnTo>
+                <a:lnTo>
+                  <a:pt x="516" y="696"/>
+                </a:lnTo>
+                <a:lnTo>
+                  <a:pt x="1057" y="155"/>
+                </a:lnTo>
+                <a:close/>
+                <a:moveTo>
+                  <a:pt x="1414" y="261"/>
+                </a:moveTo>
+                <a:lnTo>
+                  <a:pt x="1340" y="335"/>
+                </a:lnTo>
+                <a:lnTo>
+                  <a:pt x="1108" y="103"/>
+                </a:lnTo>
+                <a:lnTo>
+                  <a:pt x="1182" y="29"/>
+                </a:lnTo>
+                <a:cubicBezTo>
+                  <a:pt x="1197" y="14"/>
+                  <a:pt x="1215" y="6"/>
+                  <a:pt x="1237" y="6"/>
+                </a:cubicBezTo>
+                <a:cubicBezTo>
+                  <a:pt x="1258" y="6"/>
+                  <a:pt x="1277" y="14"/>
+                  <a:pt x="1292" y="29"/>
+                </a:cubicBezTo>
+                <a:lnTo>
+                  <a:pt x="1414" y="151"/>
+                </a:lnTo>
+                <a:cubicBezTo>
+                  <a:pt x="1429" y="166"/>
+                  <a:pt x="1437" y="185"/>
+                  <a:pt x="1437" y="206"/>
+                </a:cubicBezTo>
+                <a:cubicBezTo>
+                  <a:pt x="1437" y="227"/>
+                  <a:pt x="1429" y="246"/>
+                  <a:pt x="1414" y="261"/>
+                </a:cubicBezTo>
+                <a:close/>
+              </a:path>
+            </a:pathLst>
+          </a:custGeom>
+          <a:solidFill>
+            <a:schemeClr val="bg2">
+              <a:lumMod val="75000"/>
+            </a:schemeClr>
+          </a:solidFill>
+          <a:ln w="0">
+            <a:noFill/>
+            <a:prstDash val="solid"/>
+            <a:round/>
+            <a:headEnd/>
+            <a:tailEnd/>
+          </a:ln>
+        </p:spPr>
+        <p:txBody>
+          <a:bodyPr vert="horz" wrap="square" lIns="91440" tIns="45720" rIns="91440" bIns="45720" numCol="1" anchor="t" anchorCtr="0" compatLnSpc="1">
+            <a:prstTxWarp prst="textNoShape">
+              <a:avLst/>
+            </a:prstTxWarp>
+          </a:bodyPr>
+          <a:lstStyle/>
+          <a:p>
+            <a:endParaRPr lang="en-US" sz="1050">
+              <a:latin typeface="Arial" panose="020B0604020202020204" pitchFamily="34" charset="0"/>
+              <a:cs typeface="Arial" panose="020B0604020202020204" pitchFamily="34" charset="0"/>
+            </a:endParaRPr>
+          </a:p>
+        </p:txBody>
+      </p:sp>
+      <p:sp>
+        <p:nvSpPr>
+          <p:cNvPr id="36" name="Button Shape">
+            <a:extLst>
+              <a:ext uri="{FF2B5EF4-FFF2-40B4-BE49-F238E27FC236}">
+                <a16:creationId xmlns:a16="http://schemas.microsoft.com/office/drawing/2014/main" id="{79CF6AD7-754D-44A4-A9BB-0A2B9CF9A62B}"/>
+              </a:ext>
+            </a:extLst>
+          </p:cNvPr>
+          <p:cNvSpPr/>
+          <p:nvPr/>
+        </p:nvSpPr>
+        <p:spPr>
+          <a:xfrm>
+            <a:off x="224305" y="4216684"/>
+            <a:ext cx="1840664" cy="280928"/>
+          </a:xfrm>
+          <a:prstGeom prst="roundRect">
+            <a:avLst/>
+          </a:prstGeom>
+          <a:pattFill prst="ltUpDiag">
+            <a:fgClr>
+              <a:srgbClr val="437CC9"/>
+            </a:fgClr>
+            <a:bgClr>
+              <a:srgbClr val="6493D2"/>
+            </a:bgClr>
+          </a:pattFill>
+          <a:ln w="9525">
+            <a:solidFill>
+              <a:srgbClr val="FFFFFF"/>
+            </a:solidFill>
+          </a:ln>
+        </p:spPr>
+        <p:style>
+          <a:lnRef idx="2">
+            <a:schemeClr val="accent1">
+              <a:shade val="50000"/>
+            </a:schemeClr>
+          </a:lnRef>
+          <a:fillRef idx="1">
+            <a:schemeClr val="accent1"/>
+          </a:fillRef>
+          <a:effectRef idx="0">
+            <a:schemeClr val="accent1"/>
+          </a:effectRef>
+          <a:fontRef idx="minor">
+            <a:schemeClr val="lt1"/>
+          </a:fontRef>
+        </p:style>
+        <p:txBody>
+          <a:bodyPr rot="0" spcFirstLastPara="0" vertOverflow="overflow" horzOverflow="overflow" vert="horz" wrap="square" lIns="155448" tIns="45720" rIns="228600" bIns="45720" numCol="1" spcCol="0" rtlCol="0" fromWordArt="0" anchor="ctr" anchorCtr="0" forceAA="0" compatLnSpc="1">
+            <a:prstTxWarp prst="textNoShape">
+              <a:avLst/>
+            </a:prstTxWarp>
+            <a:spAutoFit/>
+          </a:bodyPr>
+          <a:lstStyle/>
+          <a:p>
+            <a:r>
+              <a:rPr lang="en-US" sz="1050" dirty="0" err="1">
+                <a:solidFill>
+                  <a:srgbClr val="FFFFFF"/>
+                </a:solidFill>
+                <a:latin typeface="Arial" panose="020B0604020202020204" pitchFamily="34" charset="0"/>
+                <a:cs typeface="Arial" panose="020B0604020202020204" pitchFamily="34" charset="0"/>
+              </a:rPr>
+              <a:t>Neues</a:t>
+            </a:r>
+            <a:r>
+              <a:rPr lang="en-US" sz="1050" dirty="0">
+                <a:solidFill>
+                  <a:srgbClr val="FFFFFF"/>
+                </a:solidFill>
+                <a:latin typeface="Arial" panose="020B0604020202020204" pitchFamily="34" charset="0"/>
+                <a:cs typeface="Arial" panose="020B0604020202020204" pitchFamily="34" charset="0"/>
+              </a:rPr>
+              <a:t> </a:t>
+            </a:r>
+            <a:r>
+              <a:rPr lang="en-US" sz="1050" dirty="0" err="1">
+                <a:solidFill>
+                  <a:srgbClr val="FFFFFF"/>
+                </a:solidFill>
+                <a:latin typeface="Arial" panose="020B0604020202020204" pitchFamily="34" charset="0"/>
+                <a:cs typeface="Arial" panose="020B0604020202020204" pitchFamily="34" charset="0"/>
+              </a:rPr>
+              <a:t>Kategorie</a:t>
+            </a:r>
+            <a:endParaRPr lang="en-US" sz="1050" dirty="0">
+              <a:solidFill>
+                <a:srgbClr val="FFFFFF"/>
+              </a:solidFill>
+              <a:latin typeface="Arial" panose="020B0604020202020204" pitchFamily="34" charset="0"/>
+              <a:cs typeface="Arial" panose="020B0604020202020204" pitchFamily="34" charset="0"/>
+            </a:endParaRPr>
+          </a:p>
+        </p:txBody>
+      </p:sp>
+      <p:sp>
+        <p:nvSpPr>
+          <p:cNvPr id="37" name="Trash Icon">
+            <a:extLst>
+              <a:ext uri="{FF2B5EF4-FFF2-40B4-BE49-F238E27FC236}">
+                <a16:creationId xmlns:a16="http://schemas.microsoft.com/office/drawing/2014/main" id="{8B73A5D8-6A44-428C-9326-60EC67494FDC}"/>
+              </a:ext>
+            </a:extLst>
+          </p:cNvPr>
+          <p:cNvSpPr>
+            <a:spLocks noChangeAspect="1" noEditPoints="1"/>
+          </p:cNvSpPr>
+          <p:nvPr/>
+        </p:nvSpPr>
+        <p:spPr bwMode="auto">
+          <a:xfrm>
+            <a:off x="5851525" y="5064183"/>
+            <a:ext cx="244475" cy="266700"/>
+          </a:xfrm>
+          <a:custGeom>
+            <a:avLst/>
+            <a:gdLst>
+              <a:gd name="T0" fmla="*/ 412 w 1134"/>
+              <a:gd name="T1" fmla="*/ 953 h 1237"/>
+              <a:gd name="T2" fmla="*/ 386 w 1134"/>
+              <a:gd name="T3" fmla="*/ 979 h 1237"/>
+              <a:gd name="T4" fmla="*/ 316 w 1134"/>
+              <a:gd name="T5" fmla="*/ 972 h 1237"/>
+              <a:gd name="T6" fmla="*/ 309 w 1134"/>
+              <a:gd name="T7" fmla="*/ 490 h 1237"/>
+              <a:gd name="T8" fmla="*/ 335 w 1134"/>
+              <a:gd name="T9" fmla="*/ 464 h 1237"/>
+              <a:gd name="T10" fmla="*/ 405 w 1134"/>
+              <a:gd name="T11" fmla="*/ 471 h 1237"/>
+              <a:gd name="T12" fmla="*/ 618 w 1134"/>
+              <a:gd name="T13" fmla="*/ 490 h 1237"/>
+              <a:gd name="T14" fmla="*/ 611 w 1134"/>
+              <a:gd name="T15" fmla="*/ 972 h 1237"/>
+              <a:gd name="T16" fmla="*/ 541 w 1134"/>
+              <a:gd name="T17" fmla="*/ 979 h 1237"/>
+              <a:gd name="T18" fmla="*/ 515 w 1134"/>
+              <a:gd name="T19" fmla="*/ 953 h 1237"/>
+              <a:gd name="T20" fmla="*/ 523 w 1134"/>
+              <a:gd name="T21" fmla="*/ 471 h 1237"/>
+              <a:gd name="T22" fmla="*/ 593 w 1134"/>
+              <a:gd name="T23" fmla="*/ 464 h 1237"/>
+              <a:gd name="T24" fmla="*/ 618 w 1134"/>
+              <a:gd name="T25" fmla="*/ 490 h 1237"/>
+              <a:gd name="T26" fmla="*/ 824 w 1134"/>
+              <a:gd name="T27" fmla="*/ 953 h 1237"/>
+              <a:gd name="T28" fmla="*/ 799 w 1134"/>
+              <a:gd name="T29" fmla="*/ 979 h 1237"/>
+              <a:gd name="T30" fmla="*/ 729 w 1134"/>
+              <a:gd name="T31" fmla="*/ 972 h 1237"/>
+              <a:gd name="T32" fmla="*/ 721 w 1134"/>
+              <a:gd name="T33" fmla="*/ 490 h 1237"/>
+              <a:gd name="T34" fmla="*/ 747 w 1134"/>
+              <a:gd name="T35" fmla="*/ 464 h 1237"/>
+              <a:gd name="T36" fmla="*/ 817 w 1134"/>
+              <a:gd name="T37" fmla="*/ 471 h 1237"/>
+              <a:gd name="T38" fmla="*/ 927 w 1134"/>
+              <a:gd name="T39" fmla="*/ 1073 h 1237"/>
+              <a:gd name="T40" fmla="*/ 206 w 1134"/>
+              <a:gd name="T41" fmla="*/ 309 h 1237"/>
+              <a:gd name="T42" fmla="*/ 212 w 1134"/>
+              <a:gd name="T43" fmla="*/ 1105 h 1237"/>
+              <a:gd name="T44" fmla="*/ 232 w 1134"/>
+              <a:gd name="T45" fmla="*/ 1134 h 1237"/>
+              <a:gd name="T46" fmla="*/ 910 w 1134"/>
+              <a:gd name="T47" fmla="*/ 1127 h 1237"/>
+              <a:gd name="T48" fmla="*/ 927 w 1134"/>
+              <a:gd name="T49" fmla="*/ 1073 h 1237"/>
+              <a:gd name="T50" fmla="*/ 747 w 1134"/>
+              <a:gd name="T51" fmla="*/ 206 h 1237"/>
+              <a:gd name="T52" fmla="*/ 695 w 1134"/>
+              <a:gd name="T53" fmla="*/ 103 h 1237"/>
+              <a:gd name="T54" fmla="*/ 426 w 1134"/>
+              <a:gd name="T55" fmla="*/ 112 h 1237"/>
+              <a:gd name="T56" fmla="*/ 1134 w 1134"/>
+              <a:gd name="T57" fmla="*/ 232 h 1237"/>
+              <a:gd name="T58" fmla="*/ 1126 w 1134"/>
+              <a:gd name="T59" fmla="*/ 302 h 1237"/>
+              <a:gd name="T60" fmla="*/ 1031 w 1134"/>
+              <a:gd name="T61" fmla="*/ 309 h 1237"/>
+              <a:gd name="T62" fmla="*/ 993 w 1134"/>
+              <a:gd name="T63" fmla="*/ 1188 h 1237"/>
+              <a:gd name="T64" fmla="*/ 232 w 1134"/>
+              <a:gd name="T65" fmla="*/ 1237 h 1237"/>
+              <a:gd name="T66" fmla="*/ 103 w 1134"/>
+              <a:gd name="T67" fmla="*/ 1076 h 1237"/>
+              <a:gd name="T68" fmla="*/ 26 w 1134"/>
+              <a:gd name="T69" fmla="*/ 309 h 1237"/>
+              <a:gd name="T70" fmla="*/ 0 w 1134"/>
+              <a:gd name="T71" fmla="*/ 284 h 1237"/>
+              <a:gd name="T72" fmla="*/ 7 w 1134"/>
+              <a:gd name="T73" fmla="*/ 214 h 1237"/>
+              <a:gd name="T74" fmla="*/ 275 w 1134"/>
+              <a:gd name="T75" fmla="*/ 206 h 1237"/>
+              <a:gd name="T76" fmla="*/ 374 w 1134"/>
+              <a:gd name="T77" fmla="*/ 21 h 1237"/>
+              <a:gd name="T78" fmla="*/ 696 w 1134"/>
+              <a:gd name="T79" fmla="*/ 0 h 1237"/>
+              <a:gd name="T80" fmla="*/ 803 w 1134"/>
+              <a:gd name="T81" fmla="*/ 72 h 1237"/>
+              <a:gd name="T82" fmla="*/ 1108 w 1134"/>
+              <a:gd name="T83" fmla="*/ 206 h 1237"/>
+              <a:gd name="T84" fmla="*/ 1134 w 1134"/>
+              <a:gd name="T85" fmla="*/ 232 h 1237"/>
+            </a:gdLst>
+            <a:ahLst/>
+            <a:cxnLst>
+              <a:cxn ang="0">
+                <a:pos x="T0" y="T1"/>
+              </a:cxn>
+              <a:cxn ang="0">
+                <a:pos x="T2" y="T3"/>
+              </a:cxn>
+              <a:cxn ang="0">
+                <a:pos x="T4" y="T5"/>
+              </a:cxn>
+              <a:cxn ang="0">
+                <a:pos x="T6" y="T7"/>
+              </a:cxn>
+              <a:cxn ang="0">
+                <a:pos x="T8" y="T9"/>
+              </a:cxn>
+              <a:cxn ang="0">
+                <a:pos x="T10" y="T11"/>
+              </a:cxn>
+              <a:cxn ang="0">
+                <a:pos x="T12" y="T13"/>
+              </a:cxn>
+              <a:cxn ang="0">
+                <a:pos x="T14" y="T15"/>
+              </a:cxn>
+              <a:cxn ang="0">
+                <a:pos x="T16" y="T17"/>
+              </a:cxn>
+              <a:cxn ang="0">
+                <a:pos x="T18" y="T19"/>
+              </a:cxn>
+              <a:cxn ang="0">
+                <a:pos x="T20" y="T21"/>
+              </a:cxn>
+              <a:cxn ang="0">
+                <a:pos x="T22" y="T23"/>
+              </a:cxn>
+              <a:cxn ang="0">
+                <a:pos x="T24" y="T25"/>
+              </a:cxn>
+              <a:cxn ang="0">
+                <a:pos x="T26" y="T27"/>
+              </a:cxn>
+              <a:cxn ang="0">
+                <a:pos x="T28" y="T29"/>
+              </a:cxn>
+              <a:cxn ang="0">
+                <a:pos x="T30" y="T31"/>
+              </a:cxn>
+              <a:cxn ang="0">
+                <a:pos x="T32" y="T33"/>
+              </a:cxn>
+              <a:cxn ang="0">
+                <a:pos x="T34" y="T35"/>
+              </a:cxn>
+              <a:cxn ang="0">
+                <a:pos x="T36" y="T37"/>
+              </a:cxn>
+              <a:cxn ang="0">
+                <a:pos x="T38" y="T39"/>
+              </a:cxn>
+              <a:cxn ang="0">
+                <a:pos x="T40" y="T41"/>
+              </a:cxn>
+              <a:cxn ang="0">
+                <a:pos x="T42" y="T43"/>
+              </a:cxn>
+              <a:cxn ang="0">
+                <a:pos x="T44" y="T45"/>
+              </a:cxn>
+              <a:cxn ang="0">
+                <a:pos x="T46" y="T47"/>
+              </a:cxn>
+              <a:cxn ang="0">
+                <a:pos x="T48" y="T49"/>
+              </a:cxn>
+              <a:cxn ang="0">
+                <a:pos x="T50" y="T51"/>
+              </a:cxn>
+              <a:cxn ang="0">
+                <a:pos x="T52" y="T53"/>
+              </a:cxn>
+              <a:cxn ang="0">
+                <a:pos x="T54" y="T55"/>
+              </a:cxn>
+              <a:cxn ang="0">
+                <a:pos x="T56" y="T57"/>
+              </a:cxn>
+              <a:cxn ang="0">
+                <a:pos x="T58" y="T59"/>
+              </a:cxn>
+              <a:cxn ang="0">
+                <a:pos x="T60" y="T61"/>
+              </a:cxn>
+              <a:cxn ang="0">
+                <a:pos x="T62" y="T63"/>
+              </a:cxn>
+              <a:cxn ang="0">
+                <a:pos x="T64" y="T65"/>
+              </a:cxn>
+              <a:cxn ang="0">
+                <a:pos x="T66" y="T67"/>
+              </a:cxn>
+              <a:cxn ang="0">
+                <a:pos x="T68" y="T69"/>
+              </a:cxn>
+              <a:cxn ang="0">
+                <a:pos x="T70" y="T71"/>
+              </a:cxn>
+              <a:cxn ang="0">
+                <a:pos x="T72" y="T73"/>
+              </a:cxn>
+              <a:cxn ang="0">
+                <a:pos x="T74" y="T75"/>
+              </a:cxn>
+              <a:cxn ang="0">
+                <a:pos x="T76" y="T77"/>
+              </a:cxn>
+              <a:cxn ang="0">
+                <a:pos x="T78" y="T79"/>
+              </a:cxn>
+              <a:cxn ang="0">
+                <a:pos x="T80" y="T81"/>
+              </a:cxn>
+              <a:cxn ang="0">
+                <a:pos x="T82" y="T83"/>
+              </a:cxn>
+              <a:cxn ang="0">
+                <a:pos x="T84" y="T85"/>
+              </a:cxn>
+            </a:cxnLst>
+            <a:rect l="0" t="0" r="r" b="b"/>
+            <a:pathLst>
+              <a:path w="1134" h="1237">
+                <a:moveTo>
+                  <a:pt x="412" y="490"/>
+                </a:moveTo>
+                <a:lnTo>
+                  <a:pt x="412" y="953"/>
+                </a:lnTo>
+                <a:cubicBezTo>
+                  <a:pt x="412" y="961"/>
+                  <a:pt x="410" y="967"/>
+                  <a:pt x="405" y="972"/>
+                </a:cubicBezTo>
+                <a:cubicBezTo>
+                  <a:pt x="400" y="977"/>
+                  <a:pt x="394" y="979"/>
+                  <a:pt x="386" y="979"/>
+                </a:cubicBezTo>
+                <a:lnTo>
+                  <a:pt x="335" y="979"/>
+                </a:lnTo>
+                <a:cubicBezTo>
+                  <a:pt x="327" y="979"/>
+                  <a:pt x="321" y="977"/>
+                  <a:pt x="316" y="972"/>
+                </a:cubicBezTo>
+                <a:cubicBezTo>
+                  <a:pt x="312" y="967"/>
+                  <a:pt x="309" y="961"/>
+                  <a:pt x="309" y="953"/>
+                </a:cubicBezTo>
+                <a:lnTo>
+                  <a:pt x="309" y="490"/>
+                </a:lnTo>
+                <a:cubicBezTo>
+                  <a:pt x="309" y="482"/>
+                  <a:pt x="312" y="476"/>
+                  <a:pt x="316" y="471"/>
+                </a:cubicBezTo>
+                <a:cubicBezTo>
+                  <a:pt x="321" y="466"/>
+                  <a:pt x="327" y="464"/>
+                  <a:pt x="335" y="464"/>
+                </a:cubicBezTo>
+                <a:lnTo>
+                  <a:pt x="386" y="464"/>
+                </a:lnTo>
+                <a:cubicBezTo>
+                  <a:pt x="394" y="464"/>
+                  <a:pt x="400" y="466"/>
+                  <a:pt x="405" y="471"/>
+                </a:cubicBezTo>
+                <a:cubicBezTo>
+                  <a:pt x="410" y="476"/>
+                  <a:pt x="412" y="482"/>
+                  <a:pt x="412" y="490"/>
+                </a:cubicBezTo>
+                <a:close/>
+                <a:moveTo>
+                  <a:pt x="618" y="490"/>
+                </a:moveTo>
+                <a:lnTo>
+                  <a:pt x="618" y="953"/>
+                </a:lnTo>
+                <a:cubicBezTo>
+                  <a:pt x="618" y="961"/>
+                  <a:pt x="616" y="967"/>
+                  <a:pt x="611" y="972"/>
+                </a:cubicBezTo>
+                <a:cubicBezTo>
+                  <a:pt x="606" y="977"/>
+                  <a:pt x="600" y="979"/>
+                  <a:pt x="593" y="979"/>
+                </a:cubicBezTo>
+                <a:lnTo>
+                  <a:pt x="541" y="979"/>
+                </a:lnTo>
+                <a:cubicBezTo>
+                  <a:pt x="534" y="979"/>
+                  <a:pt x="527" y="977"/>
+                  <a:pt x="523" y="972"/>
+                </a:cubicBezTo>
+                <a:cubicBezTo>
+                  <a:pt x="518" y="967"/>
+                  <a:pt x="515" y="961"/>
+                  <a:pt x="515" y="953"/>
+                </a:cubicBezTo>
+                <a:lnTo>
+                  <a:pt x="515" y="490"/>
+                </a:lnTo>
+                <a:cubicBezTo>
+                  <a:pt x="515" y="482"/>
+                  <a:pt x="518" y="476"/>
+                  <a:pt x="523" y="471"/>
+                </a:cubicBezTo>
+                <a:cubicBezTo>
+                  <a:pt x="527" y="466"/>
+                  <a:pt x="534" y="464"/>
+                  <a:pt x="541" y="464"/>
+                </a:cubicBezTo>
+                <a:lnTo>
+                  <a:pt x="593" y="464"/>
+                </a:lnTo>
+                <a:cubicBezTo>
+                  <a:pt x="600" y="464"/>
+                  <a:pt x="606" y="466"/>
+                  <a:pt x="611" y="471"/>
+                </a:cubicBezTo>
+                <a:cubicBezTo>
+                  <a:pt x="616" y="476"/>
+                  <a:pt x="618" y="482"/>
+                  <a:pt x="618" y="490"/>
+                </a:cubicBezTo>
+                <a:close/>
+                <a:moveTo>
+                  <a:pt x="824" y="490"/>
+                </a:moveTo>
+                <a:lnTo>
+                  <a:pt x="824" y="953"/>
+                </a:lnTo>
+                <a:cubicBezTo>
+                  <a:pt x="824" y="961"/>
+                  <a:pt x="822" y="967"/>
+                  <a:pt x="817" y="972"/>
+                </a:cubicBezTo>
+                <a:cubicBezTo>
+                  <a:pt x="812" y="977"/>
+                  <a:pt x="806" y="979"/>
+                  <a:pt x="799" y="979"/>
+                </a:cubicBezTo>
+                <a:lnTo>
+                  <a:pt x="747" y="979"/>
+                </a:lnTo>
+                <a:cubicBezTo>
+                  <a:pt x="740" y="979"/>
+                  <a:pt x="733" y="977"/>
+                  <a:pt x="729" y="972"/>
+                </a:cubicBezTo>
+                <a:cubicBezTo>
+                  <a:pt x="724" y="967"/>
+                  <a:pt x="721" y="961"/>
+                  <a:pt x="721" y="953"/>
+                </a:cubicBezTo>
+                <a:lnTo>
+                  <a:pt x="721" y="490"/>
+                </a:lnTo>
+                <a:cubicBezTo>
+                  <a:pt x="721" y="482"/>
+                  <a:pt x="724" y="476"/>
+                  <a:pt x="729" y="471"/>
+                </a:cubicBezTo>
+                <a:cubicBezTo>
+                  <a:pt x="733" y="466"/>
+                  <a:pt x="740" y="464"/>
+                  <a:pt x="747" y="464"/>
+                </a:cubicBezTo>
+                <a:lnTo>
+                  <a:pt x="799" y="464"/>
+                </a:lnTo>
+                <a:cubicBezTo>
+                  <a:pt x="806" y="464"/>
+                  <a:pt x="812" y="466"/>
+                  <a:pt x="817" y="471"/>
+                </a:cubicBezTo>
+                <a:cubicBezTo>
+                  <a:pt x="822" y="476"/>
+                  <a:pt x="824" y="482"/>
+                  <a:pt x="824" y="490"/>
+                </a:cubicBezTo>
+                <a:close/>
+                <a:moveTo>
+                  <a:pt x="927" y="1073"/>
+                </a:moveTo>
+                <a:lnTo>
+                  <a:pt x="927" y="309"/>
+                </a:lnTo>
+                <a:lnTo>
+                  <a:pt x="206" y="309"/>
+                </a:lnTo>
+                <a:lnTo>
+                  <a:pt x="206" y="1073"/>
+                </a:lnTo>
+                <a:cubicBezTo>
+                  <a:pt x="206" y="1084"/>
+                  <a:pt x="208" y="1095"/>
+                  <a:pt x="212" y="1105"/>
+                </a:cubicBezTo>
+                <a:cubicBezTo>
+                  <a:pt x="216" y="1115"/>
+                  <a:pt x="219" y="1122"/>
+                  <a:pt x="223" y="1127"/>
+                </a:cubicBezTo>
+                <a:cubicBezTo>
+                  <a:pt x="227" y="1132"/>
+                  <a:pt x="230" y="1134"/>
+                  <a:pt x="232" y="1134"/>
+                </a:cubicBezTo>
+                <a:lnTo>
+                  <a:pt x="902" y="1134"/>
+                </a:lnTo>
+                <a:cubicBezTo>
+                  <a:pt x="903" y="1134"/>
+                  <a:pt x="906" y="1132"/>
+                  <a:pt x="910" y="1127"/>
+                </a:cubicBezTo>
+                <a:cubicBezTo>
+                  <a:pt x="914" y="1122"/>
+                  <a:pt x="918" y="1115"/>
+                  <a:pt x="922" y="1105"/>
+                </a:cubicBezTo>
+                <a:cubicBezTo>
+                  <a:pt x="926" y="1095"/>
+                  <a:pt x="927" y="1084"/>
+                  <a:pt x="927" y="1073"/>
+                </a:cubicBezTo>
+                <a:close/>
+                <a:moveTo>
+                  <a:pt x="386" y="206"/>
+                </a:moveTo>
+                <a:lnTo>
+                  <a:pt x="747" y="206"/>
+                </a:lnTo>
+                <a:lnTo>
+                  <a:pt x="709" y="112"/>
+                </a:lnTo>
+                <a:cubicBezTo>
+                  <a:pt x="705" y="107"/>
+                  <a:pt x="700" y="104"/>
+                  <a:pt x="695" y="103"/>
+                </a:cubicBezTo>
+                <a:lnTo>
+                  <a:pt x="440" y="103"/>
+                </a:lnTo>
+                <a:cubicBezTo>
+                  <a:pt x="434" y="104"/>
+                  <a:pt x="430" y="107"/>
+                  <a:pt x="426" y="112"/>
+                </a:cubicBezTo>
+                <a:lnTo>
+                  <a:pt x="386" y="206"/>
+                </a:lnTo>
+                <a:close/>
+                <a:moveTo>
+                  <a:pt x="1134" y="232"/>
+                </a:moveTo>
+                <a:lnTo>
+                  <a:pt x="1134" y="284"/>
+                </a:lnTo>
+                <a:cubicBezTo>
+                  <a:pt x="1134" y="291"/>
+                  <a:pt x="1131" y="297"/>
+                  <a:pt x="1126" y="302"/>
+                </a:cubicBezTo>
+                <a:cubicBezTo>
+                  <a:pt x="1121" y="307"/>
+                  <a:pt x="1115" y="309"/>
+                  <a:pt x="1108" y="309"/>
+                </a:cubicBezTo>
+                <a:lnTo>
+                  <a:pt x="1031" y="309"/>
+                </a:lnTo>
+                <a:lnTo>
+                  <a:pt x="1031" y="1073"/>
+                </a:lnTo>
+                <a:cubicBezTo>
+                  <a:pt x="1031" y="1117"/>
+                  <a:pt x="1018" y="1156"/>
+                  <a:pt x="993" y="1188"/>
+                </a:cubicBezTo>
+                <a:cubicBezTo>
+                  <a:pt x="967" y="1221"/>
+                  <a:pt x="937" y="1237"/>
+                  <a:pt x="902" y="1237"/>
+                </a:cubicBezTo>
+                <a:lnTo>
+                  <a:pt x="232" y="1237"/>
+                </a:lnTo>
+                <a:cubicBezTo>
+                  <a:pt x="196" y="1237"/>
+                  <a:pt x="166" y="1221"/>
+                  <a:pt x="141" y="1190"/>
+                </a:cubicBezTo>
+                <a:cubicBezTo>
+                  <a:pt x="116" y="1158"/>
+                  <a:pt x="103" y="1120"/>
+                  <a:pt x="103" y="1076"/>
+                </a:cubicBezTo>
+                <a:lnTo>
+                  <a:pt x="103" y="309"/>
+                </a:lnTo>
+                <a:lnTo>
+                  <a:pt x="26" y="309"/>
+                </a:lnTo>
+                <a:cubicBezTo>
+                  <a:pt x="18" y="309"/>
+                  <a:pt x="12" y="307"/>
+                  <a:pt x="7" y="302"/>
+                </a:cubicBezTo>
+                <a:cubicBezTo>
+                  <a:pt x="2" y="297"/>
+                  <a:pt x="0" y="291"/>
+                  <a:pt x="0" y="284"/>
+                </a:cubicBezTo>
+                <a:lnTo>
+                  <a:pt x="0" y="232"/>
+                </a:lnTo>
+                <a:cubicBezTo>
+                  <a:pt x="0" y="225"/>
+                  <a:pt x="2" y="218"/>
+                  <a:pt x="7" y="214"/>
+                </a:cubicBezTo>
+                <a:cubicBezTo>
+                  <a:pt x="12" y="209"/>
+                  <a:pt x="18" y="206"/>
+                  <a:pt x="26" y="206"/>
+                </a:cubicBezTo>
+                <a:lnTo>
+                  <a:pt x="275" y="206"/>
+                </a:lnTo>
+                <a:lnTo>
+                  <a:pt x="331" y="72"/>
+                </a:lnTo>
+                <a:cubicBezTo>
+                  <a:pt x="339" y="52"/>
+                  <a:pt x="353" y="35"/>
+                  <a:pt x="374" y="21"/>
+                </a:cubicBezTo>
+                <a:cubicBezTo>
+                  <a:pt x="395" y="7"/>
+                  <a:pt x="417" y="0"/>
+                  <a:pt x="438" y="0"/>
+                </a:cubicBezTo>
+                <a:lnTo>
+                  <a:pt x="696" y="0"/>
+                </a:lnTo>
+                <a:cubicBezTo>
+                  <a:pt x="717" y="0"/>
+                  <a:pt x="738" y="7"/>
+                  <a:pt x="759" y="21"/>
+                </a:cubicBezTo>
+                <a:cubicBezTo>
+                  <a:pt x="780" y="35"/>
+                  <a:pt x="795" y="52"/>
+                  <a:pt x="803" y="72"/>
+                </a:cubicBezTo>
+                <a:lnTo>
+                  <a:pt x="859" y="206"/>
+                </a:lnTo>
+                <a:lnTo>
+                  <a:pt x="1108" y="206"/>
+                </a:lnTo>
+                <a:cubicBezTo>
+                  <a:pt x="1115" y="206"/>
+                  <a:pt x="1121" y="209"/>
+                  <a:pt x="1126" y="214"/>
+                </a:cubicBezTo>
+                <a:cubicBezTo>
+                  <a:pt x="1131" y="218"/>
+                  <a:pt x="1134" y="225"/>
+                  <a:pt x="1134" y="232"/>
+                </a:cubicBezTo>
+                <a:close/>
+              </a:path>
+            </a:pathLst>
+          </a:custGeom>
+          <a:ln>
+            <a:headEnd/>
+            <a:tailEnd/>
+          </a:ln>
+        </p:spPr>
+        <p:style>
+          <a:lnRef idx="2">
+            <a:schemeClr val="accent3"/>
+          </a:lnRef>
+          <a:fillRef idx="1">
+            <a:schemeClr val="lt1"/>
+          </a:fillRef>
+          <a:effectRef idx="0">
+            <a:schemeClr val="accent3"/>
+          </a:effectRef>
+          <a:fontRef idx="minor">
+            <a:schemeClr val="dk1"/>
+          </a:fontRef>
+        </p:style>
+        <p:txBody>
+          <a:bodyPr vert="horz" wrap="square" lIns="91440" tIns="45720" rIns="91440" bIns="45720" numCol="1" anchor="t" anchorCtr="0" compatLnSpc="1">
+            <a:prstTxWarp prst="textNoShape">
+              <a:avLst/>
+            </a:prstTxWarp>
+          </a:bodyPr>
+          <a:lstStyle/>
+          <a:p>
+            <a:endParaRPr lang="en-US" sz="1050" dirty="0">
+              <a:solidFill>
+                <a:srgbClr val="FF0000"/>
+              </a:solidFill>
+              <a:latin typeface="Arial" panose="020B0604020202020204" pitchFamily="34" charset="0"/>
+              <a:cs typeface="Arial" panose="020B0604020202020204" pitchFamily="34" charset="0"/>
+            </a:endParaRPr>
+          </a:p>
+        </p:txBody>
+      </p:sp>
+      <p:sp>
+        <p:nvSpPr>
+          <p:cNvPr id="38" name="Trash Icon">
+            <a:extLst>
+              <a:ext uri="{FF2B5EF4-FFF2-40B4-BE49-F238E27FC236}">
+                <a16:creationId xmlns:a16="http://schemas.microsoft.com/office/drawing/2014/main" id="{9AC0752A-BAC0-45A2-8552-E43DDB6A86C4}"/>
+              </a:ext>
+            </a:extLst>
+          </p:cNvPr>
+          <p:cNvSpPr>
+            <a:spLocks noChangeAspect="1" noEditPoints="1"/>
+          </p:cNvSpPr>
+          <p:nvPr/>
+        </p:nvSpPr>
+        <p:spPr bwMode="auto">
+          <a:xfrm>
+            <a:off x="5866116" y="5438946"/>
+            <a:ext cx="244475" cy="266700"/>
+          </a:xfrm>
+          <a:custGeom>
+            <a:avLst/>
+            <a:gdLst>
+              <a:gd name="T0" fmla="*/ 412 w 1134"/>
+              <a:gd name="T1" fmla="*/ 953 h 1237"/>
+              <a:gd name="T2" fmla="*/ 386 w 1134"/>
+              <a:gd name="T3" fmla="*/ 979 h 1237"/>
+              <a:gd name="T4" fmla="*/ 316 w 1134"/>
+              <a:gd name="T5" fmla="*/ 972 h 1237"/>
+              <a:gd name="T6" fmla="*/ 309 w 1134"/>
+              <a:gd name="T7" fmla="*/ 490 h 1237"/>
+              <a:gd name="T8" fmla="*/ 335 w 1134"/>
+              <a:gd name="T9" fmla="*/ 464 h 1237"/>
+              <a:gd name="T10" fmla="*/ 405 w 1134"/>
+              <a:gd name="T11" fmla="*/ 471 h 1237"/>
+              <a:gd name="T12" fmla="*/ 618 w 1134"/>
+              <a:gd name="T13" fmla="*/ 490 h 1237"/>
+              <a:gd name="T14" fmla="*/ 611 w 1134"/>
+              <a:gd name="T15" fmla="*/ 972 h 1237"/>
+              <a:gd name="T16" fmla="*/ 541 w 1134"/>
+              <a:gd name="T17" fmla="*/ 979 h 1237"/>
+              <a:gd name="T18" fmla="*/ 515 w 1134"/>
+              <a:gd name="T19" fmla="*/ 953 h 1237"/>
+              <a:gd name="T20" fmla="*/ 523 w 1134"/>
+              <a:gd name="T21" fmla="*/ 471 h 1237"/>
+              <a:gd name="T22" fmla="*/ 593 w 1134"/>
+              <a:gd name="T23" fmla="*/ 464 h 1237"/>
+              <a:gd name="T24" fmla="*/ 618 w 1134"/>
+              <a:gd name="T25" fmla="*/ 490 h 1237"/>
+              <a:gd name="T26" fmla="*/ 824 w 1134"/>
+              <a:gd name="T27" fmla="*/ 953 h 1237"/>
+              <a:gd name="T28" fmla="*/ 799 w 1134"/>
+              <a:gd name="T29" fmla="*/ 979 h 1237"/>
+              <a:gd name="T30" fmla="*/ 729 w 1134"/>
+              <a:gd name="T31" fmla="*/ 972 h 1237"/>
+              <a:gd name="T32" fmla="*/ 721 w 1134"/>
+              <a:gd name="T33" fmla="*/ 490 h 1237"/>
+              <a:gd name="T34" fmla="*/ 747 w 1134"/>
+              <a:gd name="T35" fmla="*/ 464 h 1237"/>
+              <a:gd name="T36" fmla="*/ 817 w 1134"/>
+              <a:gd name="T37" fmla="*/ 471 h 1237"/>
+              <a:gd name="T38" fmla="*/ 927 w 1134"/>
+              <a:gd name="T39" fmla="*/ 1073 h 1237"/>
+              <a:gd name="T40" fmla="*/ 206 w 1134"/>
+              <a:gd name="T41" fmla="*/ 309 h 1237"/>
+              <a:gd name="T42" fmla="*/ 212 w 1134"/>
+              <a:gd name="T43" fmla="*/ 1105 h 1237"/>
+              <a:gd name="T44" fmla="*/ 232 w 1134"/>
+              <a:gd name="T45" fmla="*/ 1134 h 1237"/>
+              <a:gd name="T46" fmla="*/ 910 w 1134"/>
+              <a:gd name="T47" fmla="*/ 1127 h 1237"/>
+              <a:gd name="T48" fmla="*/ 927 w 1134"/>
+              <a:gd name="T49" fmla="*/ 1073 h 1237"/>
+              <a:gd name="T50" fmla="*/ 747 w 1134"/>
+              <a:gd name="T51" fmla="*/ 206 h 1237"/>
+              <a:gd name="T52" fmla="*/ 695 w 1134"/>
+              <a:gd name="T53" fmla="*/ 103 h 1237"/>
+              <a:gd name="T54" fmla="*/ 426 w 1134"/>
+              <a:gd name="T55" fmla="*/ 112 h 1237"/>
+              <a:gd name="T56" fmla="*/ 1134 w 1134"/>
+              <a:gd name="T57" fmla="*/ 232 h 1237"/>
+              <a:gd name="T58" fmla="*/ 1126 w 1134"/>
+              <a:gd name="T59" fmla="*/ 302 h 1237"/>
+              <a:gd name="T60" fmla="*/ 1031 w 1134"/>
+              <a:gd name="T61" fmla="*/ 309 h 1237"/>
+              <a:gd name="T62" fmla="*/ 993 w 1134"/>
+              <a:gd name="T63" fmla="*/ 1188 h 1237"/>
+              <a:gd name="T64" fmla="*/ 232 w 1134"/>
+              <a:gd name="T65" fmla="*/ 1237 h 1237"/>
+              <a:gd name="T66" fmla="*/ 103 w 1134"/>
+              <a:gd name="T67" fmla="*/ 1076 h 1237"/>
+              <a:gd name="T68" fmla="*/ 26 w 1134"/>
+              <a:gd name="T69" fmla="*/ 309 h 1237"/>
+              <a:gd name="T70" fmla="*/ 0 w 1134"/>
+              <a:gd name="T71" fmla="*/ 284 h 1237"/>
+              <a:gd name="T72" fmla="*/ 7 w 1134"/>
+              <a:gd name="T73" fmla="*/ 214 h 1237"/>
+              <a:gd name="T74" fmla="*/ 275 w 1134"/>
+              <a:gd name="T75" fmla="*/ 206 h 1237"/>
+              <a:gd name="T76" fmla="*/ 374 w 1134"/>
+              <a:gd name="T77" fmla="*/ 21 h 1237"/>
+              <a:gd name="T78" fmla="*/ 696 w 1134"/>
+              <a:gd name="T79" fmla="*/ 0 h 1237"/>
+              <a:gd name="T80" fmla="*/ 803 w 1134"/>
+              <a:gd name="T81" fmla="*/ 72 h 1237"/>
+              <a:gd name="T82" fmla="*/ 1108 w 1134"/>
+              <a:gd name="T83" fmla="*/ 206 h 1237"/>
+              <a:gd name="T84" fmla="*/ 1134 w 1134"/>
+              <a:gd name="T85" fmla="*/ 232 h 1237"/>
+            </a:gdLst>
+            <a:ahLst/>
+            <a:cxnLst>
+              <a:cxn ang="0">
+                <a:pos x="T0" y="T1"/>
+              </a:cxn>
+              <a:cxn ang="0">
+                <a:pos x="T2" y="T3"/>
+              </a:cxn>
+              <a:cxn ang="0">
+                <a:pos x="T4" y="T5"/>
+              </a:cxn>
+              <a:cxn ang="0">
+                <a:pos x="T6" y="T7"/>
+              </a:cxn>
+              <a:cxn ang="0">
+                <a:pos x="T8" y="T9"/>
+              </a:cxn>
+              <a:cxn ang="0">
+                <a:pos x="T10" y="T11"/>
+              </a:cxn>
+              <a:cxn ang="0">
+                <a:pos x="T12" y="T13"/>
+              </a:cxn>
+              <a:cxn ang="0">
+                <a:pos x="T14" y="T15"/>
+              </a:cxn>
+              <a:cxn ang="0">
+                <a:pos x="T16" y="T17"/>
+              </a:cxn>
+              <a:cxn ang="0">
+                <a:pos x="T18" y="T19"/>
+              </a:cxn>
+              <a:cxn ang="0">
+                <a:pos x="T20" y="T21"/>
+              </a:cxn>
+              <a:cxn ang="0">
+                <a:pos x="T22" y="T23"/>
+              </a:cxn>
+              <a:cxn ang="0">
+                <a:pos x="T24" y="T25"/>
+              </a:cxn>
+              <a:cxn ang="0">
+                <a:pos x="T26" y="T27"/>
+              </a:cxn>
+              <a:cxn ang="0">
+                <a:pos x="T28" y="T29"/>
+              </a:cxn>
+              <a:cxn ang="0">
+                <a:pos x="T30" y="T31"/>
+              </a:cxn>
+              <a:cxn ang="0">
+                <a:pos x="T32" y="T33"/>
+              </a:cxn>
+              <a:cxn ang="0">
+                <a:pos x="T34" y="T35"/>
+              </a:cxn>
+              <a:cxn ang="0">
+                <a:pos x="T36" y="T37"/>
+              </a:cxn>
+              <a:cxn ang="0">
+                <a:pos x="T38" y="T39"/>
+              </a:cxn>
+              <a:cxn ang="0">
+                <a:pos x="T40" y="T41"/>
+              </a:cxn>
+              <a:cxn ang="0">
+                <a:pos x="T42" y="T43"/>
+              </a:cxn>
+              <a:cxn ang="0">
+                <a:pos x="T44" y="T45"/>
+              </a:cxn>
+              <a:cxn ang="0">
+                <a:pos x="T46" y="T47"/>
+              </a:cxn>
+              <a:cxn ang="0">
+                <a:pos x="T48" y="T49"/>
+              </a:cxn>
+              <a:cxn ang="0">
+                <a:pos x="T50" y="T51"/>
+              </a:cxn>
+              <a:cxn ang="0">
+                <a:pos x="T52" y="T53"/>
+              </a:cxn>
+              <a:cxn ang="0">
+                <a:pos x="T54" y="T55"/>
+              </a:cxn>
+              <a:cxn ang="0">
+                <a:pos x="T56" y="T57"/>
+              </a:cxn>
+              <a:cxn ang="0">
+                <a:pos x="T58" y="T59"/>
+              </a:cxn>
+              <a:cxn ang="0">
+                <a:pos x="T60" y="T61"/>
+              </a:cxn>
+              <a:cxn ang="0">
+                <a:pos x="T62" y="T63"/>
+              </a:cxn>
+              <a:cxn ang="0">
+                <a:pos x="T64" y="T65"/>
+              </a:cxn>
+              <a:cxn ang="0">
+                <a:pos x="T66" y="T67"/>
+              </a:cxn>
+              <a:cxn ang="0">
+                <a:pos x="T68" y="T69"/>
+              </a:cxn>
+              <a:cxn ang="0">
+                <a:pos x="T70" y="T71"/>
+              </a:cxn>
+              <a:cxn ang="0">
+                <a:pos x="T72" y="T73"/>
+              </a:cxn>
+              <a:cxn ang="0">
+                <a:pos x="T74" y="T75"/>
+              </a:cxn>
+              <a:cxn ang="0">
+                <a:pos x="T76" y="T77"/>
+              </a:cxn>
+              <a:cxn ang="0">
+                <a:pos x="T78" y="T79"/>
+              </a:cxn>
+              <a:cxn ang="0">
+                <a:pos x="T80" y="T81"/>
+              </a:cxn>
+              <a:cxn ang="0">
+                <a:pos x="T82" y="T83"/>
+              </a:cxn>
+              <a:cxn ang="0">
+                <a:pos x="T84" y="T85"/>
+              </a:cxn>
+            </a:cxnLst>
+            <a:rect l="0" t="0" r="r" b="b"/>
+            <a:pathLst>
+              <a:path w="1134" h="1237">
+                <a:moveTo>
+                  <a:pt x="412" y="490"/>
+                </a:moveTo>
+                <a:lnTo>
+                  <a:pt x="412" y="953"/>
+                </a:lnTo>
+                <a:cubicBezTo>
+                  <a:pt x="412" y="961"/>
+                  <a:pt x="410" y="967"/>
+                  <a:pt x="405" y="972"/>
+                </a:cubicBezTo>
+                <a:cubicBezTo>
+                  <a:pt x="400" y="977"/>
+                  <a:pt x="394" y="979"/>
+                  <a:pt x="386" y="979"/>
+                </a:cubicBezTo>
+                <a:lnTo>
+                  <a:pt x="335" y="979"/>
+                </a:lnTo>
+                <a:cubicBezTo>
+                  <a:pt x="327" y="979"/>
+                  <a:pt x="321" y="977"/>
+                  <a:pt x="316" y="972"/>
+                </a:cubicBezTo>
+                <a:cubicBezTo>
+                  <a:pt x="312" y="967"/>
+                  <a:pt x="309" y="961"/>
+                  <a:pt x="309" y="953"/>
+                </a:cubicBezTo>
+                <a:lnTo>
+                  <a:pt x="309" y="490"/>
+                </a:lnTo>
+                <a:cubicBezTo>
+                  <a:pt x="309" y="482"/>
+                  <a:pt x="312" y="476"/>
+                  <a:pt x="316" y="471"/>
+                </a:cubicBezTo>
+                <a:cubicBezTo>
+                  <a:pt x="321" y="466"/>
+                  <a:pt x="327" y="464"/>
+                  <a:pt x="335" y="464"/>
+                </a:cubicBezTo>
+                <a:lnTo>
+                  <a:pt x="386" y="464"/>
+                </a:lnTo>
+                <a:cubicBezTo>
+                  <a:pt x="394" y="464"/>
+                  <a:pt x="400" y="466"/>
+                  <a:pt x="405" y="471"/>
+                </a:cubicBezTo>
+                <a:cubicBezTo>
+                  <a:pt x="410" y="476"/>
+                  <a:pt x="412" y="482"/>
+                  <a:pt x="412" y="490"/>
+                </a:cubicBezTo>
+                <a:close/>
+                <a:moveTo>
+                  <a:pt x="618" y="490"/>
+                </a:moveTo>
+                <a:lnTo>
+                  <a:pt x="618" y="953"/>
+                </a:lnTo>
+                <a:cubicBezTo>
+                  <a:pt x="618" y="961"/>
+                  <a:pt x="616" y="967"/>
+                  <a:pt x="611" y="972"/>
+                </a:cubicBezTo>
+                <a:cubicBezTo>
+                  <a:pt x="606" y="977"/>
+                  <a:pt x="600" y="979"/>
+                  <a:pt x="593" y="979"/>
+                </a:cubicBezTo>
+                <a:lnTo>
+                  <a:pt x="541" y="979"/>
+                </a:lnTo>
+                <a:cubicBezTo>
+                  <a:pt x="534" y="979"/>
+                  <a:pt x="527" y="977"/>
+                  <a:pt x="523" y="972"/>
+                </a:cubicBezTo>
+                <a:cubicBezTo>
+                  <a:pt x="518" y="967"/>
+                  <a:pt x="515" y="961"/>
+                  <a:pt x="515" y="953"/>
+                </a:cubicBezTo>
+                <a:lnTo>
+                  <a:pt x="515" y="490"/>
+                </a:lnTo>
+                <a:cubicBezTo>
+                  <a:pt x="515" y="482"/>
+                  <a:pt x="518" y="476"/>
+                  <a:pt x="523" y="471"/>
+                </a:cubicBezTo>
+                <a:cubicBezTo>
+                  <a:pt x="527" y="466"/>
+                  <a:pt x="534" y="464"/>
+                  <a:pt x="541" y="464"/>
+                </a:cubicBezTo>
+                <a:lnTo>
+                  <a:pt x="593" y="464"/>
+                </a:lnTo>
+                <a:cubicBezTo>
+                  <a:pt x="600" y="464"/>
+                  <a:pt x="606" y="466"/>
+                  <a:pt x="611" y="471"/>
+                </a:cubicBezTo>
+                <a:cubicBezTo>
+                  <a:pt x="616" y="476"/>
+                  <a:pt x="618" y="482"/>
+                  <a:pt x="618" y="490"/>
+                </a:cubicBezTo>
+                <a:close/>
+                <a:moveTo>
+                  <a:pt x="824" y="490"/>
+                </a:moveTo>
+                <a:lnTo>
+                  <a:pt x="824" y="953"/>
+                </a:lnTo>
+                <a:cubicBezTo>
+                  <a:pt x="824" y="961"/>
+                  <a:pt x="822" y="967"/>
+                  <a:pt x="817" y="972"/>
+                </a:cubicBezTo>
+                <a:cubicBezTo>
+                  <a:pt x="812" y="977"/>
+                  <a:pt x="806" y="979"/>
+                  <a:pt x="799" y="979"/>
+                </a:cubicBezTo>
+                <a:lnTo>
+                  <a:pt x="747" y="979"/>
+                </a:lnTo>
+                <a:cubicBezTo>
+                  <a:pt x="740" y="979"/>
+                  <a:pt x="733" y="977"/>
+                  <a:pt x="729" y="972"/>
+                </a:cubicBezTo>
+                <a:cubicBezTo>
+                  <a:pt x="724" y="967"/>
+                  <a:pt x="721" y="961"/>
+                  <a:pt x="721" y="953"/>
+                </a:cubicBezTo>
+                <a:lnTo>
+                  <a:pt x="721" y="490"/>
+                </a:lnTo>
+                <a:cubicBezTo>
+                  <a:pt x="721" y="482"/>
+                  <a:pt x="724" y="476"/>
+                  <a:pt x="729" y="471"/>
+                </a:cubicBezTo>
+                <a:cubicBezTo>
+                  <a:pt x="733" y="466"/>
+                  <a:pt x="740" y="464"/>
+                  <a:pt x="747" y="464"/>
+                </a:cubicBezTo>
+                <a:lnTo>
+                  <a:pt x="799" y="464"/>
+                </a:lnTo>
+                <a:cubicBezTo>
+                  <a:pt x="806" y="464"/>
+                  <a:pt x="812" y="466"/>
+                  <a:pt x="817" y="471"/>
+                </a:cubicBezTo>
+                <a:cubicBezTo>
+                  <a:pt x="822" y="476"/>
+                  <a:pt x="824" y="482"/>
+                  <a:pt x="824" y="490"/>
+                </a:cubicBezTo>
+                <a:close/>
+                <a:moveTo>
+                  <a:pt x="927" y="1073"/>
+                </a:moveTo>
+                <a:lnTo>
+                  <a:pt x="927" y="309"/>
+                </a:lnTo>
+                <a:lnTo>
+                  <a:pt x="206" y="309"/>
+                </a:lnTo>
+                <a:lnTo>
+                  <a:pt x="206" y="1073"/>
+                </a:lnTo>
+                <a:cubicBezTo>
+                  <a:pt x="206" y="1084"/>
+                  <a:pt x="208" y="1095"/>
+                  <a:pt x="212" y="1105"/>
+                </a:cubicBezTo>
+                <a:cubicBezTo>
+                  <a:pt x="216" y="1115"/>
+                  <a:pt x="219" y="1122"/>
+                  <a:pt x="223" y="1127"/>
+                </a:cubicBezTo>
+                <a:cubicBezTo>
+                  <a:pt x="227" y="1132"/>
+                  <a:pt x="230" y="1134"/>
+                  <a:pt x="232" y="1134"/>
+                </a:cubicBezTo>
+                <a:lnTo>
+                  <a:pt x="902" y="1134"/>
+                </a:lnTo>
+                <a:cubicBezTo>
+                  <a:pt x="903" y="1134"/>
+                  <a:pt x="906" y="1132"/>
+                  <a:pt x="910" y="1127"/>
+                </a:cubicBezTo>
+                <a:cubicBezTo>
+                  <a:pt x="914" y="1122"/>
+                  <a:pt x="918" y="1115"/>
+                  <a:pt x="922" y="1105"/>
+                </a:cubicBezTo>
+                <a:cubicBezTo>
+                  <a:pt x="926" y="1095"/>
+                  <a:pt x="927" y="1084"/>
+                  <a:pt x="927" y="1073"/>
+                </a:cubicBezTo>
+                <a:close/>
+                <a:moveTo>
+                  <a:pt x="386" y="206"/>
+                </a:moveTo>
+                <a:lnTo>
+                  <a:pt x="747" y="206"/>
+                </a:lnTo>
+                <a:lnTo>
+                  <a:pt x="709" y="112"/>
+                </a:lnTo>
+                <a:cubicBezTo>
+                  <a:pt x="705" y="107"/>
+                  <a:pt x="700" y="104"/>
+                  <a:pt x="695" y="103"/>
+                </a:cubicBezTo>
+                <a:lnTo>
+                  <a:pt x="440" y="103"/>
+                </a:lnTo>
+                <a:cubicBezTo>
+                  <a:pt x="434" y="104"/>
+                  <a:pt x="430" y="107"/>
+                  <a:pt x="426" y="112"/>
+                </a:cubicBezTo>
+                <a:lnTo>
+                  <a:pt x="386" y="206"/>
+                </a:lnTo>
+                <a:close/>
+                <a:moveTo>
+                  <a:pt x="1134" y="232"/>
+                </a:moveTo>
+                <a:lnTo>
+                  <a:pt x="1134" y="284"/>
+                </a:lnTo>
+                <a:cubicBezTo>
+                  <a:pt x="1134" y="291"/>
+                  <a:pt x="1131" y="297"/>
+                  <a:pt x="1126" y="302"/>
+                </a:cubicBezTo>
+                <a:cubicBezTo>
+                  <a:pt x="1121" y="307"/>
+                  <a:pt x="1115" y="309"/>
+                  <a:pt x="1108" y="309"/>
+                </a:cubicBezTo>
+                <a:lnTo>
+                  <a:pt x="1031" y="309"/>
+                </a:lnTo>
+                <a:lnTo>
+                  <a:pt x="1031" y="1073"/>
+                </a:lnTo>
+                <a:cubicBezTo>
+                  <a:pt x="1031" y="1117"/>
+                  <a:pt x="1018" y="1156"/>
+                  <a:pt x="993" y="1188"/>
+                </a:cubicBezTo>
+                <a:cubicBezTo>
+                  <a:pt x="967" y="1221"/>
+                  <a:pt x="937" y="1237"/>
+                  <a:pt x="902" y="1237"/>
+                </a:cubicBezTo>
+                <a:lnTo>
+                  <a:pt x="232" y="1237"/>
+                </a:lnTo>
+                <a:cubicBezTo>
+                  <a:pt x="196" y="1237"/>
+                  <a:pt x="166" y="1221"/>
+                  <a:pt x="141" y="1190"/>
+                </a:cubicBezTo>
+                <a:cubicBezTo>
+                  <a:pt x="116" y="1158"/>
+                  <a:pt x="103" y="1120"/>
+                  <a:pt x="103" y="1076"/>
+                </a:cubicBezTo>
+                <a:lnTo>
+                  <a:pt x="103" y="309"/>
+                </a:lnTo>
+                <a:lnTo>
+                  <a:pt x="26" y="309"/>
+                </a:lnTo>
+                <a:cubicBezTo>
+                  <a:pt x="18" y="309"/>
+                  <a:pt x="12" y="307"/>
+                  <a:pt x="7" y="302"/>
+                </a:cubicBezTo>
+                <a:cubicBezTo>
+                  <a:pt x="2" y="297"/>
+                  <a:pt x="0" y="291"/>
+                  <a:pt x="0" y="284"/>
+                </a:cubicBezTo>
+                <a:lnTo>
+                  <a:pt x="0" y="232"/>
+                </a:lnTo>
+                <a:cubicBezTo>
+                  <a:pt x="0" y="225"/>
+                  <a:pt x="2" y="218"/>
+                  <a:pt x="7" y="214"/>
+                </a:cubicBezTo>
+                <a:cubicBezTo>
+                  <a:pt x="12" y="209"/>
+                  <a:pt x="18" y="206"/>
+                  <a:pt x="26" y="206"/>
+                </a:cubicBezTo>
+                <a:lnTo>
+                  <a:pt x="275" y="206"/>
+                </a:lnTo>
+                <a:lnTo>
+                  <a:pt x="331" y="72"/>
+                </a:lnTo>
+                <a:cubicBezTo>
+                  <a:pt x="339" y="52"/>
+                  <a:pt x="353" y="35"/>
+                  <a:pt x="374" y="21"/>
+                </a:cubicBezTo>
+                <a:cubicBezTo>
+                  <a:pt x="395" y="7"/>
+                  <a:pt x="417" y="0"/>
+                  <a:pt x="438" y="0"/>
+                </a:cubicBezTo>
+                <a:lnTo>
+                  <a:pt x="696" y="0"/>
+                </a:lnTo>
+                <a:cubicBezTo>
+                  <a:pt x="717" y="0"/>
+                  <a:pt x="738" y="7"/>
+                  <a:pt x="759" y="21"/>
+                </a:cubicBezTo>
+                <a:cubicBezTo>
+                  <a:pt x="780" y="35"/>
+                  <a:pt x="795" y="52"/>
+                  <a:pt x="803" y="72"/>
+                </a:cubicBezTo>
+                <a:lnTo>
+                  <a:pt x="859" y="206"/>
+                </a:lnTo>
+                <a:lnTo>
+                  <a:pt x="1108" y="206"/>
+                </a:lnTo>
+                <a:cubicBezTo>
+                  <a:pt x="1115" y="206"/>
+                  <a:pt x="1121" y="209"/>
+                  <a:pt x="1126" y="214"/>
+                </a:cubicBezTo>
+                <a:cubicBezTo>
+                  <a:pt x="1131" y="218"/>
+                  <a:pt x="1134" y="225"/>
+                  <a:pt x="1134" y="232"/>
+                </a:cubicBezTo>
+                <a:close/>
+              </a:path>
+            </a:pathLst>
+          </a:custGeom>
+          <a:ln>
+            <a:headEnd/>
+            <a:tailEnd/>
+          </a:ln>
+        </p:spPr>
+        <p:style>
+          <a:lnRef idx="2">
+            <a:schemeClr val="accent3"/>
+          </a:lnRef>
+          <a:fillRef idx="1">
+            <a:schemeClr val="lt1"/>
+          </a:fillRef>
+          <a:effectRef idx="0">
+            <a:schemeClr val="accent3"/>
+          </a:effectRef>
+          <a:fontRef idx="minor">
+            <a:schemeClr val="dk1"/>
+          </a:fontRef>
+        </p:style>
+        <p:txBody>
+          <a:bodyPr vert="horz" wrap="square" lIns="91440" tIns="45720" rIns="91440" bIns="45720" numCol="1" anchor="t" anchorCtr="0" compatLnSpc="1">
+            <a:prstTxWarp prst="textNoShape">
+              <a:avLst/>
+            </a:prstTxWarp>
+          </a:bodyPr>
+          <a:lstStyle/>
+          <a:p>
+            <a:endParaRPr lang="en-US" sz="1050" dirty="0">
+              <a:solidFill>
+                <a:srgbClr val="FF0000"/>
+              </a:solidFill>
+              <a:latin typeface="Arial" panose="020B0604020202020204" pitchFamily="34" charset="0"/>
+              <a:cs typeface="Arial" panose="020B0604020202020204" pitchFamily="34" charset="0"/>
+            </a:endParaRPr>
+          </a:p>
+        </p:txBody>
+      </p:sp>
+      <p:sp>
+        <p:nvSpPr>
+          <p:cNvPr id="40" name="Trash Icon">
+            <a:extLst>
+              <a:ext uri="{FF2B5EF4-FFF2-40B4-BE49-F238E27FC236}">
+                <a16:creationId xmlns:a16="http://schemas.microsoft.com/office/drawing/2014/main" id="{E178BE07-6E55-4E69-B360-8868CC10C03A}"/>
+              </a:ext>
+            </a:extLst>
+          </p:cNvPr>
+          <p:cNvSpPr>
+            <a:spLocks noChangeAspect="1" noEditPoints="1"/>
+          </p:cNvSpPr>
+          <p:nvPr/>
+        </p:nvSpPr>
+        <p:spPr bwMode="auto">
+          <a:xfrm>
+            <a:off x="5872506" y="5793664"/>
+            <a:ext cx="244475" cy="266700"/>
+          </a:xfrm>
+          <a:custGeom>
+            <a:avLst/>
+            <a:gdLst>
+              <a:gd name="T0" fmla="*/ 412 w 1134"/>
+              <a:gd name="T1" fmla="*/ 953 h 1237"/>
+              <a:gd name="T2" fmla="*/ 386 w 1134"/>
+              <a:gd name="T3" fmla="*/ 979 h 1237"/>
+              <a:gd name="T4" fmla="*/ 316 w 1134"/>
+              <a:gd name="T5" fmla="*/ 972 h 1237"/>
+              <a:gd name="T6" fmla="*/ 309 w 1134"/>
+              <a:gd name="T7" fmla="*/ 490 h 1237"/>
+              <a:gd name="T8" fmla="*/ 335 w 1134"/>
+              <a:gd name="T9" fmla="*/ 464 h 1237"/>
+              <a:gd name="T10" fmla="*/ 405 w 1134"/>
+              <a:gd name="T11" fmla="*/ 471 h 1237"/>
+              <a:gd name="T12" fmla="*/ 618 w 1134"/>
+              <a:gd name="T13" fmla="*/ 490 h 1237"/>
+              <a:gd name="T14" fmla="*/ 611 w 1134"/>
+              <a:gd name="T15" fmla="*/ 972 h 1237"/>
+              <a:gd name="T16" fmla="*/ 541 w 1134"/>
+              <a:gd name="T17" fmla="*/ 979 h 1237"/>
+              <a:gd name="T18" fmla="*/ 515 w 1134"/>
+              <a:gd name="T19" fmla="*/ 953 h 1237"/>
+              <a:gd name="T20" fmla="*/ 523 w 1134"/>
+              <a:gd name="T21" fmla="*/ 471 h 1237"/>
+              <a:gd name="T22" fmla="*/ 593 w 1134"/>
+              <a:gd name="T23" fmla="*/ 464 h 1237"/>
+              <a:gd name="T24" fmla="*/ 618 w 1134"/>
+              <a:gd name="T25" fmla="*/ 490 h 1237"/>
+              <a:gd name="T26" fmla="*/ 824 w 1134"/>
+              <a:gd name="T27" fmla="*/ 953 h 1237"/>
+              <a:gd name="T28" fmla="*/ 799 w 1134"/>
+              <a:gd name="T29" fmla="*/ 979 h 1237"/>
+              <a:gd name="T30" fmla="*/ 729 w 1134"/>
+              <a:gd name="T31" fmla="*/ 972 h 1237"/>
+              <a:gd name="T32" fmla="*/ 721 w 1134"/>
+              <a:gd name="T33" fmla="*/ 490 h 1237"/>
+              <a:gd name="T34" fmla="*/ 747 w 1134"/>
+              <a:gd name="T35" fmla="*/ 464 h 1237"/>
+              <a:gd name="T36" fmla="*/ 817 w 1134"/>
+              <a:gd name="T37" fmla="*/ 471 h 1237"/>
+              <a:gd name="T38" fmla="*/ 927 w 1134"/>
+              <a:gd name="T39" fmla="*/ 1073 h 1237"/>
+              <a:gd name="T40" fmla="*/ 206 w 1134"/>
+              <a:gd name="T41" fmla="*/ 309 h 1237"/>
+              <a:gd name="T42" fmla="*/ 212 w 1134"/>
+              <a:gd name="T43" fmla="*/ 1105 h 1237"/>
+              <a:gd name="T44" fmla="*/ 232 w 1134"/>
+              <a:gd name="T45" fmla="*/ 1134 h 1237"/>
+              <a:gd name="T46" fmla="*/ 910 w 1134"/>
+              <a:gd name="T47" fmla="*/ 1127 h 1237"/>
+              <a:gd name="T48" fmla="*/ 927 w 1134"/>
+              <a:gd name="T49" fmla="*/ 1073 h 1237"/>
+              <a:gd name="T50" fmla="*/ 747 w 1134"/>
+              <a:gd name="T51" fmla="*/ 206 h 1237"/>
+              <a:gd name="T52" fmla="*/ 695 w 1134"/>
+              <a:gd name="T53" fmla="*/ 103 h 1237"/>
+              <a:gd name="T54" fmla="*/ 426 w 1134"/>
+              <a:gd name="T55" fmla="*/ 112 h 1237"/>
+              <a:gd name="T56" fmla="*/ 1134 w 1134"/>
+              <a:gd name="T57" fmla="*/ 232 h 1237"/>
+              <a:gd name="T58" fmla="*/ 1126 w 1134"/>
+              <a:gd name="T59" fmla="*/ 302 h 1237"/>
+              <a:gd name="T60" fmla="*/ 1031 w 1134"/>
+              <a:gd name="T61" fmla="*/ 309 h 1237"/>
+              <a:gd name="T62" fmla="*/ 993 w 1134"/>
+              <a:gd name="T63" fmla="*/ 1188 h 1237"/>
+              <a:gd name="T64" fmla="*/ 232 w 1134"/>
+              <a:gd name="T65" fmla="*/ 1237 h 1237"/>
+              <a:gd name="T66" fmla="*/ 103 w 1134"/>
+              <a:gd name="T67" fmla="*/ 1076 h 1237"/>
+              <a:gd name="T68" fmla="*/ 26 w 1134"/>
+              <a:gd name="T69" fmla="*/ 309 h 1237"/>
+              <a:gd name="T70" fmla="*/ 0 w 1134"/>
+              <a:gd name="T71" fmla="*/ 284 h 1237"/>
+              <a:gd name="T72" fmla="*/ 7 w 1134"/>
+              <a:gd name="T73" fmla="*/ 214 h 1237"/>
+              <a:gd name="T74" fmla="*/ 275 w 1134"/>
+              <a:gd name="T75" fmla="*/ 206 h 1237"/>
+              <a:gd name="T76" fmla="*/ 374 w 1134"/>
+              <a:gd name="T77" fmla="*/ 21 h 1237"/>
+              <a:gd name="T78" fmla="*/ 696 w 1134"/>
+              <a:gd name="T79" fmla="*/ 0 h 1237"/>
+              <a:gd name="T80" fmla="*/ 803 w 1134"/>
+              <a:gd name="T81" fmla="*/ 72 h 1237"/>
+              <a:gd name="T82" fmla="*/ 1108 w 1134"/>
+              <a:gd name="T83" fmla="*/ 206 h 1237"/>
+              <a:gd name="T84" fmla="*/ 1134 w 1134"/>
+              <a:gd name="T85" fmla="*/ 232 h 1237"/>
+            </a:gdLst>
+            <a:ahLst/>
+            <a:cxnLst>
+              <a:cxn ang="0">
+                <a:pos x="T0" y="T1"/>
+              </a:cxn>
+              <a:cxn ang="0">
+                <a:pos x="T2" y="T3"/>
+              </a:cxn>
+              <a:cxn ang="0">
+                <a:pos x="T4" y="T5"/>
+              </a:cxn>
+              <a:cxn ang="0">
+                <a:pos x="T6" y="T7"/>
+              </a:cxn>
+              <a:cxn ang="0">
+                <a:pos x="T8" y="T9"/>
+              </a:cxn>
+              <a:cxn ang="0">
+                <a:pos x="T10" y="T11"/>
+              </a:cxn>
+              <a:cxn ang="0">
+                <a:pos x="T12" y="T13"/>
+              </a:cxn>
+              <a:cxn ang="0">
+                <a:pos x="T14" y="T15"/>
+              </a:cxn>
+              <a:cxn ang="0">
+                <a:pos x="T16" y="T17"/>
+              </a:cxn>
+              <a:cxn ang="0">
+                <a:pos x="T18" y="T19"/>
+              </a:cxn>
+              <a:cxn ang="0">
+                <a:pos x="T20" y="T21"/>
+              </a:cxn>
+              <a:cxn ang="0">
+                <a:pos x="T22" y="T23"/>
+              </a:cxn>
+              <a:cxn ang="0">
+                <a:pos x="T24" y="T25"/>
+              </a:cxn>
+              <a:cxn ang="0">
+                <a:pos x="T26" y="T27"/>
+              </a:cxn>
+              <a:cxn ang="0">
+                <a:pos x="T28" y="T29"/>
+              </a:cxn>
+              <a:cxn ang="0">
+                <a:pos x="T30" y="T31"/>
+              </a:cxn>
+              <a:cxn ang="0">
+                <a:pos x="T32" y="T33"/>
+              </a:cxn>
+              <a:cxn ang="0">
+                <a:pos x="T34" y="T35"/>
+              </a:cxn>
+              <a:cxn ang="0">
+                <a:pos x="T36" y="T37"/>
+              </a:cxn>
+              <a:cxn ang="0">
+                <a:pos x="T38" y="T39"/>
+              </a:cxn>
+              <a:cxn ang="0">
+                <a:pos x="T40" y="T41"/>
+              </a:cxn>
+              <a:cxn ang="0">
+                <a:pos x="T42" y="T43"/>
+              </a:cxn>
+              <a:cxn ang="0">
+                <a:pos x="T44" y="T45"/>
+              </a:cxn>
+              <a:cxn ang="0">
+                <a:pos x="T46" y="T47"/>
+              </a:cxn>
+              <a:cxn ang="0">
+                <a:pos x="T48" y="T49"/>
+              </a:cxn>
+              <a:cxn ang="0">
+                <a:pos x="T50" y="T51"/>
+              </a:cxn>
+              <a:cxn ang="0">
+                <a:pos x="T52" y="T53"/>
+              </a:cxn>
+              <a:cxn ang="0">
+                <a:pos x="T54" y="T55"/>
+              </a:cxn>
+              <a:cxn ang="0">
+                <a:pos x="T56" y="T57"/>
+              </a:cxn>
+              <a:cxn ang="0">
+                <a:pos x="T58" y="T59"/>
+              </a:cxn>
+              <a:cxn ang="0">
+                <a:pos x="T60" y="T61"/>
+              </a:cxn>
+              <a:cxn ang="0">
+                <a:pos x="T62" y="T63"/>
+              </a:cxn>
+              <a:cxn ang="0">
+                <a:pos x="T64" y="T65"/>
+              </a:cxn>
+              <a:cxn ang="0">
+                <a:pos x="T66" y="T67"/>
+              </a:cxn>
+              <a:cxn ang="0">
+                <a:pos x="T68" y="T69"/>
+              </a:cxn>
+              <a:cxn ang="0">
+                <a:pos x="T70" y="T71"/>
+              </a:cxn>
+              <a:cxn ang="0">
+                <a:pos x="T72" y="T73"/>
+              </a:cxn>
+              <a:cxn ang="0">
+                <a:pos x="T74" y="T75"/>
+              </a:cxn>
+              <a:cxn ang="0">
+                <a:pos x="T76" y="T77"/>
+              </a:cxn>
+              <a:cxn ang="0">
+                <a:pos x="T78" y="T79"/>
+              </a:cxn>
+              <a:cxn ang="0">
+                <a:pos x="T80" y="T81"/>
+              </a:cxn>
+              <a:cxn ang="0">
+                <a:pos x="T82" y="T83"/>
+              </a:cxn>
+              <a:cxn ang="0">
+                <a:pos x="T84" y="T85"/>
+              </a:cxn>
+            </a:cxnLst>
+            <a:rect l="0" t="0" r="r" b="b"/>
+            <a:pathLst>
+              <a:path w="1134" h="1237">
+                <a:moveTo>
+                  <a:pt x="412" y="490"/>
+                </a:moveTo>
+                <a:lnTo>
+                  <a:pt x="412" y="953"/>
+                </a:lnTo>
+                <a:cubicBezTo>
+                  <a:pt x="412" y="961"/>
+                  <a:pt x="410" y="967"/>
+                  <a:pt x="405" y="972"/>
+                </a:cubicBezTo>
+                <a:cubicBezTo>
+                  <a:pt x="400" y="977"/>
+                  <a:pt x="394" y="979"/>
+                  <a:pt x="386" y="979"/>
+                </a:cubicBezTo>
+                <a:lnTo>
+                  <a:pt x="335" y="979"/>
+                </a:lnTo>
+                <a:cubicBezTo>
+                  <a:pt x="327" y="979"/>
+                  <a:pt x="321" y="977"/>
+                  <a:pt x="316" y="972"/>
+                </a:cubicBezTo>
+                <a:cubicBezTo>
+                  <a:pt x="312" y="967"/>
+                  <a:pt x="309" y="961"/>
+                  <a:pt x="309" y="953"/>
+                </a:cubicBezTo>
+                <a:lnTo>
+                  <a:pt x="309" y="490"/>
+                </a:lnTo>
+                <a:cubicBezTo>
+                  <a:pt x="309" y="482"/>
+                  <a:pt x="312" y="476"/>
+                  <a:pt x="316" y="471"/>
+                </a:cubicBezTo>
+                <a:cubicBezTo>
+                  <a:pt x="321" y="466"/>
+                  <a:pt x="327" y="464"/>
+                  <a:pt x="335" y="464"/>
+                </a:cubicBezTo>
+                <a:lnTo>
+                  <a:pt x="386" y="464"/>
+                </a:lnTo>
+                <a:cubicBezTo>
+                  <a:pt x="394" y="464"/>
+                  <a:pt x="400" y="466"/>
+                  <a:pt x="405" y="471"/>
+                </a:cubicBezTo>
+                <a:cubicBezTo>
+                  <a:pt x="410" y="476"/>
+                  <a:pt x="412" y="482"/>
+                  <a:pt x="412" y="490"/>
+                </a:cubicBezTo>
+                <a:close/>
+                <a:moveTo>
+                  <a:pt x="618" y="490"/>
+                </a:moveTo>
+                <a:lnTo>
+                  <a:pt x="618" y="953"/>
+                </a:lnTo>
+                <a:cubicBezTo>
+                  <a:pt x="618" y="961"/>
+                  <a:pt x="616" y="967"/>
+                  <a:pt x="611" y="972"/>
+                </a:cubicBezTo>
+                <a:cubicBezTo>
+                  <a:pt x="606" y="977"/>
+                  <a:pt x="600" y="979"/>
+                  <a:pt x="593" y="979"/>
+                </a:cubicBezTo>
+                <a:lnTo>
+                  <a:pt x="541" y="979"/>
+                </a:lnTo>
+                <a:cubicBezTo>
+                  <a:pt x="534" y="979"/>
+                  <a:pt x="527" y="977"/>
+                  <a:pt x="523" y="972"/>
+                </a:cubicBezTo>
+                <a:cubicBezTo>
+                  <a:pt x="518" y="967"/>
+                  <a:pt x="515" y="961"/>
+                  <a:pt x="515" y="953"/>
+                </a:cubicBezTo>
+                <a:lnTo>
+                  <a:pt x="515" y="490"/>
+                </a:lnTo>
+                <a:cubicBezTo>
+                  <a:pt x="515" y="482"/>
+                  <a:pt x="518" y="476"/>
+                  <a:pt x="523" y="471"/>
+                </a:cubicBezTo>
+                <a:cubicBezTo>
+                  <a:pt x="527" y="466"/>
+                  <a:pt x="534" y="464"/>
+                  <a:pt x="541" y="464"/>
+                </a:cubicBezTo>
+                <a:lnTo>
+                  <a:pt x="593" y="464"/>
+                </a:lnTo>
+                <a:cubicBezTo>
+                  <a:pt x="600" y="464"/>
+                  <a:pt x="606" y="466"/>
+                  <a:pt x="611" y="471"/>
+                </a:cubicBezTo>
+                <a:cubicBezTo>
+                  <a:pt x="616" y="476"/>
+                  <a:pt x="618" y="482"/>
+                  <a:pt x="618" y="490"/>
+                </a:cubicBezTo>
+                <a:close/>
+                <a:moveTo>
+                  <a:pt x="824" y="490"/>
+                </a:moveTo>
+                <a:lnTo>
+                  <a:pt x="824" y="953"/>
+                </a:lnTo>
+                <a:cubicBezTo>
+                  <a:pt x="824" y="961"/>
+                  <a:pt x="822" y="967"/>
+                  <a:pt x="817" y="972"/>
+                </a:cubicBezTo>
+                <a:cubicBezTo>
+                  <a:pt x="812" y="977"/>
+                  <a:pt x="806" y="979"/>
+                  <a:pt x="799" y="979"/>
+                </a:cubicBezTo>
+                <a:lnTo>
+                  <a:pt x="747" y="979"/>
+                </a:lnTo>
+                <a:cubicBezTo>
+                  <a:pt x="740" y="979"/>
+                  <a:pt x="733" y="977"/>
+                  <a:pt x="729" y="972"/>
+                </a:cubicBezTo>
+                <a:cubicBezTo>
+                  <a:pt x="724" y="967"/>
+                  <a:pt x="721" y="961"/>
+                  <a:pt x="721" y="953"/>
+                </a:cubicBezTo>
+                <a:lnTo>
+                  <a:pt x="721" y="490"/>
+                </a:lnTo>
+                <a:cubicBezTo>
+                  <a:pt x="721" y="482"/>
+                  <a:pt x="724" y="476"/>
+                  <a:pt x="729" y="471"/>
+                </a:cubicBezTo>
+                <a:cubicBezTo>
+                  <a:pt x="733" y="466"/>
+                  <a:pt x="740" y="464"/>
+                  <a:pt x="747" y="464"/>
+                </a:cubicBezTo>
+                <a:lnTo>
+                  <a:pt x="799" y="464"/>
+                </a:lnTo>
+                <a:cubicBezTo>
+                  <a:pt x="806" y="464"/>
+                  <a:pt x="812" y="466"/>
+                  <a:pt x="817" y="471"/>
+                </a:cubicBezTo>
+                <a:cubicBezTo>
+                  <a:pt x="822" y="476"/>
+                  <a:pt x="824" y="482"/>
+                  <a:pt x="824" y="490"/>
+                </a:cubicBezTo>
+                <a:close/>
+                <a:moveTo>
+                  <a:pt x="927" y="1073"/>
+                </a:moveTo>
+                <a:lnTo>
+                  <a:pt x="927" y="309"/>
+                </a:lnTo>
+                <a:lnTo>
+                  <a:pt x="206" y="309"/>
+                </a:lnTo>
+                <a:lnTo>
+                  <a:pt x="206" y="1073"/>
+                </a:lnTo>
+                <a:cubicBezTo>
+                  <a:pt x="206" y="1084"/>
+                  <a:pt x="208" y="1095"/>
+                  <a:pt x="212" y="1105"/>
+                </a:cubicBezTo>
+                <a:cubicBezTo>
+                  <a:pt x="216" y="1115"/>
+                  <a:pt x="219" y="1122"/>
+                  <a:pt x="223" y="1127"/>
+                </a:cubicBezTo>
+                <a:cubicBezTo>
+                  <a:pt x="227" y="1132"/>
+                  <a:pt x="230" y="1134"/>
+                  <a:pt x="232" y="1134"/>
+                </a:cubicBezTo>
+                <a:lnTo>
+                  <a:pt x="902" y="1134"/>
+                </a:lnTo>
+                <a:cubicBezTo>
+                  <a:pt x="903" y="1134"/>
+                  <a:pt x="906" y="1132"/>
+                  <a:pt x="910" y="1127"/>
+                </a:cubicBezTo>
+                <a:cubicBezTo>
+                  <a:pt x="914" y="1122"/>
+                  <a:pt x="918" y="1115"/>
+                  <a:pt x="922" y="1105"/>
+                </a:cubicBezTo>
+                <a:cubicBezTo>
+                  <a:pt x="926" y="1095"/>
+                  <a:pt x="927" y="1084"/>
+                  <a:pt x="927" y="1073"/>
+                </a:cubicBezTo>
+                <a:close/>
+                <a:moveTo>
+                  <a:pt x="386" y="206"/>
+                </a:moveTo>
+                <a:lnTo>
+                  <a:pt x="747" y="206"/>
+                </a:lnTo>
+                <a:lnTo>
+                  <a:pt x="709" y="112"/>
+                </a:lnTo>
+                <a:cubicBezTo>
+                  <a:pt x="705" y="107"/>
+                  <a:pt x="700" y="104"/>
+                  <a:pt x="695" y="103"/>
+                </a:cubicBezTo>
+                <a:lnTo>
+                  <a:pt x="440" y="103"/>
+                </a:lnTo>
+                <a:cubicBezTo>
+                  <a:pt x="434" y="104"/>
+                  <a:pt x="430" y="107"/>
+                  <a:pt x="426" y="112"/>
+                </a:cubicBezTo>
+                <a:lnTo>
+                  <a:pt x="386" y="206"/>
+                </a:lnTo>
+                <a:close/>
+                <a:moveTo>
+                  <a:pt x="1134" y="232"/>
+                </a:moveTo>
+                <a:lnTo>
+                  <a:pt x="1134" y="284"/>
+                </a:lnTo>
+                <a:cubicBezTo>
+                  <a:pt x="1134" y="291"/>
+                  <a:pt x="1131" y="297"/>
+                  <a:pt x="1126" y="302"/>
+                </a:cubicBezTo>
+                <a:cubicBezTo>
+                  <a:pt x="1121" y="307"/>
+                  <a:pt x="1115" y="309"/>
+                  <a:pt x="1108" y="309"/>
+                </a:cubicBezTo>
+                <a:lnTo>
+                  <a:pt x="1031" y="309"/>
+                </a:lnTo>
+                <a:lnTo>
+                  <a:pt x="1031" y="1073"/>
+                </a:lnTo>
+                <a:cubicBezTo>
+                  <a:pt x="1031" y="1117"/>
+                  <a:pt x="1018" y="1156"/>
+                  <a:pt x="993" y="1188"/>
+                </a:cubicBezTo>
+                <a:cubicBezTo>
+                  <a:pt x="967" y="1221"/>
+                  <a:pt x="937" y="1237"/>
+                  <a:pt x="902" y="1237"/>
+                </a:cubicBezTo>
+                <a:lnTo>
+                  <a:pt x="232" y="1237"/>
+                </a:lnTo>
+                <a:cubicBezTo>
+                  <a:pt x="196" y="1237"/>
+                  <a:pt x="166" y="1221"/>
+                  <a:pt x="141" y="1190"/>
+                </a:cubicBezTo>
+                <a:cubicBezTo>
+                  <a:pt x="116" y="1158"/>
+                  <a:pt x="103" y="1120"/>
+                  <a:pt x="103" y="1076"/>
+                </a:cubicBezTo>
+                <a:lnTo>
+                  <a:pt x="103" y="309"/>
+                </a:lnTo>
+                <a:lnTo>
+                  <a:pt x="26" y="309"/>
+                </a:lnTo>
+                <a:cubicBezTo>
+                  <a:pt x="18" y="309"/>
+                  <a:pt x="12" y="307"/>
+                  <a:pt x="7" y="302"/>
+                </a:cubicBezTo>
+                <a:cubicBezTo>
+                  <a:pt x="2" y="297"/>
+                  <a:pt x="0" y="291"/>
+                  <a:pt x="0" y="284"/>
+                </a:cubicBezTo>
+                <a:lnTo>
+                  <a:pt x="0" y="232"/>
+                </a:lnTo>
+                <a:cubicBezTo>
+                  <a:pt x="0" y="225"/>
+                  <a:pt x="2" y="218"/>
+                  <a:pt x="7" y="214"/>
+                </a:cubicBezTo>
+                <a:cubicBezTo>
+                  <a:pt x="12" y="209"/>
+                  <a:pt x="18" y="206"/>
+                  <a:pt x="26" y="206"/>
+                </a:cubicBezTo>
+                <a:lnTo>
+                  <a:pt x="275" y="206"/>
+                </a:lnTo>
+                <a:lnTo>
+                  <a:pt x="331" y="72"/>
+                </a:lnTo>
+                <a:cubicBezTo>
+                  <a:pt x="339" y="52"/>
+                  <a:pt x="353" y="35"/>
+                  <a:pt x="374" y="21"/>
+                </a:cubicBezTo>
+                <a:cubicBezTo>
+                  <a:pt x="395" y="7"/>
+                  <a:pt x="417" y="0"/>
+                  <a:pt x="438" y="0"/>
+                </a:cubicBezTo>
+                <a:lnTo>
+                  <a:pt x="696" y="0"/>
+                </a:lnTo>
+                <a:cubicBezTo>
+                  <a:pt x="717" y="0"/>
+                  <a:pt x="738" y="7"/>
+                  <a:pt x="759" y="21"/>
+                </a:cubicBezTo>
+                <a:cubicBezTo>
+                  <a:pt x="780" y="35"/>
+                  <a:pt x="795" y="52"/>
+                  <a:pt x="803" y="72"/>
+                </a:cubicBezTo>
+                <a:lnTo>
+                  <a:pt x="859" y="206"/>
+                </a:lnTo>
+                <a:lnTo>
+                  <a:pt x="1108" y="206"/>
+                </a:lnTo>
+                <a:cubicBezTo>
+                  <a:pt x="1115" y="206"/>
+                  <a:pt x="1121" y="209"/>
+                  <a:pt x="1126" y="214"/>
+                </a:cubicBezTo>
+                <a:cubicBezTo>
+                  <a:pt x="1131" y="218"/>
+                  <a:pt x="1134" y="225"/>
+                  <a:pt x="1134" y="232"/>
+                </a:cubicBezTo>
+                <a:close/>
+              </a:path>
+            </a:pathLst>
+          </a:custGeom>
+          <a:ln>
+            <a:headEnd/>
+            <a:tailEnd/>
+          </a:ln>
+        </p:spPr>
+        <p:style>
+          <a:lnRef idx="2">
+            <a:schemeClr val="accent3"/>
+          </a:lnRef>
+          <a:fillRef idx="1">
+            <a:schemeClr val="lt1"/>
+          </a:fillRef>
+          <a:effectRef idx="0">
+            <a:schemeClr val="accent3"/>
+          </a:effectRef>
+          <a:fontRef idx="minor">
+            <a:schemeClr val="dk1"/>
+          </a:fontRef>
+        </p:style>
+        <p:txBody>
+          <a:bodyPr vert="horz" wrap="square" lIns="91440" tIns="45720" rIns="91440" bIns="45720" numCol="1" anchor="t" anchorCtr="0" compatLnSpc="1">
+            <a:prstTxWarp prst="textNoShape">
+              <a:avLst/>
+            </a:prstTxWarp>
+          </a:bodyPr>
+          <a:lstStyle/>
+          <a:p>
+            <a:endParaRPr lang="en-US" sz="1050" dirty="0">
+              <a:solidFill>
+                <a:srgbClr val="FF0000"/>
+              </a:solidFill>
+              <a:latin typeface="Arial" panose="020B0604020202020204" pitchFamily="34" charset="0"/>
+              <a:cs typeface="Arial" panose="020B0604020202020204" pitchFamily="34" charset="0"/>
+            </a:endParaRPr>
+          </a:p>
+        </p:txBody>
+      </p:sp>
     </p:spTree>
     <p:extLst>
       <p:ext uri="{BB962C8B-B14F-4D97-AF65-F5344CB8AC3E}">
@@ -17164,6 +21662,4560 @@
 </file>
 
 <file path=ppt/slides/slide4.xml><?xml version="1.0" encoding="utf-8"?>
+<p:sld xmlns:a="http://schemas.openxmlformats.org/drawingml/2006/main" xmlns:r="http://schemas.openxmlformats.org/officeDocument/2006/relationships" xmlns:p="http://schemas.openxmlformats.org/presentationml/2006/main">
+  <p:cSld>
+    <p:spTree>
+      <p:nvGrpSpPr>
+        <p:cNvPr id="1" name=""/>
+        <p:cNvGrpSpPr/>
+        <p:nvPr/>
+      </p:nvGrpSpPr>
+      <p:grpSpPr>
+        <a:xfrm>
+          <a:off x="0" y="0"/>
+          <a:ext cx="0" cy="0"/>
+          <a:chOff x="0" y="0"/>
+          <a:chExt cx="0" cy="0"/>
+        </a:xfrm>
+      </p:grpSpPr>
+      <p:grpSp>
+        <p:nvGrpSpPr>
+          <p:cNvPr id="8" name="Navbar">
+            <a:extLst>
+              <a:ext uri="{FF2B5EF4-FFF2-40B4-BE49-F238E27FC236}">
+                <a16:creationId xmlns:a16="http://schemas.microsoft.com/office/drawing/2014/main" id="{EE2ABC46-EDD9-46EF-BA1A-88DF5B19575A}"/>
+              </a:ext>
+            </a:extLst>
+          </p:cNvPr>
+          <p:cNvGrpSpPr/>
+          <p:nvPr/>
+        </p:nvGrpSpPr>
+        <p:grpSpPr>
+          <a:xfrm>
+            <a:off x="0" y="-12700"/>
+            <a:ext cx="7589914" cy="392739"/>
+            <a:chOff x="535884" y="875133"/>
+            <a:chExt cx="7884215" cy="392739"/>
+          </a:xfrm>
+        </p:grpSpPr>
+        <p:sp>
+          <p:nvSpPr>
+            <p:cNvPr id="9" name="Navbar Shape">
+              <a:extLst>
+                <a:ext uri="{FF2B5EF4-FFF2-40B4-BE49-F238E27FC236}">
+                  <a16:creationId xmlns:a16="http://schemas.microsoft.com/office/drawing/2014/main" id="{4C60BAC0-2356-4EBF-B75C-B335D3944520}"/>
+                </a:ext>
+              </a:extLst>
+            </p:cNvPr>
+            <p:cNvSpPr/>
+            <p:nvPr/>
+          </p:nvSpPr>
+          <p:spPr>
+            <a:xfrm>
+              <a:off x="535884" y="884690"/>
+              <a:ext cx="7884215" cy="383182"/>
+            </a:xfrm>
+            <a:prstGeom prst="roundRect">
+              <a:avLst>
+                <a:gd name="adj" fmla="val 8094"/>
+              </a:avLst>
+            </a:prstGeom>
+            <a:pattFill prst="ltUpDiag">
+              <a:fgClr>
+                <a:srgbClr val="437CC9"/>
+              </a:fgClr>
+              <a:bgClr>
+                <a:srgbClr val="6493D2"/>
+              </a:bgClr>
+            </a:pattFill>
+            <a:ln w="9525">
+              <a:solidFill>
+                <a:srgbClr val="FFFFFF"/>
+              </a:solidFill>
+            </a:ln>
+          </p:spPr>
+          <p:style>
+            <a:lnRef idx="2">
+              <a:schemeClr val="accent1">
+                <a:shade val="50000"/>
+              </a:schemeClr>
+            </a:lnRef>
+            <a:fillRef idx="1">
+              <a:schemeClr val="accent1"/>
+            </a:fillRef>
+            <a:effectRef idx="0">
+              <a:schemeClr val="accent1"/>
+            </a:effectRef>
+            <a:fontRef idx="minor">
+              <a:schemeClr val="lt1"/>
+            </a:fontRef>
+          </p:style>
+          <p:txBody>
+            <a:bodyPr rot="0" spcFirstLastPara="0" vertOverflow="overflow" horzOverflow="overflow" vert="horz" wrap="square" lIns="182880" tIns="45720" rIns="91440" bIns="45720" numCol="1" spcCol="0" rtlCol="0" fromWordArt="0" anchor="ctr" anchorCtr="0" forceAA="0" compatLnSpc="1">
+              <a:prstTxWarp prst="textNoShape">
+                <a:avLst/>
+              </a:prstTxWarp>
+              <a:noAutofit/>
+            </a:bodyPr>
+            <a:lstStyle/>
+            <a:p>
+              <a:r>
+                <a:rPr lang="en-US" sz="1500" dirty="0" err="1">
+                  <a:solidFill>
+                    <a:srgbClr val="FFFFFF"/>
+                  </a:solidFill>
+                  <a:latin typeface="Arial" panose="020B0604020202020204" pitchFamily="34" charset="0"/>
+                  <a:cs typeface="Arial" panose="020B0604020202020204" pitchFamily="34" charset="0"/>
+                </a:rPr>
+                <a:t>GoNorth</a:t>
+              </a:r>
+              <a:endParaRPr lang="en-US" sz="1500" dirty="0">
+                <a:solidFill>
+                  <a:srgbClr val="FFFFFF"/>
+                </a:solidFill>
+                <a:latin typeface="Arial" panose="020B0604020202020204" pitchFamily="34" charset="0"/>
+                <a:cs typeface="Arial" panose="020B0604020202020204" pitchFamily="34" charset="0"/>
+              </a:endParaRPr>
+            </a:p>
+          </p:txBody>
+        </p:sp>
+        <p:sp>
+          <p:nvSpPr>
+            <p:cNvPr id="11" name="Link 2">
+              <a:extLst>
+                <a:ext uri="{FF2B5EF4-FFF2-40B4-BE49-F238E27FC236}">
+                  <a16:creationId xmlns:a16="http://schemas.microsoft.com/office/drawing/2014/main" id="{48AEEB99-90A8-4526-8210-20F906297943}"/>
+                </a:ext>
+              </a:extLst>
+            </p:cNvPr>
+            <p:cNvSpPr/>
+            <p:nvPr/>
+          </p:nvSpPr>
+          <p:spPr>
+            <a:xfrm>
+              <a:off x="3313915" y="875133"/>
+              <a:ext cx="462621" cy="383182"/>
+            </a:xfrm>
+            <a:prstGeom prst="rect">
+              <a:avLst/>
+            </a:prstGeom>
+            <a:noFill/>
+            <a:ln w="9525">
+              <a:noFill/>
+            </a:ln>
+          </p:spPr>
+          <p:style>
+            <a:lnRef idx="2">
+              <a:schemeClr val="accent1">
+                <a:shade val="50000"/>
+              </a:schemeClr>
+            </a:lnRef>
+            <a:fillRef idx="1">
+              <a:schemeClr val="accent1"/>
+            </a:fillRef>
+            <a:effectRef idx="0">
+              <a:schemeClr val="accent1"/>
+            </a:effectRef>
+            <a:fontRef idx="minor">
+              <a:schemeClr val="lt1"/>
+            </a:fontRef>
+          </p:style>
+          <p:txBody>
+            <a:bodyPr rot="0" spcFirstLastPara="0" vertOverflow="overflow" horzOverflow="overflow" vert="horz" wrap="none" lIns="128016" tIns="109728" rIns="128016" bIns="109728" numCol="1" spcCol="0" rtlCol="0" fromWordArt="0" anchor="ctr" anchorCtr="0" forceAA="0" compatLnSpc="1">
+              <a:prstTxWarp prst="textNoShape">
+                <a:avLst/>
+              </a:prstTxWarp>
+              <a:spAutoFit/>
+            </a:bodyPr>
+            <a:lstStyle/>
+            <a:p>
+              <a:r>
+                <a:rPr lang="en-US" sz="1050" dirty="0" err="1">
+                  <a:solidFill>
+                    <a:srgbClr val="FFFFFF"/>
+                  </a:solidFill>
+                  <a:latin typeface="Arial" panose="020B0604020202020204" pitchFamily="34" charset="0"/>
+                  <a:cs typeface="Arial" panose="020B0604020202020204" pitchFamily="34" charset="0"/>
+                </a:rPr>
+                <a:t>Kortisto</a:t>
+              </a:r>
+              <a:endParaRPr lang="en-US" sz="1050" dirty="0">
+                <a:solidFill>
+                  <a:srgbClr val="FFFFFF"/>
+                </a:solidFill>
+                <a:latin typeface="Arial" panose="020B0604020202020204" pitchFamily="34" charset="0"/>
+                <a:cs typeface="Arial" panose="020B0604020202020204" pitchFamily="34" charset="0"/>
+              </a:endParaRPr>
+            </a:p>
+          </p:txBody>
+        </p:sp>
+        <p:sp>
+          <p:nvSpPr>
+            <p:cNvPr id="12" name="Link 3">
+              <a:extLst>
+                <a:ext uri="{FF2B5EF4-FFF2-40B4-BE49-F238E27FC236}">
+                  <a16:creationId xmlns:a16="http://schemas.microsoft.com/office/drawing/2014/main" id="{260D132F-EAF2-464C-A581-166F7150AF18}"/>
+                </a:ext>
+              </a:extLst>
+            </p:cNvPr>
+            <p:cNvSpPr/>
+            <p:nvPr/>
+          </p:nvSpPr>
+          <p:spPr>
+            <a:xfrm>
+              <a:off x="3875494" y="875133"/>
+              <a:ext cx="342374" cy="383182"/>
+            </a:xfrm>
+            <a:prstGeom prst="rect">
+              <a:avLst/>
+            </a:prstGeom>
+            <a:noFill/>
+            <a:ln w="9525">
+              <a:noFill/>
+            </a:ln>
+          </p:spPr>
+          <p:style>
+            <a:lnRef idx="2">
+              <a:schemeClr val="accent1">
+                <a:shade val="50000"/>
+              </a:schemeClr>
+            </a:lnRef>
+            <a:fillRef idx="1">
+              <a:schemeClr val="accent1"/>
+            </a:fillRef>
+            <a:effectRef idx="0">
+              <a:schemeClr val="accent1"/>
+            </a:effectRef>
+            <a:fontRef idx="minor">
+              <a:schemeClr val="lt1"/>
+            </a:fontRef>
+          </p:style>
+          <p:txBody>
+            <a:bodyPr rot="0" spcFirstLastPara="0" vertOverflow="overflow" horzOverflow="overflow" vert="horz" wrap="none" lIns="128016" tIns="109728" rIns="128016" bIns="109728" numCol="1" spcCol="0" rtlCol="0" fromWordArt="0" anchor="ctr" anchorCtr="0" forceAA="0" compatLnSpc="1">
+              <a:prstTxWarp prst="textNoShape">
+                <a:avLst/>
+              </a:prstTxWarp>
+              <a:spAutoFit/>
+            </a:bodyPr>
+            <a:lstStyle/>
+            <a:p>
+              <a:r>
+                <a:rPr lang="en-US" sz="1050" dirty="0" err="1">
+                  <a:solidFill>
+                    <a:srgbClr val="FFFFFF"/>
+                  </a:solidFill>
+                  <a:latin typeface="Arial" panose="020B0604020202020204" pitchFamily="34" charset="0"/>
+                  <a:cs typeface="Arial" panose="020B0604020202020204" pitchFamily="34" charset="0"/>
+                </a:rPr>
+                <a:t>Kirja</a:t>
+              </a:r>
+              <a:endParaRPr lang="en-US" sz="1050" dirty="0">
+                <a:solidFill>
+                  <a:srgbClr val="FFFFFF"/>
+                </a:solidFill>
+                <a:latin typeface="Arial" panose="020B0604020202020204" pitchFamily="34" charset="0"/>
+                <a:cs typeface="Arial" panose="020B0604020202020204" pitchFamily="34" charset="0"/>
+              </a:endParaRPr>
+            </a:p>
+          </p:txBody>
+        </p:sp>
+      </p:grpSp>
+      <p:sp>
+        <p:nvSpPr>
+          <p:cNvPr id="16" name="Link 2">
+            <a:extLst>
+              <a:ext uri="{FF2B5EF4-FFF2-40B4-BE49-F238E27FC236}">
+                <a16:creationId xmlns:a16="http://schemas.microsoft.com/office/drawing/2014/main" id="{DD6FA67A-464D-44C8-9E76-B90098421DDF}"/>
+              </a:ext>
+            </a:extLst>
+          </p:cNvPr>
+          <p:cNvSpPr/>
+          <p:nvPr/>
+        </p:nvSpPr>
+        <p:spPr>
+          <a:xfrm>
+            <a:off x="1033793" y="-22257"/>
+            <a:ext cx="890115" cy="383182"/>
+          </a:xfrm>
+          <a:prstGeom prst="rect">
+            <a:avLst/>
+          </a:prstGeom>
+          <a:noFill/>
+          <a:ln w="9525">
+            <a:noFill/>
+          </a:ln>
+        </p:spPr>
+        <p:style>
+          <a:lnRef idx="2">
+            <a:schemeClr val="accent1">
+              <a:shade val="50000"/>
+            </a:schemeClr>
+          </a:lnRef>
+          <a:fillRef idx="1">
+            <a:schemeClr val="accent1"/>
+          </a:fillRef>
+          <a:effectRef idx="0">
+            <a:schemeClr val="accent1"/>
+          </a:effectRef>
+          <a:fontRef idx="minor">
+            <a:schemeClr val="lt1"/>
+          </a:fontRef>
+        </p:style>
+        <p:txBody>
+          <a:bodyPr rot="0" spcFirstLastPara="0" vertOverflow="overflow" horzOverflow="overflow" vert="horz" wrap="square" lIns="128016" tIns="109728" rIns="128016" bIns="109728" numCol="1" spcCol="0" rtlCol="0" fromWordArt="0" anchor="ctr" anchorCtr="0" forceAA="0" compatLnSpc="1">
+            <a:prstTxWarp prst="textNoShape">
+              <a:avLst/>
+            </a:prstTxWarp>
+            <a:spAutoFit/>
+          </a:bodyPr>
+          <a:lstStyle/>
+          <a:p>
+            <a:r>
+              <a:rPr lang="en-US" sz="1050" dirty="0" err="1">
+                <a:solidFill>
+                  <a:srgbClr val="FFFFFF"/>
+                </a:solidFill>
+                <a:latin typeface="Arial" panose="020B0604020202020204" pitchFamily="34" charset="0"/>
+                <a:cs typeface="Arial" panose="020B0604020202020204" pitchFamily="34" charset="0"/>
+              </a:rPr>
+              <a:t>Ereignisse</a:t>
+            </a:r>
+            <a:endParaRPr lang="en-US" sz="1050" dirty="0">
+              <a:solidFill>
+                <a:srgbClr val="FFFFFF"/>
+              </a:solidFill>
+              <a:latin typeface="Arial" panose="020B0604020202020204" pitchFamily="34" charset="0"/>
+              <a:cs typeface="Arial" panose="020B0604020202020204" pitchFamily="34" charset="0"/>
+            </a:endParaRPr>
+          </a:p>
+        </p:txBody>
+      </p:sp>
+      <p:sp>
+        <p:nvSpPr>
+          <p:cNvPr id="22" name="Link 2">
+            <a:extLst>
+              <a:ext uri="{FF2B5EF4-FFF2-40B4-BE49-F238E27FC236}">
+                <a16:creationId xmlns:a16="http://schemas.microsoft.com/office/drawing/2014/main" id="{8C18FF12-387D-460E-8871-6AC0B6E5CB18}"/>
+              </a:ext>
+            </a:extLst>
+          </p:cNvPr>
+          <p:cNvSpPr/>
+          <p:nvPr/>
+        </p:nvSpPr>
+        <p:spPr>
+          <a:xfrm>
+            <a:off x="6502855" y="-7622"/>
+            <a:ext cx="867673" cy="383182"/>
+          </a:xfrm>
+          <a:prstGeom prst="rect">
+            <a:avLst/>
+          </a:prstGeom>
+          <a:noFill/>
+          <a:ln w="9525">
+            <a:noFill/>
+          </a:ln>
+        </p:spPr>
+        <p:style>
+          <a:lnRef idx="2">
+            <a:schemeClr val="accent1">
+              <a:shade val="50000"/>
+            </a:schemeClr>
+          </a:lnRef>
+          <a:fillRef idx="1">
+            <a:schemeClr val="accent1"/>
+          </a:fillRef>
+          <a:effectRef idx="0">
+            <a:schemeClr val="accent1"/>
+          </a:effectRef>
+          <a:fontRef idx="minor">
+            <a:schemeClr val="lt1"/>
+          </a:fontRef>
+        </p:style>
+        <p:txBody>
+          <a:bodyPr rot="0" spcFirstLastPara="0" vertOverflow="overflow" horzOverflow="overflow" vert="horz" wrap="none" lIns="128016" tIns="109728" rIns="128016" bIns="109728" numCol="1" spcCol="0" rtlCol="0" fromWordArt="0" anchor="ctr" anchorCtr="0" forceAA="0" compatLnSpc="1">
+            <a:prstTxWarp prst="textNoShape">
+              <a:avLst/>
+            </a:prstTxWarp>
+            <a:spAutoFit/>
+          </a:bodyPr>
+          <a:lstStyle/>
+          <a:p>
+            <a:r>
+              <a:rPr lang="en-US" sz="1050" dirty="0" err="1">
+                <a:solidFill>
+                  <a:srgbClr val="FFFFFF"/>
+                </a:solidFill>
+                <a:latin typeface="Arial" panose="020B0604020202020204" pitchFamily="34" charset="0"/>
+                <a:cs typeface="Arial" panose="020B0604020202020204" pitchFamily="34" charset="0"/>
+              </a:rPr>
+              <a:t>Abmelden</a:t>
+            </a:r>
+            <a:endParaRPr lang="en-US" sz="1050" dirty="0">
+              <a:solidFill>
+                <a:srgbClr val="FFFFFF"/>
+              </a:solidFill>
+              <a:latin typeface="Arial" panose="020B0604020202020204" pitchFamily="34" charset="0"/>
+              <a:cs typeface="Arial" panose="020B0604020202020204" pitchFamily="34" charset="0"/>
+            </a:endParaRPr>
+          </a:p>
+        </p:txBody>
+      </p:sp>
+      <p:sp>
+        <p:nvSpPr>
+          <p:cNvPr id="23" name="Link 2">
+            <a:extLst>
+              <a:ext uri="{FF2B5EF4-FFF2-40B4-BE49-F238E27FC236}">
+                <a16:creationId xmlns:a16="http://schemas.microsoft.com/office/drawing/2014/main" id="{00BFFFA1-E4D5-4A63-9A8A-5AA333ECEDD0}"/>
+              </a:ext>
+            </a:extLst>
+          </p:cNvPr>
+          <p:cNvSpPr/>
+          <p:nvPr/>
+        </p:nvSpPr>
+        <p:spPr>
+          <a:xfrm>
+            <a:off x="5592186" y="-12700"/>
+            <a:ext cx="965457" cy="383182"/>
+          </a:xfrm>
+          <a:prstGeom prst="rect">
+            <a:avLst/>
+          </a:prstGeom>
+          <a:noFill/>
+          <a:ln w="9525">
+            <a:noFill/>
+          </a:ln>
+        </p:spPr>
+        <p:style>
+          <a:lnRef idx="2">
+            <a:schemeClr val="accent1">
+              <a:shade val="50000"/>
+            </a:schemeClr>
+          </a:lnRef>
+          <a:fillRef idx="1">
+            <a:schemeClr val="accent1"/>
+          </a:fillRef>
+          <a:effectRef idx="0">
+            <a:schemeClr val="accent1"/>
+          </a:effectRef>
+          <a:fontRef idx="minor">
+            <a:schemeClr val="lt1"/>
+          </a:fontRef>
+        </p:style>
+        <p:txBody>
+          <a:bodyPr rot="0" spcFirstLastPara="0" vertOverflow="overflow" horzOverflow="overflow" vert="horz" wrap="none" lIns="128016" tIns="109728" rIns="128016" bIns="109728" numCol="1" spcCol="0" rtlCol="0" fromWordArt="0" anchor="ctr" anchorCtr="0" forceAA="0" compatLnSpc="1">
+            <a:prstTxWarp prst="textNoShape">
+              <a:avLst/>
+            </a:prstTxWarp>
+            <a:spAutoFit/>
+          </a:bodyPr>
+          <a:lstStyle/>
+          <a:p>
+            <a:r>
+              <a:rPr lang="en-US" sz="1050" dirty="0">
+                <a:solidFill>
+                  <a:srgbClr val="FFFFFF"/>
+                </a:solidFill>
+                <a:latin typeface="Arial" panose="020B0604020202020204" pitchFamily="34" charset="0"/>
+                <a:cs typeface="Arial" panose="020B0604020202020204" pitchFamily="34" charset="0"/>
+              </a:rPr>
+              <a:t>Hallo User1</a:t>
+            </a:r>
+          </a:p>
+        </p:txBody>
+      </p:sp>
+      <p:sp>
+        <p:nvSpPr>
+          <p:cNvPr id="25" name="h2">
+            <a:extLst>
+              <a:ext uri="{FF2B5EF4-FFF2-40B4-BE49-F238E27FC236}">
+                <a16:creationId xmlns:a16="http://schemas.microsoft.com/office/drawing/2014/main" id="{06B440F4-3795-4E18-B0DF-7A6C496E6241}"/>
+              </a:ext>
+            </a:extLst>
+          </p:cNvPr>
+          <p:cNvSpPr txBox="1"/>
+          <p:nvPr/>
+        </p:nvSpPr>
+        <p:spPr>
+          <a:xfrm>
+            <a:off x="185411" y="538237"/>
+            <a:ext cx="3503651" cy="455959"/>
+          </a:xfrm>
+          <a:prstGeom prst="rect">
+            <a:avLst/>
+          </a:prstGeom>
+          <a:noFill/>
+          <a:ln w="9525">
+            <a:noFill/>
+          </a:ln>
+        </p:spPr>
+        <p:txBody>
+          <a:bodyPr wrap="none" rtlCol="0">
+            <a:spAutoFit/>
+          </a:bodyPr>
+          <a:lstStyle/>
+          <a:p>
+            <a:r>
+              <a:rPr lang="en-US" sz="2363" b="1" dirty="0">
+                <a:solidFill>
+                  <a:schemeClr val="tx1">
+                    <a:lumMod val="50000"/>
+                    <a:lumOff val="50000"/>
+                  </a:schemeClr>
+                </a:solidFill>
+                <a:latin typeface="Arial" panose="020B0604020202020204" pitchFamily="34" charset="0"/>
+                <a:cs typeface="Arial" panose="020B0604020202020204" pitchFamily="34" charset="0"/>
+              </a:rPr>
+              <a:t>Task </a:t>
+            </a:r>
+            <a:r>
+              <a:rPr lang="en-US" sz="2363" b="1" dirty="0" err="1">
+                <a:solidFill>
+                  <a:schemeClr val="tx1">
+                    <a:lumMod val="50000"/>
+                    <a:lumOff val="50000"/>
+                  </a:schemeClr>
+                </a:solidFill>
+                <a:latin typeface="Arial" panose="020B0604020202020204" pitchFamily="34" charset="0"/>
+                <a:cs typeface="Arial" panose="020B0604020202020204" pitchFamily="34" charset="0"/>
+              </a:rPr>
+              <a:t>Typen</a:t>
+            </a:r>
+            <a:r>
+              <a:rPr lang="en-US" sz="2363" b="1" dirty="0">
+                <a:solidFill>
+                  <a:schemeClr val="tx1">
+                    <a:lumMod val="50000"/>
+                    <a:lumOff val="50000"/>
+                  </a:schemeClr>
+                </a:solidFill>
+                <a:latin typeface="Arial" panose="020B0604020202020204" pitchFamily="34" charset="0"/>
+                <a:cs typeface="Arial" panose="020B0604020202020204" pitchFamily="34" charset="0"/>
+              </a:rPr>
+              <a:t> </a:t>
+            </a:r>
+            <a:r>
+              <a:rPr lang="en-US" sz="2363" b="1" dirty="0" err="1">
+                <a:solidFill>
+                  <a:schemeClr val="tx1">
+                    <a:lumMod val="50000"/>
+                    <a:lumOff val="50000"/>
+                  </a:schemeClr>
+                </a:solidFill>
+                <a:latin typeface="Arial" panose="020B0604020202020204" pitchFamily="34" charset="0"/>
+                <a:cs typeface="Arial" panose="020B0604020202020204" pitchFamily="34" charset="0"/>
+              </a:rPr>
+              <a:t>Verwaltung</a:t>
+            </a:r>
+            <a:endParaRPr lang="en-US" sz="2363" b="1" dirty="0">
+              <a:solidFill>
+                <a:schemeClr val="tx1">
+                  <a:lumMod val="50000"/>
+                  <a:lumOff val="50000"/>
+                </a:schemeClr>
+              </a:solidFill>
+              <a:latin typeface="Arial" panose="020B0604020202020204" pitchFamily="34" charset="0"/>
+              <a:cs typeface="Arial" panose="020B0604020202020204" pitchFamily="34" charset="0"/>
+            </a:endParaRPr>
+          </a:p>
+        </p:txBody>
+      </p:sp>
+      <p:sp>
+        <p:nvSpPr>
+          <p:cNvPr id="30" name="Link 2">
+            <a:extLst>
+              <a:ext uri="{FF2B5EF4-FFF2-40B4-BE49-F238E27FC236}">
+                <a16:creationId xmlns:a16="http://schemas.microsoft.com/office/drawing/2014/main" id="{034DC4ED-12B8-43EB-9485-6D24D5109FE8}"/>
+              </a:ext>
+            </a:extLst>
+          </p:cNvPr>
+          <p:cNvSpPr/>
+          <p:nvPr/>
+        </p:nvSpPr>
+        <p:spPr>
+          <a:xfrm>
+            <a:off x="3445158" y="-9195"/>
+            <a:ext cx="764265" cy="383182"/>
+          </a:xfrm>
+          <a:prstGeom prst="rect">
+            <a:avLst/>
+          </a:prstGeom>
+          <a:noFill/>
+          <a:ln w="9525">
+            <a:noFill/>
+          </a:ln>
+        </p:spPr>
+        <p:style>
+          <a:lnRef idx="2">
+            <a:schemeClr val="accent1">
+              <a:shade val="50000"/>
+            </a:schemeClr>
+          </a:lnRef>
+          <a:fillRef idx="1">
+            <a:schemeClr val="accent1"/>
+          </a:fillRef>
+          <a:effectRef idx="0">
+            <a:schemeClr val="accent1"/>
+          </a:effectRef>
+          <a:fontRef idx="minor">
+            <a:schemeClr val="lt1"/>
+          </a:fontRef>
+        </p:style>
+        <p:txBody>
+          <a:bodyPr rot="0" spcFirstLastPara="0" vertOverflow="overflow" horzOverflow="overflow" vert="horz" wrap="square" lIns="128016" tIns="109728" rIns="128016" bIns="109728" numCol="1" spcCol="0" rtlCol="0" fromWordArt="0" anchor="ctr" anchorCtr="0" forceAA="0" compatLnSpc="1">
+            <a:prstTxWarp prst="textNoShape">
+              <a:avLst/>
+            </a:prstTxWarp>
+            <a:spAutoFit/>
+          </a:bodyPr>
+          <a:lstStyle/>
+          <a:p>
+            <a:r>
+              <a:rPr lang="en-US" sz="1050" dirty="0">
+                <a:solidFill>
+                  <a:srgbClr val="FFFFFF"/>
+                </a:solidFill>
+                <a:latin typeface="Arial" panose="020B0604020202020204" pitchFamily="34" charset="0"/>
+                <a:cs typeface="Arial" panose="020B0604020202020204" pitchFamily="34" charset="0"/>
+              </a:rPr>
+              <a:t>Karta</a:t>
+            </a:r>
+          </a:p>
+        </p:txBody>
+      </p:sp>
+      <p:sp>
+        <p:nvSpPr>
+          <p:cNvPr id="31" name="Button Shape">
+            <a:extLst>
+              <a:ext uri="{FF2B5EF4-FFF2-40B4-BE49-F238E27FC236}">
+                <a16:creationId xmlns:a16="http://schemas.microsoft.com/office/drawing/2014/main" id="{E5D81789-9609-4FFA-AB5F-E5F359B12134}"/>
+              </a:ext>
+            </a:extLst>
+          </p:cNvPr>
+          <p:cNvSpPr/>
+          <p:nvPr/>
+        </p:nvSpPr>
+        <p:spPr>
+          <a:xfrm>
+            <a:off x="271181" y="1386536"/>
+            <a:ext cx="1840664" cy="280928"/>
+          </a:xfrm>
+          <a:prstGeom prst="roundRect">
+            <a:avLst/>
+          </a:prstGeom>
+          <a:pattFill prst="ltUpDiag">
+            <a:fgClr>
+              <a:srgbClr val="437CC9"/>
+            </a:fgClr>
+            <a:bgClr>
+              <a:srgbClr val="6493D2"/>
+            </a:bgClr>
+          </a:pattFill>
+          <a:ln w="9525">
+            <a:solidFill>
+              <a:srgbClr val="FFFFFF"/>
+            </a:solidFill>
+          </a:ln>
+        </p:spPr>
+        <p:style>
+          <a:lnRef idx="2">
+            <a:schemeClr val="accent1">
+              <a:shade val="50000"/>
+            </a:schemeClr>
+          </a:lnRef>
+          <a:fillRef idx="1">
+            <a:schemeClr val="accent1"/>
+          </a:fillRef>
+          <a:effectRef idx="0">
+            <a:schemeClr val="accent1"/>
+          </a:effectRef>
+          <a:fontRef idx="minor">
+            <a:schemeClr val="lt1"/>
+          </a:fontRef>
+        </p:style>
+        <p:txBody>
+          <a:bodyPr rot="0" spcFirstLastPara="0" vertOverflow="overflow" horzOverflow="overflow" vert="horz" wrap="square" lIns="155448" tIns="45720" rIns="228600" bIns="45720" numCol="1" spcCol="0" rtlCol="0" fromWordArt="0" anchor="ctr" anchorCtr="0" forceAA="0" compatLnSpc="1">
+            <a:prstTxWarp prst="textNoShape">
+              <a:avLst/>
+            </a:prstTxWarp>
+            <a:spAutoFit/>
+          </a:bodyPr>
+          <a:lstStyle/>
+          <a:p>
+            <a:r>
+              <a:rPr lang="en-US" sz="1050" dirty="0" err="1">
+                <a:solidFill>
+                  <a:srgbClr val="FFFFFF"/>
+                </a:solidFill>
+                <a:latin typeface="Arial" panose="020B0604020202020204" pitchFamily="34" charset="0"/>
+                <a:cs typeface="Arial" panose="020B0604020202020204" pitchFamily="34" charset="0"/>
+              </a:rPr>
+              <a:t>Neues</a:t>
+            </a:r>
+            <a:r>
+              <a:rPr lang="en-US" sz="1050" dirty="0">
+                <a:solidFill>
+                  <a:srgbClr val="FFFFFF"/>
+                </a:solidFill>
+                <a:latin typeface="Arial" panose="020B0604020202020204" pitchFamily="34" charset="0"/>
+                <a:cs typeface="Arial" panose="020B0604020202020204" pitchFamily="34" charset="0"/>
+              </a:rPr>
+              <a:t> </a:t>
+            </a:r>
+            <a:r>
+              <a:rPr lang="en-US" sz="1050" dirty="0" err="1">
+                <a:solidFill>
+                  <a:srgbClr val="FFFFFF"/>
+                </a:solidFill>
+                <a:latin typeface="Arial" panose="020B0604020202020204" pitchFamily="34" charset="0"/>
+                <a:cs typeface="Arial" panose="020B0604020202020204" pitchFamily="34" charset="0"/>
+              </a:rPr>
+              <a:t>Aufgabenboard</a:t>
+            </a:r>
+            <a:endParaRPr lang="en-US" sz="1050" dirty="0">
+              <a:solidFill>
+                <a:srgbClr val="FFFFFF"/>
+              </a:solidFill>
+              <a:latin typeface="Arial" panose="020B0604020202020204" pitchFamily="34" charset="0"/>
+              <a:cs typeface="Arial" panose="020B0604020202020204" pitchFamily="34" charset="0"/>
+            </a:endParaRPr>
+          </a:p>
+        </p:txBody>
+      </p:sp>
+      <p:sp>
+        <p:nvSpPr>
+          <p:cNvPr id="39" name="Link 2">
+            <a:extLst>
+              <a:ext uri="{FF2B5EF4-FFF2-40B4-BE49-F238E27FC236}">
+                <a16:creationId xmlns:a16="http://schemas.microsoft.com/office/drawing/2014/main" id="{2E9F588E-1476-40CC-9C53-5424422423D0}"/>
+              </a:ext>
+            </a:extLst>
+          </p:cNvPr>
+          <p:cNvSpPr/>
+          <p:nvPr/>
+        </p:nvSpPr>
+        <p:spPr>
+          <a:xfrm>
+            <a:off x="3837663" y="-7069"/>
+            <a:ext cx="764265" cy="383182"/>
+          </a:xfrm>
+          <a:prstGeom prst="rect">
+            <a:avLst/>
+          </a:prstGeom>
+          <a:noFill/>
+          <a:ln w="9525">
+            <a:noFill/>
+          </a:ln>
+        </p:spPr>
+        <p:style>
+          <a:lnRef idx="2">
+            <a:schemeClr val="accent1">
+              <a:shade val="50000"/>
+            </a:schemeClr>
+          </a:lnRef>
+          <a:fillRef idx="1">
+            <a:schemeClr val="accent1"/>
+          </a:fillRef>
+          <a:effectRef idx="0">
+            <a:schemeClr val="accent1"/>
+          </a:effectRef>
+          <a:fontRef idx="minor">
+            <a:schemeClr val="lt1"/>
+          </a:fontRef>
+        </p:style>
+        <p:txBody>
+          <a:bodyPr rot="0" spcFirstLastPara="0" vertOverflow="overflow" horzOverflow="overflow" vert="horz" wrap="square" lIns="128016" tIns="109728" rIns="128016" bIns="109728" numCol="1" spcCol="0" rtlCol="0" fromWordArt="0" anchor="ctr" anchorCtr="0" forceAA="0" compatLnSpc="1">
+            <a:prstTxWarp prst="textNoShape">
+              <a:avLst/>
+            </a:prstTxWarp>
+            <a:spAutoFit/>
+          </a:bodyPr>
+          <a:lstStyle/>
+          <a:p>
+            <a:r>
+              <a:rPr lang="en-US" sz="1050" dirty="0" err="1">
+                <a:solidFill>
+                  <a:srgbClr val="FFFFFF"/>
+                </a:solidFill>
+                <a:latin typeface="Arial" panose="020B0604020202020204" pitchFamily="34" charset="0"/>
+                <a:cs typeface="Arial" panose="020B0604020202020204" pitchFamily="34" charset="0"/>
+              </a:rPr>
+              <a:t>Aika</a:t>
+            </a:r>
+            <a:endParaRPr lang="en-US" sz="1050" dirty="0">
+              <a:solidFill>
+                <a:srgbClr val="FFFFFF"/>
+              </a:solidFill>
+              <a:latin typeface="Arial" panose="020B0604020202020204" pitchFamily="34" charset="0"/>
+              <a:cs typeface="Arial" panose="020B0604020202020204" pitchFamily="34" charset="0"/>
+            </a:endParaRPr>
+          </a:p>
+        </p:txBody>
+      </p:sp>
+      <p:sp>
+        <p:nvSpPr>
+          <p:cNvPr id="52" name="Link 1">
+            <a:extLst>
+              <a:ext uri="{FF2B5EF4-FFF2-40B4-BE49-F238E27FC236}">
+                <a16:creationId xmlns:a16="http://schemas.microsoft.com/office/drawing/2014/main" id="{5AAACD74-5A8A-4F38-BF38-AA757C104133}"/>
+              </a:ext>
+            </a:extLst>
+          </p:cNvPr>
+          <p:cNvSpPr/>
+          <p:nvPr/>
+        </p:nvSpPr>
+        <p:spPr>
+          <a:xfrm>
+            <a:off x="1833436" y="-3924"/>
+            <a:ext cx="837217" cy="383182"/>
+          </a:xfrm>
+          <a:prstGeom prst="rect">
+            <a:avLst/>
+          </a:prstGeom>
+          <a:solidFill>
+            <a:srgbClr val="3368AF"/>
+          </a:solidFill>
+          <a:ln w="9525">
+            <a:solidFill>
+              <a:srgbClr val="FFFFFF"/>
+            </a:solidFill>
+          </a:ln>
+        </p:spPr>
+        <p:style>
+          <a:lnRef idx="2">
+            <a:schemeClr val="accent1">
+              <a:shade val="50000"/>
+            </a:schemeClr>
+          </a:lnRef>
+          <a:fillRef idx="1">
+            <a:schemeClr val="accent1"/>
+          </a:fillRef>
+          <a:effectRef idx="0">
+            <a:schemeClr val="accent1"/>
+          </a:effectRef>
+          <a:fontRef idx="minor">
+            <a:schemeClr val="lt1"/>
+          </a:fontRef>
+        </p:style>
+        <p:txBody>
+          <a:bodyPr rot="0" spcFirstLastPara="0" vertOverflow="overflow" horzOverflow="overflow" vert="horz" wrap="none" lIns="128016" tIns="109728" rIns="128016" bIns="109728" numCol="1" spcCol="0" rtlCol="0" fromWordArt="0" anchor="ctr" anchorCtr="0" forceAA="0" compatLnSpc="1">
+            <a:prstTxWarp prst="textNoShape">
+              <a:avLst/>
+            </a:prstTxWarp>
+            <a:spAutoFit/>
+          </a:bodyPr>
+          <a:lstStyle/>
+          <a:p>
+            <a:r>
+              <a:rPr lang="en-US" sz="1050" dirty="0" err="1">
+                <a:solidFill>
+                  <a:srgbClr val="FFFFFF"/>
+                </a:solidFill>
+                <a:latin typeface="Arial" panose="020B0604020202020204" pitchFamily="34" charset="0"/>
+                <a:cs typeface="Arial" panose="020B0604020202020204" pitchFamily="34" charset="0"/>
+              </a:rPr>
+              <a:t>Aufgaben</a:t>
+            </a:r>
+            <a:endParaRPr lang="en-US" sz="1050" dirty="0">
+              <a:solidFill>
+                <a:srgbClr val="FFFFFF"/>
+              </a:solidFill>
+              <a:latin typeface="Arial" panose="020B0604020202020204" pitchFamily="34" charset="0"/>
+              <a:cs typeface="Arial" panose="020B0604020202020204" pitchFamily="34" charset="0"/>
+            </a:endParaRPr>
+          </a:p>
+        </p:txBody>
+      </p:sp>
+      <p:sp>
+        <p:nvSpPr>
+          <p:cNvPr id="17" name="TextBox 16">
+            <a:extLst>
+              <a:ext uri="{FF2B5EF4-FFF2-40B4-BE49-F238E27FC236}">
+                <a16:creationId xmlns:a16="http://schemas.microsoft.com/office/drawing/2014/main" id="{29D0DFD8-79D4-41B6-B6D9-7333D703F7B9}"/>
+              </a:ext>
+            </a:extLst>
+          </p:cNvPr>
+          <p:cNvSpPr txBox="1"/>
+          <p:nvPr/>
+        </p:nvSpPr>
+        <p:spPr>
+          <a:xfrm>
+            <a:off x="2618728" y="1055254"/>
+            <a:ext cx="729950" cy="369332"/>
+          </a:xfrm>
+          <a:prstGeom prst="rect">
+            <a:avLst/>
+          </a:prstGeom>
+          <a:noFill/>
+        </p:spPr>
+        <p:txBody>
+          <a:bodyPr wrap="square" rtlCol="0">
+            <a:spAutoFit/>
+          </a:bodyPr>
+          <a:lstStyle/>
+          <a:p>
+            <a:r>
+              <a:rPr lang="de-AT" dirty="0">
+                <a:solidFill>
+                  <a:schemeClr val="bg1"/>
+                </a:solidFill>
+              </a:rPr>
+              <a:t>Todo</a:t>
+            </a:r>
+          </a:p>
+        </p:txBody>
+      </p:sp>
+      <p:sp>
+        <p:nvSpPr>
+          <p:cNvPr id="62" name="TextBox 61">
+            <a:extLst>
+              <a:ext uri="{FF2B5EF4-FFF2-40B4-BE49-F238E27FC236}">
+                <a16:creationId xmlns:a16="http://schemas.microsoft.com/office/drawing/2014/main" id="{47E3DBDC-5333-4873-B1B2-B9C864766EFA}"/>
+              </a:ext>
+            </a:extLst>
+          </p:cNvPr>
+          <p:cNvSpPr txBox="1"/>
+          <p:nvPr/>
+        </p:nvSpPr>
+        <p:spPr>
+          <a:xfrm>
+            <a:off x="4241876" y="1054825"/>
+            <a:ext cx="1248917" cy="369332"/>
+          </a:xfrm>
+          <a:prstGeom prst="rect">
+            <a:avLst/>
+          </a:prstGeom>
+          <a:noFill/>
+        </p:spPr>
+        <p:txBody>
+          <a:bodyPr wrap="square" rtlCol="0">
+            <a:spAutoFit/>
+          </a:bodyPr>
+          <a:lstStyle/>
+          <a:p>
+            <a:r>
+              <a:rPr lang="de-AT" dirty="0">
+                <a:solidFill>
+                  <a:schemeClr val="bg1"/>
+                </a:solidFill>
+              </a:rPr>
+              <a:t>Aktiv</a:t>
+            </a:r>
+          </a:p>
+        </p:txBody>
+      </p:sp>
+      <p:sp>
+        <p:nvSpPr>
+          <p:cNvPr id="64" name="TextBox 63">
+            <a:extLst>
+              <a:ext uri="{FF2B5EF4-FFF2-40B4-BE49-F238E27FC236}">
+                <a16:creationId xmlns:a16="http://schemas.microsoft.com/office/drawing/2014/main" id="{61969F48-8F80-4539-B791-3A13C6A2FC9B}"/>
+              </a:ext>
+            </a:extLst>
+          </p:cNvPr>
+          <p:cNvSpPr txBox="1"/>
+          <p:nvPr/>
+        </p:nvSpPr>
+        <p:spPr>
+          <a:xfrm>
+            <a:off x="5872506" y="1058742"/>
+            <a:ext cx="1724256" cy="369332"/>
+          </a:xfrm>
+          <a:prstGeom prst="rect">
+            <a:avLst/>
+          </a:prstGeom>
+          <a:noFill/>
+        </p:spPr>
+        <p:txBody>
+          <a:bodyPr wrap="square" rtlCol="0">
+            <a:spAutoFit/>
+          </a:bodyPr>
+          <a:lstStyle/>
+          <a:p>
+            <a:r>
+              <a:rPr lang="de-AT" dirty="0">
+                <a:solidFill>
+                  <a:schemeClr val="bg1"/>
+                </a:solidFill>
+              </a:rPr>
+              <a:t>Abgeschlossen</a:t>
+            </a:r>
+          </a:p>
+        </p:txBody>
+      </p:sp>
+      <p:sp>
+        <p:nvSpPr>
+          <p:cNvPr id="78" name="h2">
+            <a:extLst>
+              <a:ext uri="{FF2B5EF4-FFF2-40B4-BE49-F238E27FC236}">
+                <a16:creationId xmlns:a16="http://schemas.microsoft.com/office/drawing/2014/main" id="{3D968AE7-81CA-4A99-8ABA-D00272BB1DE8}"/>
+              </a:ext>
+            </a:extLst>
+          </p:cNvPr>
+          <p:cNvSpPr txBox="1"/>
+          <p:nvPr/>
+        </p:nvSpPr>
+        <p:spPr>
+          <a:xfrm>
+            <a:off x="435756" y="986943"/>
+            <a:ext cx="1420004" cy="369332"/>
+          </a:xfrm>
+          <a:prstGeom prst="rect">
+            <a:avLst/>
+          </a:prstGeom>
+          <a:noFill/>
+          <a:ln w="9525">
+            <a:noFill/>
+          </a:ln>
+        </p:spPr>
+        <p:txBody>
+          <a:bodyPr wrap="none" rtlCol="0">
+            <a:spAutoFit/>
+          </a:bodyPr>
+          <a:lstStyle/>
+          <a:p>
+            <a:r>
+              <a:rPr lang="en-US" b="1" dirty="0">
+                <a:solidFill>
+                  <a:schemeClr val="tx1">
+                    <a:lumMod val="50000"/>
+                    <a:lumOff val="50000"/>
+                  </a:schemeClr>
+                </a:solidFill>
+                <a:latin typeface="Arial" panose="020B0604020202020204" pitchFamily="34" charset="0"/>
+                <a:cs typeface="Arial" panose="020B0604020202020204" pitchFamily="34" charset="0"/>
+              </a:rPr>
+              <a:t>Task </a:t>
+            </a:r>
+            <a:r>
+              <a:rPr lang="en-US" b="1" dirty="0" err="1">
+                <a:solidFill>
+                  <a:schemeClr val="tx1">
+                    <a:lumMod val="50000"/>
+                    <a:lumOff val="50000"/>
+                  </a:schemeClr>
+                </a:solidFill>
+                <a:latin typeface="Arial" panose="020B0604020202020204" pitchFamily="34" charset="0"/>
+                <a:cs typeface="Arial" panose="020B0604020202020204" pitchFamily="34" charset="0"/>
+              </a:rPr>
+              <a:t>Typen</a:t>
+            </a:r>
+            <a:endParaRPr lang="en-US" b="1" dirty="0">
+              <a:solidFill>
+                <a:schemeClr val="tx1">
+                  <a:lumMod val="50000"/>
+                  <a:lumOff val="50000"/>
+                </a:schemeClr>
+              </a:solidFill>
+              <a:latin typeface="Arial" panose="020B0604020202020204" pitchFamily="34" charset="0"/>
+              <a:cs typeface="Arial" panose="020B0604020202020204" pitchFamily="34" charset="0"/>
+            </a:endParaRPr>
+          </a:p>
+        </p:txBody>
+      </p:sp>
+      <p:sp>
+        <p:nvSpPr>
+          <p:cNvPr id="95" name="Caret Down Icon">
+            <a:extLst>
+              <a:ext uri="{FF2B5EF4-FFF2-40B4-BE49-F238E27FC236}">
+                <a16:creationId xmlns:a16="http://schemas.microsoft.com/office/drawing/2014/main" id="{B9921FCE-C573-4370-94C2-8C3F7377EA25}"/>
+              </a:ext>
+            </a:extLst>
+          </p:cNvPr>
+          <p:cNvSpPr>
+            <a:spLocks noChangeAspect="1"/>
+          </p:cNvSpPr>
+          <p:nvPr/>
+        </p:nvSpPr>
+        <p:spPr bwMode="auto">
+          <a:xfrm>
+            <a:off x="295025" y="1120809"/>
+            <a:ext cx="179388" cy="101600"/>
+          </a:xfrm>
+          <a:custGeom>
+            <a:avLst/>
+            <a:gdLst>
+              <a:gd name="T0" fmla="*/ 824 w 824"/>
+              <a:gd name="T1" fmla="*/ 52 h 464"/>
+              <a:gd name="T2" fmla="*/ 809 w 824"/>
+              <a:gd name="T3" fmla="*/ 88 h 464"/>
+              <a:gd name="T4" fmla="*/ 448 w 824"/>
+              <a:gd name="T5" fmla="*/ 449 h 464"/>
+              <a:gd name="T6" fmla="*/ 412 w 824"/>
+              <a:gd name="T7" fmla="*/ 464 h 464"/>
+              <a:gd name="T8" fmla="*/ 376 w 824"/>
+              <a:gd name="T9" fmla="*/ 449 h 464"/>
+              <a:gd name="T10" fmla="*/ 15 w 824"/>
+              <a:gd name="T11" fmla="*/ 88 h 464"/>
+              <a:gd name="T12" fmla="*/ 0 w 824"/>
+              <a:gd name="T13" fmla="*/ 52 h 464"/>
+              <a:gd name="T14" fmla="*/ 15 w 824"/>
+              <a:gd name="T15" fmla="*/ 15 h 464"/>
+              <a:gd name="T16" fmla="*/ 51 w 824"/>
+              <a:gd name="T17" fmla="*/ 0 h 464"/>
+              <a:gd name="T18" fmla="*/ 772 w 824"/>
+              <a:gd name="T19" fmla="*/ 0 h 464"/>
+              <a:gd name="T20" fmla="*/ 809 w 824"/>
+              <a:gd name="T21" fmla="*/ 15 h 464"/>
+              <a:gd name="T22" fmla="*/ 824 w 824"/>
+              <a:gd name="T23" fmla="*/ 52 h 464"/>
+            </a:gdLst>
+            <a:ahLst/>
+            <a:cxnLst>
+              <a:cxn ang="0">
+                <a:pos x="T0" y="T1"/>
+              </a:cxn>
+              <a:cxn ang="0">
+                <a:pos x="T2" y="T3"/>
+              </a:cxn>
+              <a:cxn ang="0">
+                <a:pos x="T4" y="T5"/>
+              </a:cxn>
+              <a:cxn ang="0">
+                <a:pos x="T6" y="T7"/>
+              </a:cxn>
+              <a:cxn ang="0">
+                <a:pos x="T8" y="T9"/>
+              </a:cxn>
+              <a:cxn ang="0">
+                <a:pos x="T10" y="T11"/>
+              </a:cxn>
+              <a:cxn ang="0">
+                <a:pos x="T12" y="T13"/>
+              </a:cxn>
+              <a:cxn ang="0">
+                <a:pos x="T14" y="T15"/>
+              </a:cxn>
+              <a:cxn ang="0">
+                <a:pos x="T16" y="T17"/>
+              </a:cxn>
+              <a:cxn ang="0">
+                <a:pos x="T18" y="T19"/>
+              </a:cxn>
+              <a:cxn ang="0">
+                <a:pos x="T20" y="T21"/>
+              </a:cxn>
+              <a:cxn ang="0">
+                <a:pos x="T22" y="T23"/>
+              </a:cxn>
+            </a:cxnLst>
+            <a:rect l="0" t="0" r="r" b="b"/>
+            <a:pathLst>
+              <a:path w="824" h="464">
+                <a:moveTo>
+                  <a:pt x="824" y="52"/>
+                </a:moveTo>
+                <a:cubicBezTo>
+                  <a:pt x="824" y="66"/>
+                  <a:pt x="819" y="78"/>
+                  <a:pt x="809" y="88"/>
+                </a:cubicBezTo>
+                <a:lnTo>
+                  <a:pt x="448" y="449"/>
+                </a:lnTo>
+                <a:cubicBezTo>
+                  <a:pt x="438" y="459"/>
+                  <a:pt x="426" y="464"/>
+                  <a:pt x="412" y="464"/>
+                </a:cubicBezTo>
+                <a:cubicBezTo>
+                  <a:pt x="398" y="464"/>
+                  <a:pt x="386" y="459"/>
+                  <a:pt x="376" y="449"/>
+                </a:cubicBezTo>
+                <a:lnTo>
+                  <a:pt x="15" y="88"/>
+                </a:lnTo>
+                <a:cubicBezTo>
+                  <a:pt x="5" y="78"/>
+                  <a:pt x="0" y="66"/>
+                  <a:pt x="0" y="52"/>
+                </a:cubicBezTo>
+                <a:cubicBezTo>
+                  <a:pt x="0" y="38"/>
+                  <a:pt x="5" y="26"/>
+                  <a:pt x="15" y="15"/>
+                </a:cubicBezTo>
+                <a:cubicBezTo>
+                  <a:pt x="25" y="5"/>
+                  <a:pt x="37" y="0"/>
+                  <a:pt x="51" y="0"/>
+                </a:cubicBezTo>
+                <a:lnTo>
+                  <a:pt x="772" y="0"/>
+                </a:lnTo>
+                <a:cubicBezTo>
+                  <a:pt x="786" y="0"/>
+                  <a:pt x="799" y="5"/>
+                  <a:pt x="809" y="15"/>
+                </a:cubicBezTo>
+                <a:cubicBezTo>
+                  <a:pt x="819" y="26"/>
+                  <a:pt x="824" y="38"/>
+                  <a:pt x="824" y="52"/>
+                </a:cubicBezTo>
+                <a:close/>
+              </a:path>
+            </a:pathLst>
+          </a:custGeom>
+          <a:solidFill>
+            <a:schemeClr val="tx1">
+              <a:lumMod val="50000"/>
+              <a:lumOff val="50000"/>
+            </a:schemeClr>
+          </a:solidFill>
+          <a:ln w="0">
+            <a:noFill/>
+            <a:prstDash val="solid"/>
+            <a:round/>
+            <a:headEnd/>
+            <a:tailEnd/>
+          </a:ln>
+        </p:spPr>
+        <p:txBody>
+          <a:bodyPr vert="horz" wrap="square" lIns="91440" tIns="45720" rIns="91440" bIns="45720" numCol="1" anchor="t" anchorCtr="0" compatLnSpc="1">
+            <a:prstTxWarp prst="textNoShape">
+              <a:avLst/>
+            </a:prstTxWarp>
+          </a:bodyPr>
+          <a:lstStyle/>
+          <a:p>
+            <a:endParaRPr lang="en-US" sz="1050">
+              <a:solidFill>
+                <a:schemeClr val="tx1">
+                  <a:lumMod val="65000"/>
+                  <a:lumOff val="35000"/>
+                </a:schemeClr>
+              </a:solidFill>
+              <a:latin typeface="Arial" panose="020B0604020202020204" pitchFamily="34" charset="0"/>
+              <a:cs typeface="Arial" panose="020B0604020202020204" pitchFamily="34" charset="0"/>
+            </a:endParaRPr>
+          </a:p>
+        </p:txBody>
+      </p:sp>
+      <p:graphicFrame>
+        <p:nvGraphicFramePr>
+          <p:cNvPr id="2" name="Table 1">
+            <a:extLst>
+              <a:ext uri="{FF2B5EF4-FFF2-40B4-BE49-F238E27FC236}">
+                <a16:creationId xmlns:a16="http://schemas.microsoft.com/office/drawing/2014/main" id="{31B000B8-EE7C-46BB-B0ED-450DA0FCBB98}"/>
+              </a:ext>
+            </a:extLst>
+          </p:cNvPr>
+          <p:cNvGraphicFramePr>
+            <a:graphicFrameLocks noGrp="1"/>
+          </p:cNvGraphicFramePr>
+          <p:nvPr>
+            <p:extLst>
+              <p:ext uri="{D42A27DB-BD31-4B8C-83A1-F6EECF244321}">
+                <p14:modId xmlns:p14="http://schemas.microsoft.com/office/powerpoint/2010/main" val="4023826890"/>
+              </p:ext>
+            </p:extLst>
+          </p:nvPr>
+        </p:nvGraphicFramePr>
+        <p:xfrm>
+          <a:off x="236819" y="1780752"/>
+          <a:ext cx="7356018" cy="1112520"/>
+        </p:xfrm>
+        <a:graphic>
+          <a:graphicData uri="http://schemas.openxmlformats.org/drawingml/2006/table">
+            <a:tbl>
+              <a:tblPr>
+                <a:tableStyleId>{F5AB1C69-6EDB-4FF4-983F-18BD219EF322}</a:tableStyleId>
+              </a:tblPr>
+              <a:tblGrid>
+                <a:gridCol w="4215933">
+                  <a:extLst>
+                    <a:ext uri="{9D8B030D-6E8A-4147-A177-3AD203B41FA5}">
+                      <a16:colId xmlns:a16="http://schemas.microsoft.com/office/drawing/2014/main" val="3063783136"/>
+                    </a:ext>
+                  </a:extLst>
+                </a:gridCol>
+                <a:gridCol w="1361618">
+                  <a:extLst>
+                    <a:ext uri="{9D8B030D-6E8A-4147-A177-3AD203B41FA5}">
+                      <a16:colId xmlns:a16="http://schemas.microsoft.com/office/drawing/2014/main" val="3395146239"/>
+                    </a:ext>
+                  </a:extLst>
+                </a:gridCol>
+                <a:gridCol w="1778467">
+                  <a:extLst>
+                    <a:ext uri="{9D8B030D-6E8A-4147-A177-3AD203B41FA5}">
+                      <a16:colId xmlns:a16="http://schemas.microsoft.com/office/drawing/2014/main" val="3561059649"/>
+                    </a:ext>
+                  </a:extLst>
+                </a:gridCol>
+              </a:tblGrid>
+              <a:tr h="370840">
+                <a:tc>
+                  <a:txBody>
+                    <a:bodyPr/>
+                    <a:lstStyle/>
+                    <a:p>
+                      <a:r>
+                        <a:rPr lang="de-AT" sz="1400" b="0" kern="1200" dirty="0">
+                          <a:solidFill>
+                            <a:schemeClr val="tx1">
+                              <a:lumMod val="50000"/>
+                              <a:lumOff val="50000"/>
+                            </a:schemeClr>
+                          </a:solidFill>
+                          <a:latin typeface="Arial" panose="020B0604020202020204" pitchFamily="34" charset="0"/>
+                          <a:ea typeface="+mn-ea"/>
+                          <a:cs typeface="Arial" panose="020B0604020202020204" pitchFamily="34" charset="0"/>
+                        </a:rPr>
+                        <a:t>Name</a:t>
+                      </a:r>
+                    </a:p>
+                  </a:txBody>
+                  <a:tcPr>
+                    <a:lnB w="12700" cap="flat" cmpd="sng" algn="ctr">
+                      <a:solidFill>
+                        <a:schemeClr val="tx1"/>
+                      </a:solidFill>
+                      <a:prstDash val="solid"/>
+                      <a:round/>
+                      <a:headEnd type="none" w="med" len="med"/>
+                      <a:tailEnd type="none" w="med" len="med"/>
+                    </a:lnB>
+                    <a:solidFill>
+                      <a:schemeClr val="bg1"/>
+                    </a:solidFill>
+                  </a:tcPr>
+                </a:tc>
+                <a:tc>
+                  <a:txBody>
+                    <a:bodyPr/>
+                    <a:lstStyle/>
+                    <a:p>
+                      <a:r>
+                        <a:rPr lang="de-AT" sz="1400" b="0" kern="1200" dirty="0">
+                          <a:solidFill>
+                            <a:schemeClr val="tx1">
+                              <a:lumMod val="50000"/>
+                              <a:lumOff val="50000"/>
+                            </a:schemeClr>
+                          </a:solidFill>
+                          <a:latin typeface="Arial" panose="020B0604020202020204" pitchFamily="34" charset="0"/>
+                          <a:ea typeface="+mn-ea"/>
+                          <a:cs typeface="Arial" panose="020B0604020202020204" pitchFamily="34" charset="0"/>
+                        </a:rPr>
+                        <a:t>Farbe</a:t>
+                      </a:r>
+                    </a:p>
+                  </a:txBody>
+                  <a:tcPr>
+                    <a:lnB w="12700" cap="flat" cmpd="sng" algn="ctr">
+                      <a:solidFill>
+                        <a:schemeClr val="tx1"/>
+                      </a:solidFill>
+                      <a:prstDash val="solid"/>
+                      <a:round/>
+                      <a:headEnd type="none" w="med" len="med"/>
+                      <a:tailEnd type="none" w="med" len="med"/>
+                    </a:lnB>
+                    <a:solidFill>
+                      <a:schemeClr val="bg1"/>
+                    </a:solidFill>
+                  </a:tcPr>
+                </a:tc>
+                <a:tc>
+                  <a:txBody>
+                    <a:bodyPr/>
+                    <a:lstStyle/>
+                    <a:p>
+                      <a:r>
+                        <a:rPr lang="de-AT" sz="1400" b="0" kern="1200" dirty="0">
+                          <a:solidFill>
+                            <a:schemeClr val="tx1">
+                              <a:lumMod val="50000"/>
+                              <a:lumOff val="50000"/>
+                            </a:schemeClr>
+                          </a:solidFill>
+                          <a:latin typeface="Arial" panose="020B0604020202020204" pitchFamily="34" charset="0"/>
+                          <a:ea typeface="+mn-ea"/>
+                          <a:cs typeface="Arial" panose="020B0604020202020204" pitchFamily="34" charset="0"/>
+                        </a:rPr>
+                        <a:t>Aktionen</a:t>
+                      </a:r>
+                    </a:p>
+                  </a:txBody>
+                  <a:tcPr>
+                    <a:lnB w="12700" cap="flat" cmpd="sng" algn="ctr">
+                      <a:solidFill>
+                        <a:schemeClr val="tx1"/>
+                      </a:solidFill>
+                      <a:prstDash val="solid"/>
+                      <a:round/>
+                      <a:headEnd type="none" w="med" len="med"/>
+                      <a:tailEnd type="none" w="med" len="med"/>
+                    </a:lnB>
+                    <a:solidFill>
+                      <a:schemeClr val="bg1"/>
+                    </a:solidFill>
+                  </a:tcPr>
+                </a:tc>
+                <a:extLst>
+                  <a:ext uri="{0D108BD9-81ED-4DB2-BD59-A6C34878D82A}">
+                    <a16:rowId xmlns:a16="http://schemas.microsoft.com/office/drawing/2014/main" val="751181273"/>
+                  </a:ext>
+                </a:extLst>
+              </a:tr>
+              <a:tr h="370840">
+                <a:tc>
+                  <a:txBody>
+                    <a:bodyPr/>
+                    <a:lstStyle/>
+                    <a:p>
+                      <a:r>
+                        <a:rPr lang="de-AT" sz="1400" b="0" kern="1200" dirty="0">
+                          <a:solidFill>
+                            <a:schemeClr val="tx1">
+                              <a:lumMod val="50000"/>
+                              <a:lumOff val="50000"/>
+                            </a:schemeClr>
+                          </a:solidFill>
+                          <a:latin typeface="Arial" panose="020B0604020202020204" pitchFamily="34" charset="0"/>
+                          <a:ea typeface="+mn-ea"/>
+                          <a:cs typeface="Arial" panose="020B0604020202020204" pitchFamily="34" charset="0"/>
+                        </a:rPr>
+                        <a:t>Bug</a:t>
+                      </a:r>
+                    </a:p>
+                  </a:txBody>
+                  <a:tcPr>
+                    <a:lnT w="12700" cap="flat" cmpd="sng" algn="ctr">
+                      <a:solidFill>
+                        <a:schemeClr val="tx1"/>
+                      </a:solidFill>
+                      <a:prstDash val="solid"/>
+                      <a:round/>
+                      <a:headEnd type="none" w="med" len="med"/>
+                      <a:tailEnd type="none" w="med" len="med"/>
+                    </a:lnT>
+                    <a:lnB w="6350" cap="flat" cmpd="sng" algn="ctr">
+                      <a:solidFill>
+                        <a:schemeClr val="tx1"/>
+                      </a:solidFill>
+                      <a:prstDash val="solid"/>
+                      <a:round/>
+                      <a:headEnd type="none" w="med" len="med"/>
+                      <a:tailEnd type="none" w="med" len="med"/>
+                    </a:lnB>
+                    <a:solidFill>
+                      <a:schemeClr val="bg1"/>
+                    </a:solidFill>
+                  </a:tcPr>
+                </a:tc>
+                <a:tc>
+                  <a:txBody>
+                    <a:bodyPr/>
+                    <a:lstStyle/>
+                    <a:p>
+                      <a:r>
+                        <a:rPr lang="de-AT" sz="1400" b="0" kern="1200" dirty="0">
+                          <a:solidFill>
+                            <a:schemeClr val="tx1">
+                              <a:lumMod val="50000"/>
+                              <a:lumOff val="50000"/>
+                            </a:schemeClr>
+                          </a:solidFill>
+                          <a:latin typeface="Arial" panose="020B0604020202020204" pitchFamily="34" charset="0"/>
+                          <a:ea typeface="+mn-ea"/>
+                          <a:cs typeface="Arial" panose="020B0604020202020204" pitchFamily="34" charset="0"/>
+                        </a:rPr>
+                        <a:t>      #990000</a:t>
+                      </a:r>
+                    </a:p>
+                  </a:txBody>
+                  <a:tcPr>
+                    <a:lnT w="12700" cap="flat" cmpd="sng" algn="ctr">
+                      <a:solidFill>
+                        <a:schemeClr val="tx1"/>
+                      </a:solidFill>
+                      <a:prstDash val="solid"/>
+                      <a:round/>
+                      <a:headEnd type="none" w="med" len="med"/>
+                      <a:tailEnd type="none" w="med" len="med"/>
+                    </a:lnT>
+                    <a:lnB w="6350" cap="flat" cmpd="sng" algn="ctr">
+                      <a:solidFill>
+                        <a:schemeClr val="tx1"/>
+                      </a:solidFill>
+                      <a:prstDash val="solid"/>
+                      <a:round/>
+                      <a:headEnd type="none" w="med" len="med"/>
+                      <a:tailEnd type="none" w="med" len="med"/>
+                    </a:lnB>
+                    <a:solidFill>
+                      <a:schemeClr val="bg1"/>
+                    </a:solidFill>
+                  </a:tcPr>
+                </a:tc>
+                <a:tc>
+                  <a:txBody>
+                    <a:bodyPr/>
+                    <a:lstStyle/>
+                    <a:p>
+                      <a:endParaRPr lang="de-AT" sz="1400" b="0" kern="1200" dirty="0">
+                        <a:solidFill>
+                          <a:schemeClr val="tx1">
+                            <a:lumMod val="50000"/>
+                            <a:lumOff val="50000"/>
+                          </a:schemeClr>
+                        </a:solidFill>
+                        <a:latin typeface="Arial" panose="020B0604020202020204" pitchFamily="34" charset="0"/>
+                        <a:ea typeface="+mn-ea"/>
+                        <a:cs typeface="Arial" panose="020B0604020202020204" pitchFamily="34" charset="0"/>
+                      </a:endParaRPr>
+                    </a:p>
+                  </a:txBody>
+                  <a:tcPr>
+                    <a:lnT w="12700" cap="flat" cmpd="sng" algn="ctr">
+                      <a:solidFill>
+                        <a:schemeClr val="tx1"/>
+                      </a:solidFill>
+                      <a:prstDash val="solid"/>
+                      <a:round/>
+                      <a:headEnd type="none" w="med" len="med"/>
+                      <a:tailEnd type="none" w="med" len="med"/>
+                    </a:lnT>
+                    <a:lnB w="6350" cap="flat" cmpd="sng" algn="ctr">
+                      <a:solidFill>
+                        <a:schemeClr val="tx1"/>
+                      </a:solidFill>
+                      <a:prstDash val="solid"/>
+                      <a:round/>
+                      <a:headEnd type="none" w="med" len="med"/>
+                      <a:tailEnd type="none" w="med" len="med"/>
+                    </a:lnB>
+                    <a:solidFill>
+                      <a:schemeClr val="bg1"/>
+                    </a:solidFill>
+                  </a:tcPr>
+                </a:tc>
+                <a:extLst>
+                  <a:ext uri="{0D108BD9-81ED-4DB2-BD59-A6C34878D82A}">
+                    <a16:rowId xmlns:a16="http://schemas.microsoft.com/office/drawing/2014/main" val="1649053998"/>
+                  </a:ext>
+                </a:extLst>
+              </a:tr>
+              <a:tr h="370840">
+                <a:tc>
+                  <a:txBody>
+                    <a:bodyPr/>
+                    <a:lstStyle/>
+                    <a:p>
+                      <a:r>
+                        <a:rPr lang="de-AT" sz="1400" b="1" kern="1200" dirty="0">
+                          <a:solidFill>
+                            <a:schemeClr val="tx1">
+                              <a:lumMod val="50000"/>
+                              <a:lumOff val="50000"/>
+                            </a:schemeClr>
+                          </a:solidFill>
+                          <a:latin typeface="Arial" panose="020B0604020202020204" pitchFamily="34" charset="0"/>
+                          <a:ea typeface="+mn-ea"/>
+                          <a:cs typeface="Arial" panose="020B0604020202020204" pitchFamily="34" charset="0"/>
+                        </a:rPr>
+                        <a:t>Tasks</a:t>
+                      </a:r>
+                    </a:p>
+                  </a:txBody>
+                  <a:tcPr>
+                    <a:lnT w="6350" cap="flat" cmpd="sng" algn="ctr">
+                      <a:solidFill>
+                        <a:schemeClr val="tx1"/>
+                      </a:solidFill>
+                      <a:prstDash val="solid"/>
+                      <a:round/>
+                      <a:headEnd type="none" w="med" len="med"/>
+                      <a:tailEnd type="none" w="med" len="med"/>
+                    </a:lnT>
+                    <a:lnB w="6350" cap="flat" cmpd="sng" algn="ctr">
+                      <a:solidFill>
+                        <a:schemeClr val="tx1"/>
+                      </a:solidFill>
+                      <a:prstDash val="solid"/>
+                      <a:round/>
+                      <a:headEnd type="none" w="med" len="med"/>
+                      <a:tailEnd type="none" w="med" len="med"/>
+                    </a:lnB>
+                    <a:solidFill>
+                      <a:schemeClr val="bg1"/>
+                    </a:solidFill>
+                  </a:tcPr>
+                </a:tc>
+                <a:tc>
+                  <a:txBody>
+                    <a:bodyPr/>
+                    <a:lstStyle/>
+                    <a:p>
+                      <a:r>
+                        <a:rPr lang="de-AT" sz="1400" b="0" kern="1200" dirty="0">
+                          <a:solidFill>
+                            <a:schemeClr val="tx1">
+                              <a:lumMod val="50000"/>
+                              <a:lumOff val="50000"/>
+                            </a:schemeClr>
+                          </a:solidFill>
+                          <a:latin typeface="Arial" panose="020B0604020202020204" pitchFamily="34" charset="0"/>
+                          <a:ea typeface="+mn-ea"/>
+                          <a:cs typeface="Arial" panose="020B0604020202020204" pitchFamily="34" charset="0"/>
+                        </a:rPr>
+                        <a:t>      #FFA100</a:t>
+                      </a:r>
+                    </a:p>
+                  </a:txBody>
+                  <a:tcPr>
+                    <a:lnT w="6350" cap="flat" cmpd="sng" algn="ctr">
+                      <a:solidFill>
+                        <a:schemeClr val="tx1"/>
+                      </a:solidFill>
+                      <a:prstDash val="solid"/>
+                      <a:round/>
+                      <a:headEnd type="none" w="med" len="med"/>
+                      <a:tailEnd type="none" w="med" len="med"/>
+                    </a:lnT>
+                    <a:lnB w="6350" cap="flat" cmpd="sng" algn="ctr">
+                      <a:solidFill>
+                        <a:schemeClr val="tx1"/>
+                      </a:solidFill>
+                      <a:prstDash val="solid"/>
+                      <a:round/>
+                      <a:headEnd type="none" w="med" len="med"/>
+                      <a:tailEnd type="none" w="med" len="med"/>
+                    </a:lnB>
+                    <a:solidFill>
+                      <a:schemeClr val="bg1"/>
+                    </a:solidFill>
+                  </a:tcPr>
+                </a:tc>
+                <a:tc>
+                  <a:txBody>
+                    <a:bodyPr/>
+                    <a:lstStyle/>
+                    <a:p>
+                      <a:endParaRPr lang="de-AT" sz="1400" b="0" kern="1200" dirty="0">
+                        <a:solidFill>
+                          <a:schemeClr val="tx1">
+                            <a:lumMod val="50000"/>
+                            <a:lumOff val="50000"/>
+                          </a:schemeClr>
+                        </a:solidFill>
+                        <a:latin typeface="Arial" panose="020B0604020202020204" pitchFamily="34" charset="0"/>
+                        <a:ea typeface="+mn-ea"/>
+                        <a:cs typeface="Arial" panose="020B0604020202020204" pitchFamily="34" charset="0"/>
+                      </a:endParaRPr>
+                    </a:p>
+                  </a:txBody>
+                  <a:tcPr>
+                    <a:lnT w="6350" cap="flat" cmpd="sng" algn="ctr">
+                      <a:solidFill>
+                        <a:schemeClr val="tx1"/>
+                      </a:solidFill>
+                      <a:prstDash val="solid"/>
+                      <a:round/>
+                      <a:headEnd type="none" w="med" len="med"/>
+                      <a:tailEnd type="none" w="med" len="med"/>
+                    </a:lnT>
+                    <a:lnB w="6350" cap="flat" cmpd="sng" algn="ctr">
+                      <a:solidFill>
+                        <a:schemeClr val="tx1"/>
+                      </a:solidFill>
+                      <a:prstDash val="solid"/>
+                      <a:round/>
+                      <a:headEnd type="none" w="med" len="med"/>
+                      <a:tailEnd type="none" w="med" len="med"/>
+                    </a:lnB>
+                    <a:solidFill>
+                      <a:schemeClr val="bg1"/>
+                    </a:solidFill>
+                  </a:tcPr>
+                </a:tc>
+                <a:extLst>
+                  <a:ext uri="{0D108BD9-81ED-4DB2-BD59-A6C34878D82A}">
+                    <a16:rowId xmlns:a16="http://schemas.microsoft.com/office/drawing/2014/main" val="3798818171"/>
+                  </a:ext>
+                </a:extLst>
+              </a:tr>
+            </a:tbl>
+          </a:graphicData>
+        </a:graphic>
+      </p:graphicFrame>
+      <p:sp>
+        <p:nvSpPr>
+          <p:cNvPr id="96" name="Edit Icon">
+            <a:extLst>
+              <a:ext uri="{FF2B5EF4-FFF2-40B4-BE49-F238E27FC236}">
+                <a16:creationId xmlns:a16="http://schemas.microsoft.com/office/drawing/2014/main" id="{1B5CC9DC-D95F-4F04-9A81-172D39845A6A}"/>
+              </a:ext>
+            </a:extLst>
+          </p:cNvPr>
+          <p:cNvSpPr>
+            <a:spLocks noChangeAspect="1" noEditPoints="1"/>
+          </p:cNvSpPr>
+          <p:nvPr/>
+        </p:nvSpPr>
+        <p:spPr bwMode="auto">
+          <a:xfrm>
+            <a:off x="6219625" y="2230625"/>
+            <a:ext cx="309563" cy="244475"/>
+          </a:xfrm>
+          <a:custGeom>
+            <a:avLst/>
+            <a:gdLst>
+              <a:gd name="T0" fmla="*/ 715 w 1437"/>
+              <a:gd name="T1" fmla="*/ 850 h 1133"/>
+              <a:gd name="T2" fmla="*/ 809 w 1437"/>
+              <a:gd name="T3" fmla="*/ 757 h 1133"/>
+              <a:gd name="T4" fmla="*/ 686 w 1437"/>
+              <a:gd name="T5" fmla="*/ 634 h 1133"/>
+              <a:gd name="T6" fmla="*/ 593 w 1437"/>
+              <a:gd name="T7" fmla="*/ 728 h 1133"/>
+              <a:gd name="T8" fmla="*/ 593 w 1437"/>
+              <a:gd name="T9" fmla="*/ 773 h 1133"/>
+              <a:gd name="T10" fmla="*/ 670 w 1437"/>
+              <a:gd name="T11" fmla="*/ 773 h 1133"/>
+              <a:gd name="T12" fmla="*/ 670 w 1437"/>
+              <a:gd name="T13" fmla="*/ 850 h 1133"/>
+              <a:gd name="T14" fmla="*/ 715 w 1437"/>
+              <a:gd name="T15" fmla="*/ 850 h 1133"/>
+              <a:gd name="T16" fmla="*/ 1069 w 1437"/>
+              <a:gd name="T17" fmla="*/ 270 h 1133"/>
+              <a:gd name="T18" fmla="*/ 1043 w 1437"/>
+              <a:gd name="T19" fmla="*/ 271 h 1133"/>
+              <a:gd name="T20" fmla="*/ 761 w 1437"/>
+              <a:gd name="T21" fmla="*/ 553 h 1133"/>
+              <a:gd name="T22" fmla="*/ 760 w 1437"/>
+              <a:gd name="T23" fmla="*/ 580 h 1133"/>
+              <a:gd name="T24" fmla="*/ 787 w 1437"/>
+              <a:gd name="T25" fmla="*/ 579 h 1133"/>
+              <a:gd name="T26" fmla="*/ 1069 w 1437"/>
+              <a:gd name="T27" fmla="*/ 297 h 1133"/>
+              <a:gd name="T28" fmla="*/ 1069 w 1437"/>
+              <a:gd name="T29" fmla="*/ 270 h 1133"/>
+              <a:gd name="T30" fmla="*/ 1134 w 1437"/>
+              <a:gd name="T31" fmla="*/ 749 h 1133"/>
+              <a:gd name="T32" fmla="*/ 1134 w 1437"/>
+              <a:gd name="T33" fmla="*/ 902 h 1133"/>
+              <a:gd name="T34" fmla="*/ 1066 w 1437"/>
+              <a:gd name="T35" fmla="*/ 1065 h 1133"/>
+              <a:gd name="T36" fmla="*/ 902 w 1437"/>
+              <a:gd name="T37" fmla="*/ 1133 h 1133"/>
+              <a:gd name="T38" fmla="*/ 232 w 1437"/>
+              <a:gd name="T39" fmla="*/ 1133 h 1133"/>
+              <a:gd name="T40" fmla="*/ 68 w 1437"/>
+              <a:gd name="T41" fmla="*/ 1065 h 1133"/>
+              <a:gd name="T42" fmla="*/ 0 w 1437"/>
+              <a:gd name="T43" fmla="*/ 902 h 1133"/>
+              <a:gd name="T44" fmla="*/ 0 w 1437"/>
+              <a:gd name="T45" fmla="*/ 232 h 1133"/>
+              <a:gd name="T46" fmla="*/ 68 w 1437"/>
+              <a:gd name="T47" fmla="*/ 68 h 1133"/>
+              <a:gd name="T48" fmla="*/ 232 w 1437"/>
+              <a:gd name="T49" fmla="*/ 0 h 1133"/>
+              <a:gd name="T50" fmla="*/ 902 w 1437"/>
+              <a:gd name="T51" fmla="*/ 0 h 1133"/>
+              <a:gd name="T52" fmla="*/ 996 w 1437"/>
+              <a:gd name="T53" fmla="*/ 20 h 1133"/>
+              <a:gd name="T54" fmla="*/ 1011 w 1437"/>
+              <a:gd name="T55" fmla="*/ 39 h 1133"/>
+              <a:gd name="T56" fmla="*/ 1003 w 1437"/>
+              <a:gd name="T57" fmla="*/ 62 h 1133"/>
+              <a:gd name="T58" fmla="*/ 964 w 1437"/>
+              <a:gd name="T59" fmla="*/ 101 h 1133"/>
+              <a:gd name="T60" fmla="*/ 938 w 1437"/>
+              <a:gd name="T61" fmla="*/ 108 h 1133"/>
+              <a:gd name="T62" fmla="*/ 902 w 1437"/>
+              <a:gd name="T63" fmla="*/ 103 h 1133"/>
+              <a:gd name="T64" fmla="*/ 232 w 1437"/>
+              <a:gd name="T65" fmla="*/ 103 h 1133"/>
+              <a:gd name="T66" fmla="*/ 141 w 1437"/>
+              <a:gd name="T67" fmla="*/ 141 h 1133"/>
+              <a:gd name="T68" fmla="*/ 103 w 1437"/>
+              <a:gd name="T69" fmla="*/ 232 h 1133"/>
+              <a:gd name="T70" fmla="*/ 103 w 1437"/>
+              <a:gd name="T71" fmla="*/ 902 h 1133"/>
+              <a:gd name="T72" fmla="*/ 141 w 1437"/>
+              <a:gd name="T73" fmla="*/ 993 h 1133"/>
+              <a:gd name="T74" fmla="*/ 232 w 1437"/>
+              <a:gd name="T75" fmla="*/ 1030 h 1133"/>
+              <a:gd name="T76" fmla="*/ 902 w 1437"/>
+              <a:gd name="T77" fmla="*/ 1030 h 1133"/>
+              <a:gd name="T78" fmla="*/ 993 w 1437"/>
+              <a:gd name="T79" fmla="*/ 993 h 1133"/>
+              <a:gd name="T80" fmla="*/ 1031 w 1437"/>
+              <a:gd name="T81" fmla="*/ 902 h 1133"/>
+              <a:gd name="T82" fmla="*/ 1031 w 1437"/>
+              <a:gd name="T83" fmla="*/ 800 h 1133"/>
+              <a:gd name="T84" fmla="*/ 1038 w 1437"/>
+              <a:gd name="T85" fmla="*/ 782 h 1133"/>
+              <a:gd name="T86" fmla="*/ 1090 w 1437"/>
+              <a:gd name="T87" fmla="*/ 731 h 1133"/>
+              <a:gd name="T88" fmla="*/ 1118 w 1437"/>
+              <a:gd name="T89" fmla="*/ 725 h 1133"/>
+              <a:gd name="T90" fmla="*/ 1134 w 1437"/>
+              <a:gd name="T91" fmla="*/ 749 h 1133"/>
+              <a:gd name="T92" fmla="*/ 1057 w 1437"/>
+              <a:gd name="T93" fmla="*/ 155 h 1133"/>
+              <a:gd name="T94" fmla="*/ 1288 w 1437"/>
+              <a:gd name="T95" fmla="*/ 386 h 1133"/>
+              <a:gd name="T96" fmla="*/ 747 w 1437"/>
+              <a:gd name="T97" fmla="*/ 927 h 1133"/>
+              <a:gd name="T98" fmla="*/ 516 w 1437"/>
+              <a:gd name="T99" fmla="*/ 927 h 1133"/>
+              <a:gd name="T100" fmla="*/ 516 w 1437"/>
+              <a:gd name="T101" fmla="*/ 696 h 1133"/>
+              <a:gd name="T102" fmla="*/ 1057 w 1437"/>
+              <a:gd name="T103" fmla="*/ 155 h 1133"/>
+              <a:gd name="T104" fmla="*/ 1414 w 1437"/>
+              <a:gd name="T105" fmla="*/ 261 h 1133"/>
+              <a:gd name="T106" fmla="*/ 1340 w 1437"/>
+              <a:gd name="T107" fmla="*/ 335 h 1133"/>
+              <a:gd name="T108" fmla="*/ 1108 w 1437"/>
+              <a:gd name="T109" fmla="*/ 103 h 1133"/>
+              <a:gd name="T110" fmla="*/ 1182 w 1437"/>
+              <a:gd name="T111" fmla="*/ 29 h 1133"/>
+              <a:gd name="T112" fmla="*/ 1237 w 1437"/>
+              <a:gd name="T113" fmla="*/ 6 h 1133"/>
+              <a:gd name="T114" fmla="*/ 1292 w 1437"/>
+              <a:gd name="T115" fmla="*/ 29 h 1133"/>
+              <a:gd name="T116" fmla="*/ 1414 w 1437"/>
+              <a:gd name="T117" fmla="*/ 151 h 1133"/>
+              <a:gd name="T118" fmla="*/ 1437 w 1437"/>
+              <a:gd name="T119" fmla="*/ 206 h 1133"/>
+              <a:gd name="T120" fmla="*/ 1414 w 1437"/>
+              <a:gd name="T121" fmla="*/ 261 h 1133"/>
+            </a:gdLst>
+            <a:ahLst/>
+            <a:cxnLst>
+              <a:cxn ang="0">
+                <a:pos x="T0" y="T1"/>
+              </a:cxn>
+              <a:cxn ang="0">
+                <a:pos x="T2" y="T3"/>
+              </a:cxn>
+              <a:cxn ang="0">
+                <a:pos x="T4" y="T5"/>
+              </a:cxn>
+              <a:cxn ang="0">
+                <a:pos x="T6" y="T7"/>
+              </a:cxn>
+              <a:cxn ang="0">
+                <a:pos x="T8" y="T9"/>
+              </a:cxn>
+              <a:cxn ang="0">
+                <a:pos x="T10" y="T11"/>
+              </a:cxn>
+              <a:cxn ang="0">
+                <a:pos x="T12" y="T13"/>
+              </a:cxn>
+              <a:cxn ang="0">
+                <a:pos x="T14" y="T15"/>
+              </a:cxn>
+              <a:cxn ang="0">
+                <a:pos x="T16" y="T17"/>
+              </a:cxn>
+              <a:cxn ang="0">
+                <a:pos x="T18" y="T19"/>
+              </a:cxn>
+              <a:cxn ang="0">
+                <a:pos x="T20" y="T21"/>
+              </a:cxn>
+              <a:cxn ang="0">
+                <a:pos x="T22" y="T23"/>
+              </a:cxn>
+              <a:cxn ang="0">
+                <a:pos x="T24" y="T25"/>
+              </a:cxn>
+              <a:cxn ang="0">
+                <a:pos x="T26" y="T27"/>
+              </a:cxn>
+              <a:cxn ang="0">
+                <a:pos x="T28" y="T29"/>
+              </a:cxn>
+              <a:cxn ang="0">
+                <a:pos x="T30" y="T31"/>
+              </a:cxn>
+              <a:cxn ang="0">
+                <a:pos x="T32" y="T33"/>
+              </a:cxn>
+              <a:cxn ang="0">
+                <a:pos x="T34" y="T35"/>
+              </a:cxn>
+              <a:cxn ang="0">
+                <a:pos x="T36" y="T37"/>
+              </a:cxn>
+              <a:cxn ang="0">
+                <a:pos x="T38" y="T39"/>
+              </a:cxn>
+              <a:cxn ang="0">
+                <a:pos x="T40" y="T41"/>
+              </a:cxn>
+              <a:cxn ang="0">
+                <a:pos x="T42" y="T43"/>
+              </a:cxn>
+              <a:cxn ang="0">
+                <a:pos x="T44" y="T45"/>
+              </a:cxn>
+              <a:cxn ang="0">
+                <a:pos x="T46" y="T47"/>
+              </a:cxn>
+              <a:cxn ang="0">
+                <a:pos x="T48" y="T49"/>
+              </a:cxn>
+              <a:cxn ang="0">
+                <a:pos x="T50" y="T51"/>
+              </a:cxn>
+              <a:cxn ang="0">
+                <a:pos x="T52" y="T53"/>
+              </a:cxn>
+              <a:cxn ang="0">
+                <a:pos x="T54" y="T55"/>
+              </a:cxn>
+              <a:cxn ang="0">
+                <a:pos x="T56" y="T57"/>
+              </a:cxn>
+              <a:cxn ang="0">
+                <a:pos x="T58" y="T59"/>
+              </a:cxn>
+              <a:cxn ang="0">
+                <a:pos x="T60" y="T61"/>
+              </a:cxn>
+              <a:cxn ang="0">
+                <a:pos x="T62" y="T63"/>
+              </a:cxn>
+              <a:cxn ang="0">
+                <a:pos x="T64" y="T65"/>
+              </a:cxn>
+              <a:cxn ang="0">
+                <a:pos x="T66" y="T67"/>
+              </a:cxn>
+              <a:cxn ang="0">
+                <a:pos x="T68" y="T69"/>
+              </a:cxn>
+              <a:cxn ang="0">
+                <a:pos x="T70" y="T71"/>
+              </a:cxn>
+              <a:cxn ang="0">
+                <a:pos x="T72" y="T73"/>
+              </a:cxn>
+              <a:cxn ang="0">
+                <a:pos x="T74" y="T75"/>
+              </a:cxn>
+              <a:cxn ang="0">
+                <a:pos x="T76" y="T77"/>
+              </a:cxn>
+              <a:cxn ang="0">
+                <a:pos x="T78" y="T79"/>
+              </a:cxn>
+              <a:cxn ang="0">
+                <a:pos x="T80" y="T81"/>
+              </a:cxn>
+              <a:cxn ang="0">
+                <a:pos x="T82" y="T83"/>
+              </a:cxn>
+              <a:cxn ang="0">
+                <a:pos x="T84" y="T85"/>
+              </a:cxn>
+              <a:cxn ang="0">
+                <a:pos x="T86" y="T87"/>
+              </a:cxn>
+              <a:cxn ang="0">
+                <a:pos x="T88" y="T89"/>
+              </a:cxn>
+              <a:cxn ang="0">
+                <a:pos x="T90" y="T91"/>
+              </a:cxn>
+              <a:cxn ang="0">
+                <a:pos x="T92" y="T93"/>
+              </a:cxn>
+              <a:cxn ang="0">
+                <a:pos x="T94" y="T95"/>
+              </a:cxn>
+              <a:cxn ang="0">
+                <a:pos x="T96" y="T97"/>
+              </a:cxn>
+              <a:cxn ang="0">
+                <a:pos x="T98" y="T99"/>
+              </a:cxn>
+              <a:cxn ang="0">
+                <a:pos x="T100" y="T101"/>
+              </a:cxn>
+              <a:cxn ang="0">
+                <a:pos x="T102" y="T103"/>
+              </a:cxn>
+              <a:cxn ang="0">
+                <a:pos x="T104" y="T105"/>
+              </a:cxn>
+              <a:cxn ang="0">
+                <a:pos x="T106" y="T107"/>
+              </a:cxn>
+              <a:cxn ang="0">
+                <a:pos x="T108" y="T109"/>
+              </a:cxn>
+              <a:cxn ang="0">
+                <a:pos x="T110" y="T111"/>
+              </a:cxn>
+              <a:cxn ang="0">
+                <a:pos x="T112" y="T113"/>
+              </a:cxn>
+              <a:cxn ang="0">
+                <a:pos x="T114" y="T115"/>
+              </a:cxn>
+              <a:cxn ang="0">
+                <a:pos x="T116" y="T117"/>
+              </a:cxn>
+              <a:cxn ang="0">
+                <a:pos x="T118" y="T119"/>
+              </a:cxn>
+              <a:cxn ang="0">
+                <a:pos x="T120" y="T121"/>
+              </a:cxn>
+            </a:cxnLst>
+            <a:rect l="0" t="0" r="r" b="b"/>
+            <a:pathLst>
+              <a:path w="1437" h="1133">
+                <a:moveTo>
+                  <a:pt x="715" y="850"/>
+                </a:moveTo>
+                <a:lnTo>
+                  <a:pt x="809" y="757"/>
+                </a:lnTo>
+                <a:lnTo>
+                  <a:pt x="686" y="634"/>
+                </a:lnTo>
+                <a:lnTo>
+                  <a:pt x="593" y="728"/>
+                </a:lnTo>
+                <a:lnTo>
+                  <a:pt x="593" y="773"/>
+                </a:lnTo>
+                <a:lnTo>
+                  <a:pt x="670" y="773"/>
+                </a:lnTo>
+                <a:lnTo>
+                  <a:pt x="670" y="850"/>
+                </a:lnTo>
+                <a:lnTo>
+                  <a:pt x="715" y="850"/>
+                </a:lnTo>
+                <a:close/>
+                <a:moveTo>
+                  <a:pt x="1069" y="270"/>
+                </a:moveTo>
+                <a:cubicBezTo>
+                  <a:pt x="1061" y="262"/>
+                  <a:pt x="1052" y="262"/>
+                  <a:pt x="1043" y="271"/>
+                </a:cubicBezTo>
+                <a:lnTo>
+                  <a:pt x="761" y="553"/>
+                </a:lnTo>
+                <a:cubicBezTo>
+                  <a:pt x="752" y="562"/>
+                  <a:pt x="752" y="571"/>
+                  <a:pt x="760" y="580"/>
+                </a:cubicBezTo>
+                <a:cubicBezTo>
+                  <a:pt x="769" y="588"/>
+                  <a:pt x="778" y="588"/>
+                  <a:pt x="787" y="579"/>
+                </a:cubicBezTo>
+                <a:lnTo>
+                  <a:pt x="1069" y="297"/>
+                </a:lnTo>
+                <a:cubicBezTo>
+                  <a:pt x="1078" y="288"/>
+                  <a:pt x="1078" y="279"/>
+                  <a:pt x="1069" y="270"/>
+                </a:cubicBezTo>
+                <a:close/>
+                <a:moveTo>
+                  <a:pt x="1134" y="749"/>
+                </a:moveTo>
+                <a:lnTo>
+                  <a:pt x="1134" y="902"/>
+                </a:lnTo>
+                <a:cubicBezTo>
+                  <a:pt x="1134" y="965"/>
+                  <a:pt x="1111" y="1020"/>
+                  <a:pt x="1066" y="1065"/>
+                </a:cubicBezTo>
+                <a:cubicBezTo>
+                  <a:pt x="1020" y="1111"/>
+                  <a:pt x="966" y="1133"/>
+                  <a:pt x="902" y="1133"/>
+                </a:cubicBezTo>
+                <a:lnTo>
+                  <a:pt x="232" y="1133"/>
+                </a:lnTo>
+                <a:cubicBezTo>
+                  <a:pt x="168" y="1133"/>
+                  <a:pt x="114" y="1111"/>
+                  <a:pt x="68" y="1065"/>
+                </a:cubicBezTo>
+                <a:cubicBezTo>
+                  <a:pt x="23" y="1020"/>
+                  <a:pt x="0" y="965"/>
+                  <a:pt x="0" y="902"/>
+                </a:cubicBezTo>
+                <a:lnTo>
+                  <a:pt x="0" y="232"/>
+                </a:lnTo>
+                <a:cubicBezTo>
+                  <a:pt x="0" y="168"/>
+                  <a:pt x="23" y="113"/>
+                  <a:pt x="68" y="68"/>
+                </a:cubicBezTo>
+                <a:cubicBezTo>
+                  <a:pt x="114" y="23"/>
+                  <a:pt x="168" y="0"/>
+                  <a:pt x="232" y="0"/>
+                </a:cubicBezTo>
+                <a:lnTo>
+                  <a:pt x="902" y="0"/>
+                </a:lnTo>
+                <a:cubicBezTo>
+                  <a:pt x="936" y="0"/>
+                  <a:pt x="967" y="7"/>
+                  <a:pt x="996" y="20"/>
+                </a:cubicBezTo>
+                <a:cubicBezTo>
+                  <a:pt x="1004" y="24"/>
+                  <a:pt x="1009" y="30"/>
+                  <a:pt x="1011" y="39"/>
+                </a:cubicBezTo>
+                <a:cubicBezTo>
+                  <a:pt x="1012" y="48"/>
+                  <a:pt x="1010" y="55"/>
+                  <a:pt x="1003" y="62"/>
+                </a:cubicBezTo>
+                <a:lnTo>
+                  <a:pt x="964" y="101"/>
+                </a:lnTo>
+                <a:cubicBezTo>
+                  <a:pt x="956" y="109"/>
+                  <a:pt x="948" y="111"/>
+                  <a:pt x="938" y="108"/>
+                </a:cubicBezTo>
+                <a:cubicBezTo>
+                  <a:pt x="926" y="105"/>
+                  <a:pt x="914" y="103"/>
+                  <a:pt x="902" y="103"/>
+                </a:cubicBezTo>
+                <a:lnTo>
+                  <a:pt x="232" y="103"/>
+                </a:lnTo>
+                <a:cubicBezTo>
+                  <a:pt x="197" y="103"/>
+                  <a:pt x="166" y="116"/>
+                  <a:pt x="141" y="141"/>
+                </a:cubicBezTo>
+                <a:cubicBezTo>
+                  <a:pt x="116" y="166"/>
+                  <a:pt x="103" y="196"/>
+                  <a:pt x="103" y="232"/>
+                </a:cubicBezTo>
+                <a:lnTo>
+                  <a:pt x="103" y="902"/>
+                </a:lnTo>
+                <a:cubicBezTo>
+                  <a:pt x="103" y="937"/>
+                  <a:pt x="116" y="967"/>
+                  <a:pt x="141" y="993"/>
+                </a:cubicBezTo>
+                <a:cubicBezTo>
+                  <a:pt x="166" y="1018"/>
+                  <a:pt x="197" y="1030"/>
+                  <a:pt x="232" y="1030"/>
+                </a:cubicBezTo>
+                <a:lnTo>
+                  <a:pt x="902" y="1030"/>
+                </a:lnTo>
+                <a:cubicBezTo>
+                  <a:pt x="937" y="1030"/>
+                  <a:pt x="968" y="1018"/>
+                  <a:pt x="993" y="993"/>
+                </a:cubicBezTo>
+                <a:cubicBezTo>
+                  <a:pt x="1018" y="967"/>
+                  <a:pt x="1031" y="937"/>
+                  <a:pt x="1031" y="902"/>
+                </a:cubicBezTo>
+                <a:lnTo>
+                  <a:pt x="1031" y="800"/>
+                </a:lnTo>
+                <a:cubicBezTo>
+                  <a:pt x="1031" y="793"/>
+                  <a:pt x="1033" y="787"/>
+                  <a:pt x="1038" y="782"/>
+                </a:cubicBezTo>
+                <a:lnTo>
+                  <a:pt x="1090" y="731"/>
+                </a:lnTo>
+                <a:cubicBezTo>
+                  <a:pt x="1098" y="723"/>
+                  <a:pt x="1107" y="721"/>
+                  <a:pt x="1118" y="725"/>
+                </a:cubicBezTo>
+                <a:cubicBezTo>
+                  <a:pt x="1128" y="730"/>
+                  <a:pt x="1134" y="737"/>
+                  <a:pt x="1134" y="749"/>
+                </a:cubicBezTo>
+                <a:close/>
+                <a:moveTo>
+                  <a:pt x="1057" y="155"/>
+                </a:moveTo>
+                <a:lnTo>
+                  <a:pt x="1288" y="386"/>
+                </a:lnTo>
+                <a:lnTo>
+                  <a:pt x="747" y="927"/>
+                </a:lnTo>
+                <a:lnTo>
+                  <a:pt x="516" y="927"/>
+                </a:lnTo>
+                <a:lnTo>
+                  <a:pt x="516" y="696"/>
+                </a:lnTo>
+                <a:lnTo>
+                  <a:pt x="1057" y="155"/>
+                </a:lnTo>
+                <a:close/>
+                <a:moveTo>
+                  <a:pt x="1414" y="261"/>
+                </a:moveTo>
+                <a:lnTo>
+                  <a:pt x="1340" y="335"/>
+                </a:lnTo>
+                <a:lnTo>
+                  <a:pt x="1108" y="103"/>
+                </a:lnTo>
+                <a:lnTo>
+                  <a:pt x="1182" y="29"/>
+                </a:lnTo>
+                <a:cubicBezTo>
+                  <a:pt x="1197" y="14"/>
+                  <a:pt x="1215" y="6"/>
+                  <a:pt x="1237" y="6"/>
+                </a:cubicBezTo>
+                <a:cubicBezTo>
+                  <a:pt x="1258" y="6"/>
+                  <a:pt x="1277" y="14"/>
+                  <a:pt x="1292" y="29"/>
+                </a:cubicBezTo>
+                <a:lnTo>
+                  <a:pt x="1414" y="151"/>
+                </a:lnTo>
+                <a:cubicBezTo>
+                  <a:pt x="1429" y="166"/>
+                  <a:pt x="1437" y="185"/>
+                  <a:pt x="1437" y="206"/>
+                </a:cubicBezTo>
+                <a:cubicBezTo>
+                  <a:pt x="1437" y="227"/>
+                  <a:pt x="1429" y="246"/>
+                  <a:pt x="1414" y="261"/>
+                </a:cubicBezTo>
+                <a:close/>
+              </a:path>
+            </a:pathLst>
+          </a:custGeom>
+          <a:solidFill>
+            <a:schemeClr val="bg2">
+              <a:lumMod val="75000"/>
+            </a:schemeClr>
+          </a:solidFill>
+          <a:ln w="0">
+            <a:noFill/>
+            <a:prstDash val="solid"/>
+            <a:round/>
+            <a:headEnd/>
+            <a:tailEnd/>
+          </a:ln>
+        </p:spPr>
+        <p:txBody>
+          <a:bodyPr vert="horz" wrap="square" lIns="91440" tIns="45720" rIns="91440" bIns="45720" numCol="1" anchor="t" anchorCtr="0" compatLnSpc="1">
+            <a:prstTxWarp prst="textNoShape">
+              <a:avLst/>
+            </a:prstTxWarp>
+          </a:bodyPr>
+          <a:lstStyle/>
+          <a:p>
+            <a:endParaRPr lang="en-US" sz="1050">
+              <a:latin typeface="Arial" panose="020B0604020202020204" pitchFamily="34" charset="0"/>
+              <a:cs typeface="Arial" panose="020B0604020202020204" pitchFamily="34" charset="0"/>
+            </a:endParaRPr>
+          </a:p>
+        </p:txBody>
+      </p:sp>
+      <p:sp>
+        <p:nvSpPr>
+          <p:cNvPr id="97" name="Edit Icon">
+            <a:extLst>
+              <a:ext uri="{FF2B5EF4-FFF2-40B4-BE49-F238E27FC236}">
+                <a16:creationId xmlns:a16="http://schemas.microsoft.com/office/drawing/2014/main" id="{1174647E-6412-43DE-8055-4847E25AC41F}"/>
+              </a:ext>
+            </a:extLst>
+          </p:cNvPr>
+          <p:cNvSpPr>
+            <a:spLocks noChangeAspect="1" noEditPoints="1"/>
+          </p:cNvSpPr>
+          <p:nvPr/>
+        </p:nvSpPr>
+        <p:spPr bwMode="auto">
+          <a:xfrm>
+            <a:off x="6219626" y="2576700"/>
+            <a:ext cx="309563" cy="244475"/>
+          </a:xfrm>
+          <a:custGeom>
+            <a:avLst/>
+            <a:gdLst>
+              <a:gd name="T0" fmla="*/ 715 w 1437"/>
+              <a:gd name="T1" fmla="*/ 850 h 1133"/>
+              <a:gd name="T2" fmla="*/ 809 w 1437"/>
+              <a:gd name="T3" fmla="*/ 757 h 1133"/>
+              <a:gd name="T4" fmla="*/ 686 w 1437"/>
+              <a:gd name="T5" fmla="*/ 634 h 1133"/>
+              <a:gd name="T6" fmla="*/ 593 w 1437"/>
+              <a:gd name="T7" fmla="*/ 728 h 1133"/>
+              <a:gd name="T8" fmla="*/ 593 w 1437"/>
+              <a:gd name="T9" fmla="*/ 773 h 1133"/>
+              <a:gd name="T10" fmla="*/ 670 w 1437"/>
+              <a:gd name="T11" fmla="*/ 773 h 1133"/>
+              <a:gd name="T12" fmla="*/ 670 w 1437"/>
+              <a:gd name="T13" fmla="*/ 850 h 1133"/>
+              <a:gd name="T14" fmla="*/ 715 w 1437"/>
+              <a:gd name="T15" fmla="*/ 850 h 1133"/>
+              <a:gd name="T16" fmla="*/ 1069 w 1437"/>
+              <a:gd name="T17" fmla="*/ 270 h 1133"/>
+              <a:gd name="T18" fmla="*/ 1043 w 1437"/>
+              <a:gd name="T19" fmla="*/ 271 h 1133"/>
+              <a:gd name="T20" fmla="*/ 761 w 1437"/>
+              <a:gd name="T21" fmla="*/ 553 h 1133"/>
+              <a:gd name="T22" fmla="*/ 760 w 1437"/>
+              <a:gd name="T23" fmla="*/ 580 h 1133"/>
+              <a:gd name="T24" fmla="*/ 787 w 1437"/>
+              <a:gd name="T25" fmla="*/ 579 h 1133"/>
+              <a:gd name="T26" fmla="*/ 1069 w 1437"/>
+              <a:gd name="T27" fmla="*/ 297 h 1133"/>
+              <a:gd name="T28" fmla="*/ 1069 w 1437"/>
+              <a:gd name="T29" fmla="*/ 270 h 1133"/>
+              <a:gd name="T30" fmla="*/ 1134 w 1437"/>
+              <a:gd name="T31" fmla="*/ 749 h 1133"/>
+              <a:gd name="T32" fmla="*/ 1134 w 1437"/>
+              <a:gd name="T33" fmla="*/ 902 h 1133"/>
+              <a:gd name="T34" fmla="*/ 1066 w 1437"/>
+              <a:gd name="T35" fmla="*/ 1065 h 1133"/>
+              <a:gd name="T36" fmla="*/ 902 w 1437"/>
+              <a:gd name="T37" fmla="*/ 1133 h 1133"/>
+              <a:gd name="T38" fmla="*/ 232 w 1437"/>
+              <a:gd name="T39" fmla="*/ 1133 h 1133"/>
+              <a:gd name="T40" fmla="*/ 68 w 1437"/>
+              <a:gd name="T41" fmla="*/ 1065 h 1133"/>
+              <a:gd name="T42" fmla="*/ 0 w 1437"/>
+              <a:gd name="T43" fmla="*/ 902 h 1133"/>
+              <a:gd name="T44" fmla="*/ 0 w 1437"/>
+              <a:gd name="T45" fmla="*/ 232 h 1133"/>
+              <a:gd name="T46" fmla="*/ 68 w 1437"/>
+              <a:gd name="T47" fmla="*/ 68 h 1133"/>
+              <a:gd name="T48" fmla="*/ 232 w 1437"/>
+              <a:gd name="T49" fmla="*/ 0 h 1133"/>
+              <a:gd name="T50" fmla="*/ 902 w 1437"/>
+              <a:gd name="T51" fmla="*/ 0 h 1133"/>
+              <a:gd name="T52" fmla="*/ 996 w 1437"/>
+              <a:gd name="T53" fmla="*/ 20 h 1133"/>
+              <a:gd name="T54" fmla="*/ 1011 w 1437"/>
+              <a:gd name="T55" fmla="*/ 39 h 1133"/>
+              <a:gd name="T56" fmla="*/ 1003 w 1437"/>
+              <a:gd name="T57" fmla="*/ 62 h 1133"/>
+              <a:gd name="T58" fmla="*/ 964 w 1437"/>
+              <a:gd name="T59" fmla="*/ 101 h 1133"/>
+              <a:gd name="T60" fmla="*/ 938 w 1437"/>
+              <a:gd name="T61" fmla="*/ 108 h 1133"/>
+              <a:gd name="T62" fmla="*/ 902 w 1437"/>
+              <a:gd name="T63" fmla="*/ 103 h 1133"/>
+              <a:gd name="T64" fmla="*/ 232 w 1437"/>
+              <a:gd name="T65" fmla="*/ 103 h 1133"/>
+              <a:gd name="T66" fmla="*/ 141 w 1437"/>
+              <a:gd name="T67" fmla="*/ 141 h 1133"/>
+              <a:gd name="T68" fmla="*/ 103 w 1437"/>
+              <a:gd name="T69" fmla="*/ 232 h 1133"/>
+              <a:gd name="T70" fmla="*/ 103 w 1437"/>
+              <a:gd name="T71" fmla="*/ 902 h 1133"/>
+              <a:gd name="T72" fmla="*/ 141 w 1437"/>
+              <a:gd name="T73" fmla="*/ 993 h 1133"/>
+              <a:gd name="T74" fmla="*/ 232 w 1437"/>
+              <a:gd name="T75" fmla="*/ 1030 h 1133"/>
+              <a:gd name="T76" fmla="*/ 902 w 1437"/>
+              <a:gd name="T77" fmla="*/ 1030 h 1133"/>
+              <a:gd name="T78" fmla="*/ 993 w 1437"/>
+              <a:gd name="T79" fmla="*/ 993 h 1133"/>
+              <a:gd name="T80" fmla="*/ 1031 w 1437"/>
+              <a:gd name="T81" fmla="*/ 902 h 1133"/>
+              <a:gd name="T82" fmla="*/ 1031 w 1437"/>
+              <a:gd name="T83" fmla="*/ 800 h 1133"/>
+              <a:gd name="T84" fmla="*/ 1038 w 1437"/>
+              <a:gd name="T85" fmla="*/ 782 h 1133"/>
+              <a:gd name="T86" fmla="*/ 1090 w 1437"/>
+              <a:gd name="T87" fmla="*/ 731 h 1133"/>
+              <a:gd name="T88" fmla="*/ 1118 w 1437"/>
+              <a:gd name="T89" fmla="*/ 725 h 1133"/>
+              <a:gd name="T90" fmla="*/ 1134 w 1437"/>
+              <a:gd name="T91" fmla="*/ 749 h 1133"/>
+              <a:gd name="T92" fmla="*/ 1057 w 1437"/>
+              <a:gd name="T93" fmla="*/ 155 h 1133"/>
+              <a:gd name="T94" fmla="*/ 1288 w 1437"/>
+              <a:gd name="T95" fmla="*/ 386 h 1133"/>
+              <a:gd name="T96" fmla="*/ 747 w 1437"/>
+              <a:gd name="T97" fmla="*/ 927 h 1133"/>
+              <a:gd name="T98" fmla="*/ 516 w 1437"/>
+              <a:gd name="T99" fmla="*/ 927 h 1133"/>
+              <a:gd name="T100" fmla="*/ 516 w 1437"/>
+              <a:gd name="T101" fmla="*/ 696 h 1133"/>
+              <a:gd name="T102" fmla="*/ 1057 w 1437"/>
+              <a:gd name="T103" fmla="*/ 155 h 1133"/>
+              <a:gd name="T104" fmla="*/ 1414 w 1437"/>
+              <a:gd name="T105" fmla="*/ 261 h 1133"/>
+              <a:gd name="T106" fmla="*/ 1340 w 1437"/>
+              <a:gd name="T107" fmla="*/ 335 h 1133"/>
+              <a:gd name="T108" fmla="*/ 1108 w 1437"/>
+              <a:gd name="T109" fmla="*/ 103 h 1133"/>
+              <a:gd name="T110" fmla="*/ 1182 w 1437"/>
+              <a:gd name="T111" fmla="*/ 29 h 1133"/>
+              <a:gd name="T112" fmla="*/ 1237 w 1437"/>
+              <a:gd name="T113" fmla="*/ 6 h 1133"/>
+              <a:gd name="T114" fmla="*/ 1292 w 1437"/>
+              <a:gd name="T115" fmla="*/ 29 h 1133"/>
+              <a:gd name="T116" fmla="*/ 1414 w 1437"/>
+              <a:gd name="T117" fmla="*/ 151 h 1133"/>
+              <a:gd name="T118" fmla="*/ 1437 w 1437"/>
+              <a:gd name="T119" fmla="*/ 206 h 1133"/>
+              <a:gd name="T120" fmla="*/ 1414 w 1437"/>
+              <a:gd name="T121" fmla="*/ 261 h 1133"/>
+            </a:gdLst>
+            <a:ahLst/>
+            <a:cxnLst>
+              <a:cxn ang="0">
+                <a:pos x="T0" y="T1"/>
+              </a:cxn>
+              <a:cxn ang="0">
+                <a:pos x="T2" y="T3"/>
+              </a:cxn>
+              <a:cxn ang="0">
+                <a:pos x="T4" y="T5"/>
+              </a:cxn>
+              <a:cxn ang="0">
+                <a:pos x="T6" y="T7"/>
+              </a:cxn>
+              <a:cxn ang="0">
+                <a:pos x="T8" y="T9"/>
+              </a:cxn>
+              <a:cxn ang="0">
+                <a:pos x="T10" y="T11"/>
+              </a:cxn>
+              <a:cxn ang="0">
+                <a:pos x="T12" y="T13"/>
+              </a:cxn>
+              <a:cxn ang="0">
+                <a:pos x="T14" y="T15"/>
+              </a:cxn>
+              <a:cxn ang="0">
+                <a:pos x="T16" y="T17"/>
+              </a:cxn>
+              <a:cxn ang="0">
+                <a:pos x="T18" y="T19"/>
+              </a:cxn>
+              <a:cxn ang="0">
+                <a:pos x="T20" y="T21"/>
+              </a:cxn>
+              <a:cxn ang="0">
+                <a:pos x="T22" y="T23"/>
+              </a:cxn>
+              <a:cxn ang="0">
+                <a:pos x="T24" y="T25"/>
+              </a:cxn>
+              <a:cxn ang="0">
+                <a:pos x="T26" y="T27"/>
+              </a:cxn>
+              <a:cxn ang="0">
+                <a:pos x="T28" y="T29"/>
+              </a:cxn>
+              <a:cxn ang="0">
+                <a:pos x="T30" y="T31"/>
+              </a:cxn>
+              <a:cxn ang="0">
+                <a:pos x="T32" y="T33"/>
+              </a:cxn>
+              <a:cxn ang="0">
+                <a:pos x="T34" y="T35"/>
+              </a:cxn>
+              <a:cxn ang="0">
+                <a:pos x="T36" y="T37"/>
+              </a:cxn>
+              <a:cxn ang="0">
+                <a:pos x="T38" y="T39"/>
+              </a:cxn>
+              <a:cxn ang="0">
+                <a:pos x="T40" y="T41"/>
+              </a:cxn>
+              <a:cxn ang="0">
+                <a:pos x="T42" y="T43"/>
+              </a:cxn>
+              <a:cxn ang="0">
+                <a:pos x="T44" y="T45"/>
+              </a:cxn>
+              <a:cxn ang="0">
+                <a:pos x="T46" y="T47"/>
+              </a:cxn>
+              <a:cxn ang="0">
+                <a:pos x="T48" y="T49"/>
+              </a:cxn>
+              <a:cxn ang="0">
+                <a:pos x="T50" y="T51"/>
+              </a:cxn>
+              <a:cxn ang="0">
+                <a:pos x="T52" y="T53"/>
+              </a:cxn>
+              <a:cxn ang="0">
+                <a:pos x="T54" y="T55"/>
+              </a:cxn>
+              <a:cxn ang="0">
+                <a:pos x="T56" y="T57"/>
+              </a:cxn>
+              <a:cxn ang="0">
+                <a:pos x="T58" y="T59"/>
+              </a:cxn>
+              <a:cxn ang="0">
+                <a:pos x="T60" y="T61"/>
+              </a:cxn>
+              <a:cxn ang="0">
+                <a:pos x="T62" y="T63"/>
+              </a:cxn>
+              <a:cxn ang="0">
+                <a:pos x="T64" y="T65"/>
+              </a:cxn>
+              <a:cxn ang="0">
+                <a:pos x="T66" y="T67"/>
+              </a:cxn>
+              <a:cxn ang="0">
+                <a:pos x="T68" y="T69"/>
+              </a:cxn>
+              <a:cxn ang="0">
+                <a:pos x="T70" y="T71"/>
+              </a:cxn>
+              <a:cxn ang="0">
+                <a:pos x="T72" y="T73"/>
+              </a:cxn>
+              <a:cxn ang="0">
+                <a:pos x="T74" y="T75"/>
+              </a:cxn>
+              <a:cxn ang="0">
+                <a:pos x="T76" y="T77"/>
+              </a:cxn>
+              <a:cxn ang="0">
+                <a:pos x="T78" y="T79"/>
+              </a:cxn>
+              <a:cxn ang="0">
+                <a:pos x="T80" y="T81"/>
+              </a:cxn>
+              <a:cxn ang="0">
+                <a:pos x="T82" y="T83"/>
+              </a:cxn>
+              <a:cxn ang="0">
+                <a:pos x="T84" y="T85"/>
+              </a:cxn>
+              <a:cxn ang="0">
+                <a:pos x="T86" y="T87"/>
+              </a:cxn>
+              <a:cxn ang="0">
+                <a:pos x="T88" y="T89"/>
+              </a:cxn>
+              <a:cxn ang="0">
+                <a:pos x="T90" y="T91"/>
+              </a:cxn>
+              <a:cxn ang="0">
+                <a:pos x="T92" y="T93"/>
+              </a:cxn>
+              <a:cxn ang="0">
+                <a:pos x="T94" y="T95"/>
+              </a:cxn>
+              <a:cxn ang="0">
+                <a:pos x="T96" y="T97"/>
+              </a:cxn>
+              <a:cxn ang="0">
+                <a:pos x="T98" y="T99"/>
+              </a:cxn>
+              <a:cxn ang="0">
+                <a:pos x="T100" y="T101"/>
+              </a:cxn>
+              <a:cxn ang="0">
+                <a:pos x="T102" y="T103"/>
+              </a:cxn>
+              <a:cxn ang="0">
+                <a:pos x="T104" y="T105"/>
+              </a:cxn>
+              <a:cxn ang="0">
+                <a:pos x="T106" y="T107"/>
+              </a:cxn>
+              <a:cxn ang="0">
+                <a:pos x="T108" y="T109"/>
+              </a:cxn>
+              <a:cxn ang="0">
+                <a:pos x="T110" y="T111"/>
+              </a:cxn>
+              <a:cxn ang="0">
+                <a:pos x="T112" y="T113"/>
+              </a:cxn>
+              <a:cxn ang="0">
+                <a:pos x="T114" y="T115"/>
+              </a:cxn>
+              <a:cxn ang="0">
+                <a:pos x="T116" y="T117"/>
+              </a:cxn>
+              <a:cxn ang="0">
+                <a:pos x="T118" y="T119"/>
+              </a:cxn>
+              <a:cxn ang="0">
+                <a:pos x="T120" y="T121"/>
+              </a:cxn>
+            </a:cxnLst>
+            <a:rect l="0" t="0" r="r" b="b"/>
+            <a:pathLst>
+              <a:path w="1437" h="1133">
+                <a:moveTo>
+                  <a:pt x="715" y="850"/>
+                </a:moveTo>
+                <a:lnTo>
+                  <a:pt x="809" y="757"/>
+                </a:lnTo>
+                <a:lnTo>
+                  <a:pt x="686" y="634"/>
+                </a:lnTo>
+                <a:lnTo>
+                  <a:pt x="593" y="728"/>
+                </a:lnTo>
+                <a:lnTo>
+                  <a:pt x="593" y="773"/>
+                </a:lnTo>
+                <a:lnTo>
+                  <a:pt x="670" y="773"/>
+                </a:lnTo>
+                <a:lnTo>
+                  <a:pt x="670" y="850"/>
+                </a:lnTo>
+                <a:lnTo>
+                  <a:pt x="715" y="850"/>
+                </a:lnTo>
+                <a:close/>
+                <a:moveTo>
+                  <a:pt x="1069" y="270"/>
+                </a:moveTo>
+                <a:cubicBezTo>
+                  <a:pt x="1061" y="262"/>
+                  <a:pt x="1052" y="262"/>
+                  <a:pt x="1043" y="271"/>
+                </a:cubicBezTo>
+                <a:lnTo>
+                  <a:pt x="761" y="553"/>
+                </a:lnTo>
+                <a:cubicBezTo>
+                  <a:pt x="752" y="562"/>
+                  <a:pt x="752" y="571"/>
+                  <a:pt x="760" y="580"/>
+                </a:cubicBezTo>
+                <a:cubicBezTo>
+                  <a:pt x="769" y="588"/>
+                  <a:pt x="778" y="588"/>
+                  <a:pt x="787" y="579"/>
+                </a:cubicBezTo>
+                <a:lnTo>
+                  <a:pt x="1069" y="297"/>
+                </a:lnTo>
+                <a:cubicBezTo>
+                  <a:pt x="1078" y="288"/>
+                  <a:pt x="1078" y="279"/>
+                  <a:pt x="1069" y="270"/>
+                </a:cubicBezTo>
+                <a:close/>
+                <a:moveTo>
+                  <a:pt x="1134" y="749"/>
+                </a:moveTo>
+                <a:lnTo>
+                  <a:pt x="1134" y="902"/>
+                </a:lnTo>
+                <a:cubicBezTo>
+                  <a:pt x="1134" y="965"/>
+                  <a:pt x="1111" y="1020"/>
+                  <a:pt x="1066" y="1065"/>
+                </a:cubicBezTo>
+                <a:cubicBezTo>
+                  <a:pt x="1020" y="1111"/>
+                  <a:pt x="966" y="1133"/>
+                  <a:pt x="902" y="1133"/>
+                </a:cubicBezTo>
+                <a:lnTo>
+                  <a:pt x="232" y="1133"/>
+                </a:lnTo>
+                <a:cubicBezTo>
+                  <a:pt x="168" y="1133"/>
+                  <a:pt x="114" y="1111"/>
+                  <a:pt x="68" y="1065"/>
+                </a:cubicBezTo>
+                <a:cubicBezTo>
+                  <a:pt x="23" y="1020"/>
+                  <a:pt x="0" y="965"/>
+                  <a:pt x="0" y="902"/>
+                </a:cubicBezTo>
+                <a:lnTo>
+                  <a:pt x="0" y="232"/>
+                </a:lnTo>
+                <a:cubicBezTo>
+                  <a:pt x="0" y="168"/>
+                  <a:pt x="23" y="113"/>
+                  <a:pt x="68" y="68"/>
+                </a:cubicBezTo>
+                <a:cubicBezTo>
+                  <a:pt x="114" y="23"/>
+                  <a:pt x="168" y="0"/>
+                  <a:pt x="232" y="0"/>
+                </a:cubicBezTo>
+                <a:lnTo>
+                  <a:pt x="902" y="0"/>
+                </a:lnTo>
+                <a:cubicBezTo>
+                  <a:pt x="936" y="0"/>
+                  <a:pt x="967" y="7"/>
+                  <a:pt x="996" y="20"/>
+                </a:cubicBezTo>
+                <a:cubicBezTo>
+                  <a:pt x="1004" y="24"/>
+                  <a:pt x="1009" y="30"/>
+                  <a:pt x="1011" y="39"/>
+                </a:cubicBezTo>
+                <a:cubicBezTo>
+                  <a:pt x="1012" y="48"/>
+                  <a:pt x="1010" y="55"/>
+                  <a:pt x="1003" y="62"/>
+                </a:cubicBezTo>
+                <a:lnTo>
+                  <a:pt x="964" y="101"/>
+                </a:lnTo>
+                <a:cubicBezTo>
+                  <a:pt x="956" y="109"/>
+                  <a:pt x="948" y="111"/>
+                  <a:pt x="938" y="108"/>
+                </a:cubicBezTo>
+                <a:cubicBezTo>
+                  <a:pt x="926" y="105"/>
+                  <a:pt x="914" y="103"/>
+                  <a:pt x="902" y="103"/>
+                </a:cubicBezTo>
+                <a:lnTo>
+                  <a:pt x="232" y="103"/>
+                </a:lnTo>
+                <a:cubicBezTo>
+                  <a:pt x="197" y="103"/>
+                  <a:pt x="166" y="116"/>
+                  <a:pt x="141" y="141"/>
+                </a:cubicBezTo>
+                <a:cubicBezTo>
+                  <a:pt x="116" y="166"/>
+                  <a:pt x="103" y="196"/>
+                  <a:pt x="103" y="232"/>
+                </a:cubicBezTo>
+                <a:lnTo>
+                  <a:pt x="103" y="902"/>
+                </a:lnTo>
+                <a:cubicBezTo>
+                  <a:pt x="103" y="937"/>
+                  <a:pt x="116" y="967"/>
+                  <a:pt x="141" y="993"/>
+                </a:cubicBezTo>
+                <a:cubicBezTo>
+                  <a:pt x="166" y="1018"/>
+                  <a:pt x="197" y="1030"/>
+                  <a:pt x="232" y="1030"/>
+                </a:cubicBezTo>
+                <a:lnTo>
+                  <a:pt x="902" y="1030"/>
+                </a:lnTo>
+                <a:cubicBezTo>
+                  <a:pt x="937" y="1030"/>
+                  <a:pt x="968" y="1018"/>
+                  <a:pt x="993" y="993"/>
+                </a:cubicBezTo>
+                <a:cubicBezTo>
+                  <a:pt x="1018" y="967"/>
+                  <a:pt x="1031" y="937"/>
+                  <a:pt x="1031" y="902"/>
+                </a:cubicBezTo>
+                <a:lnTo>
+                  <a:pt x="1031" y="800"/>
+                </a:lnTo>
+                <a:cubicBezTo>
+                  <a:pt x="1031" y="793"/>
+                  <a:pt x="1033" y="787"/>
+                  <a:pt x="1038" y="782"/>
+                </a:cubicBezTo>
+                <a:lnTo>
+                  <a:pt x="1090" y="731"/>
+                </a:lnTo>
+                <a:cubicBezTo>
+                  <a:pt x="1098" y="723"/>
+                  <a:pt x="1107" y="721"/>
+                  <a:pt x="1118" y="725"/>
+                </a:cubicBezTo>
+                <a:cubicBezTo>
+                  <a:pt x="1128" y="730"/>
+                  <a:pt x="1134" y="737"/>
+                  <a:pt x="1134" y="749"/>
+                </a:cubicBezTo>
+                <a:close/>
+                <a:moveTo>
+                  <a:pt x="1057" y="155"/>
+                </a:moveTo>
+                <a:lnTo>
+                  <a:pt x="1288" y="386"/>
+                </a:lnTo>
+                <a:lnTo>
+                  <a:pt x="747" y="927"/>
+                </a:lnTo>
+                <a:lnTo>
+                  <a:pt x="516" y="927"/>
+                </a:lnTo>
+                <a:lnTo>
+                  <a:pt x="516" y="696"/>
+                </a:lnTo>
+                <a:lnTo>
+                  <a:pt x="1057" y="155"/>
+                </a:lnTo>
+                <a:close/>
+                <a:moveTo>
+                  <a:pt x="1414" y="261"/>
+                </a:moveTo>
+                <a:lnTo>
+                  <a:pt x="1340" y="335"/>
+                </a:lnTo>
+                <a:lnTo>
+                  <a:pt x="1108" y="103"/>
+                </a:lnTo>
+                <a:lnTo>
+                  <a:pt x="1182" y="29"/>
+                </a:lnTo>
+                <a:cubicBezTo>
+                  <a:pt x="1197" y="14"/>
+                  <a:pt x="1215" y="6"/>
+                  <a:pt x="1237" y="6"/>
+                </a:cubicBezTo>
+                <a:cubicBezTo>
+                  <a:pt x="1258" y="6"/>
+                  <a:pt x="1277" y="14"/>
+                  <a:pt x="1292" y="29"/>
+                </a:cubicBezTo>
+                <a:lnTo>
+                  <a:pt x="1414" y="151"/>
+                </a:lnTo>
+                <a:cubicBezTo>
+                  <a:pt x="1429" y="166"/>
+                  <a:pt x="1437" y="185"/>
+                  <a:pt x="1437" y="206"/>
+                </a:cubicBezTo>
+                <a:cubicBezTo>
+                  <a:pt x="1437" y="227"/>
+                  <a:pt x="1429" y="246"/>
+                  <a:pt x="1414" y="261"/>
+                </a:cubicBezTo>
+                <a:close/>
+              </a:path>
+            </a:pathLst>
+          </a:custGeom>
+          <a:solidFill>
+            <a:schemeClr val="bg2">
+              <a:lumMod val="75000"/>
+            </a:schemeClr>
+          </a:solidFill>
+          <a:ln w="0">
+            <a:noFill/>
+            <a:prstDash val="solid"/>
+            <a:round/>
+            <a:headEnd/>
+            <a:tailEnd/>
+          </a:ln>
+        </p:spPr>
+        <p:txBody>
+          <a:bodyPr vert="horz" wrap="square" lIns="91440" tIns="45720" rIns="91440" bIns="45720" numCol="1" anchor="t" anchorCtr="0" compatLnSpc="1">
+            <a:prstTxWarp prst="textNoShape">
+              <a:avLst/>
+            </a:prstTxWarp>
+          </a:bodyPr>
+          <a:lstStyle/>
+          <a:p>
+            <a:endParaRPr lang="en-US" sz="1050">
+              <a:latin typeface="Arial" panose="020B0604020202020204" pitchFamily="34" charset="0"/>
+              <a:cs typeface="Arial" panose="020B0604020202020204" pitchFamily="34" charset="0"/>
+            </a:endParaRPr>
+          </a:p>
+        </p:txBody>
+      </p:sp>
+      <p:sp>
+        <p:nvSpPr>
+          <p:cNvPr id="102" name="h2">
+            <a:extLst>
+              <a:ext uri="{FF2B5EF4-FFF2-40B4-BE49-F238E27FC236}">
+                <a16:creationId xmlns:a16="http://schemas.microsoft.com/office/drawing/2014/main" id="{19AF9B3A-C9A0-45D0-878E-E0815556F44D}"/>
+              </a:ext>
+            </a:extLst>
+          </p:cNvPr>
+          <p:cNvSpPr txBox="1"/>
+          <p:nvPr/>
+        </p:nvSpPr>
+        <p:spPr>
+          <a:xfrm>
+            <a:off x="322218" y="3013793"/>
+            <a:ext cx="2445926" cy="369332"/>
+          </a:xfrm>
+          <a:prstGeom prst="rect">
+            <a:avLst/>
+          </a:prstGeom>
+          <a:noFill/>
+          <a:ln w="9525">
+            <a:noFill/>
+          </a:ln>
+        </p:spPr>
+        <p:txBody>
+          <a:bodyPr wrap="none" rtlCol="0">
+            <a:spAutoFit/>
+          </a:bodyPr>
+          <a:lstStyle/>
+          <a:p>
+            <a:r>
+              <a:rPr lang="en-US" b="1" dirty="0">
+                <a:solidFill>
+                  <a:schemeClr val="tx1">
+                    <a:lumMod val="50000"/>
+                    <a:lumOff val="50000"/>
+                  </a:schemeClr>
+                </a:solidFill>
+                <a:latin typeface="Arial" panose="020B0604020202020204" pitchFamily="34" charset="0"/>
+                <a:cs typeface="Arial" panose="020B0604020202020204" pitchFamily="34" charset="0"/>
+              </a:rPr>
+              <a:t>Task Gruppen </a:t>
+            </a:r>
+            <a:r>
+              <a:rPr lang="en-US" b="1" dirty="0" err="1">
+                <a:solidFill>
+                  <a:schemeClr val="tx1">
+                    <a:lumMod val="50000"/>
+                    <a:lumOff val="50000"/>
+                  </a:schemeClr>
+                </a:solidFill>
+                <a:latin typeface="Arial" panose="020B0604020202020204" pitchFamily="34" charset="0"/>
+                <a:cs typeface="Arial" panose="020B0604020202020204" pitchFamily="34" charset="0"/>
+              </a:rPr>
+              <a:t>Typen</a:t>
+            </a:r>
+            <a:endParaRPr lang="en-US" b="1" dirty="0">
+              <a:solidFill>
+                <a:schemeClr val="tx1">
+                  <a:lumMod val="50000"/>
+                  <a:lumOff val="50000"/>
+                </a:schemeClr>
+              </a:solidFill>
+              <a:latin typeface="Arial" panose="020B0604020202020204" pitchFamily="34" charset="0"/>
+              <a:cs typeface="Arial" panose="020B0604020202020204" pitchFamily="34" charset="0"/>
+            </a:endParaRPr>
+          </a:p>
+        </p:txBody>
+      </p:sp>
+      <p:sp>
+        <p:nvSpPr>
+          <p:cNvPr id="103" name="Caret Down Icon">
+            <a:extLst>
+              <a:ext uri="{FF2B5EF4-FFF2-40B4-BE49-F238E27FC236}">
+                <a16:creationId xmlns:a16="http://schemas.microsoft.com/office/drawing/2014/main" id="{1DDAB189-928C-420C-9845-BB67813D3DAE}"/>
+              </a:ext>
+            </a:extLst>
+          </p:cNvPr>
+          <p:cNvSpPr>
+            <a:spLocks noChangeAspect="1"/>
+          </p:cNvSpPr>
+          <p:nvPr/>
+        </p:nvSpPr>
+        <p:spPr bwMode="auto">
+          <a:xfrm rot="16200000">
+            <a:off x="181487" y="3147659"/>
+            <a:ext cx="179388" cy="101600"/>
+          </a:xfrm>
+          <a:custGeom>
+            <a:avLst/>
+            <a:gdLst>
+              <a:gd name="T0" fmla="*/ 824 w 824"/>
+              <a:gd name="T1" fmla="*/ 52 h 464"/>
+              <a:gd name="T2" fmla="*/ 809 w 824"/>
+              <a:gd name="T3" fmla="*/ 88 h 464"/>
+              <a:gd name="T4" fmla="*/ 448 w 824"/>
+              <a:gd name="T5" fmla="*/ 449 h 464"/>
+              <a:gd name="T6" fmla="*/ 412 w 824"/>
+              <a:gd name="T7" fmla="*/ 464 h 464"/>
+              <a:gd name="T8" fmla="*/ 376 w 824"/>
+              <a:gd name="T9" fmla="*/ 449 h 464"/>
+              <a:gd name="T10" fmla="*/ 15 w 824"/>
+              <a:gd name="T11" fmla="*/ 88 h 464"/>
+              <a:gd name="T12" fmla="*/ 0 w 824"/>
+              <a:gd name="T13" fmla="*/ 52 h 464"/>
+              <a:gd name="T14" fmla="*/ 15 w 824"/>
+              <a:gd name="T15" fmla="*/ 15 h 464"/>
+              <a:gd name="T16" fmla="*/ 51 w 824"/>
+              <a:gd name="T17" fmla="*/ 0 h 464"/>
+              <a:gd name="T18" fmla="*/ 772 w 824"/>
+              <a:gd name="T19" fmla="*/ 0 h 464"/>
+              <a:gd name="T20" fmla="*/ 809 w 824"/>
+              <a:gd name="T21" fmla="*/ 15 h 464"/>
+              <a:gd name="T22" fmla="*/ 824 w 824"/>
+              <a:gd name="T23" fmla="*/ 52 h 464"/>
+            </a:gdLst>
+            <a:ahLst/>
+            <a:cxnLst>
+              <a:cxn ang="0">
+                <a:pos x="T0" y="T1"/>
+              </a:cxn>
+              <a:cxn ang="0">
+                <a:pos x="T2" y="T3"/>
+              </a:cxn>
+              <a:cxn ang="0">
+                <a:pos x="T4" y="T5"/>
+              </a:cxn>
+              <a:cxn ang="0">
+                <a:pos x="T6" y="T7"/>
+              </a:cxn>
+              <a:cxn ang="0">
+                <a:pos x="T8" y="T9"/>
+              </a:cxn>
+              <a:cxn ang="0">
+                <a:pos x="T10" y="T11"/>
+              </a:cxn>
+              <a:cxn ang="0">
+                <a:pos x="T12" y="T13"/>
+              </a:cxn>
+              <a:cxn ang="0">
+                <a:pos x="T14" y="T15"/>
+              </a:cxn>
+              <a:cxn ang="0">
+                <a:pos x="T16" y="T17"/>
+              </a:cxn>
+              <a:cxn ang="0">
+                <a:pos x="T18" y="T19"/>
+              </a:cxn>
+              <a:cxn ang="0">
+                <a:pos x="T20" y="T21"/>
+              </a:cxn>
+              <a:cxn ang="0">
+                <a:pos x="T22" y="T23"/>
+              </a:cxn>
+            </a:cxnLst>
+            <a:rect l="0" t="0" r="r" b="b"/>
+            <a:pathLst>
+              <a:path w="824" h="464">
+                <a:moveTo>
+                  <a:pt x="824" y="52"/>
+                </a:moveTo>
+                <a:cubicBezTo>
+                  <a:pt x="824" y="66"/>
+                  <a:pt x="819" y="78"/>
+                  <a:pt x="809" y="88"/>
+                </a:cubicBezTo>
+                <a:lnTo>
+                  <a:pt x="448" y="449"/>
+                </a:lnTo>
+                <a:cubicBezTo>
+                  <a:pt x="438" y="459"/>
+                  <a:pt x="426" y="464"/>
+                  <a:pt x="412" y="464"/>
+                </a:cubicBezTo>
+                <a:cubicBezTo>
+                  <a:pt x="398" y="464"/>
+                  <a:pt x="386" y="459"/>
+                  <a:pt x="376" y="449"/>
+                </a:cubicBezTo>
+                <a:lnTo>
+                  <a:pt x="15" y="88"/>
+                </a:lnTo>
+                <a:cubicBezTo>
+                  <a:pt x="5" y="78"/>
+                  <a:pt x="0" y="66"/>
+                  <a:pt x="0" y="52"/>
+                </a:cubicBezTo>
+                <a:cubicBezTo>
+                  <a:pt x="0" y="38"/>
+                  <a:pt x="5" y="26"/>
+                  <a:pt x="15" y="15"/>
+                </a:cubicBezTo>
+                <a:cubicBezTo>
+                  <a:pt x="25" y="5"/>
+                  <a:pt x="37" y="0"/>
+                  <a:pt x="51" y="0"/>
+                </a:cubicBezTo>
+                <a:lnTo>
+                  <a:pt x="772" y="0"/>
+                </a:lnTo>
+                <a:cubicBezTo>
+                  <a:pt x="786" y="0"/>
+                  <a:pt x="799" y="5"/>
+                  <a:pt x="809" y="15"/>
+                </a:cubicBezTo>
+                <a:cubicBezTo>
+                  <a:pt x="819" y="26"/>
+                  <a:pt x="824" y="38"/>
+                  <a:pt x="824" y="52"/>
+                </a:cubicBezTo>
+                <a:close/>
+              </a:path>
+            </a:pathLst>
+          </a:custGeom>
+          <a:solidFill>
+            <a:schemeClr val="tx1">
+              <a:lumMod val="50000"/>
+              <a:lumOff val="50000"/>
+            </a:schemeClr>
+          </a:solidFill>
+          <a:ln w="0">
+            <a:noFill/>
+            <a:prstDash val="solid"/>
+            <a:round/>
+            <a:headEnd/>
+            <a:tailEnd/>
+          </a:ln>
+        </p:spPr>
+        <p:txBody>
+          <a:bodyPr vert="horz" wrap="square" lIns="91440" tIns="45720" rIns="91440" bIns="45720" numCol="1" anchor="t" anchorCtr="0" compatLnSpc="1">
+            <a:prstTxWarp prst="textNoShape">
+              <a:avLst/>
+            </a:prstTxWarp>
+          </a:bodyPr>
+          <a:lstStyle/>
+          <a:p>
+            <a:endParaRPr lang="en-US" sz="1050">
+              <a:solidFill>
+                <a:schemeClr val="tx1">
+                  <a:lumMod val="65000"/>
+                  <a:lumOff val="35000"/>
+                </a:schemeClr>
+              </a:solidFill>
+              <a:latin typeface="Arial" panose="020B0604020202020204" pitchFamily="34" charset="0"/>
+              <a:cs typeface="Arial" panose="020B0604020202020204" pitchFamily="34" charset="0"/>
+            </a:endParaRPr>
+          </a:p>
+        </p:txBody>
+      </p:sp>
+      <p:sp>
+        <p:nvSpPr>
+          <p:cNvPr id="3" name="Rectangle 2">
+            <a:extLst>
+              <a:ext uri="{FF2B5EF4-FFF2-40B4-BE49-F238E27FC236}">
+                <a16:creationId xmlns:a16="http://schemas.microsoft.com/office/drawing/2014/main" id="{8340F56B-DC32-4955-B3C1-511E5539EE8D}"/>
+              </a:ext>
+            </a:extLst>
+          </p:cNvPr>
+          <p:cNvSpPr/>
+          <p:nvPr/>
+        </p:nvSpPr>
+        <p:spPr>
+          <a:xfrm>
+            <a:off x="4568075" y="2193739"/>
+            <a:ext cx="243317" cy="244475"/>
+          </a:xfrm>
+          <a:prstGeom prst="rect">
+            <a:avLst/>
+          </a:prstGeom>
+          <a:solidFill>
+            <a:srgbClr val="990000"/>
+          </a:solidFill>
+          <a:ln>
+            <a:noFill/>
+          </a:ln>
+        </p:spPr>
+        <p:style>
+          <a:lnRef idx="2">
+            <a:schemeClr val="accent1">
+              <a:shade val="50000"/>
+            </a:schemeClr>
+          </a:lnRef>
+          <a:fillRef idx="1">
+            <a:schemeClr val="accent1"/>
+          </a:fillRef>
+          <a:effectRef idx="0">
+            <a:schemeClr val="accent1"/>
+          </a:effectRef>
+          <a:fontRef idx="minor">
+            <a:schemeClr val="lt1"/>
+          </a:fontRef>
+        </p:style>
+        <p:txBody>
+          <a:bodyPr rtlCol="0" anchor="ctr"/>
+          <a:lstStyle/>
+          <a:p>
+            <a:pPr algn="ctr"/>
+            <a:endParaRPr lang="de-AT"/>
+          </a:p>
+        </p:txBody>
+      </p:sp>
+      <p:sp>
+        <p:nvSpPr>
+          <p:cNvPr id="36" name="Rectangle 35">
+            <a:extLst>
+              <a:ext uri="{FF2B5EF4-FFF2-40B4-BE49-F238E27FC236}">
+                <a16:creationId xmlns:a16="http://schemas.microsoft.com/office/drawing/2014/main" id="{D115D0BC-3613-4661-A6C2-6013A46B587A}"/>
+              </a:ext>
+            </a:extLst>
+          </p:cNvPr>
+          <p:cNvSpPr/>
+          <p:nvPr/>
+        </p:nvSpPr>
+        <p:spPr>
+          <a:xfrm>
+            <a:off x="4571999" y="2573891"/>
+            <a:ext cx="243317" cy="244475"/>
+          </a:xfrm>
+          <a:prstGeom prst="rect">
+            <a:avLst/>
+          </a:prstGeom>
+          <a:solidFill>
+            <a:srgbClr val="FFC000"/>
+          </a:solidFill>
+          <a:ln>
+            <a:noFill/>
+          </a:ln>
+        </p:spPr>
+        <p:style>
+          <a:lnRef idx="2">
+            <a:schemeClr val="accent1">
+              <a:shade val="50000"/>
+            </a:schemeClr>
+          </a:lnRef>
+          <a:fillRef idx="1">
+            <a:schemeClr val="accent1"/>
+          </a:fillRef>
+          <a:effectRef idx="0">
+            <a:schemeClr val="accent1"/>
+          </a:effectRef>
+          <a:fontRef idx="minor">
+            <a:schemeClr val="lt1"/>
+          </a:fontRef>
+        </p:style>
+        <p:txBody>
+          <a:bodyPr rtlCol="0" anchor="ctr"/>
+          <a:lstStyle/>
+          <a:p>
+            <a:pPr algn="ctr"/>
+            <a:endParaRPr lang="de-AT"/>
+          </a:p>
+        </p:txBody>
+      </p:sp>
+      <p:sp>
+        <p:nvSpPr>
+          <p:cNvPr id="37" name="Trash Icon">
+            <a:extLst>
+              <a:ext uri="{FF2B5EF4-FFF2-40B4-BE49-F238E27FC236}">
+                <a16:creationId xmlns:a16="http://schemas.microsoft.com/office/drawing/2014/main" id="{62F164DB-9DD6-4709-8EDF-F3D701649EAE}"/>
+              </a:ext>
+            </a:extLst>
+          </p:cNvPr>
+          <p:cNvSpPr>
+            <a:spLocks noChangeAspect="1" noEditPoints="1"/>
+          </p:cNvSpPr>
+          <p:nvPr/>
+        </p:nvSpPr>
+        <p:spPr bwMode="auto">
+          <a:xfrm>
+            <a:off x="6557643" y="2208400"/>
+            <a:ext cx="244475" cy="266700"/>
+          </a:xfrm>
+          <a:custGeom>
+            <a:avLst/>
+            <a:gdLst>
+              <a:gd name="T0" fmla="*/ 412 w 1134"/>
+              <a:gd name="T1" fmla="*/ 953 h 1237"/>
+              <a:gd name="T2" fmla="*/ 386 w 1134"/>
+              <a:gd name="T3" fmla="*/ 979 h 1237"/>
+              <a:gd name="T4" fmla="*/ 316 w 1134"/>
+              <a:gd name="T5" fmla="*/ 972 h 1237"/>
+              <a:gd name="T6" fmla="*/ 309 w 1134"/>
+              <a:gd name="T7" fmla="*/ 490 h 1237"/>
+              <a:gd name="T8" fmla="*/ 335 w 1134"/>
+              <a:gd name="T9" fmla="*/ 464 h 1237"/>
+              <a:gd name="T10" fmla="*/ 405 w 1134"/>
+              <a:gd name="T11" fmla="*/ 471 h 1237"/>
+              <a:gd name="T12" fmla="*/ 618 w 1134"/>
+              <a:gd name="T13" fmla="*/ 490 h 1237"/>
+              <a:gd name="T14" fmla="*/ 611 w 1134"/>
+              <a:gd name="T15" fmla="*/ 972 h 1237"/>
+              <a:gd name="T16" fmla="*/ 541 w 1134"/>
+              <a:gd name="T17" fmla="*/ 979 h 1237"/>
+              <a:gd name="T18" fmla="*/ 515 w 1134"/>
+              <a:gd name="T19" fmla="*/ 953 h 1237"/>
+              <a:gd name="T20" fmla="*/ 523 w 1134"/>
+              <a:gd name="T21" fmla="*/ 471 h 1237"/>
+              <a:gd name="T22" fmla="*/ 593 w 1134"/>
+              <a:gd name="T23" fmla="*/ 464 h 1237"/>
+              <a:gd name="T24" fmla="*/ 618 w 1134"/>
+              <a:gd name="T25" fmla="*/ 490 h 1237"/>
+              <a:gd name="T26" fmla="*/ 824 w 1134"/>
+              <a:gd name="T27" fmla="*/ 953 h 1237"/>
+              <a:gd name="T28" fmla="*/ 799 w 1134"/>
+              <a:gd name="T29" fmla="*/ 979 h 1237"/>
+              <a:gd name="T30" fmla="*/ 729 w 1134"/>
+              <a:gd name="T31" fmla="*/ 972 h 1237"/>
+              <a:gd name="T32" fmla="*/ 721 w 1134"/>
+              <a:gd name="T33" fmla="*/ 490 h 1237"/>
+              <a:gd name="T34" fmla="*/ 747 w 1134"/>
+              <a:gd name="T35" fmla="*/ 464 h 1237"/>
+              <a:gd name="T36" fmla="*/ 817 w 1134"/>
+              <a:gd name="T37" fmla="*/ 471 h 1237"/>
+              <a:gd name="T38" fmla="*/ 927 w 1134"/>
+              <a:gd name="T39" fmla="*/ 1073 h 1237"/>
+              <a:gd name="T40" fmla="*/ 206 w 1134"/>
+              <a:gd name="T41" fmla="*/ 309 h 1237"/>
+              <a:gd name="T42" fmla="*/ 212 w 1134"/>
+              <a:gd name="T43" fmla="*/ 1105 h 1237"/>
+              <a:gd name="T44" fmla="*/ 232 w 1134"/>
+              <a:gd name="T45" fmla="*/ 1134 h 1237"/>
+              <a:gd name="T46" fmla="*/ 910 w 1134"/>
+              <a:gd name="T47" fmla="*/ 1127 h 1237"/>
+              <a:gd name="T48" fmla="*/ 927 w 1134"/>
+              <a:gd name="T49" fmla="*/ 1073 h 1237"/>
+              <a:gd name="T50" fmla="*/ 747 w 1134"/>
+              <a:gd name="T51" fmla="*/ 206 h 1237"/>
+              <a:gd name="T52" fmla="*/ 695 w 1134"/>
+              <a:gd name="T53" fmla="*/ 103 h 1237"/>
+              <a:gd name="T54" fmla="*/ 426 w 1134"/>
+              <a:gd name="T55" fmla="*/ 112 h 1237"/>
+              <a:gd name="T56" fmla="*/ 1134 w 1134"/>
+              <a:gd name="T57" fmla="*/ 232 h 1237"/>
+              <a:gd name="T58" fmla="*/ 1126 w 1134"/>
+              <a:gd name="T59" fmla="*/ 302 h 1237"/>
+              <a:gd name="T60" fmla="*/ 1031 w 1134"/>
+              <a:gd name="T61" fmla="*/ 309 h 1237"/>
+              <a:gd name="T62" fmla="*/ 993 w 1134"/>
+              <a:gd name="T63" fmla="*/ 1188 h 1237"/>
+              <a:gd name="T64" fmla="*/ 232 w 1134"/>
+              <a:gd name="T65" fmla="*/ 1237 h 1237"/>
+              <a:gd name="T66" fmla="*/ 103 w 1134"/>
+              <a:gd name="T67" fmla="*/ 1076 h 1237"/>
+              <a:gd name="T68" fmla="*/ 26 w 1134"/>
+              <a:gd name="T69" fmla="*/ 309 h 1237"/>
+              <a:gd name="T70" fmla="*/ 0 w 1134"/>
+              <a:gd name="T71" fmla="*/ 284 h 1237"/>
+              <a:gd name="T72" fmla="*/ 7 w 1134"/>
+              <a:gd name="T73" fmla="*/ 214 h 1237"/>
+              <a:gd name="T74" fmla="*/ 275 w 1134"/>
+              <a:gd name="T75" fmla="*/ 206 h 1237"/>
+              <a:gd name="T76" fmla="*/ 374 w 1134"/>
+              <a:gd name="T77" fmla="*/ 21 h 1237"/>
+              <a:gd name="T78" fmla="*/ 696 w 1134"/>
+              <a:gd name="T79" fmla="*/ 0 h 1237"/>
+              <a:gd name="T80" fmla="*/ 803 w 1134"/>
+              <a:gd name="T81" fmla="*/ 72 h 1237"/>
+              <a:gd name="T82" fmla="*/ 1108 w 1134"/>
+              <a:gd name="T83" fmla="*/ 206 h 1237"/>
+              <a:gd name="T84" fmla="*/ 1134 w 1134"/>
+              <a:gd name="T85" fmla="*/ 232 h 1237"/>
+            </a:gdLst>
+            <a:ahLst/>
+            <a:cxnLst>
+              <a:cxn ang="0">
+                <a:pos x="T0" y="T1"/>
+              </a:cxn>
+              <a:cxn ang="0">
+                <a:pos x="T2" y="T3"/>
+              </a:cxn>
+              <a:cxn ang="0">
+                <a:pos x="T4" y="T5"/>
+              </a:cxn>
+              <a:cxn ang="0">
+                <a:pos x="T6" y="T7"/>
+              </a:cxn>
+              <a:cxn ang="0">
+                <a:pos x="T8" y="T9"/>
+              </a:cxn>
+              <a:cxn ang="0">
+                <a:pos x="T10" y="T11"/>
+              </a:cxn>
+              <a:cxn ang="0">
+                <a:pos x="T12" y="T13"/>
+              </a:cxn>
+              <a:cxn ang="0">
+                <a:pos x="T14" y="T15"/>
+              </a:cxn>
+              <a:cxn ang="0">
+                <a:pos x="T16" y="T17"/>
+              </a:cxn>
+              <a:cxn ang="0">
+                <a:pos x="T18" y="T19"/>
+              </a:cxn>
+              <a:cxn ang="0">
+                <a:pos x="T20" y="T21"/>
+              </a:cxn>
+              <a:cxn ang="0">
+                <a:pos x="T22" y="T23"/>
+              </a:cxn>
+              <a:cxn ang="0">
+                <a:pos x="T24" y="T25"/>
+              </a:cxn>
+              <a:cxn ang="0">
+                <a:pos x="T26" y="T27"/>
+              </a:cxn>
+              <a:cxn ang="0">
+                <a:pos x="T28" y="T29"/>
+              </a:cxn>
+              <a:cxn ang="0">
+                <a:pos x="T30" y="T31"/>
+              </a:cxn>
+              <a:cxn ang="0">
+                <a:pos x="T32" y="T33"/>
+              </a:cxn>
+              <a:cxn ang="0">
+                <a:pos x="T34" y="T35"/>
+              </a:cxn>
+              <a:cxn ang="0">
+                <a:pos x="T36" y="T37"/>
+              </a:cxn>
+              <a:cxn ang="0">
+                <a:pos x="T38" y="T39"/>
+              </a:cxn>
+              <a:cxn ang="0">
+                <a:pos x="T40" y="T41"/>
+              </a:cxn>
+              <a:cxn ang="0">
+                <a:pos x="T42" y="T43"/>
+              </a:cxn>
+              <a:cxn ang="0">
+                <a:pos x="T44" y="T45"/>
+              </a:cxn>
+              <a:cxn ang="0">
+                <a:pos x="T46" y="T47"/>
+              </a:cxn>
+              <a:cxn ang="0">
+                <a:pos x="T48" y="T49"/>
+              </a:cxn>
+              <a:cxn ang="0">
+                <a:pos x="T50" y="T51"/>
+              </a:cxn>
+              <a:cxn ang="0">
+                <a:pos x="T52" y="T53"/>
+              </a:cxn>
+              <a:cxn ang="0">
+                <a:pos x="T54" y="T55"/>
+              </a:cxn>
+              <a:cxn ang="0">
+                <a:pos x="T56" y="T57"/>
+              </a:cxn>
+              <a:cxn ang="0">
+                <a:pos x="T58" y="T59"/>
+              </a:cxn>
+              <a:cxn ang="0">
+                <a:pos x="T60" y="T61"/>
+              </a:cxn>
+              <a:cxn ang="0">
+                <a:pos x="T62" y="T63"/>
+              </a:cxn>
+              <a:cxn ang="0">
+                <a:pos x="T64" y="T65"/>
+              </a:cxn>
+              <a:cxn ang="0">
+                <a:pos x="T66" y="T67"/>
+              </a:cxn>
+              <a:cxn ang="0">
+                <a:pos x="T68" y="T69"/>
+              </a:cxn>
+              <a:cxn ang="0">
+                <a:pos x="T70" y="T71"/>
+              </a:cxn>
+              <a:cxn ang="0">
+                <a:pos x="T72" y="T73"/>
+              </a:cxn>
+              <a:cxn ang="0">
+                <a:pos x="T74" y="T75"/>
+              </a:cxn>
+              <a:cxn ang="0">
+                <a:pos x="T76" y="T77"/>
+              </a:cxn>
+              <a:cxn ang="0">
+                <a:pos x="T78" y="T79"/>
+              </a:cxn>
+              <a:cxn ang="0">
+                <a:pos x="T80" y="T81"/>
+              </a:cxn>
+              <a:cxn ang="0">
+                <a:pos x="T82" y="T83"/>
+              </a:cxn>
+              <a:cxn ang="0">
+                <a:pos x="T84" y="T85"/>
+              </a:cxn>
+            </a:cxnLst>
+            <a:rect l="0" t="0" r="r" b="b"/>
+            <a:pathLst>
+              <a:path w="1134" h="1237">
+                <a:moveTo>
+                  <a:pt x="412" y="490"/>
+                </a:moveTo>
+                <a:lnTo>
+                  <a:pt x="412" y="953"/>
+                </a:lnTo>
+                <a:cubicBezTo>
+                  <a:pt x="412" y="961"/>
+                  <a:pt x="410" y="967"/>
+                  <a:pt x="405" y="972"/>
+                </a:cubicBezTo>
+                <a:cubicBezTo>
+                  <a:pt x="400" y="977"/>
+                  <a:pt x="394" y="979"/>
+                  <a:pt x="386" y="979"/>
+                </a:cubicBezTo>
+                <a:lnTo>
+                  <a:pt x="335" y="979"/>
+                </a:lnTo>
+                <a:cubicBezTo>
+                  <a:pt x="327" y="979"/>
+                  <a:pt x="321" y="977"/>
+                  <a:pt x="316" y="972"/>
+                </a:cubicBezTo>
+                <a:cubicBezTo>
+                  <a:pt x="312" y="967"/>
+                  <a:pt x="309" y="961"/>
+                  <a:pt x="309" y="953"/>
+                </a:cubicBezTo>
+                <a:lnTo>
+                  <a:pt x="309" y="490"/>
+                </a:lnTo>
+                <a:cubicBezTo>
+                  <a:pt x="309" y="482"/>
+                  <a:pt x="312" y="476"/>
+                  <a:pt x="316" y="471"/>
+                </a:cubicBezTo>
+                <a:cubicBezTo>
+                  <a:pt x="321" y="466"/>
+                  <a:pt x="327" y="464"/>
+                  <a:pt x="335" y="464"/>
+                </a:cubicBezTo>
+                <a:lnTo>
+                  <a:pt x="386" y="464"/>
+                </a:lnTo>
+                <a:cubicBezTo>
+                  <a:pt x="394" y="464"/>
+                  <a:pt x="400" y="466"/>
+                  <a:pt x="405" y="471"/>
+                </a:cubicBezTo>
+                <a:cubicBezTo>
+                  <a:pt x="410" y="476"/>
+                  <a:pt x="412" y="482"/>
+                  <a:pt x="412" y="490"/>
+                </a:cubicBezTo>
+                <a:close/>
+                <a:moveTo>
+                  <a:pt x="618" y="490"/>
+                </a:moveTo>
+                <a:lnTo>
+                  <a:pt x="618" y="953"/>
+                </a:lnTo>
+                <a:cubicBezTo>
+                  <a:pt x="618" y="961"/>
+                  <a:pt x="616" y="967"/>
+                  <a:pt x="611" y="972"/>
+                </a:cubicBezTo>
+                <a:cubicBezTo>
+                  <a:pt x="606" y="977"/>
+                  <a:pt x="600" y="979"/>
+                  <a:pt x="593" y="979"/>
+                </a:cubicBezTo>
+                <a:lnTo>
+                  <a:pt x="541" y="979"/>
+                </a:lnTo>
+                <a:cubicBezTo>
+                  <a:pt x="534" y="979"/>
+                  <a:pt x="527" y="977"/>
+                  <a:pt x="523" y="972"/>
+                </a:cubicBezTo>
+                <a:cubicBezTo>
+                  <a:pt x="518" y="967"/>
+                  <a:pt x="515" y="961"/>
+                  <a:pt x="515" y="953"/>
+                </a:cubicBezTo>
+                <a:lnTo>
+                  <a:pt x="515" y="490"/>
+                </a:lnTo>
+                <a:cubicBezTo>
+                  <a:pt x="515" y="482"/>
+                  <a:pt x="518" y="476"/>
+                  <a:pt x="523" y="471"/>
+                </a:cubicBezTo>
+                <a:cubicBezTo>
+                  <a:pt x="527" y="466"/>
+                  <a:pt x="534" y="464"/>
+                  <a:pt x="541" y="464"/>
+                </a:cubicBezTo>
+                <a:lnTo>
+                  <a:pt x="593" y="464"/>
+                </a:lnTo>
+                <a:cubicBezTo>
+                  <a:pt x="600" y="464"/>
+                  <a:pt x="606" y="466"/>
+                  <a:pt x="611" y="471"/>
+                </a:cubicBezTo>
+                <a:cubicBezTo>
+                  <a:pt x="616" y="476"/>
+                  <a:pt x="618" y="482"/>
+                  <a:pt x="618" y="490"/>
+                </a:cubicBezTo>
+                <a:close/>
+                <a:moveTo>
+                  <a:pt x="824" y="490"/>
+                </a:moveTo>
+                <a:lnTo>
+                  <a:pt x="824" y="953"/>
+                </a:lnTo>
+                <a:cubicBezTo>
+                  <a:pt x="824" y="961"/>
+                  <a:pt x="822" y="967"/>
+                  <a:pt x="817" y="972"/>
+                </a:cubicBezTo>
+                <a:cubicBezTo>
+                  <a:pt x="812" y="977"/>
+                  <a:pt x="806" y="979"/>
+                  <a:pt x="799" y="979"/>
+                </a:cubicBezTo>
+                <a:lnTo>
+                  <a:pt x="747" y="979"/>
+                </a:lnTo>
+                <a:cubicBezTo>
+                  <a:pt x="740" y="979"/>
+                  <a:pt x="733" y="977"/>
+                  <a:pt x="729" y="972"/>
+                </a:cubicBezTo>
+                <a:cubicBezTo>
+                  <a:pt x="724" y="967"/>
+                  <a:pt x="721" y="961"/>
+                  <a:pt x="721" y="953"/>
+                </a:cubicBezTo>
+                <a:lnTo>
+                  <a:pt x="721" y="490"/>
+                </a:lnTo>
+                <a:cubicBezTo>
+                  <a:pt x="721" y="482"/>
+                  <a:pt x="724" y="476"/>
+                  <a:pt x="729" y="471"/>
+                </a:cubicBezTo>
+                <a:cubicBezTo>
+                  <a:pt x="733" y="466"/>
+                  <a:pt x="740" y="464"/>
+                  <a:pt x="747" y="464"/>
+                </a:cubicBezTo>
+                <a:lnTo>
+                  <a:pt x="799" y="464"/>
+                </a:lnTo>
+                <a:cubicBezTo>
+                  <a:pt x="806" y="464"/>
+                  <a:pt x="812" y="466"/>
+                  <a:pt x="817" y="471"/>
+                </a:cubicBezTo>
+                <a:cubicBezTo>
+                  <a:pt x="822" y="476"/>
+                  <a:pt x="824" y="482"/>
+                  <a:pt x="824" y="490"/>
+                </a:cubicBezTo>
+                <a:close/>
+                <a:moveTo>
+                  <a:pt x="927" y="1073"/>
+                </a:moveTo>
+                <a:lnTo>
+                  <a:pt x="927" y="309"/>
+                </a:lnTo>
+                <a:lnTo>
+                  <a:pt x="206" y="309"/>
+                </a:lnTo>
+                <a:lnTo>
+                  <a:pt x="206" y="1073"/>
+                </a:lnTo>
+                <a:cubicBezTo>
+                  <a:pt x="206" y="1084"/>
+                  <a:pt x="208" y="1095"/>
+                  <a:pt x="212" y="1105"/>
+                </a:cubicBezTo>
+                <a:cubicBezTo>
+                  <a:pt x="216" y="1115"/>
+                  <a:pt x="219" y="1122"/>
+                  <a:pt x="223" y="1127"/>
+                </a:cubicBezTo>
+                <a:cubicBezTo>
+                  <a:pt x="227" y="1132"/>
+                  <a:pt x="230" y="1134"/>
+                  <a:pt x="232" y="1134"/>
+                </a:cubicBezTo>
+                <a:lnTo>
+                  <a:pt x="902" y="1134"/>
+                </a:lnTo>
+                <a:cubicBezTo>
+                  <a:pt x="903" y="1134"/>
+                  <a:pt x="906" y="1132"/>
+                  <a:pt x="910" y="1127"/>
+                </a:cubicBezTo>
+                <a:cubicBezTo>
+                  <a:pt x="914" y="1122"/>
+                  <a:pt x="918" y="1115"/>
+                  <a:pt x="922" y="1105"/>
+                </a:cubicBezTo>
+                <a:cubicBezTo>
+                  <a:pt x="926" y="1095"/>
+                  <a:pt x="927" y="1084"/>
+                  <a:pt x="927" y="1073"/>
+                </a:cubicBezTo>
+                <a:close/>
+                <a:moveTo>
+                  <a:pt x="386" y="206"/>
+                </a:moveTo>
+                <a:lnTo>
+                  <a:pt x="747" y="206"/>
+                </a:lnTo>
+                <a:lnTo>
+                  <a:pt x="709" y="112"/>
+                </a:lnTo>
+                <a:cubicBezTo>
+                  <a:pt x="705" y="107"/>
+                  <a:pt x="700" y="104"/>
+                  <a:pt x="695" y="103"/>
+                </a:cubicBezTo>
+                <a:lnTo>
+                  <a:pt x="440" y="103"/>
+                </a:lnTo>
+                <a:cubicBezTo>
+                  <a:pt x="434" y="104"/>
+                  <a:pt x="430" y="107"/>
+                  <a:pt x="426" y="112"/>
+                </a:cubicBezTo>
+                <a:lnTo>
+                  <a:pt x="386" y="206"/>
+                </a:lnTo>
+                <a:close/>
+                <a:moveTo>
+                  <a:pt x="1134" y="232"/>
+                </a:moveTo>
+                <a:lnTo>
+                  <a:pt x="1134" y="284"/>
+                </a:lnTo>
+                <a:cubicBezTo>
+                  <a:pt x="1134" y="291"/>
+                  <a:pt x="1131" y="297"/>
+                  <a:pt x="1126" y="302"/>
+                </a:cubicBezTo>
+                <a:cubicBezTo>
+                  <a:pt x="1121" y="307"/>
+                  <a:pt x="1115" y="309"/>
+                  <a:pt x="1108" y="309"/>
+                </a:cubicBezTo>
+                <a:lnTo>
+                  <a:pt x="1031" y="309"/>
+                </a:lnTo>
+                <a:lnTo>
+                  <a:pt x="1031" y="1073"/>
+                </a:lnTo>
+                <a:cubicBezTo>
+                  <a:pt x="1031" y="1117"/>
+                  <a:pt x="1018" y="1156"/>
+                  <a:pt x="993" y="1188"/>
+                </a:cubicBezTo>
+                <a:cubicBezTo>
+                  <a:pt x="967" y="1221"/>
+                  <a:pt x="937" y="1237"/>
+                  <a:pt x="902" y="1237"/>
+                </a:cubicBezTo>
+                <a:lnTo>
+                  <a:pt x="232" y="1237"/>
+                </a:lnTo>
+                <a:cubicBezTo>
+                  <a:pt x="196" y="1237"/>
+                  <a:pt x="166" y="1221"/>
+                  <a:pt x="141" y="1190"/>
+                </a:cubicBezTo>
+                <a:cubicBezTo>
+                  <a:pt x="116" y="1158"/>
+                  <a:pt x="103" y="1120"/>
+                  <a:pt x="103" y="1076"/>
+                </a:cubicBezTo>
+                <a:lnTo>
+                  <a:pt x="103" y="309"/>
+                </a:lnTo>
+                <a:lnTo>
+                  <a:pt x="26" y="309"/>
+                </a:lnTo>
+                <a:cubicBezTo>
+                  <a:pt x="18" y="309"/>
+                  <a:pt x="12" y="307"/>
+                  <a:pt x="7" y="302"/>
+                </a:cubicBezTo>
+                <a:cubicBezTo>
+                  <a:pt x="2" y="297"/>
+                  <a:pt x="0" y="291"/>
+                  <a:pt x="0" y="284"/>
+                </a:cubicBezTo>
+                <a:lnTo>
+                  <a:pt x="0" y="232"/>
+                </a:lnTo>
+                <a:cubicBezTo>
+                  <a:pt x="0" y="225"/>
+                  <a:pt x="2" y="218"/>
+                  <a:pt x="7" y="214"/>
+                </a:cubicBezTo>
+                <a:cubicBezTo>
+                  <a:pt x="12" y="209"/>
+                  <a:pt x="18" y="206"/>
+                  <a:pt x="26" y="206"/>
+                </a:cubicBezTo>
+                <a:lnTo>
+                  <a:pt x="275" y="206"/>
+                </a:lnTo>
+                <a:lnTo>
+                  <a:pt x="331" y="72"/>
+                </a:lnTo>
+                <a:cubicBezTo>
+                  <a:pt x="339" y="52"/>
+                  <a:pt x="353" y="35"/>
+                  <a:pt x="374" y="21"/>
+                </a:cubicBezTo>
+                <a:cubicBezTo>
+                  <a:pt x="395" y="7"/>
+                  <a:pt x="417" y="0"/>
+                  <a:pt x="438" y="0"/>
+                </a:cubicBezTo>
+                <a:lnTo>
+                  <a:pt x="696" y="0"/>
+                </a:lnTo>
+                <a:cubicBezTo>
+                  <a:pt x="717" y="0"/>
+                  <a:pt x="738" y="7"/>
+                  <a:pt x="759" y="21"/>
+                </a:cubicBezTo>
+                <a:cubicBezTo>
+                  <a:pt x="780" y="35"/>
+                  <a:pt x="795" y="52"/>
+                  <a:pt x="803" y="72"/>
+                </a:cubicBezTo>
+                <a:lnTo>
+                  <a:pt x="859" y="206"/>
+                </a:lnTo>
+                <a:lnTo>
+                  <a:pt x="1108" y="206"/>
+                </a:lnTo>
+                <a:cubicBezTo>
+                  <a:pt x="1115" y="206"/>
+                  <a:pt x="1121" y="209"/>
+                  <a:pt x="1126" y="214"/>
+                </a:cubicBezTo>
+                <a:cubicBezTo>
+                  <a:pt x="1131" y="218"/>
+                  <a:pt x="1134" y="225"/>
+                  <a:pt x="1134" y="232"/>
+                </a:cubicBezTo>
+                <a:close/>
+              </a:path>
+            </a:pathLst>
+          </a:custGeom>
+          <a:ln>
+            <a:headEnd/>
+            <a:tailEnd/>
+          </a:ln>
+        </p:spPr>
+        <p:style>
+          <a:lnRef idx="2">
+            <a:schemeClr val="accent3"/>
+          </a:lnRef>
+          <a:fillRef idx="1">
+            <a:schemeClr val="lt1"/>
+          </a:fillRef>
+          <a:effectRef idx="0">
+            <a:schemeClr val="accent3"/>
+          </a:effectRef>
+          <a:fontRef idx="minor">
+            <a:schemeClr val="dk1"/>
+          </a:fontRef>
+        </p:style>
+        <p:txBody>
+          <a:bodyPr vert="horz" wrap="square" lIns="91440" tIns="45720" rIns="91440" bIns="45720" numCol="1" anchor="t" anchorCtr="0" compatLnSpc="1">
+            <a:prstTxWarp prst="textNoShape">
+              <a:avLst/>
+            </a:prstTxWarp>
+          </a:bodyPr>
+          <a:lstStyle/>
+          <a:p>
+            <a:endParaRPr lang="en-US" sz="1050" dirty="0">
+              <a:solidFill>
+                <a:srgbClr val="FF0000"/>
+              </a:solidFill>
+              <a:latin typeface="Arial" panose="020B0604020202020204" pitchFamily="34" charset="0"/>
+              <a:cs typeface="Arial" panose="020B0604020202020204" pitchFamily="34" charset="0"/>
+            </a:endParaRPr>
+          </a:p>
+        </p:txBody>
+      </p:sp>
+      <p:sp>
+        <p:nvSpPr>
+          <p:cNvPr id="38" name="Trash Icon">
+            <a:extLst>
+              <a:ext uri="{FF2B5EF4-FFF2-40B4-BE49-F238E27FC236}">
+                <a16:creationId xmlns:a16="http://schemas.microsoft.com/office/drawing/2014/main" id="{A8C4B84F-D69B-4A75-8B99-09CB5880FA95}"/>
+              </a:ext>
+            </a:extLst>
+          </p:cNvPr>
+          <p:cNvSpPr>
+            <a:spLocks noChangeAspect="1" noEditPoints="1"/>
+          </p:cNvSpPr>
+          <p:nvPr/>
+        </p:nvSpPr>
+        <p:spPr bwMode="auto">
+          <a:xfrm>
+            <a:off x="6557643" y="2550771"/>
+            <a:ext cx="244475" cy="266700"/>
+          </a:xfrm>
+          <a:custGeom>
+            <a:avLst/>
+            <a:gdLst>
+              <a:gd name="T0" fmla="*/ 412 w 1134"/>
+              <a:gd name="T1" fmla="*/ 953 h 1237"/>
+              <a:gd name="T2" fmla="*/ 386 w 1134"/>
+              <a:gd name="T3" fmla="*/ 979 h 1237"/>
+              <a:gd name="T4" fmla="*/ 316 w 1134"/>
+              <a:gd name="T5" fmla="*/ 972 h 1237"/>
+              <a:gd name="T6" fmla="*/ 309 w 1134"/>
+              <a:gd name="T7" fmla="*/ 490 h 1237"/>
+              <a:gd name="T8" fmla="*/ 335 w 1134"/>
+              <a:gd name="T9" fmla="*/ 464 h 1237"/>
+              <a:gd name="T10" fmla="*/ 405 w 1134"/>
+              <a:gd name="T11" fmla="*/ 471 h 1237"/>
+              <a:gd name="T12" fmla="*/ 618 w 1134"/>
+              <a:gd name="T13" fmla="*/ 490 h 1237"/>
+              <a:gd name="T14" fmla="*/ 611 w 1134"/>
+              <a:gd name="T15" fmla="*/ 972 h 1237"/>
+              <a:gd name="T16" fmla="*/ 541 w 1134"/>
+              <a:gd name="T17" fmla="*/ 979 h 1237"/>
+              <a:gd name="T18" fmla="*/ 515 w 1134"/>
+              <a:gd name="T19" fmla="*/ 953 h 1237"/>
+              <a:gd name="T20" fmla="*/ 523 w 1134"/>
+              <a:gd name="T21" fmla="*/ 471 h 1237"/>
+              <a:gd name="T22" fmla="*/ 593 w 1134"/>
+              <a:gd name="T23" fmla="*/ 464 h 1237"/>
+              <a:gd name="T24" fmla="*/ 618 w 1134"/>
+              <a:gd name="T25" fmla="*/ 490 h 1237"/>
+              <a:gd name="T26" fmla="*/ 824 w 1134"/>
+              <a:gd name="T27" fmla="*/ 953 h 1237"/>
+              <a:gd name="T28" fmla="*/ 799 w 1134"/>
+              <a:gd name="T29" fmla="*/ 979 h 1237"/>
+              <a:gd name="T30" fmla="*/ 729 w 1134"/>
+              <a:gd name="T31" fmla="*/ 972 h 1237"/>
+              <a:gd name="T32" fmla="*/ 721 w 1134"/>
+              <a:gd name="T33" fmla="*/ 490 h 1237"/>
+              <a:gd name="T34" fmla="*/ 747 w 1134"/>
+              <a:gd name="T35" fmla="*/ 464 h 1237"/>
+              <a:gd name="T36" fmla="*/ 817 w 1134"/>
+              <a:gd name="T37" fmla="*/ 471 h 1237"/>
+              <a:gd name="T38" fmla="*/ 927 w 1134"/>
+              <a:gd name="T39" fmla="*/ 1073 h 1237"/>
+              <a:gd name="T40" fmla="*/ 206 w 1134"/>
+              <a:gd name="T41" fmla="*/ 309 h 1237"/>
+              <a:gd name="T42" fmla="*/ 212 w 1134"/>
+              <a:gd name="T43" fmla="*/ 1105 h 1237"/>
+              <a:gd name="T44" fmla="*/ 232 w 1134"/>
+              <a:gd name="T45" fmla="*/ 1134 h 1237"/>
+              <a:gd name="T46" fmla="*/ 910 w 1134"/>
+              <a:gd name="T47" fmla="*/ 1127 h 1237"/>
+              <a:gd name="T48" fmla="*/ 927 w 1134"/>
+              <a:gd name="T49" fmla="*/ 1073 h 1237"/>
+              <a:gd name="T50" fmla="*/ 747 w 1134"/>
+              <a:gd name="T51" fmla="*/ 206 h 1237"/>
+              <a:gd name="T52" fmla="*/ 695 w 1134"/>
+              <a:gd name="T53" fmla="*/ 103 h 1237"/>
+              <a:gd name="T54" fmla="*/ 426 w 1134"/>
+              <a:gd name="T55" fmla="*/ 112 h 1237"/>
+              <a:gd name="T56" fmla="*/ 1134 w 1134"/>
+              <a:gd name="T57" fmla="*/ 232 h 1237"/>
+              <a:gd name="T58" fmla="*/ 1126 w 1134"/>
+              <a:gd name="T59" fmla="*/ 302 h 1237"/>
+              <a:gd name="T60" fmla="*/ 1031 w 1134"/>
+              <a:gd name="T61" fmla="*/ 309 h 1237"/>
+              <a:gd name="T62" fmla="*/ 993 w 1134"/>
+              <a:gd name="T63" fmla="*/ 1188 h 1237"/>
+              <a:gd name="T64" fmla="*/ 232 w 1134"/>
+              <a:gd name="T65" fmla="*/ 1237 h 1237"/>
+              <a:gd name="T66" fmla="*/ 103 w 1134"/>
+              <a:gd name="T67" fmla="*/ 1076 h 1237"/>
+              <a:gd name="T68" fmla="*/ 26 w 1134"/>
+              <a:gd name="T69" fmla="*/ 309 h 1237"/>
+              <a:gd name="T70" fmla="*/ 0 w 1134"/>
+              <a:gd name="T71" fmla="*/ 284 h 1237"/>
+              <a:gd name="T72" fmla="*/ 7 w 1134"/>
+              <a:gd name="T73" fmla="*/ 214 h 1237"/>
+              <a:gd name="T74" fmla="*/ 275 w 1134"/>
+              <a:gd name="T75" fmla="*/ 206 h 1237"/>
+              <a:gd name="T76" fmla="*/ 374 w 1134"/>
+              <a:gd name="T77" fmla="*/ 21 h 1237"/>
+              <a:gd name="T78" fmla="*/ 696 w 1134"/>
+              <a:gd name="T79" fmla="*/ 0 h 1237"/>
+              <a:gd name="T80" fmla="*/ 803 w 1134"/>
+              <a:gd name="T81" fmla="*/ 72 h 1237"/>
+              <a:gd name="T82" fmla="*/ 1108 w 1134"/>
+              <a:gd name="T83" fmla="*/ 206 h 1237"/>
+              <a:gd name="T84" fmla="*/ 1134 w 1134"/>
+              <a:gd name="T85" fmla="*/ 232 h 1237"/>
+            </a:gdLst>
+            <a:ahLst/>
+            <a:cxnLst>
+              <a:cxn ang="0">
+                <a:pos x="T0" y="T1"/>
+              </a:cxn>
+              <a:cxn ang="0">
+                <a:pos x="T2" y="T3"/>
+              </a:cxn>
+              <a:cxn ang="0">
+                <a:pos x="T4" y="T5"/>
+              </a:cxn>
+              <a:cxn ang="0">
+                <a:pos x="T6" y="T7"/>
+              </a:cxn>
+              <a:cxn ang="0">
+                <a:pos x="T8" y="T9"/>
+              </a:cxn>
+              <a:cxn ang="0">
+                <a:pos x="T10" y="T11"/>
+              </a:cxn>
+              <a:cxn ang="0">
+                <a:pos x="T12" y="T13"/>
+              </a:cxn>
+              <a:cxn ang="0">
+                <a:pos x="T14" y="T15"/>
+              </a:cxn>
+              <a:cxn ang="0">
+                <a:pos x="T16" y="T17"/>
+              </a:cxn>
+              <a:cxn ang="0">
+                <a:pos x="T18" y="T19"/>
+              </a:cxn>
+              <a:cxn ang="0">
+                <a:pos x="T20" y="T21"/>
+              </a:cxn>
+              <a:cxn ang="0">
+                <a:pos x="T22" y="T23"/>
+              </a:cxn>
+              <a:cxn ang="0">
+                <a:pos x="T24" y="T25"/>
+              </a:cxn>
+              <a:cxn ang="0">
+                <a:pos x="T26" y="T27"/>
+              </a:cxn>
+              <a:cxn ang="0">
+                <a:pos x="T28" y="T29"/>
+              </a:cxn>
+              <a:cxn ang="0">
+                <a:pos x="T30" y="T31"/>
+              </a:cxn>
+              <a:cxn ang="0">
+                <a:pos x="T32" y="T33"/>
+              </a:cxn>
+              <a:cxn ang="0">
+                <a:pos x="T34" y="T35"/>
+              </a:cxn>
+              <a:cxn ang="0">
+                <a:pos x="T36" y="T37"/>
+              </a:cxn>
+              <a:cxn ang="0">
+                <a:pos x="T38" y="T39"/>
+              </a:cxn>
+              <a:cxn ang="0">
+                <a:pos x="T40" y="T41"/>
+              </a:cxn>
+              <a:cxn ang="0">
+                <a:pos x="T42" y="T43"/>
+              </a:cxn>
+              <a:cxn ang="0">
+                <a:pos x="T44" y="T45"/>
+              </a:cxn>
+              <a:cxn ang="0">
+                <a:pos x="T46" y="T47"/>
+              </a:cxn>
+              <a:cxn ang="0">
+                <a:pos x="T48" y="T49"/>
+              </a:cxn>
+              <a:cxn ang="0">
+                <a:pos x="T50" y="T51"/>
+              </a:cxn>
+              <a:cxn ang="0">
+                <a:pos x="T52" y="T53"/>
+              </a:cxn>
+              <a:cxn ang="0">
+                <a:pos x="T54" y="T55"/>
+              </a:cxn>
+              <a:cxn ang="0">
+                <a:pos x="T56" y="T57"/>
+              </a:cxn>
+              <a:cxn ang="0">
+                <a:pos x="T58" y="T59"/>
+              </a:cxn>
+              <a:cxn ang="0">
+                <a:pos x="T60" y="T61"/>
+              </a:cxn>
+              <a:cxn ang="0">
+                <a:pos x="T62" y="T63"/>
+              </a:cxn>
+              <a:cxn ang="0">
+                <a:pos x="T64" y="T65"/>
+              </a:cxn>
+              <a:cxn ang="0">
+                <a:pos x="T66" y="T67"/>
+              </a:cxn>
+              <a:cxn ang="0">
+                <a:pos x="T68" y="T69"/>
+              </a:cxn>
+              <a:cxn ang="0">
+                <a:pos x="T70" y="T71"/>
+              </a:cxn>
+              <a:cxn ang="0">
+                <a:pos x="T72" y="T73"/>
+              </a:cxn>
+              <a:cxn ang="0">
+                <a:pos x="T74" y="T75"/>
+              </a:cxn>
+              <a:cxn ang="0">
+                <a:pos x="T76" y="T77"/>
+              </a:cxn>
+              <a:cxn ang="0">
+                <a:pos x="T78" y="T79"/>
+              </a:cxn>
+              <a:cxn ang="0">
+                <a:pos x="T80" y="T81"/>
+              </a:cxn>
+              <a:cxn ang="0">
+                <a:pos x="T82" y="T83"/>
+              </a:cxn>
+              <a:cxn ang="0">
+                <a:pos x="T84" y="T85"/>
+              </a:cxn>
+            </a:cxnLst>
+            <a:rect l="0" t="0" r="r" b="b"/>
+            <a:pathLst>
+              <a:path w="1134" h="1237">
+                <a:moveTo>
+                  <a:pt x="412" y="490"/>
+                </a:moveTo>
+                <a:lnTo>
+                  <a:pt x="412" y="953"/>
+                </a:lnTo>
+                <a:cubicBezTo>
+                  <a:pt x="412" y="961"/>
+                  <a:pt x="410" y="967"/>
+                  <a:pt x="405" y="972"/>
+                </a:cubicBezTo>
+                <a:cubicBezTo>
+                  <a:pt x="400" y="977"/>
+                  <a:pt x="394" y="979"/>
+                  <a:pt x="386" y="979"/>
+                </a:cubicBezTo>
+                <a:lnTo>
+                  <a:pt x="335" y="979"/>
+                </a:lnTo>
+                <a:cubicBezTo>
+                  <a:pt x="327" y="979"/>
+                  <a:pt x="321" y="977"/>
+                  <a:pt x="316" y="972"/>
+                </a:cubicBezTo>
+                <a:cubicBezTo>
+                  <a:pt x="312" y="967"/>
+                  <a:pt x="309" y="961"/>
+                  <a:pt x="309" y="953"/>
+                </a:cubicBezTo>
+                <a:lnTo>
+                  <a:pt x="309" y="490"/>
+                </a:lnTo>
+                <a:cubicBezTo>
+                  <a:pt x="309" y="482"/>
+                  <a:pt x="312" y="476"/>
+                  <a:pt x="316" y="471"/>
+                </a:cubicBezTo>
+                <a:cubicBezTo>
+                  <a:pt x="321" y="466"/>
+                  <a:pt x="327" y="464"/>
+                  <a:pt x="335" y="464"/>
+                </a:cubicBezTo>
+                <a:lnTo>
+                  <a:pt x="386" y="464"/>
+                </a:lnTo>
+                <a:cubicBezTo>
+                  <a:pt x="394" y="464"/>
+                  <a:pt x="400" y="466"/>
+                  <a:pt x="405" y="471"/>
+                </a:cubicBezTo>
+                <a:cubicBezTo>
+                  <a:pt x="410" y="476"/>
+                  <a:pt x="412" y="482"/>
+                  <a:pt x="412" y="490"/>
+                </a:cubicBezTo>
+                <a:close/>
+                <a:moveTo>
+                  <a:pt x="618" y="490"/>
+                </a:moveTo>
+                <a:lnTo>
+                  <a:pt x="618" y="953"/>
+                </a:lnTo>
+                <a:cubicBezTo>
+                  <a:pt x="618" y="961"/>
+                  <a:pt x="616" y="967"/>
+                  <a:pt x="611" y="972"/>
+                </a:cubicBezTo>
+                <a:cubicBezTo>
+                  <a:pt x="606" y="977"/>
+                  <a:pt x="600" y="979"/>
+                  <a:pt x="593" y="979"/>
+                </a:cubicBezTo>
+                <a:lnTo>
+                  <a:pt x="541" y="979"/>
+                </a:lnTo>
+                <a:cubicBezTo>
+                  <a:pt x="534" y="979"/>
+                  <a:pt x="527" y="977"/>
+                  <a:pt x="523" y="972"/>
+                </a:cubicBezTo>
+                <a:cubicBezTo>
+                  <a:pt x="518" y="967"/>
+                  <a:pt x="515" y="961"/>
+                  <a:pt x="515" y="953"/>
+                </a:cubicBezTo>
+                <a:lnTo>
+                  <a:pt x="515" y="490"/>
+                </a:lnTo>
+                <a:cubicBezTo>
+                  <a:pt x="515" y="482"/>
+                  <a:pt x="518" y="476"/>
+                  <a:pt x="523" y="471"/>
+                </a:cubicBezTo>
+                <a:cubicBezTo>
+                  <a:pt x="527" y="466"/>
+                  <a:pt x="534" y="464"/>
+                  <a:pt x="541" y="464"/>
+                </a:cubicBezTo>
+                <a:lnTo>
+                  <a:pt x="593" y="464"/>
+                </a:lnTo>
+                <a:cubicBezTo>
+                  <a:pt x="600" y="464"/>
+                  <a:pt x="606" y="466"/>
+                  <a:pt x="611" y="471"/>
+                </a:cubicBezTo>
+                <a:cubicBezTo>
+                  <a:pt x="616" y="476"/>
+                  <a:pt x="618" y="482"/>
+                  <a:pt x="618" y="490"/>
+                </a:cubicBezTo>
+                <a:close/>
+                <a:moveTo>
+                  <a:pt x="824" y="490"/>
+                </a:moveTo>
+                <a:lnTo>
+                  <a:pt x="824" y="953"/>
+                </a:lnTo>
+                <a:cubicBezTo>
+                  <a:pt x="824" y="961"/>
+                  <a:pt x="822" y="967"/>
+                  <a:pt x="817" y="972"/>
+                </a:cubicBezTo>
+                <a:cubicBezTo>
+                  <a:pt x="812" y="977"/>
+                  <a:pt x="806" y="979"/>
+                  <a:pt x="799" y="979"/>
+                </a:cubicBezTo>
+                <a:lnTo>
+                  <a:pt x="747" y="979"/>
+                </a:lnTo>
+                <a:cubicBezTo>
+                  <a:pt x="740" y="979"/>
+                  <a:pt x="733" y="977"/>
+                  <a:pt x="729" y="972"/>
+                </a:cubicBezTo>
+                <a:cubicBezTo>
+                  <a:pt x="724" y="967"/>
+                  <a:pt x="721" y="961"/>
+                  <a:pt x="721" y="953"/>
+                </a:cubicBezTo>
+                <a:lnTo>
+                  <a:pt x="721" y="490"/>
+                </a:lnTo>
+                <a:cubicBezTo>
+                  <a:pt x="721" y="482"/>
+                  <a:pt x="724" y="476"/>
+                  <a:pt x="729" y="471"/>
+                </a:cubicBezTo>
+                <a:cubicBezTo>
+                  <a:pt x="733" y="466"/>
+                  <a:pt x="740" y="464"/>
+                  <a:pt x="747" y="464"/>
+                </a:cubicBezTo>
+                <a:lnTo>
+                  <a:pt x="799" y="464"/>
+                </a:lnTo>
+                <a:cubicBezTo>
+                  <a:pt x="806" y="464"/>
+                  <a:pt x="812" y="466"/>
+                  <a:pt x="817" y="471"/>
+                </a:cubicBezTo>
+                <a:cubicBezTo>
+                  <a:pt x="822" y="476"/>
+                  <a:pt x="824" y="482"/>
+                  <a:pt x="824" y="490"/>
+                </a:cubicBezTo>
+                <a:close/>
+                <a:moveTo>
+                  <a:pt x="927" y="1073"/>
+                </a:moveTo>
+                <a:lnTo>
+                  <a:pt x="927" y="309"/>
+                </a:lnTo>
+                <a:lnTo>
+                  <a:pt x="206" y="309"/>
+                </a:lnTo>
+                <a:lnTo>
+                  <a:pt x="206" y="1073"/>
+                </a:lnTo>
+                <a:cubicBezTo>
+                  <a:pt x="206" y="1084"/>
+                  <a:pt x="208" y="1095"/>
+                  <a:pt x="212" y="1105"/>
+                </a:cubicBezTo>
+                <a:cubicBezTo>
+                  <a:pt x="216" y="1115"/>
+                  <a:pt x="219" y="1122"/>
+                  <a:pt x="223" y="1127"/>
+                </a:cubicBezTo>
+                <a:cubicBezTo>
+                  <a:pt x="227" y="1132"/>
+                  <a:pt x="230" y="1134"/>
+                  <a:pt x="232" y="1134"/>
+                </a:cubicBezTo>
+                <a:lnTo>
+                  <a:pt x="902" y="1134"/>
+                </a:lnTo>
+                <a:cubicBezTo>
+                  <a:pt x="903" y="1134"/>
+                  <a:pt x="906" y="1132"/>
+                  <a:pt x="910" y="1127"/>
+                </a:cubicBezTo>
+                <a:cubicBezTo>
+                  <a:pt x="914" y="1122"/>
+                  <a:pt x="918" y="1115"/>
+                  <a:pt x="922" y="1105"/>
+                </a:cubicBezTo>
+                <a:cubicBezTo>
+                  <a:pt x="926" y="1095"/>
+                  <a:pt x="927" y="1084"/>
+                  <a:pt x="927" y="1073"/>
+                </a:cubicBezTo>
+                <a:close/>
+                <a:moveTo>
+                  <a:pt x="386" y="206"/>
+                </a:moveTo>
+                <a:lnTo>
+                  <a:pt x="747" y="206"/>
+                </a:lnTo>
+                <a:lnTo>
+                  <a:pt x="709" y="112"/>
+                </a:lnTo>
+                <a:cubicBezTo>
+                  <a:pt x="705" y="107"/>
+                  <a:pt x="700" y="104"/>
+                  <a:pt x="695" y="103"/>
+                </a:cubicBezTo>
+                <a:lnTo>
+                  <a:pt x="440" y="103"/>
+                </a:lnTo>
+                <a:cubicBezTo>
+                  <a:pt x="434" y="104"/>
+                  <a:pt x="430" y="107"/>
+                  <a:pt x="426" y="112"/>
+                </a:cubicBezTo>
+                <a:lnTo>
+                  <a:pt x="386" y="206"/>
+                </a:lnTo>
+                <a:close/>
+                <a:moveTo>
+                  <a:pt x="1134" y="232"/>
+                </a:moveTo>
+                <a:lnTo>
+                  <a:pt x="1134" y="284"/>
+                </a:lnTo>
+                <a:cubicBezTo>
+                  <a:pt x="1134" y="291"/>
+                  <a:pt x="1131" y="297"/>
+                  <a:pt x="1126" y="302"/>
+                </a:cubicBezTo>
+                <a:cubicBezTo>
+                  <a:pt x="1121" y="307"/>
+                  <a:pt x="1115" y="309"/>
+                  <a:pt x="1108" y="309"/>
+                </a:cubicBezTo>
+                <a:lnTo>
+                  <a:pt x="1031" y="309"/>
+                </a:lnTo>
+                <a:lnTo>
+                  <a:pt x="1031" y="1073"/>
+                </a:lnTo>
+                <a:cubicBezTo>
+                  <a:pt x="1031" y="1117"/>
+                  <a:pt x="1018" y="1156"/>
+                  <a:pt x="993" y="1188"/>
+                </a:cubicBezTo>
+                <a:cubicBezTo>
+                  <a:pt x="967" y="1221"/>
+                  <a:pt x="937" y="1237"/>
+                  <a:pt x="902" y="1237"/>
+                </a:cubicBezTo>
+                <a:lnTo>
+                  <a:pt x="232" y="1237"/>
+                </a:lnTo>
+                <a:cubicBezTo>
+                  <a:pt x="196" y="1237"/>
+                  <a:pt x="166" y="1221"/>
+                  <a:pt x="141" y="1190"/>
+                </a:cubicBezTo>
+                <a:cubicBezTo>
+                  <a:pt x="116" y="1158"/>
+                  <a:pt x="103" y="1120"/>
+                  <a:pt x="103" y="1076"/>
+                </a:cubicBezTo>
+                <a:lnTo>
+                  <a:pt x="103" y="309"/>
+                </a:lnTo>
+                <a:lnTo>
+                  <a:pt x="26" y="309"/>
+                </a:lnTo>
+                <a:cubicBezTo>
+                  <a:pt x="18" y="309"/>
+                  <a:pt x="12" y="307"/>
+                  <a:pt x="7" y="302"/>
+                </a:cubicBezTo>
+                <a:cubicBezTo>
+                  <a:pt x="2" y="297"/>
+                  <a:pt x="0" y="291"/>
+                  <a:pt x="0" y="284"/>
+                </a:cubicBezTo>
+                <a:lnTo>
+                  <a:pt x="0" y="232"/>
+                </a:lnTo>
+                <a:cubicBezTo>
+                  <a:pt x="0" y="225"/>
+                  <a:pt x="2" y="218"/>
+                  <a:pt x="7" y="214"/>
+                </a:cubicBezTo>
+                <a:cubicBezTo>
+                  <a:pt x="12" y="209"/>
+                  <a:pt x="18" y="206"/>
+                  <a:pt x="26" y="206"/>
+                </a:cubicBezTo>
+                <a:lnTo>
+                  <a:pt x="275" y="206"/>
+                </a:lnTo>
+                <a:lnTo>
+                  <a:pt x="331" y="72"/>
+                </a:lnTo>
+                <a:cubicBezTo>
+                  <a:pt x="339" y="52"/>
+                  <a:pt x="353" y="35"/>
+                  <a:pt x="374" y="21"/>
+                </a:cubicBezTo>
+                <a:cubicBezTo>
+                  <a:pt x="395" y="7"/>
+                  <a:pt x="417" y="0"/>
+                  <a:pt x="438" y="0"/>
+                </a:cubicBezTo>
+                <a:lnTo>
+                  <a:pt x="696" y="0"/>
+                </a:lnTo>
+                <a:cubicBezTo>
+                  <a:pt x="717" y="0"/>
+                  <a:pt x="738" y="7"/>
+                  <a:pt x="759" y="21"/>
+                </a:cubicBezTo>
+                <a:cubicBezTo>
+                  <a:pt x="780" y="35"/>
+                  <a:pt x="795" y="52"/>
+                  <a:pt x="803" y="72"/>
+                </a:cubicBezTo>
+                <a:lnTo>
+                  <a:pt x="859" y="206"/>
+                </a:lnTo>
+                <a:lnTo>
+                  <a:pt x="1108" y="206"/>
+                </a:lnTo>
+                <a:cubicBezTo>
+                  <a:pt x="1115" y="206"/>
+                  <a:pt x="1121" y="209"/>
+                  <a:pt x="1126" y="214"/>
+                </a:cubicBezTo>
+                <a:cubicBezTo>
+                  <a:pt x="1131" y="218"/>
+                  <a:pt x="1134" y="225"/>
+                  <a:pt x="1134" y="232"/>
+                </a:cubicBezTo>
+                <a:close/>
+              </a:path>
+            </a:pathLst>
+          </a:custGeom>
+          <a:ln>
+            <a:headEnd/>
+            <a:tailEnd/>
+          </a:ln>
+        </p:spPr>
+        <p:style>
+          <a:lnRef idx="2">
+            <a:schemeClr val="accent3"/>
+          </a:lnRef>
+          <a:fillRef idx="1">
+            <a:schemeClr val="lt1"/>
+          </a:fillRef>
+          <a:effectRef idx="0">
+            <a:schemeClr val="accent3"/>
+          </a:effectRef>
+          <a:fontRef idx="minor">
+            <a:schemeClr val="dk1"/>
+          </a:fontRef>
+        </p:style>
+        <p:txBody>
+          <a:bodyPr vert="horz" wrap="square" lIns="91440" tIns="45720" rIns="91440" bIns="45720" numCol="1" anchor="t" anchorCtr="0" compatLnSpc="1">
+            <a:prstTxWarp prst="textNoShape">
+              <a:avLst/>
+            </a:prstTxWarp>
+          </a:bodyPr>
+          <a:lstStyle/>
+          <a:p>
+            <a:endParaRPr lang="en-US" sz="1050" dirty="0">
+              <a:solidFill>
+                <a:srgbClr val="FF0000"/>
+              </a:solidFill>
+              <a:latin typeface="Arial" panose="020B0604020202020204" pitchFamily="34" charset="0"/>
+              <a:cs typeface="Arial" panose="020B0604020202020204" pitchFamily="34" charset="0"/>
+            </a:endParaRPr>
+          </a:p>
+        </p:txBody>
+      </p:sp>
+    </p:spTree>
+    <p:extLst>
+      <p:ext uri="{BB962C8B-B14F-4D97-AF65-F5344CB8AC3E}">
+        <p14:creationId xmlns:p14="http://schemas.microsoft.com/office/powerpoint/2010/main" val="2655268608"/>
+      </p:ext>
+    </p:extLst>
+  </p:cSld>
+  <p:clrMapOvr>
+    <a:masterClrMapping/>
+  </p:clrMapOvr>
+</p:sld>
+</file>
+
+<file path=ppt/slides/slide5.xml><?xml version="1.0" encoding="utf-8"?>
 <p:sld xmlns:a="http://schemas.openxmlformats.org/drawingml/2006/main" xmlns:r="http://schemas.openxmlformats.org/officeDocument/2006/relationships" xmlns:p="http://schemas.openxmlformats.org/presentationml/2006/main">
   <p:cSld>
     <p:spTree>
@@ -24706,7 +33758,7 @@
 
 <file path=customXml/item10.xml><?xml version="1.0" encoding="utf-8"?>
 <Control xmlns="http://schemas.microsoft.com/VisualStudio/2011/storyboarding/control">
-  <Id Name="System.Storyboarding.Common.TextInput" Revision="1" Stencil="System.Storyboarding.Common" StencilVersion="0.1"/>
+  <Id Name="System.Storyboarding.Common.DropdownBox" Revision="1" Stencil="System.Storyboarding.Common" StencilVersion="0.1"/>
 </Control>
 </file>
 
@@ -24718,7 +33770,7 @@
 
 <file path=customXml/item2.xml><?xml version="1.0" encoding="utf-8"?>
 <Control xmlns="http://schemas.microsoft.com/VisualStudio/2011/storyboarding/control">
-  <Id Name="System.Storyboarding.Common.TextInput" Revision="1" Stencil="System.Storyboarding.Common" StencilVersion="0.1"/>
+  <Id Name="System.Storyboarding.Common.DropdownBox" Revision="1" Stencil="System.Storyboarding.Common" StencilVersion="0.1"/>
 </Control>
 </file>
 
@@ -24730,7 +33782,7 @@
 
 <file path=customXml/item4.xml><?xml version="1.0" encoding="utf-8"?>
 <Control xmlns="http://schemas.microsoft.com/VisualStudio/2011/storyboarding/control">
-  <Id Name="a8228fbb-75bd-4c77-a300-d6dad406b8d4" Revision="1" Stencil="09ee8e29-8a48-4e3d-a569-7c1ba11c2e3d" StencilVersion="1.0"/>
+  <Id Name="System.Storyboarding.Common.TextInput" Revision="1" Stencil="System.Storyboarding.Common" StencilVersion="0.1"/>
 </Control>
 </file>
 
@@ -24742,13 +33794,13 @@
 
 <file path=customXml/item6.xml><?xml version="1.0" encoding="utf-8"?>
 <Control xmlns="http://schemas.microsoft.com/VisualStudio/2011/storyboarding/control">
-  <Id Name="System.Storyboarding.Common.DropdownBox" Revision="1" Stencil="System.Storyboarding.Common" StencilVersion="0.1"/>
+  <Id Name="a8228fbb-75bd-4c77-a300-d6dad406b8d4" Revision="1" Stencil="09ee8e29-8a48-4e3d-a569-7c1ba11c2e3d" StencilVersion="1.0"/>
 </Control>
 </file>
 
 <file path=customXml/item7.xml><?xml version="1.0" encoding="utf-8"?>
 <Control xmlns="http://schemas.microsoft.com/VisualStudio/2011/storyboarding/control">
-  <Id Name="System.Storyboarding.Common.DropdownBox" Revision="1" Stencil="System.Storyboarding.Common" StencilVersion="0.1"/>
+  <Id Name="System.Storyboarding.Common.TextInput" Revision="1" Stencil="System.Storyboarding.Common" StencilVersion="0.1"/>
 </Control>
 </file>
 
@@ -24773,6 +33825,46 @@
 </file>
 
 <file path=customXml/itemProps10.xml><?xml version="1.0" encoding="utf-8"?>
+<ds:datastoreItem xmlns:ds="http://schemas.openxmlformats.org/officeDocument/2006/customXml" ds:itemID="{B4BC5588-4AFB-494D-AB86-918455CACC87}">
+  <ds:schemaRefs>
+    <ds:schemaRef ds:uri="http://schemas.microsoft.com/VisualStudio/2011/storyboarding/control"/>
+  </ds:schemaRefs>
+</ds:datastoreItem>
+</file>
+
+<file path=customXml/itemProps11.xml><?xml version="1.0" encoding="utf-8"?>
+<ds:datastoreItem xmlns:ds="http://schemas.openxmlformats.org/officeDocument/2006/customXml" ds:itemID="{F2F63AC9-6727-4EEE-AF30-6E2E0DAD9B09}">
+  <ds:schemaRefs>
+    <ds:schemaRef ds:uri="http://schemas.microsoft.com/VisualStudio/2011/storyboarding/control"/>
+  </ds:schemaRefs>
+</ds:datastoreItem>
+</file>
+
+<file path=customXml/itemProps2.xml><?xml version="1.0" encoding="utf-8"?>
+<ds:datastoreItem xmlns:ds="http://schemas.openxmlformats.org/officeDocument/2006/customXml" ds:itemID="{E0BA1EB9-481E-45C8-A605-B56A0B99758C}">
+  <ds:schemaRefs>
+    <ds:schemaRef ds:uri="http://schemas.microsoft.com/VisualStudio/2011/storyboarding/control"/>
+  </ds:schemaRefs>
+</ds:datastoreItem>
+</file>
+
+<file path=customXml/itemProps3.xml><?xml version="1.0" encoding="utf-8"?>
+<ds:datastoreItem xmlns:ds="http://schemas.openxmlformats.org/officeDocument/2006/customXml" ds:itemID="{AC76BB47-9CC5-48E3-8D1E-1682BF2CA68A}">
+  <ds:schemaRefs>
+    <ds:schemaRef ds:uri="http://schemas.microsoft.com/VisualStudio/2011/storyboarding/control"/>
+  </ds:schemaRefs>
+</ds:datastoreItem>
+</file>
+
+<file path=customXml/itemProps4.xml><?xml version="1.0" encoding="utf-8"?>
+<ds:datastoreItem xmlns:ds="http://schemas.openxmlformats.org/officeDocument/2006/customXml" ds:itemID="{86A86C2F-D6BC-44E0-B86F-A181FA1663FC}">
+  <ds:schemaRefs>
+    <ds:schemaRef ds:uri="http://schemas.microsoft.com/VisualStudio/2011/storyboarding/control"/>
+  </ds:schemaRefs>
+</ds:datastoreItem>
+</file>
+
+<file path=customXml/itemProps5.xml><?xml version="1.0" encoding="utf-8"?>
 <ds:datastoreItem xmlns:ds="http://schemas.openxmlformats.org/officeDocument/2006/customXml" ds:itemID="{EE7144F4-847C-454B-BEA1-C5B75D89EE8E}">
   <ds:schemaRefs>
     <ds:schemaRef ds:uri="http://schemas.microsoft.com/VisualStudio/2011/storyboarding/control"/>
@@ -24780,31 +33872,7 @@
 </ds:datastoreItem>
 </file>
 
-<file path=customXml/itemProps11.xml><?xml version="1.0" encoding="utf-8"?>
-<ds:datastoreItem xmlns:ds="http://schemas.openxmlformats.org/officeDocument/2006/customXml" ds:itemID="{AC76BB47-9CC5-48E3-8D1E-1682BF2CA68A}">
-  <ds:schemaRefs>
-    <ds:schemaRef ds:uri="http://schemas.microsoft.com/VisualStudio/2011/storyboarding/control"/>
-  </ds:schemaRefs>
-</ds:datastoreItem>
-</file>
-
-<file path=customXml/itemProps2.xml><?xml version="1.0" encoding="utf-8"?>
-<ds:datastoreItem xmlns:ds="http://schemas.openxmlformats.org/officeDocument/2006/customXml" ds:itemID="{F2F63AC9-6727-4EEE-AF30-6E2E0DAD9B09}">
-  <ds:schemaRefs>
-    <ds:schemaRef ds:uri="http://schemas.microsoft.com/VisualStudio/2011/storyboarding/control"/>
-  </ds:schemaRefs>
-</ds:datastoreItem>
-</file>
-
-<file path=customXml/itemProps3.xml><?xml version="1.0" encoding="utf-8"?>
-<ds:datastoreItem xmlns:ds="http://schemas.openxmlformats.org/officeDocument/2006/customXml" ds:itemID="{DAED092B-F40A-4A56-96B1-9AA2D8FB079C}">
-  <ds:schemaRefs>
-    <ds:schemaRef ds:uri="http://schemas.microsoft.com/VisualStudio/2011/storyboarding/control"/>
-  </ds:schemaRefs>
-</ds:datastoreItem>
-</file>
-
-<file path=customXml/itemProps4.xml><?xml version="1.0" encoding="utf-8"?>
+<file path=customXml/itemProps6.xml><?xml version="1.0" encoding="utf-8"?>
 <ds:datastoreItem xmlns:ds="http://schemas.openxmlformats.org/officeDocument/2006/customXml" ds:itemID="{DCE1FAA4-ED4C-4BF8-B64A-C4FE09CD2405}">
   <ds:schemaRefs>
     <ds:schemaRef ds:uri="http://schemas.microsoft.com/VisualStudio/2011/storyboarding/control"/>
@@ -24812,24 +33880,8 @@
 </ds:datastoreItem>
 </file>
 
-<file path=customXml/itemProps5.xml><?xml version="1.0" encoding="utf-8"?>
-<ds:datastoreItem xmlns:ds="http://schemas.openxmlformats.org/officeDocument/2006/customXml" ds:itemID="{86A86C2F-D6BC-44E0-B86F-A181FA1663FC}">
-  <ds:schemaRefs>
-    <ds:schemaRef ds:uri="http://schemas.microsoft.com/VisualStudio/2011/storyboarding/control"/>
-  </ds:schemaRefs>
-</ds:datastoreItem>
-</file>
-
-<file path=customXml/itemProps6.xml><?xml version="1.0" encoding="utf-8"?>
-<ds:datastoreItem xmlns:ds="http://schemas.openxmlformats.org/officeDocument/2006/customXml" ds:itemID="{E0BA1EB9-481E-45C8-A605-B56A0B99758C}">
-  <ds:schemaRefs>
-    <ds:schemaRef ds:uri="http://schemas.microsoft.com/VisualStudio/2011/storyboarding/control"/>
-  </ds:schemaRefs>
-</ds:datastoreItem>
-</file>
-
 <file path=customXml/itemProps7.xml><?xml version="1.0" encoding="utf-8"?>
-<ds:datastoreItem xmlns:ds="http://schemas.openxmlformats.org/officeDocument/2006/customXml" ds:itemID="{B4BC5588-4AFB-494D-AB86-918455CACC87}">
+<ds:datastoreItem xmlns:ds="http://schemas.openxmlformats.org/officeDocument/2006/customXml" ds:itemID="{7DBE5AEB-2FB9-4941-B0E8-F73C8E7E7BF8}">
   <ds:schemaRefs>
     <ds:schemaRef ds:uri="http://schemas.microsoft.com/VisualStudio/2011/storyboarding/control"/>
   </ds:schemaRefs>
@@ -24845,7 +33897,7 @@
 </file>
 
 <file path=customXml/itemProps9.xml><?xml version="1.0" encoding="utf-8"?>
-<ds:datastoreItem xmlns:ds="http://schemas.openxmlformats.org/officeDocument/2006/customXml" ds:itemID="{7DBE5AEB-2FB9-4941-B0E8-F73C8E7E7BF8}">
+<ds:datastoreItem xmlns:ds="http://schemas.openxmlformats.org/officeDocument/2006/customXml" ds:itemID="{DAED092B-F40A-4A56-96B1-9AA2D8FB079C}">
   <ds:schemaRefs>
     <ds:schemaRef ds:uri="http://schemas.microsoft.com/VisualStudio/2011/storyboarding/control"/>
   </ds:schemaRefs>
